--- a/PPTs/Lecture 14-radix sort.pptx
+++ b/PPTs/Lecture 14-radix sort.pptx
@@ -222,7 +222,7 @@
           <a:p>
             <a:fld id="{7E731F4C-49D2-428C-BC15-767604D5F3DB}" type="datetimeFigureOut">
               <a:rPr lang="en-US" smtClean="0"/>
-              <a:t>12/6/21</a:t>
+              <a:t>9/10/2024</a:t>
             </a:fld>
             <a:endParaRPr lang="en-US"/>
           </a:p>
@@ -2368,7 +2368,7 @@
           <a:p>
             <a:fld id="{9F98964C-18C6-4ABD-B5DC-E707707781F9}" type="datetimeFigureOut">
               <a:rPr lang="en-US" smtClean="0"/>
-              <a:t>12/6/21</a:t>
+              <a:t>9/10/2024</a:t>
             </a:fld>
             <a:endParaRPr lang="en-US"/>
           </a:p>
@@ -2536,7 +2536,7 @@
           <a:p>
             <a:fld id="{9F98964C-18C6-4ABD-B5DC-E707707781F9}" type="datetimeFigureOut">
               <a:rPr lang="en-US" smtClean="0"/>
-              <a:t>12/6/21</a:t>
+              <a:t>9/10/2024</a:t>
             </a:fld>
             <a:endParaRPr lang="en-US"/>
           </a:p>
@@ -2714,7 +2714,7 @@
           <a:p>
             <a:fld id="{9F98964C-18C6-4ABD-B5DC-E707707781F9}" type="datetimeFigureOut">
               <a:rPr lang="en-US" smtClean="0"/>
-              <a:t>12/6/21</a:t>
+              <a:t>9/10/2024</a:t>
             </a:fld>
             <a:endParaRPr lang="en-US"/>
           </a:p>
@@ -2882,7 +2882,7 @@
           <a:p>
             <a:fld id="{9F98964C-18C6-4ABD-B5DC-E707707781F9}" type="datetimeFigureOut">
               <a:rPr lang="en-US" smtClean="0"/>
-              <a:t>12/6/21</a:t>
+              <a:t>9/10/2024</a:t>
             </a:fld>
             <a:endParaRPr lang="en-US"/>
           </a:p>
@@ -3127,7 +3127,7 @@
           <a:p>
             <a:fld id="{9F98964C-18C6-4ABD-B5DC-E707707781F9}" type="datetimeFigureOut">
               <a:rPr lang="en-US" smtClean="0"/>
-              <a:t>12/6/21</a:t>
+              <a:t>9/10/2024</a:t>
             </a:fld>
             <a:endParaRPr lang="en-US"/>
           </a:p>
@@ -3356,7 +3356,7 @@
           <a:p>
             <a:fld id="{9F98964C-18C6-4ABD-B5DC-E707707781F9}" type="datetimeFigureOut">
               <a:rPr lang="en-US" smtClean="0"/>
-              <a:t>12/6/21</a:t>
+              <a:t>9/10/2024</a:t>
             </a:fld>
             <a:endParaRPr lang="en-US"/>
           </a:p>
@@ -3720,7 +3720,7 @@
           <a:p>
             <a:fld id="{9F98964C-18C6-4ABD-B5DC-E707707781F9}" type="datetimeFigureOut">
               <a:rPr lang="en-US" smtClean="0"/>
-              <a:t>12/6/21</a:t>
+              <a:t>9/10/2024</a:t>
             </a:fld>
             <a:endParaRPr lang="en-US"/>
           </a:p>
@@ -3837,7 +3837,7 @@
           <a:p>
             <a:fld id="{9F98964C-18C6-4ABD-B5DC-E707707781F9}" type="datetimeFigureOut">
               <a:rPr lang="en-US" smtClean="0"/>
-              <a:t>12/6/21</a:t>
+              <a:t>9/10/2024</a:t>
             </a:fld>
             <a:endParaRPr lang="en-US"/>
           </a:p>
@@ -3932,7 +3932,7 @@
           <a:p>
             <a:fld id="{9F98964C-18C6-4ABD-B5DC-E707707781F9}" type="datetimeFigureOut">
               <a:rPr lang="en-US" smtClean="0"/>
-              <a:t>12/6/21</a:t>
+              <a:t>9/10/2024</a:t>
             </a:fld>
             <a:endParaRPr lang="en-US"/>
           </a:p>
@@ -4207,7 +4207,7 @@
           <a:p>
             <a:fld id="{9F98964C-18C6-4ABD-B5DC-E707707781F9}" type="datetimeFigureOut">
               <a:rPr lang="en-US" smtClean="0"/>
-              <a:t>12/6/21</a:t>
+              <a:t>9/10/2024</a:t>
             </a:fld>
             <a:endParaRPr lang="en-US"/>
           </a:p>
@@ -4459,7 +4459,7 @@
           <a:p>
             <a:fld id="{9F98964C-18C6-4ABD-B5DC-E707707781F9}" type="datetimeFigureOut">
               <a:rPr lang="en-US" smtClean="0"/>
-              <a:t>12/6/21</a:t>
+              <a:t>9/10/2024</a:t>
             </a:fld>
             <a:endParaRPr lang="en-US"/>
           </a:p>
@@ -4670,7 +4670,7 @@
           <a:p>
             <a:fld id="{9F98964C-18C6-4ABD-B5DC-E707707781F9}" type="datetimeFigureOut">
               <a:rPr lang="en-US" smtClean="0"/>
-              <a:t>12/6/21</a:t>
+              <a:t>9/10/2024</a:t>
             </a:fld>
             <a:endParaRPr lang="en-US"/>
           </a:p>
@@ -5205,10 +5205,14 @@
           <a:p>
             <a:r>
               <a:rPr lang="en-US" sz="2000" dirty="0"/>
+              <a:t>Zonghua Gu (based on </a:t>
+            </a:r>
+            <a:r>
+              <a:rPr lang="en-US" sz="2000" dirty="0" err="1"/>
               <a:t>J</a:t>
             </a:r>
             <a:r>
-              <a:rPr lang="en-US" altLang="zh-CN" sz="2000" dirty="0"/>
+              <a:rPr lang="en-US" altLang="zh-CN" sz="2000" dirty="0" err="1"/>
               <a:t>ianchen</a:t>
             </a:r>
             <a:r>
@@ -5217,7 +5221,7 @@
             </a:r>
             <a:r>
               <a:rPr lang="en-US" altLang="zh-CN" sz="2000" dirty="0"/>
-              <a:t>Shan</a:t>
+              <a:t>Shan)</a:t>
             </a:r>
           </a:p>
           <a:p>

--- a/PPTs/Lecture 14-radix sort.pptx
+++ b/PPTs/Lecture 14-radix sort.pptx
@@ -5,7 +5,7 @@
     <p:sldMasterId id="2147483648" r:id="rId1"/>
   </p:sldMasterIdLst>
   <p:notesMasterIdLst>
-    <p:notesMasterId r:id="rId28"/>
+    <p:notesMasterId r:id="rId27"/>
   </p:notesMasterIdLst>
   <p:sldIdLst>
     <p:sldId id="308" r:id="rId2"/>
@@ -19,21 +19,20 @@
     <p:sldId id="300" r:id="rId10"/>
     <p:sldId id="298" r:id="rId11"/>
     <p:sldId id="299" r:id="rId12"/>
-    <p:sldId id="290" r:id="rId13"/>
-    <p:sldId id="286" r:id="rId14"/>
-    <p:sldId id="278" r:id="rId15"/>
-    <p:sldId id="291" r:id="rId16"/>
-    <p:sldId id="280" r:id="rId17"/>
-    <p:sldId id="309" r:id="rId18"/>
-    <p:sldId id="306" r:id="rId19"/>
-    <p:sldId id="307" r:id="rId20"/>
-    <p:sldId id="281" r:id="rId21"/>
-    <p:sldId id="305" r:id="rId22"/>
-    <p:sldId id="304" r:id="rId23"/>
-    <p:sldId id="283" r:id="rId24"/>
-    <p:sldId id="284" r:id="rId25"/>
-    <p:sldId id="301" r:id="rId26"/>
-    <p:sldId id="293" r:id="rId27"/>
+    <p:sldId id="286" r:id="rId13"/>
+    <p:sldId id="278" r:id="rId14"/>
+    <p:sldId id="291" r:id="rId15"/>
+    <p:sldId id="280" r:id="rId16"/>
+    <p:sldId id="309" r:id="rId17"/>
+    <p:sldId id="306" r:id="rId18"/>
+    <p:sldId id="307" r:id="rId19"/>
+    <p:sldId id="281" r:id="rId20"/>
+    <p:sldId id="305" r:id="rId21"/>
+    <p:sldId id="304" r:id="rId22"/>
+    <p:sldId id="283" r:id="rId23"/>
+    <p:sldId id="284" r:id="rId24"/>
+    <p:sldId id="301" r:id="rId25"/>
+    <p:sldId id="293" r:id="rId26"/>
   </p:sldIdLst>
   <p:sldSz cx="12192000" cy="6858000"/>
   <p:notesSz cx="6858000" cy="9144000"/>
@@ -222,7 +221,7 @@
           <a:p>
             <a:fld id="{7E731F4C-49D2-428C-BC15-767604D5F3DB}" type="datetimeFigureOut">
               <a:rPr lang="en-US" smtClean="0"/>
-              <a:t>9/10/2024</a:t>
+              <a:t>9/13/2024</a:t>
             </a:fld>
             <a:endParaRPr lang="en-US"/>
           </a:p>
@@ -2368,7 +2367,7 @@
           <a:p>
             <a:fld id="{9F98964C-18C6-4ABD-B5DC-E707707781F9}" type="datetimeFigureOut">
               <a:rPr lang="en-US" smtClean="0"/>
-              <a:t>9/10/2024</a:t>
+              <a:t>9/13/2024</a:t>
             </a:fld>
             <a:endParaRPr lang="en-US"/>
           </a:p>
@@ -2536,7 +2535,7 @@
           <a:p>
             <a:fld id="{9F98964C-18C6-4ABD-B5DC-E707707781F9}" type="datetimeFigureOut">
               <a:rPr lang="en-US" smtClean="0"/>
-              <a:t>9/10/2024</a:t>
+              <a:t>9/13/2024</a:t>
             </a:fld>
             <a:endParaRPr lang="en-US"/>
           </a:p>
@@ -2714,7 +2713,7 @@
           <a:p>
             <a:fld id="{9F98964C-18C6-4ABD-B5DC-E707707781F9}" type="datetimeFigureOut">
               <a:rPr lang="en-US" smtClean="0"/>
-              <a:t>9/10/2024</a:t>
+              <a:t>9/13/2024</a:t>
             </a:fld>
             <a:endParaRPr lang="en-US"/>
           </a:p>
@@ -2882,7 +2881,7 @@
           <a:p>
             <a:fld id="{9F98964C-18C6-4ABD-B5DC-E707707781F9}" type="datetimeFigureOut">
               <a:rPr lang="en-US" smtClean="0"/>
-              <a:t>9/10/2024</a:t>
+              <a:t>9/13/2024</a:t>
             </a:fld>
             <a:endParaRPr lang="en-US"/>
           </a:p>
@@ -3127,7 +3126,7 @@
           <a:p>
             <a:fld id="{9F98964C-18C6-4ABD-B5DC-E707707781F9}" type="datetimeFigureOut">
               <a:rPr lang="en-US" smtClean="0"/>
-              <a:t>9/10/2024</a:t>
+              <a:t>9/13/2024</a:t>
             </a:fld>
             <a:endParaRPr lang="en-US"/>
           </a:p>
@@ -3356,7 +3355,7 @@
           <a:p>
             <a:fld id="{9F98964C-18C6-4ABD-B5DC-E707707781F9}" type="datetimeFigureOut">
               <a:rPr lang="en-US" smtClean="0"/>
-              <a:t>9/10/2024</a:t>
+              <a:t>9/13/2024</a:t>
             </a:fld>
             <a:endParaRPr lang="en-US"/>
           </a:p>
@@ -3720,7 +3719,7 @@
           <a:p>
             <a:fld id="{9F98964C-18C6-4ABD-B5DC-E707707781F9}" type="datetimeFigureOut">
               <a:rPr lang="en-US" smtClean="0"/>
-              <a:t>9/10/2024</a:t>
+              <a:t>9/13/2024</a:t>
             </a:fld>
             <a:endParaRPr lang="en-US"/>
           </a:p>
@@ -3837,7 +3836,7 @@
           <a:p>
             <a:fld id="{9F98964C-18C6-4ABD-B5DC-E707707781F9}" type="datetimeFigureOut">
               <a:rPr lang="en-US" smtClean="0"/>
-              <a:t>9/10/2024</a:t>
+              <a:t>9/13/2024</a:t>
             </a:fld>
             <a:endParaRPr lang="en-US"/>
           </a:p>
@@ -3932,7 +3931,7 @@
           <a:p>
             <a:fld id="{9F98964C-18C6-4ABD-B5DC-E707707781F9}" type="datetimeFigureOut">
               <a:rPr lang="en-US" smtClean="0"/>
-              <a:t>9/10/2024</a:t>
+              <a:t>9/13/2024</a:t>
             </a:fld>
             <a:endParaRPr lang="en-US"/>
           </a:p>
@@ -4207,7 +4206,7 @@
           <a:p>
             <a:fld id="{9F98964C-18C6-4ABD-B5DC-E707707781F9}" type="datetimeFigureOut">
               <a:rPr lang="en-US" smtClean="0"/>
-              <a:t>9/10/2024</a:t>
+              <a:t>9/13/2024</a:t>
             </a:fld>
             <a:endParaRPr lang="en-US"/>
           </a:p>
@@ -4459,7 +4458,7 @@
           <a:p>
             <a:fld id="{9F98964C-18C6-4ABD-B5DC-E707707781F9}" type="datetimeFigureOut">
               <a:rPr lang="en-US" smtClean="0"/>
-              <a:t>9/10/2024</a:t>
+              <a:t>9/13/2024</a:t>
             </a:fld>
             <a:endParaRPr lang="en-US"/>
           </a:p>
@@ -4670,7 +4669,7 @@
           <a:p>
             <a:fld id="{9F98964C-18C6-4ABD-B5DC-E707707781F9}" type="datetimeFigureOut">
               <a:rPr lang="en-US" smtClean="0"/>
-              <a:t>9/10/2024</a:t>
+              <a:t>9/13/2024</a:t>
             </a:fld>
             <a:endParaRPr lang="en-US"/>
           </a:p>
@@ -9925,548 +9924,6 @@
       </p:grpSpPr>
       <p:sp>
         <p:nvSpPr>
-          <p:cNvPr id="5" name="Slide Number Placeholder 5"/>
-          <p:cNvSpPr>
-            <a:spLocks noGrp="1"/>
-          </p:cNvSpPr>
-          <p:nvPr>
-            <p:ph type="sldNum" sz="quarter" idx="12"/>
-          </p:nvPr>
-        </p:nvSpPr>
-        <p:spPr/>
-        <p:txBody>
-          <a:bodyPr/>
-          <a:lstStyle/>
-          <a:p>
-            <a:fld id="{8B860C9A-5776-4054-962B-1D7EF5D8AD02}" type="slidenum">
-              <a:rPr lang="en-US"/>
-              <a:pPr/>
-              <a:t>12</a:t>
-            </a:fld>
-            <a:endParaRPr lang="en-US"/>
-          </a:p>
-        </p:txBody>
-      </p:sp>
-      <p:sp>
-        <p:nvSpPr>
-          <p:cNvPr id="22530" name="Rectangle 2"/>
-          <p:cNvSpPr>
-            <a:spLocks noGrp="1" noChangeArrowheads="1"/>
-          </p:cNvSpPr>
-          <p:nvPr>
-            <p:ph type="title"/>
-          </p:nvPr>
-        </p:nvSpPr>
-        <p:spPr>
-          <a:xfrm>
-            <a:off x="495300" y="76200"/>
-            <a:ext cx="11258550" cy="1143000"/>
-          </a:xfrm>
-        </p:spPr>
-        <p:txBody>
-          <a:bodyPr/>
-          <a:lstStyle/>
-          <a:p>
-            <a:r>
-              <a:rPr lang="en-US" dirty="0">
-                <a:solidFill>
-                  <a:schemeClr val="tx1"/>
-                </a:solidFill>
-              </a:rPr>
-              <a:t>Not magic.  It provably works.</a:t>
-            </a:r>
-          </a:p>
-        </p:txBody>
-      </p:sp>
-      <p:sp>
-        <p:nvSpPr>
-          <p:cNvPr id="22531" name="Rectangle 3"/>
-          <p:cNvSpPr>
-            <a:spLocks noGrp="1" noChangeArrowheads="1"/>
-          </p:cNvSpPr>
-          <p:nvPr>
-            <p:ph type="body" idx="1"/>
-          </p:nvPr>
-        </p:nvSpPr>
-        <p:spPr>
-          <a:xfrm>
-            <a:off x="495300" y="1066801"/>
-            <a:ext cx="11258550" cy="5791199"/>
-          </a:xfrm>
-        </p:spPr>
-        <p:txBody>
-          <a:bodyPr>
-            <a:normAutofit/>
-          </a:bodyPr>
-          <a:lstStyle/>
-          <a:p>
-            <a:r>
-              <a:rPr lang="en-US" dirty="0"/>
-              <a:t>Elements: </a:t>
-            </a:r>
-            <a:r>
-              <a:rPr lang="en-US" dirty="0">
-                <a:solidFill>
-                  <a:schemeClr val="accent2"/>
-                </a:solidFill>
-              </a:rPr>
-              <a:t>N</a:t>
-            </a:r>
-            <a:r>
-              <a:rPr lang="en-US" dirty="0"/>
-              <a:t>-digit numbers, base </a:t>
-            </a:r>
-            <a:r>
-              <a:rPr lang="en-US" dirty="0">
-                <a:solidFill>
-                  <a:schemeClr val="accent2"/>
-                </a:solidFill>
-              </a:rPr>
-              <a:t>B</a:t>
-            </a:r>
-          </a:p>
-          <a:p>
-            <a:r>
-              <a:rPr lang="en-US" dirty="0"/>
-              <a:t>Claim: after </a:t>
-            </a:r>
-            <a:r>
-              <a:rPr lang="en-US" dirty="0" err="1">
-                <a:solidFill>
-                  <a:schemeClr val="accent2"/>
-                </a:solidFill>
-              </a:rPr>
-              <a:t>i</a:t>
-            </a:r>
-            <a:r>
-              <a:rPr lang="en-US" baseline="30000" dirty="0" err="1"/>
-              <a:t>th</a:t>
-            </a:r>
-            <a:r>
-              <a:rPr lang="en-US" dirty="0"/>
-              <a:t> sorting, least significant </a:t>
-            </a:r>
-            <a:r>
-              <a:rPr lang="en-US" dirty="0">
-                <a:solidFill>
-                  <a:schemeClr val="accent2"/>
-                </a:solidFill>
-              </a:rPr>
-              <a:t>i</a:t>
-            </a:r>
-            <a:r>
-              <a:rPr lang="en-US" dirty="0"/>
-              <a:t> digits are sorted.</a:t>
-            </a:r>
-          </a:p>
-          <a:p>
-            <a:pPr lvl="1"/>
-            <a:r>
-              <a:rPr lang="en-US" sz="2600" dirty="0"/>
-              <a:t>e.g. </a:t>
-            </a:r>
-            <a:r>
-              <a:rPr lang="en-US" sz="2600" dirty="0">
-                <a:solidFill>
-                  <a:schemeClr val="accent2"/>
-                </a:solidFill>
-              </a:rPr>
-              <a:t>B</a:t>
-            </a:r>
-            <a:r>
-              <a:rPr lang="en-US" sz="2600" dirty="0"/>
-              <a:t>=2, </a:t>
-            </a:r>
-            <a:r>
-              <a:rPr lang="en-US" sz="2600" dirty="0" err="1">
-                <a:solidFill>
-                  <a:schemeClr val="accent2"/>
-                </a:solidFill>
-              </a:rPr>
-              <a:t>i</a:t>
-            </a:r>
-            <a:r>
-              <a:rPr lang="en-US" sz="2600" dirty="0"/>
-              <a:t>=2, elements are 101 and 011.  1</a:t>
-            </a:r>
-            <a:r>
-              <a:rPr lang="en-US" sz="2600" u="sng" dirty="0">
-                <a:solidFill>
-                  <a:schemeClr val="accent2"/>
-                </a:solidFill>
-              </a:rPr>
-              <a:t>01</a:t>
-            </a:r>
-            <a:r>
-              <a:rPr lang="en-US" sz="2600" dirty="0"/>
-              <a:t> comes before 0</a:t>
-            </a:r>
-            <a:r>
-              <a:rPr lang="en-US" sz="2600" u="sng" dirty="0">
-                <a:solidFill>
-                  <a:schemeClr val="accent2"/>
-                </a:solidFill>
-              </a:rPr>
-              <a:t>11</a:t>
-            </a:r>
-            <a:r>
-              <a:rPr lang="en-US" sz="2600" dirty="0"/>
-              <a:t> for last 2 bits.</a:t>
-            </a:r>
-          </a:p>
-          <a:p>
-            <a:r>
-              <a:rPr lang="en-US" dirty="0"/>
-              <a:t>Proof using induction:</a:t>
-            </a:r>
-          </a:p>
-          <a:p>
-            <a:pPr lvl="1"/>
-            <a:r>
-              <a:rPr lang="en-US" sz="2600" dirty="0"/>
-              <a:t>base case:  </a:t>
-            </a:r>
-            <a:r>
-              <a:rPr lang="en-US" sz="2600" dirty="0" err="1">
-                <a:solidFill>
-                  <a:schemeClr val="accent2"/>
-                </a:solidFill>
-              </a:rPr>
-              <a:t>i</a:t>
-            </a:r>
-            <a:r>
-              <a:rPr lang="en-US" sz="2600" dirty="0"/>
-              <a:t>=1.  1 digit is sorted (that wasn’t hard!)</a:t>
-            </a:r>
-          </a:p>
-          <a:p>
-            <a:pPr lvl="1"/>
-            <a:r>
-              <a:rPr lang="en-US" sz="2600" dirty="0"/>
-              <a:t>Induction step</a:t>
-            </a:r>
-          </a:p>
-          <a:p>
-            <a:pPr lvl="2"/>
-            <a:r>
-              <a:rPr lang="en-US" sz="2400" dirty="0"/>
-              <a:t>assume for </a:t>
-            </a:r>
-            <a:r>
-              <a:rPr lang="en-US" sz="2400" dirty="0" err="1">
-                <a:solidFill>
-                  <a:schemeClr val="accent2"/>
-                </a:solidFill>
-              </a:rPr>
-              <a:t>i</a:t>
-            </a:r>
-            <a:r>
-              <a:rPr lang="en-US" sz="2400" dirty="0"/>
-              <a:t>, prove for </a:t>
-            </a:r>
-            <a:r>
-              <a:rPr lang="en-US" sz="2400" dirty="0">
-                <a:solidFill>
-                  <a:schemeClr val="accent2"/>
-                </a:solidFill>
-              </a:rPr>
-              <a:t>i+1</a:t>
-            </a:r>
-            <a:r>
-              <a:rPr lang="en-US" sz="2400" dirty="0"/>
-              <a:t>.</a:t>
-            </a:r>
-          </a:p>
-          <a:p>
-            <a:pPr lvl="2"/>
-            <a:r>
-              <a:rPr lang="en-US" sz="2400" dirty="0"/>
-              <a:t>consider two numbers: </a:t>
-            </a:r>
-            <a:r>
-              <a:rPr lang="en-US" sz="2400" dirty="0">
-                <a:solidFill>
-                  <a:schemeClr val="accent2"/>
-                </a:solidFill>
-              </a:rPr>
-              <a:t>X</a:t>
-            </a:r>
-            <a:r>
-              <a:rPr lang="en-US" sz="2400" dirty="0"/>
-              <a:t>, </a:t>
-            </a:r>
-            <a:r>
-              <a:rPr lang="en-US" sz="2400" dirty="0">
-                <a:solidFill>
-                  <a:schemeClr val="accent2"/>
-                </a:solidFill>
-              </a:rPr>
-              <a:t>Y</a:t>
-            </a:r>
-            <a:r>
-              <a:rPr lang="en-US" sz="2400" dirty="0"/>
-              <a:t>.  Say </a:t>
-            </a:r>
-            <a:r>
-              <a:rPr lang="en-US" sz="2400" dirty="0">
-                <a:solidFill>
-                  <a:schemeClr val="accent2"/>
-                </a:solidFill>
-              </a:rPr>
-              <a:t>X</a:t>
-            </a:r>
-            <a:r>
-              <a:rPr lang="en-US" sz="2400" baseline="-25000" dirty="0">
-                <a:solidFill>
-                  <a:schemeClr val="accent2"/>
-                </a:solidFill>
-              </a:rPr>
-              <a:t>i</a:t>
-            </a:r>
-            <a:r>
-              <a:rPr lang="en-US" sz="2400" dirty="0"/>
-              <a:t> is </a:t>
-            </a:r>
-            <a:r>
-              <a:rPr lang="en-US" sz="2400" dirty="0" err="1">
-                <a:solidFill>
-                  <a:schemeClr val="accent2"/>
-                </a:solidFill>
-              </a:rPr>
-              <a:t>i</a:t>
-            </a:r>
-            <a:r>
-              <a:rPr lang="en-US" sz="2400" baseline="30000" dirty="0" err="1"/>
-              <a:t>th</a:t>
-            </a:r>
-            <a:r>
-              <a:rPr lang="en-US" sz="2400" dirty="0"/>
-              <a:t> digit of </a:t>
-            </a:r>
-            <a:r>
-              <a:rPr lang="en-US" sz="2400" dirty="0">
-                <a:solidFill>
-                  <a:schemeClr val="accent2"/>
-                </a:solidFill>
-              </a:rPr>
-              <a:t>X</a:t>
-            </a:r>
-            <a:r>
-              <a:rPr lang="en-US" sz="2400" dirty="0"/>
-              <a:t> (from the right)</a:t>
-            </a:r>
-          </a:p>
-          <a:p>
-            <a:pPr lvl="3"/>
-            <a:r>
-              <a:rPr lang="en-US" sz="2400" dirty="0"/>
-              <a:t>Values are more determined by a higher digit than any lower digits, i.e.,</a:t>
-            </a:r>
-            <a:endParaRPr lang="en-US" sz="2200" dirty="0"/>
-          </a:p>
-          <a:p>
-            <a:pPr lvl="3"/>
-            <a:r>
-              <a:rPr lang="en-US" sz="2400" dirty="0">
-                <a:solidFill>
-                  <a:schemeClr val="accent2"/>
-                </a:solidFill>
-              </a:rPr>
-              <a:t>X</a:t>
-            </a:r>
-            <a:r>
-              <a:rPr lang="en-US" sz="2400" baseline="-25000" dirty="0">
-                <a:solidFill>
-                  <a:schemeClr val="accent2"/>
-                </a:solidFill>
-              </a:rPr>
-              <a:t>i+1</a:t>
-            </a:r>
-            <a:r>
-              <a:rPr lang="en-US" sz="2400" baseline="-25000" dirty="0"/>
-              <a:t> </a:t>
-            </a:r>
-            <a:r>
-              <a:rPr lang="en-US" sz="2400" dirty="0"/>
-              <a:t>&gt; </a:t>
-            </a:r>
-            <a:r>
-              <a:rPr lang="en-US" sz="2400" dirty="0">
-                <a:solidFill>
-                  <a:schemeClr val="accent2"/>
-                </a:solidFill>
-              </a:rPr>
-              <a:t>Y</a:t>
-            </a:r>
-            <a:r>
-              <a:rPr lang="en-US" sz="2400" baseline="-25000" dirty="0">
-                <a:solidFill>
-                  <a:schemeClr val="accent2"/>
-                </a:solidFill>
-              </a:rPr>
-              <a:t>i+1</a:t>
-            </a:r>
-            <a:r>
-              <a:rPr lang="en-US" sz="2400" dirty="0"/>
-              <a:t> then </a:t>
-            </a:r>
-            <a:r>
-              <a:rPr lang="en-US" sz="2400" dirty="0">
-                <a:solidFill>
-                  <a:schemeClr val="accent2"/>
-                </a:solidFill>
-              </a:rPr>
-              <a:t>i+1</a:t>
-            </a:r>
-            <a:r>
-              <a:rPr lang="en-US" sz="2400" baseline="30000" dirty="0"/>
-              <a:t>th</a:t>
-            </a:r>
-            <a:r>
-              <a:rPr lang="en-US" sz="2400" dirty="0"/>
-              <a:t> sorting will put them in order</a:t>
-            </a:r>
-          </a:p>
-          <a:p>
-            <a:pPr lvl="3"/>
-            <a:r>
-              <a:rPr lang="en-US" sz="2400" dirty="0">
-                <a:solidFill>
-                  <a:schemeClr val="accent2"/>
-                </a:solidFill>
-              </a:rPr>
-              <a:t>X</a:t>
-            </a:r>
-            <a:r>
-              <a:rPr lang="en-US" sz="2400" baseline="-25000" dirty="0">
-                <a:solidFill>
-                  <a:schemeClr val="accent2"/>
-                </a:solidFill>
-              </a:rPr>
-              <a:t>i+1</a:t>
-            </a:r>
-            <a:r>
-              <a:rPr lang="en-US" sz="2400" baseline="-25000" dirty="0"/>
-              <a:t> </a:t>
-            </a:r>
-            <a:r>
-              <a:rPr lang="en-US" sz="2400" dirty="0"/>
-              <a:t>&lt; </a:t>
-            </a:r>
-            <a:r>
-              <a:rPr lang="en-US" sz="2400" dirty="0">
-                <a:solidFill>
-                  <a:schemeClr val="accent2"/>
-                </a:solidFill>
-              </a:rPr>
-              <a:t>Y</a:t>
-            </a:r>
-            <a:r>
-              <a:rPr lang="en-US" sz="2400" baseline="-25000" dirty="0">
-                <a:solidFill>
-                  <a:schemeClr val="accent2"/>
-                </a:solidFill>
-              </a:rPr>
-              <a:t>i+1</a:t>
-            </a:r>
-            <a:r>
-              <a:rPr lang="en-US" sz="2400" dirty="0"/>
-              <a:t> , same thing</a:t>
-            </a:r>
-          </a:p>
-          <a:p>
-            <a:pPr lvl="3"/>
-            <a:r>
-              <a:rPr lang="en-US" sz="2400" dirty="0">
-                <a:solidFill>
-                  <a:schemeClr val="accent2"/>
-                </a:solidFill>
-              </a:rPr>
-              <a:t>X</a:t>
-            </a:r>
-            <a:r>
-              <a:rPr lang="en-US" sz="2400" baseline="-25000" dirty="0">
-                <a:solidFill>
-                  <a:schemeClr val="accent2"/>
-                </a:solidFill>
-              </a:rPr>
-              <a:t>i+1</a:t>
-            </a:r>
-            <a:r>
-              <a:rPr lang="en-US" sz="2400" baseline="-25000" dirty="0"/>
-              <a:t> </a:t>
-            </a:r>
-            <a:r>
-              <a:rPr lang="en-US" sz="2400" dirty="0"/>
-              <a:t>= </a:t>
-            </a:r>
-            <a:r>
-              <a:rPr lang="en-US" sz="2400" dirty="0">
-                <a:solidFill>
-                  <a:schemeClr val="accent2"/>
-                </a:solidFill>
-              </a:rPr>
-              <a:t>Y</a:t>
-            </a:r>
-            <a:r>
-              <a:rPr lang="en-US" sz="2400" baseline="-25000" dirty="0">
-                <a:solidFill>
-                  <a:schemeClr val="accent2"/>
-                </a:solidFill>
-              </a:rPr>
-              <a:t>i+1</a:t>
-            </a:r>
-            <a:r>
-              <a:rPr lang="en-US" sz="2400" dirty="0"/>
-              <a:t> , order depends on last </a:t>
-            </a:r>
-            <a:r>
-              <a:rPr lang="en-US" sz="2400" dirty="0" err="1">
-                <a:solidFill>
-                  <a:schemeClr val="accent2"/>
-                </a:solidFill>
-              </a:rPr>
-              <a:t>i</a:t>
-            </a:r>
-            <a:r>
-              <a:rPr lang="en-US" sz="2400" dirty="0"/>
-              <a:t> digits.  Induction hypothesis says already sorted for these digits. </a:t>
-            </a:r>
-          </a:p>
-        </p:txBody>
-      </p:sp>
-    </p:spTree>
-    <p:extLst>
-      <p:ext uri="{BB962C8B-B14F-4D97-AF65-F5344CB8AC3E}">
-        <p14:creationId xmlns:p14="http://schemas.microsoft.com/office/powerpoint/2010/main" val="2214054602"/>
-      </p:ext>
-    </p:extLst>
-  </p:cSld>
-  <p:clrMapOvr>
-    <a:masterClrMapping/>
-  </p:clrMapOvr>
-</p:sld>
-</file>
-
-<file path=ppt/slides/slide13.xml><?xml version="1.0" encoding="utf-8"?>
-<p:sld xmlns:a="http://schemas.openxmlformats.org/drawingml/2006/main" xmlns:r="http://schemas.openxmlformats.org/officeDocument/2006/relationships" xmlns:p="http://schemas.openxmlformats.org/presentationml/2006/main">
-  <p:cSld>
-    <p:spTree>
-      <p:nvGrpSpPr>
-        <p:cNvPr id="1" name=""/>
-        <p:cNvGrpSpPr/>
-        <p:nvPr/>
-      </p:nvGrpSpPr>
-      <p:grpSpPr>
-        <a:xfrm>
-          <a:off x="0" y="0"/>
-          <a:ext cx="0" cy="0"/>
-          <a:chOff x="0" y="0"/>
-          <a:chExt cx="0" cy="0"/>
-        </a:xfrm>
-      </p:grpSpPr>
-      <p:sp>
-        <p:nvSpPr>
           <p:cNvPr id="6" name="Slide Number Placeholder 5"/>
           <p:cNvSpPr>
             <a:spLocks noGrp="1"/>
@@ -10483,7 +9940,7 @@
             <a:fld id="{C9F5F879-9A9F-429D-97D8-1AC0F4F9BBF8}" type="slidenum">
               <a:rPr lang="en-US"/>
               <a:pPr/>
-              <a:t>13</a:t>
+              <a:t>12</a:t>
             </a:fld>
             <a:endParaRPr lang="en-US"/>
           </a:p>
@@ -10913,7 +10370,7 @@
 </p:sld>
 </file>
 
-<file path=ppt/slides/slide14.xml><?xml version="1.0" encoding="utf-8"?>
+<file path=ppt/slides/slide13.xml><?xml version="1.0" encoding="utf-8"?>
 <p:sld xmlns:a="http://schemas.openxmlformats.org/drawingml/2006/main" xmlns:r="http://schemas.openxmlformats.org/officeDocument/2006/relationships" xmlns:p="http://schemas.openxmlformats.org/presentationml/2006/main">
   <p:cSld>
     <p:spTree>
@@ -11262,7 +10719,7 @@
 </p:sld>
 </file>
 
-<file path=ppt/slides/slide15.xml><?xml version="1.0" encoding="utf-8"?>
+<file path=ppt/slides/slide14.xml><?xml version="1.0" encoding="utf-8"?>
 <p:sld xmlns:a="http://schemas.openxmlformats.org/drawingml/2006/main" xmlns:r="http://schemas.openxmlformats.org/officeDocument/2006/relationships" xmlns:p="http://schemas.openxmlformats.org/presentationml/2006/main">
   <p:cSld>
     <p:spTree>
@@ -11297,7 +10754,7 @@
             <a:fld id="{F432B975-0E61-462E-B8CB-46B64713F98B}" type="slidenum">
               <a:rPr lang="en-US" altLang="en-US"/>
               <a:pPr/>
-              <a:t>15</a:t>
+              <a:t>14</a:t>
             </a:fld>
             <a:endParaRPr lang="en-US" altLang="en-US"/>
           </a:p>
@@ -17538,7 +16995,7 @@
 </p:sld>
 </file>
 
-<file path=ppt/slides/slide16.xml><?xml version="1.0" encoding="utf-8"?>
+<file path=ppt/slides/slide15.xml><?xml version="1.0" encoding="utf-8"?>
 <p:sld xmlns:a="http://schemas.openxmlformats.org/drawingml/2006/main" xmlns:r="http://schemas.openxmlformats.org/officeDocument/2006/relationships" xmlns:p="http://schemas.openxmlformats.org/presentationml/2006/main">
   <p:cSld>
     <p:spTree>
@@ -17573,7 +17030,7 @@
             <a:fld id="{1D2B55DE-5392-4A15-AF10-95A26D0DED70}" type="slidenum">
               <a:rPr lang="en-US"/>
               <a:pPr/>
-              <a:t>16</a:t>
+              <a:t>15</a:t>
             </a:fld>
             <a:endParaRPr lang="en-US"/>
           </a:p>
@@ -17690,7 +17147,7 @@
 </p:sld>
 </file>
 
-<file path=ppt/slides/slide17.xml><?xml version="1.0" encoding="utf-8"?>
+<file path=ppt/slides/slide16.xml><?xml version="1.0" encoding="utf-8"?>
 <p:sld xmlns:a="http://schemas.openxmlformats.org/drawingml/2006/main" xmlns:r="http://schemas.openxmlformats.org/officeDocument/2006/relationships" xmlns:p="http://schemas.openxmlformats.org/presentationml/2006/main">
   <p:cSld>
     <p:spTree>
@@ -17802,7 +17259,7 @@
 </p:sld>
 </file>
 
-<file path=ppt/slides/slide18.xml><?xml version="1.0" encoding="utf-8"?>
+<file path=ppt/slides/slide17.xml><?xml version="1.0" encoding="utf-8"?>
 <p:sld xmlns:a="http://schemas.openxmlformats.org/drawingml/2006/main" xmlns:r="http://schemas.openxmlformats.org/officeDocument/2006/relationships" xmlns:p="http://schemas.openxmlformats.org/presentationml/2006/main">
   <p:cSld>
     <p:spTree>
@@ -17989,7 +17446,7 @@
 </p:sld>
 </file>
 
-<file path=ppt/slides/slide19.xml><?xml version="1.0" encoding="utf-8"?>
+<file path=ppt/slides/slide18.xml><?xml version="1.0" encoding="utf-8"?>
 <p:sld xmlns:a="http://schemas.openxmlformats.org/drawingml/2006/main" xmlns:r="http://schemas.openxmlformats.org/officeDocument/2006/relationships" xmlns:p="http://schemas.openxmlformats.org/presentationml/2006/main">
   <p:cSld>
     <p:spTree>
@@ -18386,177 +17843,7 @@
 </p:sld>
 </file>
 
-<file path=ppt/slides/slide2.xml><?xml version="1.0" encoding="utf-8"?>
-<p:sld xmlns:a="http://schemas.openxmlformats.org/drawingml/2006/main" xmlns:r="http://schemas.openxmlformats.org/officeDocument/2006/relationships" xmlns:p="http://schemas.openxmlformats.org/presentationml/2006/main">
-  <p:cSld>
-    <p:spTree>
-      <p:nvGrpSpPr>
-        <p:cNvPr id="1" name=""/>
-        <p:cNvGrpSpPr/>
-        <p:nvPr/>
-      </p:nvGrpSpPr>
-      <p:grpSpPr>
-        <a:xfrm>
-          <a:off x="0" y="0"/>
-          <a:ext cx="0" cy="0"/>
-          <a:chOff x="0" y="0"/>
-          <a:chExt cx="0" cy="0"/>
-        </a:xfrm>
-      </p:grpSpPr>
-      <p:sp>
-        <p:nvSpPr>
-          <p:cNvPr id="6" name="Slide Number Placeholder 5"/>
-          <p:cNvSpPr>
-            <a:spLocks noGrp="1"/>
-          </p:cNvSpPr>
-          <p:nvPr>
-            <p:ph type="sldNum" sz="quarter" idx="12"/>
-          </p:nvPr>
-        </p:nvSpPr>
-        <p:spPr/>
-        <p:txBody>
-          <a:bodyPr/>
-          <a:lstStyle/>
-          <a:p>
-            <a:fld id="{C9F5F879-9A9F-429D-97D8-1AC0F4F9BBF8}" type="slidenum">
-              <a:rPr lang="en-US"/>
-              <a:pPr/>
-              <a:t>2</a:t>
-            </a:fld>
-            <a:endParaRPr lang="en-US"/>
-          </a:p>
-        </p:txBody>
-      </p:sp>
-      <p:sp>
-        <p:nvSpPr>
-          <p:cNvPr id="16386" name="Rectangle 1026"/>
-          <p:cNvSpPr>
-            <a:spLocks noGrp="1" noChangeArrowheads="1"/>
-          </p:cNvSpPr>
-          <p:nvPr>
-            <p:ph type="title"/>
-          </p:nvPr>
-        </p:nvSpPr>
-        <p:spPr>
-          <a:xfrm>
-            <a:off x="240145" y="0"/>
-            <a:ext cx="8675255" cy="838200"/>
-          </a:xfrm>
-        </p:spPr>
-        <p:txBody>
-          <a:bodyPr/>
-          <a:lstStyle/>
-          <a:p>
-            <a:r>
-              <a:rPr lang="en-US" dirty="0"/>
-              <a:t>Radix and Radix Sort</a:t>
-            </a:r>
-          </a:p>
-        </p:txBody>
-      </p:sp>
-      <p:sp>
-        <p:nvSpPr>
-          <p:cNvPr id="16387" name="Rectangle 1027"/>
-          <p:cNvSpPr>
-            <a:spLocks noGrp="1" noChangeArrowheads="1"/>
-          </p:cNvSpPr>
-          <p:nvPr>
-            <p:ph type="body" idx="1"/>
-          </p:nvPr>
-        </p:nvSpPr>
-        <p:spPr>
-          <a:xfrm>
-            <a:off x="240145" y="974725"/>
-            <a:ext cx="11720945" cy="5527675"/>
-          </a:xfrm>
-        </p:spPr>
-        <p:txBody>
-          <a:bodyPr>
-            <a:normAutofit/>
-          </a:bodyPr>
-          <a:lstStyle/>
-          <a:p>
-            <a:r>
-              <a:rPr lang="en-US" sz="3200" dirty="0"/>
-              <a:t>Radix = “The base of a number system” (Webster’s dictionary)</a:t>
-            </a:r>
-          </a:p>
-          <a:p>
-            <a:r>
-              <a:rPr lang="en-US" sz="3200" dirty="0"/>
-              <a:t>Radix is another term of “base” : number of unique digits, including the digit zero, used to represent numbers </a:t>
-            </a:r>
-          </a:p>
-          <a:p>
-            <a:r>
-              <a:rPr lang="en-US" sz="3200" dirty="0"/>
-              <a:t>Radix of numbers:</a:t>
-            </a:r>
-          </a:p>
-          <a:p>
-            <a:pPr lvl="1"/>
-            <a:r>
-              <a:rPr lang="en-US" sz="2800" dirty="0"/>
-              <a:t>Binary numbers have a radix of 2</a:t>
-            </a:r>
-          </a:p>
-          <a:p>
-            <a:pPr lvl="1"/>
-            <a:r>
-              <a:rPr lang="en-US" sz="2800" dirty="0"/>
-              <a:t>decimals have a radix of 10</a:t>
-            </a:r>
-          </a:p>
-          <a:p>
-            <a:pPr lvl="1"/>
-            <a:r>
-              <a:rPr lang="en-US" sz="2800" dirty="0"/>
-              <a:t>hexadecimals have a radix of 16.</a:t>
-            </a:r>
-          </a:p>
-          <a:p>
-            <a:r>
-              <a:rPr lang="en-US" sz="3200" dirty="0"/>
-              <a:t>Radix of texts:</a:t>
-            </a:r>
-          </a:p>
-          <a:p>
-            <a:pPr lvl="1"/>
-            <a:r>
-              <a:rPr lang="en-US" sz="2800" dirty="0"/>
-              <a:t>26 if only capital letters are considered</a:t>
-            </a:r>
-          </a:p>
-          <a:p>
-            <a:pPr lvl="1"/>
-            <a:r>
-              <a:rPr lang="en-US" sz="2800" dirty="0"/>
-              <a:t>36 if capital letters and decimal digits are considered</a:t>
-            </a:r>
-          </a:p>
-          <a:p>
-            <a:pPr lvl="1"/>
-            <a:r>
-              <a:rPr lang="en-US" sz="2800" dirty="0"/>
-              <a:t>62 for capital letters + small letters + decimal digits</a:t>
-            </a:r>
-          </a:p>
-        </p:txBody>
-      </p:sp>
-    </p:spTree>
-    <p:extLst>
-      <p:ext uri="{BB962C8B-B14F-4D97-AF65-F5344CB8AC3E}">
-        <p14:creationId xmlns:p14="http://schemas.microsoft.com/office/powerpoint/2010/main" val="2179628565"/>
-      </p:ext>
-    </p:extLst>
-  </p:cSld>
-  <p:clrMapOvr>
-    <a:masterClrMapping/>
-  </p:clrMapOvr>
-</p:sld>
-</file>
-
-<file path=ppt/slides/slide20.xml><?xml version="1.0" encoding="utf-8"?>
+<file path=ppt/slides/slide19.xml><?xml version="1.0" encoding="utf-8"?>
 <p:sld xmlns:a="http://schemas.openxmlformats.org/drawingml/2006/main" xmlns:r="http://schemas.openxmlformats.org/officeDocument/2006/relationships" xmlns:p="http://schemas.openxmlformats.org/presentationml/2006/main">
   <p:cSld>
     <p:spTree>
@@ -18591,7 +17878,7 @@
             <a:fld id="{A9F172B6-750E-4564-BC03-353EE7D49F13}" type="slidenum">
               <a:rPr lang="en-US"/>
               <a:pPr/>
-              <a:t>20</a:t>
+              <a:t>19</a:t>
             </a:fld>
             <a:endParaRPr lang="en-US"/>
           </a:p>
@@ -19268,7 +18555,177 @@
 </p:sld>
 </file>
 
-<file path=ppt/slides/slide21.xml><?xml version="1.0" encoding="utf-8"?>
+<file path=ppt/slides/slide2.xml><?xml version="1.0" encoding="utf-8"?>
+<p:sld xmlns:a="http://schemas.openxmlformats.org/drawingml/2006/main" xmlns:r="http://schemas.openxmlformats.org/officeDocument/2006/relationships" xmlns:p="http://schemas.openxmlformats.org/presentationml/2006/main">
+  <p:cSld>
+    <p:spTree>
+      <p:nvGrpSpPr>
+        <p:cNvPr id="1" name=""/>
+        <p:cNvGrpSpPr/>
+        <p:nvPr/>
+      </p:nvGrpSpPr>
+      <p:grpSpPr>
+        <a:xfrm>
+          <a:off x="0" y="0"/>
+          <a:ext cx="0" cy="0"/>
+          <a:chOff x="0" y="0"/>
+          <a:chExt cx="0" cy="0"/>
+        </a:xfrm>
+      </p:grpSpPr>
+      <p:sp>
+        <p:nvSpPr>
+          <p:cNvPr id="6" name="Slide Number Placeholder 5"/>
+          <p:cNvSpPr>
+            <a:spLocks noGrp="1"/>
+          </p:cNvSpPr>
+          <p:nvPr>
+            <p:ph type="sldNum" sz="quarter" idx="12"/>
+          </p:nvPr>
+        </p:nvSpPr>
+        <p:spPr/>
+        <p:txBody>
+          <a:bodyPr/>
+          <a:lstStyle/>
+          <a:p>
+            <a:fld id="{C9F5F879-9A9F-429D-97D8-1AC0F4F9BBF8}" type="slidenum">
+              <a:rPr lang="en-US"/>
+              <a:pPr/>
+              <a:t>2</a:t>
+            </a:fld>
+            <a:endParaRPr lang="en-US"/>
+          </a:p>
+        </p:txBody>
+      </p:sp>
+      <p:sp>
+        <p:nvSpPr>
+          <p:cNvPr id="16386" name="Rectangle 1026"/>
+          <p:cNvSpPr>
+            <a:spLocks noGrp="1" noChangeArrowheads="1"/>
+          </p:cNvSpPr>
+          <p:nvPr>
+            <p:ph type="title"/>
+          </p:nvPr>
+        </p:nvSpPr>
+        <p:spPr>
+          <a:xfrm>
+            <a:off x="240145" y="0"/>
+            <a:ext cx="8675255" cy="838200"/>
+          </a:xfrm>
+        </p:spPr>
+        <p:txBody>
+          <a:bodyPr/>
+          <a:lstStyle/>
+          <a:p>
+            <a:r>
+              <a:rPr lang="en-US" dirty="0"/>
+              <a:t>Radix and Radix Sort</a:t>
+            </a:r>
+          </a:p>
+        </p:txBody>
+      </p:sp>
+      <p:sp>
+        <p:nvSpPr>
+          <p:cNvPr id="16387" name="Rectangle 1027"/>
+          <p:cNvSpPr>
+            <a:spLocks noGrp="1" noChangeArrowheads="1"/>
+          </p:cNvSpPr>
+          <p:nvPr>
+            <p:ph type="body" idx="1"/>
+          </p:nvPr>
+        </p:nvSpPr>
+        <p:spPr>
+          <a:xfrm>
+            <a:off x="240145" y="974725"/>
+            <a:ext cx="11720945" cy="5527675"/>
+          </a:xfrm>
+        </p:spPr>
+        <p:txBody>
+          <a:bodyPr>
+            <a:normAutofit/>
+          </a:bodyPr>
+          <a:lstStyle/>
+          <a:p>
+            <a:r>
+              <a:rPr lang="en-US" sz="3200" dirty="0"/>
+              <a:t>Radix = “The base of a number system” (Webster’s dictionary)</a:t>
+            </a:r>
+          </a:p>
+          <a:p>
+            <a:r>
+              <a:rPr lang="en-US" sz="3200" dirty="0"/>
+              <a:t>Radix is another term of “base” : number of unique digits, including the digit zero, used to represent numbers </a:t>
+            </a:r>
+          </a:p>
+          <a:p>
+            <a:r>
+              <a:rPr lang="en-US" sz="3200" dirty="0"/>
+              <a:t>Radix of numbers:</a:t>
+            </a:r>
+          </a:p>
+          <a:p>
+            <a:pPr lvl="1"/>
+            <a:r>
+              <a:rPr lang="en-US" sz="2800" dirty="0"/>
+              <a:t>Binary numbers have a radix of 2</a:t>
+            </a:r>
+          </a:p>
+          <a:p>
+            <a:pPr lvl="1"/>
+            <a:r>
+              <a:rPr lang="en-US" sz="2800" dirty="0"/>
+              <a:t>decimals have a radix of 10</a:t>
+            </a:r>
+          </a:p>
+          <a:p>
+            <a:pPr lvl="1"/>
+            <a:r>
+              <a:rPr lang="en-US" sz="2800" dirty="0"/>
+              <a:t>hexadecimals have a radix of 16.</a:t>
+            </a:r>
+          </a:p>
+          <a:p>
+            <a:r>
+              <a:rPr lang="en-US" sz="3200" dirty="0"/>
+              <a:t>Radix of texts:</a:t>
+            </a:r>
+          </a:p>
+          <a:p>
+            <a:pPr lvl="1"/>
+            <a:r>
+              <a:rPr lang="en-US" sz="2800" dirty="0"/>
+              <a:t>26 if only capital letters are considered</a:t>
+            </a:r>
+          </a:p>
+          <a:p>
+            <a:pPr lvl="1"/>
+            <a:r>
+              <a:rPr lang="en-US" sz="2800" dirty="0"/>
+              <a:t>36 if capital letters and decimal digits are considered</a:t>
+            </a:r>
+          </a:p>
+          <a:p>
+            <a:pPr lvl="1"/>
+            <a:r>
+              <a:rPr lang="en-US" sz="2800" dirty="0"/>
+              <a:t>62 for capital letters + small letters + decimal digits</a:t>
+            </a:r>
+          </a:p>
+        </p:txBody>
+      </p:sp>
+    </p:spTree>
+    <p:extLst>
+      <p:ext uri="{BB962C8B-B14F-4D97-AF65-F5344CB8AC3E}">
+        <p14:creationId xmlns:p14="http://schemas.microsoft.com/office/powerpoint/2010/main" val="2179628565"/>
+      </p:ext>
+    </p:extLst>
+  </p:cSld>
+  <p:clrMapOvr>
+    <a:masterClrMapping/>
+  </p:clrMapOvr>
+</p:sld>
+</file>
+
+<file path=ppt/slides/slide20.xml><?xml version="1.0" encoding="utf-8"?>
 <p:sld xmlns:a="http://schemas.openxmlformats.org/drawingml/2006/main" xmlns:r="http://schemas.openxmlformats.org/officeDocument/2006/relationships" xmlns:p="http://schemas.openxmlformats.org/presentationml/2006/main">
   <p:cSld>
     <p:spTree>
@@ -19395,7 +18852,7 @@
 </p:sld>
 </file>
 
-<file path=ppt/slides/slide22.xml><?xml version="1.0" encoding="utf-8"?>
+<file path=ppt/slides/slide21.xml><?xml version="1.0" encoding="utf-8"?>
 <p:sld xmlns:a="http://schemas.openxmlformats.org/drawingml/2006/main" xmlns:r="http://schemas.openxmlformats.org/officeDocument/2006/relationships" xmlns:p="http://schemas.openxmlformats.org/presentationml/2006/main">
   <p:cSld>
     <p:spTree>
@@ -19522,7 +18979,7 @@
 </p:sld>
 </file>
 
-<file path=ppt/slides/slide23.xml><?xml version="1.0" encoding="utf-8"?>
+<file path=ppt/slides/slide22.xml><?xml version="1.0" encoding="utf-8"?>
 <p:sld xmlns:a="http://schemas.openxmlformats.org/drawingml/2006/main" xmlns:r="http://schemas.openxmlformats.org/officeDocument/2006/relationships" xmlns:p="http://schemas.openxmlformats.org/presentationml/2006/main">
   <p:cSld>
     <p:spTree>
@@ -19557,7 +19014,7 @@
             <a:fld id="{A7B995FD-4261-45A5-826C-2A78A6AAB560}" type="slidenum">
               <a:rPr lang="en-US"/>
               <a:pPr/>
-              <a:t>23</a:t>
+              <a:t>22</a:t>
             </a:fld>
             <a:endParaRPr lang="en-US"/>
           </a:p>
@@ -20131,6 +19588,356 @@
     <p:extLst>
       <p:ext uri="{BB962C8B-B14F-4D97-AF65-F5344CB8AC3E}">
         <p14:creationId xmlns:p14="http://schemas.microsoft.com/office/powerpoint/2010/main" val="2572969601"/>
+      </p:ext>
+    </p:extLst>
+  </p:cSld>
+  <p:clrMapOvr>
+    <a:masterClrMapping/>
+  </p:clrMapOvr>
+</p:sld>
+</file>
+
+<file path=ppt/slides/slide23.xml><?xml version="1.0" encoding="utf-8"?>
+<p:sld xmlns:a="http://schemas.openxmlformats.org/drawingml/2006/main" xmlns:r="http://schemas.openxmlformats.org/officeDocument/2006/relationships" xmlns:p="http://schemas.openxmlformats.org/presentationml/2006/main">
+  <p:cSld>
+    <p:spTree>
+      <p:nvGrpSpPr>
+        <p:cNvPr id="1" name=""/>
+        <p:cNvGrpSpPr/>
+        <p:nvPr/>
+      </p:nvGrpSpPr>
+      <p:grpSpPr>
+        <a:xfrm>
+          <a:off x="0" y="0"/>
+          <a:ext cx="0" cy="0"/>
+          <a:chOff x="0" y="0"/>
+          <a:chExt cx="0" cy="0"/>
+        </a:xfrm>
+      </p:grpSpPr>
+      <p:sp>
+        <p:nvSpPr>
+          <p:cNvPr id="5" name="Slide Number Placeholder 5"/>
+          <p:cNvSpPr>
+            <a:spLocks noGrp="1"/>
+          </p:cNvSpPr>
+          <p:nvPr>
+            <p:ph type="sldNum" sz="quarter" idx="12"/>
+          </p:nvPr>
+        </p:nvSpPr>
+        <p:spPr/>
+        <p:txBody>
+          <a:bodyPr/>
+          <a:lstStyle/>
+          <a:p>
+            <a:fld id="{0CC34ACA-7DB7-46B4-A19F-EA7A7B8442EA}" type="slidenum">
+              <a:rPr lang="en-US"/>
+              <a:pPr/>
+              <a:t>23</a:t>
+            </a:fld>
+            <a:endParaRPr lang="en-US"/>
+          </a:p>
+        </p:txBody>
+      </p:sp>
+      <p:sp>
+        <p:nvSpPr>
+          <p:cNvPr id="49154" name="Rectangle 2"/>
+          <p:cNvSpPr>
+            <a:spLocks noGrp="1" noChangeArrowheads="1"/>
+          </p:cNvSpPr>
+          <p:nvPr>
+            <p:ph type="title"/>
+          </p:nvPr>
+        </p:nvSpPr>
+        <p:spPr>
+          <a:xfrm>
+            <a:off x="0" y="-42731"/>
+            <a:ext cx="10515600" cy="966656"/>
+          </a:xfrm>
+        </p:spPr>
+        <p:txBody>
+          <a:bodyPr/>
+          <a:lstStyle/>
+          <a:p>
+            <a:r>
+              <a:rPr lang="en-US" dirty="0"/>
+              <a:t>Observations</a:t>
+            </a:r>
+          </a:p>
+        </p:txBody>
+      </p:sp>
+      <p:sp>
+        <p:nvSpPr>
+          <p:cNvPr id="49155" name="Rectangle 3"/>
+          <p:cNvSpPr>
+            <a:spLocks noGrp="1" noChangeArrowheads="1"/>
+          </p:cNvSpPr>
+          <p:nvPr>
+            <p:ph type="body" idx="1"/>
+          </p:nvPr>
+        </p:nvSpPr>
+        <p:spPr>
+          <a:xfrm>
+            <a:off x="219075" y="1603928"/>
+            <a:ext cx="11544300" cy="5120143"/>
+          </a:xfrm>
+        </p:spPr>
+        <p:txBody>
+          <a:bodyPr>
+            <a:noAutofit/>
+          </a:bodyPr>
+          <a:lstStyle/>
+          <a:p>
+            <a:r>
+              <a:rPr lang="en-US" sz="3200" dirty="0"/>
+              <a:t>Non-negative float point numbers</a:t>
+            </a:r>
+          </a:p>
+          <a:p>
+            <a:pPr lvl="1"/>
+            <a:r>
+              <a:rPr lang="en-US" sz="2800" dirty="0"/>
+              <a:t>Larger value in a bit/octal digit/hexadecimal digit means larger number</a:t>
+            </a:r>
+          </a:p>
+          <a:p>
+            <a:pPr lvl="2"/>
+            <a:r>
+              <a:rPr lang="en-US" sz="2400" dirty="0"/>
+              <a:t>e.g.,  0   01111100     </a:t>
+            </a:r>
+            <a:r>
+              <a:rPr lang="en-US" sz="2400" b="1" dirty="0">
+                <a:solidFill>
+                  <a:schemeClr val="accent2">
+                    <a:lumMod val="75000"/>
+                  </a:schemeClr>
+                </a:solidFill>
+              </a:rPr>
+              <a:t>0</a:t>
+            </a:r>
+            <a:r>
+              <a:rPr lang="en-US" sz="2400" dirty="0"/>
+              <a:t>10000… =0.15625 (the value above); </a:t>
+            </a:r>
+          </a:p>
+          <a:p>
+            <a:pPr marL="1828800" lvl="4" indent="0">
+              <a:buNone/>
+            </a:pPr>
+            <a:r>
+              <a:rPr lang="en-US" sz="2400" dirty="0"/>
+              <a:t>0   01111100     </a:t>
+            </a:r>
+            <a:r>
+              <a:rPr lang="en-US" sz="2400" b="1" dirty="0">
+                <a:solidFill>
+                  <a:schemeClr val="accent2">
+                    <a:lumMod val="50000"/>
+                  </a:schemeClr>
+                </a:solidFill>
+              </a:rPr>
+              <a:t>1</a:t>
+            </a:r>
+            <a:r>
+              <a:rPr lang="en-US" sz="2400" dirty="0"/>
+              <a:t>10000… =0.21875 </a:t>
+            </a:r>
+          </a:p>
+          <a:p>
+            <a:pPr lvl="2"/>
+            <a:r>
+              <a:rPr lang="en-US" sz="2400" dirty="0"/>
+              <a:t>Join the buckets with smaller bits/digits first. </a:t>
+            </a:r>
+          </a:p>
+          <a:p>
+            <a:pPr lvl="1"/>
+            <a:r>
+              <a:rPr lang="en-US" sz="2800" dirty="0"/>
+              <a:t>Values are more determined by a higher digit than any lower digits </a:t>
+            </a:r>
+          </a:p>
+          <a:p>
+            <a:pPr lvl="2"/>
+            <a:r>
+              <a:rPr lang="en-US" sz="2400" dirty="0"/>
+              <a:t>e.g.,  0   01111100     </a:t>
+            </a:r>
+            <a:r>
+              <a:rPr lang="en-US" sz="2400" b="1" dirty="0">
+                <a:solidFill>
+                  <a:schemeClr val="accent2">
+                    <a:lumMod val="75000"/>
+                  </a:schemeClr>
+                </a:solidFill>
+              </a:rPr>
+              <a:t>0</a:t>
+            </a:r>
+            <a:r>
+              <a:rPr lang="en-US" sz="2400" b="1" dirty="0">
+                <a:solidFill>
+                  <a:srgbClr val="C00000"/>
+                </a:solidFill>
+              </a:rPr>
+              <a:t>1</a:t>
+            </a:r>
+            <a:r>
+              <a:rPr lang="en-US" sz="2400" dirty="0"/>
+              <a:t>0000… =0.15625 (the value above); </a:t>
+            </a:r>
+          </a:p>
+          <a:p>
+            <a:pPr marL="1828800" lvl="4" indent="0">
+              <a:buNone/>
+            </a:pPr>
+            <a:r>
+              <a:rPr lang="en-US" sz="2400" dirty="0"/>
+              <a:t>0   01111100     </a:t>
+            </a:r>
+            <a:r>
+              <a:rPr lang="en-US" sz="2400" b="1" dirty="0">
+                <a:solidFill>
+                  <a:schemeClr val="accent2">
+                    <a:lumMod val="50000"/>
+                  </a:schemeClr>
+                </a:solidFill>
+              </a:rPr>
+              <a:t>10</a:t>
+            </a:r>
+            <a:r>
+              <a:rPr lang="en-US" sz="2400" dirty="0"/>
+              <a:t>0000… =0.18750</a:t>
+            </a:r>
+          </a:p>
+          <a:p>
+            <a:pPr lvl="2"/>
+            <a:r>
+              <a:rPr lang="en-US" sz="2400" dirty="0"/>
+              <a:t>Exponent always more significant than significand</a:t>
+            </a:r>
+          </a:p>
+          <a:p>
+            <a:pPr lvl="2"/>
+            <a:r>
+              <a:rPr lang="en-US" sz="2400" dirty="0"/>
+              <a:t>e.g.,  0   0111110</a:t>
+            </a:r>
+            <a:r>
+              <a:rPr lang="en-US" sz="2400" b="1" dirty="0">
+                <a:solidFill>
+                  <a:srgbClr val="C00000"/>
+                </a:solidFill>
+              </a:rPr>
+              <a:t>0</a:t>
+            </a:r>
+            <a:r>
+              <a:rPr lang="en-US" sz="2400" dirty="0"/>
+              <a:t>     0</a:t>
+            </a:r>
+            <a:r>
+              <a:rPr lang="en-US" sz="2400" b="1" dirty="0">
+                <a:solidFill>
+                  <a:srgbClr val="C00000"/>
+                </a:solidFill>
+              </a:rPr>
+              <a:t>1</a:t>
+            </a:r>
+            <a:r>
+              <a:rPr lang="en-US" sz="2400" dirty="0"/>
+              <a:t>0000… =0.15625 (the value above); </a:t>
+            </a:r>
+          </a:p>
+          <a:p>
+            <a:pPr marL="1828800" lvl="4" indent="0">
+              <a:buNone/>
+            </a:pPr>
+            <a:r>
+              <a:rPr lang="en-US" sz="2400" dirty="0"/>
+              <a:t>0   0111110</a:t>
+            </a:r>
+            <a:r>
+              <a:rPr lang="en-US" sz="2400" b="1" dirty="0">
+                <a:solidFill>
+                  <a:srgbClr val="C00000"/>
+                </a:solidFill>
+              </a:rPr>
+              <a:t>1</a:t>
+            </a:r>
+            <a:r>
+              <a:rPr lang="en-US" sz="2400" dirty="0"/>
+              <a:t>     0</a:t>
+            </a:r>
+            <a:r>
+              <a:rPr lang="en-US" sz="2400" b="1" dirty="0">
+                <a:solidFill>
+                  <a:schemeClr val="accent2">
+                    <a:lumMod val="50000"/>
+                  </a:schemeClr>
+                </a:solidFill>
+              </a:rPr>
+              <a:t>0</a:t>
+            </a:r>
+            <a:r>
+              <a:rPr lang="en-US" sz="2400" dirty="0"/>
+              <a:t>0000… =0.25</a:t>
+            </a:r>
+          </a:p>
+          <a:p>
+            <a:pPr lvl="1"/>
+            <a:r>
+              <a:rPr lang="en-US" sz="2800" dirty="0">
+                <a:sym typeface="Wingdings" panose="05000000000000000000" pitchFamily="2" charset="2"/>
+              </a:rPr>
+              <a:t>Same proof is still valid for non-negative float point numbers</a:t>
+            </a:r>
+          </a:p>
+        </p:txBody>
+      </p:sp>
+      <p:pic>
+        <p:nvPicPr>
+          <p:cNvPr id="6" name="Picture 2" descr="Float example.svg"/>
+          <p:cNvPicPr>
+            <a:picLocks noChangeAspect="1" noChangeArrowheads="1"/>
+          </p:cNvPicPr>
+          <p:nvPr/>
+        </p:nvPicPr>
+        <p:blipFill>
+          <a:blip r:embed="rId2">
+            <a:extLst>
+              <a:ext uri="{28A0092B-C50C-407E-A947-70E740481C1C}">
+                <a14:useLocalDpi xmlns:a14="http://schemas.microsoft.com/office/drawing/2010/main" val="0"/>
+              </a:ext>
+            </a:extLst>
+          </a:blip>
+          <a:srcRect/>
+          <a:stretch>
+            <a:fillRect/>
+          </a:stretch>
+        </p:blipFill>
+        <p:spPr bwMode="auto">
+          <a:xfrm>
+            <a:off x="3084946" y="47098"/>
+            <a:ext cx="8997836" cy="1291729"/>
+          </a:xfrm>
+          <a:prstGeom prst="rect">
+            <a:avLst/>
+          </a:prstGeom>
+          <a:noFill/>
+          <a:extLst>
+            <a:ext uri="{909E8E84-426E-40DD-AFC4-6F175D3DCCD1}">
+              <a14:hiddenFill xmlns:a14="http://schemas.microsoft.com/office/drawing/2010/main">
+                <a:solidFill>
+                  <a:srgbClr val="FFFFFF"/>
+                </a:solidFill>
+              </a14:hiddenFill>
+            </a:ext>
+          </a:extLst>
+        </p:spPr>
+      </p:pic>
+    </p:spTree>
+    <p:extLst>
+      <p:ext uri="{BB962C8B-B14F-4D97-AF65-F5344CB8AC3E}">
+        <p14:creationId xmlns:p14="http://schemas.microsoft.com/office/powerpoint/2010/main" val="2702613676"/>
       </p:ext>
     </p:extLst>
   </p:cSld>
@@ -20220,356 +20027,6 @@
         </p:nvSpPr>
         <p:spPr>
           <a:xfrm>
-            <a:off x="219075" y="1603928"/>
-            <a:ext cx="11544300" cy="5120143"/>
-          </a:xfrm>
-        </p:spPr>
-        <p:txBody>
-          <a:bodyPr>
-            <a:noAutofit/>
-          </a:bodyPr>
-          <a:lstStyle/>
-          <a:p>
-            <a:r>
-              <a:rPr lang="en-US" sz="3200" dirty="0"/>
-              <a:t>Non-negative float point numbers</a:t>
-            </a:r>
-          </a:p>
-          <a:p>
-            <a:pPr lvl="1"/>
-            <a:r>
-              <a:rPr lang="en-US" sz="2800" dirty="0"/>
-              <a:t>Larger value in a bit/octal digit/hexadecimal digit means larger number</a:t>
-            </a:r>
-          </a:p>
-          <a:p>
-            <a:pPr lvl="2"/>
-            <a:r>
-              <a:rPr lang="en-US" sz="2400" dirty="0"/>
-              <a:t>e.g.,  0   01111100     </a:t>
-            </a:r>
-            <a:r>
-              <a:rPr lang="en-US" sz="2400" b="1" dirty="0">
-                <a:solidFill>
-                  <a:schemeClr val="accent2">
-                    <a:lumMod val="75000"/>
-                  </a:schemeClr>
-                </a:solidFill>
-              </a:rPr>
-              <a:t>0</a:t>
-            </a:r>
-            <a:r>
-              <a:rPr lang="en-US" sz="2400" dirty="0"/>
-              <a:t>10000… =0.15625 (the value above); </a:t>
-            </a:r>
-          </a:p>
-          <a:p>
-            <a:pPr marL="1828800" lvl="4" indent="0">
-              <a:buNone/>
-            </a:pPr>
-            <a:r>
-              <a:rPr lang="en-US" sz="2400" dirty="0"/>
-              <a:t>0   01111100     </a:t>
-            </a:r>
-            <a:r>
-              <a:rPr lang="en-US" sz="2400" b="1" dirty="0">
-                <a:solidFill>
-                  <a:schemeClr val="accent2">
-                    <a:lumMod val="50000"/>
-                  </a:schemeClr>
-                </a:solidFill>
-              </a:rPr>
-              <a:t>1</a:t>
-            </a:r>
-            <a:r>
-              <a:rPr lang="en-US" sz="2400" dirty="0"/>
-              <a:t>10000… =0.21875 </a:t>
-            </a:r>
-          </a:p>
-          <a:p>
-            <a:pPr lvl="2"/>
-            <a:r>
-              <a:rPr lang="en-US" sz="2400" dirty="0"/>
-              <a:t>Join the buckets with smaller bits/digits first. </a:t>
-            </a:r>
-          </a:p>
-          <a:p>
-            <a:pPr lvl="1"/>
-            <a:r>
-              <a:rPr lang="en-US" sz="2800" dirty="0"/>
-              <a:t>Values are more determined by a higher digit than any lower digits </a:t>
-            </a:r>
-          </a:p>
-          <a:p>
-            <a:pPr lvl="2"/>
-            <a:r>
-              <a:rPr lang="en-US" sz="2400" dirty="0"/>
-              <a:t>e.g.,  0   01111100     </a:t>
-            </a:r>
-            <a:r>
-              <a:rPr lang="en-US" sz="2400" b="1" dirty="0">
-                <a:solidFill>
-                  <a:schemeClr val="accent2">
-                    <a:lumMod val="75000"/>
-                  </a:schemeClr>
-                </a:solidFill>
-              </a:rPr>
-              <a:t>0</a:t>
-            </a:r>
-            <a:r>
-              <a:rPr lang="en-US" sz="2400" b="1" dirty="0">
-                <a:solidFill>
-                  <a:srgbClr val="C00000"/>
-                </a:solidFill>
-              </a:rPr>
-              <a:t>1</a:t>
-            </a:r>
-            <a:r>
-              <a:rPr lang="en-US" sz="2400" dirty="0"/>
-              <a:t>0000… =0.15625 (the value above); </a:t>
-            </a:r>
-          </a:p>
-          <a:p>
-            <a:pPr marL="1828800" lvl="4" indent="0">
-              <a:buNone/>
-            </a:pPr>
-            <a:r>
-              <a:rPr lang="en-US" sz="2400" dirty="0"/>
-              <a:t>0   01111100     </a:t>
-            </a:r>
-            <a:r>
-              <a:rPr lang="en-US" sz="2400" b="1" dirty="0">
-                <a:solidFill>
-                  <a:schemeClr val="accent2">
-                    <a:lumMod val="50000"/>
-                  </a:schemeClr>
-                </a:solidFill>
-              </a:rPr>
-              <a:t>10</a:t>
-            </a:r>
-            <a:r>
-              <a:rPr lang="en-US" sz="2400" dirty="0"/>
-              <a:t>0000… =0.18750</a:t>
-            </a:r>
-          </a:p>
-          <a:p>
-            <a:pPr lvl="2"/>
-            <a:r>
-              <a:rPr lang="en-US" sz="2400" dirty="0"/>
-              <a:t>Exponent always more significant than significand</a:t>
-            </a:r>
-          </a:p>
-          <a:p>
-            <a:pPr lvl="2"/>
-            <a:r>
-              <a:rPr lang="en-US" sz="2400" dirty="0"/>
-              <a:t>e.g.,  0   0111110</a:t>
-            </a:r>
-            <a:r>
-              <a:rPr lang="en-US" sz="2400" b="1" dirty="0">
-                <a:solidFill>
-                  <a:srgbClr val="C00000"/>
-                </a:solidFill>
-              </a:rPr>
-              <a:t>0</a:t>
-            </a:r>
-            <a:r>
-              <a:rPr lang="en-US" sz="2400" dirty="0"/>
-              <a:t>     0</a:t>
-            </a:r>
-            <a:r>
-              <a:rPr lang="en-US" sz="2400" b="1" dirty="0">
-                <a:solidFill>
-                  <a:srgbClr val="C00000"/>
-                </a:solidFill>
-              </a:rPr>
-              <a:t>1</a:t>
-            </a:r>
-            <a:r>
-              <a:rPr lang="en-US" sz="2400" dirty="0"/>
-              <a:t>0000… =0.15625 (the value above); </a:t>
-            </a:r>
-          </a:p>
-          <a:p>
-            <a:pPr marL="1828800" lvl="4" indent="0">
-              <a:buNone/>
-            </a:pPr>
-            <a:r>
-              <a:rPr lang="en-US" sz="2400" dirty="0"/>
-              <a:t>0   0111110</a:t>
-            </a:r>
-            <a:r>
-              <a:rPr lang="en-US" sz="2400" b="1" dirty="0">
-                <a:solidFill>
-                  <a:srgbClr val="C00000"/>
-                </a:solidFill>
-              </a:rPr>
-              <a:t>1</a:t>
-            </a:r>
-            <a:r>
-              <a:rPr lang="en-US" sz="2400" dirty="0"/>
-              <a:t>     0</a:t>
-            </a:r>
-            <a:r>
-              <a:rPr lang="en-US" sz="2400" b="1" dirty="0">
-                <a:solidFill>
-                  <a:schemeClr val="accent2">
-                    <a:lumMod val="50000"/>
-                  </a:schemeClr>
-                </a:solidFill>
-              </a:rPr>
-              <a:t>0</a:t>
-            </a:r>
-            <a:r>
-              <a:rPr lang="en-US" sz="2400" dirty="0"/>
-              <a:t>0000… =0.25</a:t>
-            </a:r>
-          </a:p>
-          <a:p>
-            <a:pPr lvl="1"/>
-            <a:r>
-              <a:rPr lang="en-US" sz="2800" dirty="0">
-                <a:sym typeface="Wingdings" panose="05000000000000000000" pitchFamily="2" charset="2"/>
-              </a:rPr>
-              <a:t>Same proof is still valid for non-negative float point numbers</a:t>
-            </a:r>
-          </a:p>
-        </p:txBody>
-      </p:sp>
-      <p:pic>
-        <p:nvPicPr>
-          <p:cNvPr id="6" name="Picture 2" descr="Float example.svg"/>
-          <p:cNvPicPr>
-            <a:picLocks noChangeAspect="1" noChangeArrowheads="1"/>
-          </p:cNvPicPr>
-          <p:nvPr/>
-        </p:nvPicPr>
-        <p:blipFill>
-          <a:blip r:embed="rId2">
-            <a:extLst>
-              <a:ext uri="{28A0092B-C50C-407E-A947-70E740481C1C}">
-                <a14:useLocalDpi xmlns:a14="http://schemas.microsoft.com/office/drawing/2010/main" val="0"/>
-              </a:ext>
-            </a:extLst>
-          </a:blip>
-          <a:srcRect/>
-          <a:stretch>
-            <a:fillRect/>
-          </a:stretch>
-        </p:blipFill>
-        <p:spPr bwMode="auto">
-          <a:xfrm>
-            <a:off x="3084946" y="47098"/>
-            <a:ext cx="8997836" cy="1291729"/>
-          </a:xfrm>
-          <a:prstGeom prst="rect">
-            <a:avLst/>
-          </a:prstGeom>
-          <a:noFill/>
-          <a:extLst>
-            <a:ext uri="{909E8E84-426E-40DD-AFC4-6F175D3DCCD1}">
-              <a14:hiddenFill xmlns:a14="http://schemas.microsoft.com/office/drawing/2010/main">
-                <a:solidFill>
-                  <a:srgbClr val="FFFFFF"/>
-                </a:solidFill>
-              </a14:hiddenFill>
-            </a:ext>
-          </a:extLst>
-        </p:spPr>
-      </p:pic>
-    </p:spTree>
-    <p:extLst>
-      <p:ext uri="{BB962C8B-B14F-4D97-AF65-F5344CB8AC3E}">
-        <p14:creationId xmlns:p14="http://schemas.microsoft.com/office/powerpoint/2010/main" val="2702613676"/>
-      </p:ext>
-    </p:extLst>
-  </p:cSld>
-  <p:clrMapOvr>
-    <a:masterClrMapping/>
-  </p:clrMapOvr>
-</p:sld>
-</file>
-
-<file path=ppt/slides/slide25.xml><?xml version="1.0" encoding="utf-8"?>
-<p:sld xmlns:a="http://schemas.openxmlformats.org/drawingml/2006/main" xmlns:r="http://schemas.openxmlformats.org/officeDocument/2006/relationships" xmlns:p="http://schemas.openxmlformats.org/presentationml/2006/main">
-  <p:cSld>
-    <p:spTree>
-      <p:nvGrpSpPr>
-        <p:cNvPr id="1" name=""/>
-        <p:cNvGrpSpPr/>
-        <p:nvPr/>
-      </p:nvGrpSpPr>
-      <p:grpSpPr>
-        <a:xfrm>
-          <a:off x="0" y="0"/>
-          <a:ext cx="0" cy="0"/>
-          <a:chOff x="0" y="0"/>
-          <a:chExt cx="0" cy="0"/>
-        </a:xfrm>
-      </p:grpSpPr>
-      <p:sp>
-        <p:nvSpPr>
-          <p:cNvPr id="5" name="Slide Number Placeholder 5"/>
-          <p:cNvSpPr>
-            <a:spLocks noGrp="1"/>
-          </p:cNvSpPr>
-          <p:nvPr>
-            <p:ph type="sldNum" sz="quarter" idx="12"/>
-          </p:nvPr>
-        </p:nvSpPr>
-        <p:spPr/>
-        <p:txBody>
-          <a:bodyPr/>
-          <a:lstStyle/>
-          <a:p>
-            <a:fld id="{0CC34ACA-7DB7-46B4-A19F-EA7A7B8442EA}" type="slidenum">
-              <a:rPr lang="en-US"/>
-              <a:pPr/>
-              <a:t>25</a:t>
-            </a:fld>
-            <a:endParaRPr lang="en-US"/>
-          </a:p>
-        </p:txBody>
-      </p:sp>
-      <p:sp>
-        <p:nvSpPr>
-          <p:cNvPr id="49154" name="Rectangle 2"/>
-          <p:cNvSpPr>
-            <a:spLocks noGrp="1" noChangeArrowheads="1"/>
-          </p:cNvSpPr>
-          <p:nvPr>
-            <p:ph type="title"/>
-          </p:nvPr>
-        </p:nvSpPr>
-        <p:spPr>
-          <a:xfrm>
-            <a:off x="0" y="-42731"/>
-            <a:ext cx="10515600" cy="966656"/>
-          </a:xfrm>
-        </p:spPr>
-        <p:txBody>
-          <a:bodyPr/>
-          <a:lstStyle/>
-          <a:p>
-            <a:r>
-              <a:rPr lang="en-US" dirty="0"/>
-              <a:t>Observations</a:t>
-            </a:r>
-          </a:p>
-        </p:txBody>
-      </p:sp>
-      <p:sp>
-        <p:nvSpPr>
-          <p:cNvPr id="49155" name="Rectangle 3"/>
-          <p:cNvSpPr>
-            <a:spLocks noGrp="1" noChangeArrowheads="1"/>
-          </p:cNvSpPr>
-          <p:nvPr>
-            <p:ph type="body" idx="1"/>
-          </p:nvPr>
-        </p:nvSpPr>
-        <p:spPr>
-          <a:xfrm>
             <a:off x="219075" y="1413164"/>
             <a:ext cx="11544300" cy="5444836"/>
           </a:xfrm>
@@ -20947,7 +20404,7 @@
 </p:sld>
 </file>
 
-<file path=ppt/slides/slide26.xml><?xml version="1.0" encoding="utf-8"?>
+<file path=ppt/slides/slide25.xml><?xml version="1.0" encoding="utf-8"?>
 <p:sld xmlns:a="http://schemas.openxmlformats.org/drawingml/2006/main" xmlns:r="http://schemas.openxmlformats.org/officeDocument/2006/relationships" xmlns:p="http://schemas.openxmlformats.org/presentationml/2006/main">
   <p:cSld>
     <p:spTree>

--- a/PPTs/Lecture 14-radix sort.pptx
+++ b/PPTs/Lecture 14-radix sort.pptx
@@ -221,7 +221,7 @@
           <a:p>
             <a:fld id="{7E731F4C-49D2-428C-BC15-767604D5F3DB}" type="datetimeFigureOut">
               <a:rPr lang="en-US" smtClean="0"/>
-              <a:t>9/13/2024</a:t>
+              <a:t>9/17/2024</a:t>
             </a:fld>
             <a:endParaRPr lang="en-US"/>
           </a:p>
@@ -2367,7 +2367,7 @@
           <a:p>
             <a:fld id="{9F98964C-18C6-4ABD-B5DC-E707707781F9}" type="datetimeFigureOut">
               <a:rPr lang="en-US" smtClean="0"/>
-              <a:t>9/13/2024</a:t>
+              <a:t>9/17/2024</a:t>
             </a:fld>
             <a:endParaRPr lang="en-US"/>
           </a:p>
@@ -2535,7 +2535,7 @@
           <a:p>
             <a:fld id="{9F98964C-18C6-4ABD-B5DC-E707707781F9}" type="datetimeFigureOut">
               <a:rPr lang="en-US" smtClean="0"/>
-              <a:t>9/13/2024</a:t>
+              <a:t>9/17/2024</a:t>
             </a:fld>
             <a:endParaRPr lang="en-US"/>
           </a:p>
@@ -2713,7 +2713,7 @@
           <a:p>
             <a:fld id="{9F98964C-18C6-4ABD-B5DC-E707707781F9}" type="datetimeFigureOut">
               <a:rPr lang="en-US" smtClean="0"/>
-              <a:t>9/13/2024</a:t>
+              <a:t>9/17/2024</a:t>
             </a:fld>
             <a:endParaRPr lang="en-US"/>
           </a:p>
@@ -2881,7 +2881,7 @@
           <a:p>
             <a:fld id="{9F98964C-18C6-4ABD-B5DC-E707707781F9}" type="datetimeFigureOut">
               <a:rPr lang="en-US" smtClean="0"/>
-              <a:t>9/13/2024</a:t>
+              <a:t>9/17/2024</a:t>
             </a:fld>
             <a:endParaRPr lang="en-US"/>
           </a:p>
@@ -3126,7 +3126,7 @@
           <a:p>
             <a:fld id="{9F98964C-18C6-4ABD-B5DC-E707707781F9}" type="datetimeFigureOut">
               <a:rPr lang="en-US" smtClean="0"/>
-              <a:t>9/13/2024</a:t>
+              <a:t>9/17/2024</a:t>
             </a:fld>
             <a:endParaRPr lang="en-US"/>
           </a:p>
@@ -3355,7 +3355,7 @@
           <a:p>
             <a:fld id="{9F98964C-18C6-4ABD-B5DC-E707707781F9}" type="datetimeFigureOut">
               <a:rPr lang="en-US" smtClean="0"/>
-              <a:t>9/13/2024</a:t>
+              <a:t>9/17/2024</a:t>
             </a:fld>
             <a:endParaRPr lang="en-US"/>
           </a:p>
@@ -3719,7 +3719,7 @@
           <a:p>
             <a:fld id="{9F98964C-18C6-4ABD-B5DC-E707707781F9}" type="datetimeFigureOut">
               <a:rPr lang="en-US" smtClean="0"/>
-              <a:t>9/13/2024</a:t>
+              <a:t>9/17/2024</a:t>
             </a:fld>
             <a:endParaRPr lang="en-US"/>
           </a:p>
@@ -3836,7 +3836,7 @@
           <a:p>
             <a:fld id="{9F98964C-18C6-4ABD-B5DC-E707707781F9}" type="datetimeFigureOut">
               <a:rPr lang="en-US" smtClean="0"/>
-              <a:t>9/13/2024</a:t>
+              <a:t>9/17/2024</a:t>
             </a:fld>
             <a:endParaRPr lang="en-US"/>
           </a:p>
@@ -3931,7 +3931,7 @@
           <a:p>
             <a:fld id="{9F98964C-18C6-4ABD-B5DC-E707707781F9}" type="datetimeFigureOut">
               <a:rPr lang="en-US" smtClean="0"/>
-              <a:t>9/13/2024</a:t>
+              <a:t>9/17/2024</a:t>
             </a:fld>
             <a:endParaRPr lang="en-US"/>
           </a:p>
@@ -4206,7 +4206,7 @@
           <a:p>
             <a:fld id="{9F98964C-18C6-4ABD-B5DC-E707707781F9}" type="datetimeFigureOut">
               <a:rPr lang="en-US" smtClean="0"/>
-              <a:t>9/13/2024</a:t>
+              <a:t>9/17/2024</a:t>
             </a:fld>
             <a:endParaRPr lang="en-US"/>
           </a:p>
@@ -4458,7 +4458,7 @@
           <a:p>
             <a:fld id="{9F98964C-18C6-4ABD-B5DC-E707707781F9}" type="datetimeFigureOut">
               <a:rPr lang="en-US" smtClean="0"/>
-              <a:t>9/13/2024</a:t>
+              <a:t>9/17/2024</a:t>
             </a:fld>
             <a:endParaRPr lang="en-US"/>
           </a:p>
@@ -4669,7 +4669,7 @@
           <a:p>
             <a:fld id="{9F98964C-18C6-4ABD-B5DC-E707707781F9}" type="datetimeFigureOut">
               <a:rPr lang="en-US" smtClean="0"/>
-              <a:t>9/13/2024</a:t>
+              <a:t>9/17/2024</a:t>
             </a:fld>
             <a:endParaRPr lang="en-US"/>
           </a:p>
@@ -5201,28 +5201,6 @@
             <a:normAutofit/>
           </a:bodyPr>
           <a:lstStyle/>
-          <a:p>
-            <a:r>
-              <a:rPr lang="en-US" sz="2000" dirty="0"/>
-              <a:t>Zonghua Gu (based on </a:t>
-            </a:r>
-            <a:r>
-              <a:rPr lang="en-US" sz="2000" dirty="0" err="1"/>
-              <a:t>J</a:t>
-            </a:r>
-            <a:r>
-              <a:rPr lang="en-US" altLang="zh-CN" sz="2000" dirty="0" err="1"/>
-              <a:t>ianchen</a:t>
-            </a:r>
-            <a:r>
-              <a:rPr lang="zh-CN" altLang="en-US" sz="2000" dirty="0"/>
-              <a:t> </a:t>
-            </a:r>
-            <a:r>
-              <a:rPr lang="en-US" altLang="zh-CN" sz="2000" dirty="0"/>
-              <a:t>Shan)</a:t>
-            </a:r>
-          </a:p>
           <a:p>
             <a:r>
               <a:rPr lang="en-US" sz="2000" dirty="0"/>
@@ -8062,7 +8040,7 @@
         </p:spPr>
         <p:txBody>
           <a:bodyPr>
-            <a:normAutofit/>
+            <a:normAutofit fontScale="77500" lnSpcReduction="20000"/>
           </a:bodyPr>
           <a:lstStyle/>
           <a:p>
@@ -8088,6 +8066,49 @@
             <a:r>
               <a:rPr lang="en-US" dirty="0"/>
               <a:t>Solution(radix sort): apply bucket sort on every digit/bit</a:t>
+            </a:r>
+          </a:p>
+          <a:p>
+            <a:r>
+              <a:rPr lang="en-US" dirty="0"/>
+              <a:t>Bucket Sort | </a:t>
+            </a:r>
+            <a:r>
+              <a:rPr lang="en-US" dirty="0" err="1"/>
+              <a:t>GeeksforGeeks</a:t>
+            </a:r>
+            <a:endParaRPr lang="en-US" dirty="0"/>
+          </a:p>
+          <a:p>
+            <a:pPr lvl="1"/>
+            <a:r>
+              <a:rPr lang="en-US" dirty="0">
+                <a:hlinkClick r:id="rId16"/>
+              </a:rPr>
+              <a:t>https://www.youtube.com/watch?v=VuXbEb5ywrU</a:t>
+            </a:r>
+            <a:r>
+              <a:rPr lang="en-US" dirty="0"/>
+              <a:t> </a:t>
+            </a:r>
+          </a:p>
+          <a:p>
+            <a:r>
+              <a:rPr lang="en-GB" dirty="0"/>
+              <a:t>Radix Sort Animations | Data Structure | Visual How</a:t>
+            </a:r>
+          </a:p>
+          <a:p>
+            <a:pPr lvl="1"/>
+            <a:r>
+              <a:rPr lang="en-US" dirty="0">
+                <a:hlinkClick r:id="rId17"/>
+              </a:rPr>
+              <a:t>https://www.youtube.com/watch?v=Om4BljCs_qE</a:t>
+            </a:r>
+            <a:r>
+              <a:rPr lang="en-US" dirty="0"/>
+              <a:t> </a:t>
             </a:r>
           </a:p>
         </p:txBody>

--- a/PPTs/Lecture 14-radix sort.pptx
+++ b/PPTs/Lecture 14-radix sort.pptx
@@ -221,7 +221,7 @@
           <a:p>
             <a:fld id="{7E731F4C-49D2-428C-BC15-767604D5F3DB}" type="datetimeFigureOut">
               <a:rPr lang="en-US" smtClean="0"/>
-              <a:t>9/17/2024</a:t>
+              <a:t>10/1/2024</a:t>
             </a:fld>
             <a:endParaRPr lang="en-US"/>
           </a:p>
@@ -2367,7 +2367,7 @@
           <a:p>
             <a:fld id="{9F98964C-18C6-4ABD-B5DC-E707707781F9}" type="datetimeFigureOut">
               <a:rPr lang="en-US" smtClean="0"/>
-              <a:t>9/17/2024</a:t>
+              <a:t>10/1/2024</a:t>
             </a:fld>
             <a:endParaRPr lang="en-US"/>
           </a:p>
@@ -2535,7 +2535,7 @@
           <a:p>
             <a:fld id="{9F98964C-18C6-4ABD-B5DC-E707707781F9}" type="datetimeFigureOut">
               <a:rPr lang="en-US" smtClean="0"/>
-              <a:t>9/17/2024</a:t>
+              <a:t>10/1/2024</a:t>
             </a:fld>
             <a:endParaRPr lang="en-US"/>
           </a:p>
@@ -2713,7 +2713,7 @@
           <a:p>
             <a:fld id="{9F98964C-18C6-4ABD-B5DC-E707707781F9}" type="datetimeFigureOut">
               <a:rPr lang="en-US" smtClean="0"/>
-              <a:t>9/17/2024</a:t>
+              <a:t>10/1/2024</a:t>
             </a:fld>
             <a:endParaRPr lang="en-US"/>
           </a:p>
@@ -2881,7 +2881,7 @@
           <a:p>
             <a:fld id="{9F98964C-18C6-4ABD-B5DC-E707707781F9}" type="datetimeFigureOut">
               <a:rPr lang="en-US" smtClean="0"/>
-              <a:t>9/17/2024</a:t>
+              <a:t>10/1/2024</a:t>
             </a:fld>
             <a:endParaRPr lang="en-US"/>
           </a:p>
@@ -3126,7 +3126,7 @@
           <a:p>
             <a:fld id="{9F98964C-18C6-4ABD-B5DC-E707707781F9}" type="datetimeFigureOut">
               <a:rPr lang="en-US" smtClean="0"/>
-              <a:t>9/17/2024</a:t>
+              <a:t>10/1/2024</a:t>
             </a:fld>
             <a:endParaRPr lang="en-US"/>
           </a:p>
@@ -3355,7 +3355,7 @@
           <a:p>
             <a:fld id="{9F98964C-18C6-4ABD-B5DC-E707707781F9}" type="datetimeFigureOut">
               <a:rPr lang="en-US" smtClean="0"/>
-              <a:t>9/17/2024</a:t>
+              <a:t>10/1/2024</a:t>
             </a:fld>
             <a:endParaRPr lang="en-US"/>
           </a:p>
@@ -3719,7 +3719,7 @@
           <a:p>
             <a:fld id="{9F98964C-18C6-4ABD-B5DC-E707707781F9}" type="datetimeFigureOut">
               <a:rPr lang="en-US" smtClean="0"/>
-              <a:t>9/17/2024</a:t>
+              <a:t>10/1/2024</a:t>
             </a:fld>
             <a:endParaRPr lang="en-US"/>
           </a:p>
@@ -3836,7 +3836,7 @@
           <a:p>
             <a:fld id="{9F98964C-18C6-4ABD-B5DC-E707707781F9}" type="datetimeFigureOut">
               <a:rPr lang="en-US" smtClean="0"/>
-              <a:t>9/17/2024</a:t>
+              <a:t>10/1/2024</a:t>
             </a:fld>
             <a:endParaRPr lang="en-US"/>
           </a:p>
@@ -3931,7 +3931,7 @@
           <a:p>
             <a:fld id="{9F98964C-18C6-4ABD-B5DC-E707707781F9}" type="datetimeFigureOut">
               <a:rPr lang="en-US" smtClean="0"/>
-              <a:t>9/17/2024</a:t>
+              <a:t>10/1/2024</a:t>
             </a:fld>
             <a:endParaRPr lang="en-US"/>
           </a:p>
@@ -4206,7 +4206,7 @@
           <a:p>
             <a:fld id="{9F98964C-18C6-4ABD-B5DC-E707707781F9}" type="datetimeFigureOut">
               <a:rPr lang="en-US" smtClean="0"/>
-              <a:t>9/17/2024</a:t>
+              <a:t>10/1/2024</a:t>
             </a:fld>
             <a:endParaRPr lang="en-US"/>
           </a:p>
@@ -4458,7 +4458,7 @@
           <a:p>
             <a:fld id="{9F98964C-18C6-4ABD-B5DC-E707707781F9}" type="datetimeFigureOut">
               <a:rPr lang="en-US" smtClean="0"/>
-              <a:t>9/17/2024</a:t>
+              <a:t>10/1/2024</a:t>
             </a:fld>
             <a:endParaRPr lang="en-US"/>
           </a:p>
@@ -4669,7 +4669,7 @@
           <a:p>
             <a:fld id="{9F98964C-18C6-4ABD-B5DC-E707707781F9}" type="datetimeFigureOut">
               <a:rPr lang="en-US" smtClean="0"/>
-              <a:t>9/17/2024</a:t>
+              <a:t>10/1/2024</a:t>
             </a:fld>
             <a:endParaRPr lang="en-US"/>
           </a:p>
@@ -20788,6 +20788,73 @@
               <a:rPr lang="en-US" sz="3600" dirty="0"/>
               <a:t>: Bucket sort on each digit, from least significant digit to most significant digit.</a:t>
             </a:r>
+          </a:p>
+        </p:txBody>
+      </p:sp>
+      <p:sp>
+        <p:nvSpPr>
+          <p:cNvPr id="2" name="TextBox 1">
+            <a:extLst>
+              <a:ext uri="{FF2B5EF4-FFF2-40B4-BE49-F238E27FC236}">
+                <a16:creationId xmlns:a16="http://schemas.microsoft.com/office/drawing/2014/main" id="{CC487569-E2E3-C160-62EC-5863C0998B72}"/>
+              </a:ext>
+            </a:extLst>
+          </p:cNvPr>
+          <p:cNvSpPr txBox="1"/>
+          <p:nvPr/>
+        </p:nvSpPr>
+        <p:spPr>
+          <a:xfrm>
+            <a:off x="4143134" y="6198255"/>
+            <a:ext cx="3905731" cy="523220"/>
+          </a:xfrm>
+          <a:prstGeom prst="rect">
+            <a:avLst/>
+          </a:prstGeom>
+          <a:ln w="12700"/>
+        </p:spPr>
+        <p:style>
+          <a:lnRef idx="2">
+            <a:schemeClr val="accent2"/>
+          </a:lnRef>
+          <a:fillRef idx="1">
+            <a:schemeClr val="lt1"/>
+          </a:fillRef>
+          <a:effectRef idx="0">
+            <a:schemeClr val="accent2"/>
+          </a:effectRef>
+          <a:fontRef idx="minor">
+            <a:schemeClr val="dk1"/>
+          </a:fontRef>
+        </p:style>
+        <p:txBody>
+          <a:bodyPr wrap="square">
+            <a:spAutoFit/>
+          </a:bodyPr>
+          <a:lstStyle/>
+          <a:p>
+            <a:r>
+              <a:rPr lang="en-GB" sz="1400" dirty="0"/>
+              <a:t>Bucket Sort | </a:t>
+            </a:r>
+            <a:r>
+              <a:rPr lang="en-GB" sz="1400" dirty="0" err="1"/>
+              <a:t>GeeksforGeeks</a:t>
+            </a:r>
+            <a:endParaRPr lang="en-GB" sz="1400" dirty="0"/>
+          </a:p>
+          <a:p>
+            <a:r>
+              <a:rPr lang="en-GB" sz="1400" dirty="0">
+                <a:hlinkClick r:id="rId2"/>
+              </a:rPr>
+              <a:t>https://www.youtube.com/watch?v=VuXbEb5ywrU</a:t>
+            </a:r>
+            <a:r>
+              <a:rPr lang="en-GB" sz="1400" dirty="0"/>
+              <a:t> </a:t>
+            </a:r>
+            <a:endParaRPr lang="en-SE" sz="1400" dirty="0"/>
           </a:p>
         </p:txBody>
       </p:sp>

--- a/PPTs/Lecture 14-radix sort.pptx
+++ b/PPTs/Lecture 14-radix sort.pptx
@@ -206,7 +206,7 @@
           <a:p>
             <a:fld id="{7E731F4C-49D2-428C-BC15-767604D5F3DB}" type="datetimeFigureOut">
               <a:rPr lang="en-US" smtClean="0"/>
-              <a:t>12/1/2024</a:t>
+              <a:t>12/3/2024</a:t>
             </a:fld>
             <a:endParaRPr lang="en-US"/>
           </a:p>
@@ -1515,7 +1515,7 @@
           <a:p>
             <a:fld id="{9F98964C-18C6-4ABD-B5DC-E707707781F9}" type="datetimeFigureOut">
               <a:rPr lang="en-US" smtClean="0"/>
-              <a:t>12/1/2024</a:t>
+              <a:t>12/3/2024</a:t>
             </a:fld>
             <a:endParaRPr lang="en-US"/>
           </a:p>
@@ -1683,7 +1683,7 @@
           <a:p>
             <a:fld id="{9F98964C-18C6-4ABD-B5DC-E707707781F9}" type="datetimeFigureOut">
               <a:rPr lang="en-US" smtClean="0"/>
-              <a:t>12/1/2024</a:t>
+              <a:t>12/3/2024</a:t>
             </a:fld>
             <a:endParaRPr lang="en-US"/>
           </a:p>
@@ -1861,7 +1861,7 @@
           <a:p>
             <a:fld id="{9F98964C-18C6-4ABD-B5DC-E707707781F9}" type="datetimeFigureOut">
               <a:rPr lang="en-US" smtClean="0"/>
-              <a:t>12/1/2024</a:t>
+              <a:t>12/3/2024</a:t>
             </a:fld>
             <a:endParaRPr lang="en-US"/>
           </a:p>
@@ -2029,7 +2029,7 @@
           <a:p>
             <a:fld id="{9F98964C-18C6-4ABD-B5DC-E707707781F9}" type="datetimeFigureOut">
               <a:rPr lang="en-US" smtClean="0"/>
-              <a:t>12/1/2024</a:t>
+              <a:t>12/3/2024</a:t>
             </a:fld>
             <a:endParaRPr lang="en-US"/>
           </a:p>
@@ -2274,7 +2274,7 @@
           <a:p>
             <a:fld id="{9F98964C-18C6-4ABD-B5DC-E707707781F9}" type="datetimeFigureOut">
               <a:rPr lang="en-US" smtClean="0"/>
-              <a:t>12/1/2024</a:t>
+              <a:t>12/3/2024</a:t>
             </a:fld>
             <a:endParaRPr lang="en-US"/>
           </a:p>
@@ -2503,7 +2503,7 @@
           <a:p>
             <a:fld id="{9F98964C-18C6-4ABD-B5DC-E707707781F9}" type="datetimeFigureOut">
               <a:rPr lang="en-US" smtClean="0"/>
-              <a:t>12/1/2024</a:t>
+              <a:t>12/3/2024</a:t>
             </a:fld>
             <a:endParaRPr lang="en-US"/>
           </a:p>
@@ -2867,7 +2867,7 @@
           <a:p>
             <a:fld id="{9F98964C-18C6-4ABD-B5DC-E707707781F9}" type="datetimeFigureOut">
               <a:rPr lang="en-US" smtClean="0"/>
-              <a:t>12/1/2024</a:t>
+              <a:t>12/3/2024</a:t>
             </a:fld>
             <a:endParaRPr lang="en-US"/>
           </a:p>
@@ -2984,7 +2984,7 @@
           <a:p>
             <a:fld id="{9F98964C-18C6-4ABD-B5DC-E707707781F9}" type="datetimeFigureOut">
               <a:rPr lang="en-US" smtClean="0"/>
-              <a:t>12/1/2024</a:t>
+              <a:t>12/3/2024</a:t>
             </a:fld>
             <a:endParaRPr lang="en-US"/>
           </a:p>
@@ -3079,7 +3079,7 @@
           <a:p>
             <a:fld id="{9F98964C-18C6-4ABD-B5DC-E707707781F9}" type="datetimeFigureOut">
               <a:rPr lang="en-US" smtClean="0"/>
-              <a:t>12/1/2024</a:t>
+              <a:t>12/3/2024</a:t>
             </a:fld>
             <a:endParaRPr lang="en-US"/>
           </a:p>
@@ -3354,7 +3354,7 @@
           <a:p>
             <a:fld id="{9F98964C-18C6-4ABD-B5DC-E707707781F9}" type="datetimeFigureOut">
               <a:rPr lang="en-US" smtClean="0"/>
-              <a:t>12/1/2024</a:t>
+              <a:t>12/3/2024</a:t>
             </a:fld>
             <a:endParaRPr lang="en-US"/>
           </a:p>
@@ -3606,7 +3606,7 @@
           <a:p>
             <a:fld id="{9F98964C-18C6-4ABD-B5DC-E707707781F9}" type="datetimeFigureOut">
               <a:rPr lang="en-US" smtClean="0"/>
-              <a:t>12/1/2024</a:t>
+              <a:t>12/3/2024</a:t>
             </a:fld>
             <a:endParaRPr lang="en-US"/>
           </a:p>
@@ -3817,7 +3817,7 @@
           <a:p>
             <a:fld id="{9F98964C-18C6-4ABD-B5DC-E707707781F9}" type="datetimeFigureOut">
               <a:rPr lang="en-US" smtClean="0"/>
-              <a:t>12/1/2024</a:t>
+              <a:t>12/3/2024</a:t>
             </a:fld>
             <a:endParaRPr lang="en-US"/>
           </a:p>
@@ -7197,7 +7197,7 @@
           <a:p>
             <a:r>
               <a:rPr lang="en-US" sz="3200" dirty="0"/>
-              <a:t>Radix = “The base of a number system” (Webster’s dictionary)</a:t>
+              <a:t>Radix = “The base of a number system” </a:t>
             </a:r>
           </a:p>
           <a:p>

--- a/PPTs/Lecture 14-radix sort.pptx
+++ b/PPTs/Lecture 14-radix sort.pptx
@@ -5,7 +5,7 @@
     <p:sldMasterId id="2147483648" r:id="rId1"/>
   </p:sldMasterIdLst>
   <p:notesMasterIdLst>
-    <p:notesMasterId r:id="rId12"/>
+    <p:notesMasterId r:id="rId13"/>
   </p:notesMasterIdLst>
   <p:sldIdLst>
     <p:sldId id="308" r:id="rId2"/>
@@ -18,6 +18,7 @@
     <p:sldId id="295" r:id="rId9"/>
     <p:sldId id="311" r:id="rId10"/>
     <p:sldId id="286" r:id="rId11"/>
+    <p:sldId id="312" r:id="rId12"/>
   </p:sldIdLst>
   <p:sldSz cx="12192000" cy="6858000"/>
   <p:notesSz cx="6858000" cy="9144000"/>
@@ -206,7 +207,7 @@
           <a:p>
             <a:fld id="{7E731F4C-49D2-428C-BC15-767604D5F3DB}" type="datetimeFigureOut">
               <a:rPr lang="en-US" smtClean="0"/>
-              <a:t>12/3/2024</a:t>
+              <a:t>12/9/2024</a:t>
             </a:fld>
             <a:endParaRPr lang="en-US"/>
           </a:p>
@@ -1515,7 +1516,7 @@
           <a:p>
             <a:fld id="{9F98964C-18C6-4ABD-B5DC-E707707781F9}" type="datetimeFigureOut">
               <a:rPr lang="en-US" smtClean="0"/>
-              <a:t>12/3/2024</a:t>
+              <a:t>12/9/2024</a:t>
             </a:fld>
             <a:endParaRPr lang="en-US"/>
           </a:p>
@@ -1683,7 +1684,7 @@
           <a:p>
             <a:fld id="{9F98964C-18C6-4ABD-B5DC-E707707781F9}" type="datetimeFigureOut">
               <a:rPr lang="en-US" smtClean="0"/>
-              <a:t>12/3/2024</a:t>
+              <a:t>12/9/2024</a:t>
             </a:fld>
             <a:endParaRPr lang="en-US"/>
           </a:p>
@@ -1861,7 +1862,7 @@
           <a:p>
             <a:fld id="{9F98964C-18C6-4ABD-B5DC-E707707781F9}" type="datetimeFigureOut">
               <a:rPr lang="en-US" smtClean="0"/>
-              <a:t>12/3/2024</a:t>
+              <a:t>12/9/2024</a:t>
             </a:fld>
             <a:endParaRPr lang="en-US"/>
           </a:p>
@@ -2029,7 +2030,7 @@
           <a:p>
             <a:fld id="{9F98964C-18C6-4ABD-B5DC-E707707781F9}" type="datetimeFigureOut">
               <a:rPr lang="en-US" smtClean="0"/>
-              <a:t>12/3/2024</a:t>
+              <a:t>12/9/2024</a:t>
             </a:fld>
             <a:endParaRPr lang="en-US"/>
           </a:p>
@@ -2274,7 +2275,7 @@
           <a:p>
             <a:fld id="{9F98964C-18C6-4ABD-B5DC-E707707781F9}" type="datetimeFigureOut">
               <a:rPr lang="en-US" smtClean="0"/>
-              <a:t>12/3/2024</a:t>
+              <a:t>12/9/2024</a:t>
             </a:fld>
             <a:endParaRPr lang="en-US"/>
           </a:p>
@@ -2503,7 +2504,7 @@
           <a:p>
             <a:fld id="{9F98964C-18C6-4ABD-B5DC-E707707781F9}" type="datetimeFigureOut">
               <a:rPr lang="en-US" smtClean="0"/>
-              <a:t>12/3/2024</a:t>
+              <a:t>12/9/2024</a:t>
             </a:fld>
             <a:endParaRPr lang="en-US"/>
           </a:p>
@@ -2867,7 +2868,7 @@
           <a:p>
             <a:fld id="{9F98964C-18C6-4ABD-B5DC-E707707781F9}" type="datetimeFigureOut">
               <a:rPr lang="en-US" smtClean="0"/>
-              <a:t>12/3/2024</a:t>
+              <a:t>12/9/2024</a:t>
             </a:fld>
             <a:endParaRPr lang="en-US"/>
           </a:p>
@@ -2984,7 +2985,7 @@
           <a:p>
             <a:fld id="{9F98964C-18C6-4ABD-B5DC-E707707781F9}" type="datetimeFigureOut">
               <a:rPr lang="en-US" smtClean="0"/>
-              <a:t>12/3/2024</a:t>
+              <a:t>12/9/2024</a:t>
             </a:fld>
             <a:endParaRPr lang="en-US"/>
           </a:p>
@@ -3079,7 +3080,7 @@
           <a:p>
             <a:fld id="{9F98964C-18C6-4ABD-B5DC-E707707781F9}" type="datetimeFigureOut">
               <a:rPr lang="en-US" smtClean="0"/>
-              <a:t>12/3/2024</a:t>
+              <a:t>12/9/2024</a:t>
             </a:fld>
             <a:endParaRPr lang="en-US"/>
           </a:p>
@@ -3354,7 +3355,7 @@
           <a:p>
             <a:fld id="{9F98964C-18C6-4ABD-B5DC-E707707781F9}" type="datetimeFigureOut">
               <a:rPr lang="en-US" smtClean="0"/>
-              <a:t>12/3/2024</a:t>
+              <a:t>12/9/2024</a:t>
             </a:fld>
             <a:endParaRPr lang="en-US"/>
           </a:p>
@@ -3606,7 +3607,7 @@
           <a:p>
             <a:fld id="{9F98964C-18C6-4ABD-B5DC-E707707781F9}" type="datetimeFigureOut">
               <a:rPr lang="en-US" smtClean="0"/>
-              <a:t>12/3/2024</a:t>
+              <a:t>12/9/2024</a:t>
             </a:fld>
             <a:endParaRPr lang="en-US"/>
           </a:p>
@@ -3817,7 +3818,7 @@
           <a:p>
             <a:fld id="{9F98964C-18C6-4ABD-B5DC-E707707781F9}" type="datetimeFigureOut">
               <a:rPr lang="en-US" smtClean="0"/>
-              <a:t>12/3/2024</a:t>
+              <a:t>12/9/2024</a:t>
             </a:fld>
             <a:endParaRPr lang="en-US"/>
           </a:p>
@@ -3898,54 +3899,6 @@
               <a:t>‹#›</a:t>
             </a:fld>
             <a:endParaRPr lang="en-US"/>
-          </a:p>
-        </p:txBody>
-      </p:sp>
-      <p:sp>
-        <p:nvSpPr>
-          <p:cNvPr id="8" name="TextBox 7">
-            <a:extLst>
-              <a:ext uri="{FF2B5EF4-FFF2-40B4-BE49-F238E27FC236}">
-                <a16:creationId xmlns:a16="http://schemas.microsoft.com/office/drawing/2014/main" id="{12AB1A36-C3C9-B291-45D7-EEFD8270DCD1}"/>
-              </a:ext>
-            </a:extLst>
-          </p:cNvPr>
-          <p:cNvSpPr txBox="1"/>
-          <p:nvPr userDrawn="1">
-            <p:extLst>
-              <p:ext uri="{1162E1C5-73C7-4A58-AE30-91384D911F3F}">
-                <p184:classification xmlns:p184="http://schemas.microsoft.com/office/powerpoint/2018/4/main" val="hdr"/>
-              </p:ext>
-            </p:extLst>
-          </p:nvPr>
-        </p:nvSpPr>
-        <p:spPr>
-          <a:xfrm>
-            <a:off x="11363325" y="63500"/>
-            <a:ext cx="787400" cy="121920"/>
-          </a:xfrm>
-          <a:prstGeom prst="rect">
-            <a:avLst/>
-          </a:prstGeom>
-        </p:spPr>
-        <p:txBody>
-          <a:bodyPr horzOverflow="overflow" lIns="0" tIns="0" rIns="0" bIns="0">
-            <a:spAutoFit/>
-          </a:bodyPr>
-          <a:lstStyle/>
-          <a:p>
-            <a:pPr algn="l"/>
-            <a:r>
-              <a:rPr lang="en-SE" sz="800">
-                <a:solidFill>
-                  <a:srgbClr val="000000"/>
-                </a:solidFill>
-                <a:latin typeface="Calibri" panose="020F0502020204030204" pitchFamily="34" charset="0"/>
-                <a:ea typeface="Calibri" panose="020F0502020204030204" pitchFamily="34" charset="0"/>
-                <a:cs typeface="Calibri" panose="020F0502020204030204" pitchFamily="34" charset="0"/>
-              </a:rPr>
-              <a:t>Begränsad delning</a:t>
-            </a:r>
           </a:p>
         </p:txBody>
       </p:sp>
@@ -4597,8 +4550,15 @@
           <a:p>
             <a:r>
               <a:rPr lang="en-US" dirty="0"/>
-              <a:t>Radix sort of decimal numbers</a:t>
-            </a:r>
+              <a:t>Radix sort of decimal numbers </a:t>
+            </a:r>
+            <a:r>
+              <a:rPr lang="en-GB" dirty="0"/>
+              <a:t>using ten buckets: 0 to 9</a:t>
+            </a:r>
+          </a:p>
+          <a:p>
+            <a:endParaRPr lang="en-US" dirty="0"/>
           </a:p>
         </p:txBody>
       </p:sp>
@@ -7105,6 +7065,160 @@
 </p:sld>
 </file>
 
+<file path=ppt/slides/slide11.xml><?xml version="1.0" encoding="utf-8"?>
+<p:sld xmlns:a="http://schemas.openxmlformats.org/drawingml/2006/main" xmlns:r="http://schemas.openxmlformats.org/officeDocument/2006/relationships" xmlns:p="http://schemas.openxmlformats.org/presentationml/2006/main">
+  <p:cSld>
+    <p:spTree>
+      <p:nvGrpSpPr>
+        <p:cNvPr id="1" name=""/>
+        <p:cNvGrpSpPr/>
+        <p:nvPr/>
+      </p:nvGrpSpPr>
+      <p:grpSpPr>
+        <a:xfrm>
+          <a:off x="0" y="0"/>
+          <a:ext cx="0" cy="0"/>
+          <a:chOff x="0" y="0"/>
+          <a:chExt cx="0" cy="0"/>
+        </a:xfrm>
+      </p:grpSpPr>
+      <p:sp>
+        <p:nvSpPr>
+          <p:cNvPr id="2" name="Title 1">
+            <a:extLst>
+              <a:ext uri="{FF2B5EF4-FFF2-40B4-BE49-F238E27FC236}">
+                <a16:creationId xmlns:a16="http://schemas.microsoft.com/office/drawing/2014/main" id="{FA1BD5B1-E085-931B-34FD-733FA6E203FB}"/>
+              </a:ext>
+            </a:extLst>
+          </p:cNvPr>
+          <p:cNvSpPr>
+            <a:spLocks noGrp="1"/>
+          </p:cNvSpPr>
+          <p:nvPr>
+            <p:ph type="title"/>
+          </p:nvPr>
+        </p:nvSpPr>
+        <p:spPr/>
+        <p:txBody>
+          <a:bodyPr/>
+          <a:lstStyle/>
+          <a:p>
+            <a:r>
+              <a:rPr lang="en-GB" dirty="0"/>
+              <a:t>References</a:t>
+            </a:r>
+            <a:endParaRPr lang="en-SE" dirty="0"/>
+          </a:p>
+        </p:txBody>
+      </p:sp>
+      <p:sp>
+        <p:nvSpPr>
+          <p:cNvPr id="3" name="Content Placeholder 2">
+            <a:extLst>
+              <a:ext uri="{FF2B5EF4-FFF2-40B4-BE49-F238E27FC236}">
+                <a16:creationId xmlns:a16="http://schemas.microsoft.com/office/drawing/2014/main" id="{AC370445-51E4-582C-07D8-48A923CD65CB}"/>
+              </a:ext>
+            </a:extLst>
+          </p:cNvPr>
+          <p:cNvSpPr>
+            <a:spLocks noGrp="1"/>
+          </p:cNvSpPr>
+          <p:nvPr>
+            <p:ph idx="1"/>
+          </p:nvPr>
+        </p:nvSpPr>
+        <p:spPr/>
+        <p:txBody>
+          <a:bodyPr/>
+          <a:lstStyle/>
+          <a:p>
+            <a:r>
+              <a:rPr lang="en-GB" dirty="0"/>
+              <a:t>Radix Sort</a:t>
+            </a:r>
+          </a:p>
+          <a:p>
+            <a:pPr lvl="1"/>
+            <a:r>
+              <a:rPr lang="en-GB" dirty="0">
+                <a:hlinkClick r:id="rId2"/>
+              </a:rPr>
+              <a:t>https://www.geeksforgeeks.org/radix-sort/</a:t>
+            </a:r>
+            <a:r>
+              <a:rPr lang="en-GB" dirty="0"/>
+              <a:t> </a:t>
+            </a:r>
+          </a:p>
+          <a:p>
+            <a:pPr lvl="1"/>
+            <a:r>
+              <a:rPr lang="en-GB" dirty="0">
+                <a:hlinkClick r:id="rId3"/>
+              </a:rPr>
+              <a:t>https://www.geeksforgeeks.org/time-and-space-complexity-of-radix-sort-algorithm/</a:t>
+            </a:r>
+            <a:r>
+              <a:rPr lang="en-GB" dirty="0"/>
+              <a:t> </a:t>
+            </a:r>
+          </a:p>
+          <a:p>
+            <a:r>
+              <a:rPr lang="en-GB" dirty="0"/>
+              <a:t>Bucket Sort</a:t>
+            </a:r>
+          </a:p>
+          <a:p>
+            <a:pPr lvl="1"/>
+            <a:r>
+              <a:rPr lang="en-GB" dirty="0">
+                <a:hlinkClick r:id="rId4"/>
+              </a:rPr>
+              <a:t>https://www.geeksforgeeks.org/bucket-sort-2/</a:t>
+            </a:r>
+            <a:r>
+              <a:rPr lang="en-GB" dirty="0"/>
+              <a:t> </a:t>
+            </a:r>
+          </a:p>
+          <a:p>
+            <a:r>
+              <a:rPr lang="en-GB" dirty="0"/>
+              <a:t>Time Complexities of all Sorting Algorithms</a:t>
+            </a:r>
+          </a:p>
+          <a:p>
+            <a:pPr lvl="1"/>
+            <a:r>
+              <a:rPr lang="en-GB" dirty="0">
+                <a:hlinkClick r:id="rId5"/>
+              </a:rPr>
+              <a:t>https://www.geeksforgeeks.org/time-complexities-of-all-sorting-algorithms/</a:t>
+            </a:r>
+            <a:r>
+              <a:rPr lang="en-GB" dirty="0"/>
+              <a:t> </a:t>
+            </a:r>
+          </a:p>
+          <a:p>
+            <a:endParaRPr lang="en-SE" dirty="0"/>
+          </a:p>
+        </p:txBody>
+      </p:sp>
+    </p:spTree>
+    <p:extLst>
+      <p:ext uri="{BB962C8B-B14F-4D97-AF65-F5344CB8AC3E}">
+        <p14:creationId xmlns:p14="http://schemas.microsoft.com/office/powerpoint/2010/main" val="2744396830"/>
+      </p:ext>
+    </p:extLst>
+  </p:cSld>
+  <p:clrMapOvr>
+    <a:masterClrMapping/>
+  </p:clrMapOvr>
+</p:sld>
+</file>
+
 <file path=ppt/slides/slide2.xml><?xml version="1.0" encoding="utf-8"?>
 <p:sld xmlns:a="http://schemas.openxmlformats.org/drawingml/2006/main" xmlns:r="http://schemas.openxmlformats.org/officeDocument/2006/relationships" xmlns:p="http://schemas.openxmlformats.org/presentationml/2006/main">
   <p:cSld>
@@ -7230,34 +7344,7 @@
             <a:pPr lvl="1"/>
             <a:r>
               <a:rPr lang="en-US" sz="2800" dirty="0"/>
-              <a:t>hexadecimals have a radix of 16.</a:t>
-            </a:r>
-          </a:p>
-          <a:p>
-            <a:r>
-              <a:rPr lang="en-US" sz="3200" dirty="0"/>
-              <a:t>Radix of texts:</a:t>
-            </a:r>
-          </a:p>
-          <a:p>
-            <a:pPr lvl="1"/>
-            <a:r>
-              <a:rPr lang="en-US" sz="2800" dirty="0"/>
-              <a:t>26 if only capital letters are considered</a:t>
-            </a:r>
-          </a:p>
-          <a:p>
-            <a:pPr lvl="1"/>
-            <a:r>
-              <a:rPr lang="en-US" sz="2800" dirty="0"/>
-              <a:t>36 if capital letters and decimal digits are considered</a:t>
-            </a:r>
-          </a:p>
-          <a:p>
-            <a:pPr lvl="1"/>
-            <a:r>
-              <a:rPr lang="en-US" sz="2800" dirty="0"/>
-              <a:t>62 for capital letters + small letters + decimal digits</a:t>
+              <a:t>hexadecimals have a radix of 16</a:t>
             </a:r>
           </a:p>
         </p:txBody>
@@ -7379,17 +7466,6 @@
             </a:pPr>
             <a:r>
               <a:rPr lang="en-US" sz="3600" dirty="0"/>
-              <a:t>Used to sort numbers or texts</a:t>
-            </a:r>
-          </a:p>
-          <a:p>
-            <a:pPr>
-              <a:lnSpc>
-                <a:spcPct val="90000"/>
-              </a:lnSpc>
-            </a:pPr>
-            <a:r>
-              <a:rPr lang="en-US" sz="3600" dirty="0"/>
               <a:t>Very efficient when sorting a large number of elements</a:t>
             </a:r>
           </a:p>
@@ -7397,7 +7473,7 @@
             <a:pPr lvl="1"/>
             <a:r>
               <a:rPr lang="en-US" sz="3200" dirty="0"/>
-              <a:t>O(M*N). M: length of each elements; N: number of elements</a:t>
+              <a:t>O(n*k). n: number of elements; k: number of digits in the largest number</a:t>
             </a:r>
           </a:p>
           <a:p>
@@ -7410,7 +7486,7 @@
             <a:pPr lvl="1"/>
             <a:r>
               <a:rPr lang="en-US" sz="3200" dirty="0"/>
-              <a:t>E.g., bubble sort is in-place soring.</a:t>
+              <a:t>E.g., bubble sort is in-place sorting.</a:t>
             </a:r>
           </a:p>
           <a:p>
@@ -7505,7 +7581,7 @@
         </p:spPr>
         <p:txBody>
           <a:bodyPr vert="horz" lIns="91440" tIns="45720" rIns="91440" bIns="45720" rtlCol="0">
-            <a:normAutofit lnSpcReduction="10000"/>
+            <a:normAutofit fontScale="92500" lnSpcReduction="10000"/>
           </a:bodyPr>
           <a:lstStyle>
             <a:lvl1pPr marL="342900" indent="-342900" algn="l" defTabSz="914400" rtl="0" eaLnBrk="1" latinLnBrk="0" hangingPunct="1">
@@ -7665,7 +7741,7 @@
             </a:pPr>
             <a:r>
               <a:rPr lang="en-US" sz="2800" dirty="0"/>
-              <a:t>    /* A: array; n: number of items; k: number of digits */</a:t>
+              <a:t>    /* A: array; n: number of elements; k: number of digits in the largest number */</a:t>
             </a:r>
           </a:p>
           <a:p>
@@ -18838,6 +18914,6 @@
 
 <file path=docMetadata/LabelInfo.xml><?xml version="1.0" encoding="utf-8"?>
 <clbl:labelList xmlns:clbl="http://schemas.microsoft.com/office/2020/mipLabelMetadata">
-  <clbl:label id="{f13b610e-d3b5-490f-b165-988100e8232a}" enabled="1" method="Standard" siteId="{5a4ba6f9-f531-4f32-9467-398f19e69de4}" contentBits="1" removed="0"/>
+  <clbl:label id="{da48a9ac-7937-4134-8b13-3620bf967764}" enabled="1" method="Privileged" siteId="{5a4ba6f9-f531-4f32-9467-398f19e69de4}" contentBits="0" removed="0"/>
 </clbl:labelList>
 </file>
--- a/PPTs/Lecture 14-radix sort.pptx
+++ b/PPTs/Lecture 14-radix sort.pptx
@@ -14996,7 +14996,7 @@
                             </p:stCondLst>
                             <p:childTnLst>
                               <p:par>
-                                <p:cTn id="21" presetID="1" presetClass="entr" presetSubtype="0" fill="hold" grpId="0" nodeType="clickEffect">
+                                <p:cTn id="21" presetID="1" presetClass="entr" presetSubtype="0" fill="hold" nodeType="clickEffect">
                                   <p:stCondLst>
                                     <p:cond delay="0"/>
                                   </p:stCondLst>
@@ -15004,6 +15004,96 @@
                                     <p:set>
                                       <p:cBhvr>
                                         <p:cTn id="22" dur="1" fill="hold">
+                                          <p:stCondLst>
+                                            <p:cond delay="0"/>
+                                          </p:stCondLst>
+                                        </p:cTn>
+                                        <p:tgtEl>
+                                          <p:spTgt spid="56"/>
+                                        </p:tgtEl>
+                                        <p:attrNameLst>
+                                          <p:attrName>style.visibility</p:attrName>
+                                        </p:attrNameLst>
+                                      </p:cBhvr>
+                                      <p:to>
+                                        <p:strVal val="visible"/>
+                                      </p:to>
+                                    </p:set>
+                                  </p:childTnLst>
+                                </p:cTn>
+                              </p:par>
+                            </p:childTnLst>
+                          </p:cTn>
+                        </p:par>
+                      </p:childTnLst>
+                    </p:cTn>
+                  </p:par>
+                  <p:par>
+                    <p:cTn id="23" fill="hold">
+                      <p:stCondLst>
+                        <p:cond delay="indefinite"/>
+                      </p:stCondLst>
+                      <p:childTnLst>
+                        <p:par>
+                          <p:cTn id="24" fill="hold">
+                            <p:stCondLst>
+                              <p:cond delay="0"/>
+                            </p:stCondLst>
+                            <p:childTnLst>
+                              <p:par>
+                                <p:cTn id="25" presetID="1" presetClass="entr" presetSubtype="0" fill="hold" grpId="0" nodeType="clickEffect">
+                                  <p:stCondLst>
+                                    <p:cond delay="0"/>
+                                  </p:stCondLst>
+                                  <p:childTnLst>
+                                    <p:set>
+                                      <p:cBhvr>
+                                        <p:cTn id="26" dur="1" fill="hold">
+                                          <p:stCondLst>
+                                            <p:cond delay="0"/>
+                                          </p:stCondLst>
+                                        </p:cTn>
+                                        <p:tgtEl>
+                                          <p:spTgt spid="14"/>
+                                        </p:tgtEl>
+                                        <p:attrNameLst>
+                                          <p:attrName>style.visibility</p:attrName>
+                                        </p:attrNameLst>
+                                      </p:cBhvr>
+                                      <p:to>
+                                        <p:strVal val="visible"/>
+                                      </p:to>
+                                    </p:set>
+                                  </p:childTnLst>
+                                </p:cTn>
+                              </p:par>
+                            </p:childTnLst>
+                          </p:cTn>
+                        </p:par>
+                      </p:childTnLst>
+                    </p:cTn>
+                  </p:par>
+                  <p:par>
+                    <p:cTn id="27" fill="hold">
+                      <p:stCondLst>
+                        <p:cond delay="indefinite"/>
+                      </p:stCondLst>
+                      <p:childTnLst>
+                        <p:par>
+                          <p:cTn id="28" fill="hold">
+                            <p:stCondLst>
+                              <p:cond delay="0"/>
+                            </p:stCondLst>
+                            <p:childTnLst>
+                              <p:par>
+                                <p:cTn id="29" presetID="1" presetClass="entr" presetSubtype="0" fill="hold" grpId="0" nodeType="clickEffect">
+                                  <p:stCondLst>
+                                    <p:cond delay="0"/>
+                                  </p:stCondLst>
+                                  <p:childTnLst>
+                                    <p:set>
+                                      <p:cBhvr>
+                                        <p:cTn id="30" dur="1" fill="hold">
                                           <p:stCondLst>
                                             <p:cond delay="0"/>
                                           </p:stCondLst>
@@ -15023,115 +15113,7 @@
                                 </p:cTn>
                               </p:par>
                               <p:par>
-                                <p:cTn id="23" presetID="1" presetClass="entr" presetSubtype="0" fill="hold" grpId="0" nodeType="withEffect">
-                                  <p:stCondLst>
-                                    <p:cond delay="0"/>
-                                  </p:stCondLst>
-                                  <p:childTnLst>
-                                    <p:set>
-                                      <p:cBhvr>
-                                        <p:cTn id="24" dur="1" fill="hold">
-                                          <p:stCondLst>
-                                            <p:cond delay="0"/>
-                                          </p:stCondLst>
-                                        </p:cTn>
-                                        <p:tgtEl>
-                                          <p:spTgt spid="18"/>
-                                        </p:tgtEl>
-                                        <p:attrNameLst>
-                                          <p:attrName>style.visibility</p:attrName>
-                                        </p:attrNameLst>
-                                      </p:cBhvr>
-                                      <p:to>
-                                        <p:strVal val="visible"/>
-                                      </p:to>
-                                    </p:set>
-                                  </p:childTnLst>
-                                </p:cTn>
-                              </p:par>
-                              <p:par>
-                                <p:cTn id="25" presetID="1" presetClass="entr" presetSubtype="0" fill="hold" nodeType="withEffect">
-                                  <p:stCondLst>
-                                    <p:cond delay="0"/>
-                                  </p:stCondLst>
-                                  <p:childTnLst>
-                                    <p:set>
-                                      <p:cBhvr>
-                                        <p:cTn id="26" dur="1" fill="hold">
-                                          <p:stCondLst>
-                                            <p:cond delay="0"/>
-                                          </p:stCondLst>
-                                        </p:cTn>
-                                        <p:tgtEl>
-                                          <p:spTgt spid="22"/>
-                                        </p:tgtEl>
-                                        <p:attrNameLst>
-                                          <p:attrName>style.visibility</p:attrName>
-                                        </p:attrNameLst>
-                                      </p:cBhvr>
-                                      <p:to>
-                                        <p:strVal val="visible"/>
-                                      </p:to>
-                                    </p:set>
-                                  </p:childTnLst>
-                                </p:cTn>
-                              </p:par>
-                              <p:par>
-                                <p:cTn id="27" presetID="1" presetClass="entr" presetSubtype="0" fill="hold" nodeType="withEffect">
-                                  <p:stCondLst>
-                                    <p:cond delay="0"/>
-                                  </p:stCondLst>
-                                  <p:childTnLst>
-                                    <p:set>
-                                      <p:cBhvr>
-                                        <p:cTn id="28" dur="1" fill="hold">
-                                          <p:stCondLst>
-                                            <p:cond delay="0"/>
-                                          </p:stCondLst>
-                                        </p:cTn>
-                                        <p:tgtEl>
-                                          <p:spTgt spid="23"/>
-                                        </p:tgtEl>
-                                        <p:attrNameLst>
-                                          <p:attrName>style.visibility</p:attrName>
-                                        </p:attrNameLst>
-                                      </p:cBhvr>
-                                      <p:to>
-                                        <p:strVal val="visible"/>
-                                      </p:to>
-                                    </p:set>
-                                  </p:childTnLst>
-                                </p:cTn>
-                              </p:par>
-                              <p:par>
-                                <p:cTn id="29" presetID="1" presetClass="entr" presetSubtype="0" fill="hold" nodeType="withEffect">
-                                  <p:stCondLst>
-                                    <p:cond delay="0"/>
-                                  </p:stCondLst>
-                                  <p:childTnLst>
-                                    <p:set>
-                                      <p:cBhvr>
-                                        <p:cTn id="30" dur="1" fill="hold">
-                                          <p:stCondLst>
-                                            <p:cond delay="0"/>
-                                          </p:stCondLst>
-                                        </p:cTn>
-                                        <p:tgtEl>
-                                          <p:spTgt spid="24"/>
-                                        </p:tgtEl>
-                                        <p:attrNameLst>
-                                          <p:attrName>style.visibility</p:attrName>
-                                        </p:attrNameLst>
-                                      </p:cBhvr>
-                                      <p:to>
-                                        <p:strVal val="visible"/>
-                                      </p:to>
-                                    </p:set>
-                                  </p:childTnLst>
-                                </p:cTn>
-                              </p:par>
-                              <p:par>
-                                <p:cTn id="31" presetID="1" presetClass="entr" presetSubtype="0" fill="hold" nodeType="withEffect">
+                                <p:cTn id="31" presetID="1" presetClass="entr" presetSubtype="0" fill="hold" grpId="0" nodeType="withEffect">
                                   <p:stCondLst>
                                     <p:cond delay="0"/>
                                   </p:stCondLst>
@@ -15144,7 +15126,7 @@
                                           </p:stCondLst>
                                         </p:cTn>
                                         <p:tgtEl>
-                                          <p:spTgt spid="25"/>
+                                          <p:spTgt spid="18"/>
                                         </p:tgtEl>
                                         <p:attrNameLst>
                                           <p:attrName>style.visibility</p:attrName>
@@ -15171,7 +15153,7 @@
                                           </p:stCondLst>
                                         </p:cTn>
                                         <p:tgtEl>
-                                          <p:spTgt spid="27"/>
+                                          <p:spTgt spid="22"/>
                                         </p:tgtEl>
                                         <p:attrNameLst>
                                           <p:attrName>style.visibility</p:attrName>
@@ -15198,7 +15180,7 @@
                                           </p:stCondLst>
                                         </p:cTn>
                                         <p:tgtEl>
-                                          <p:spTgt spid="36"/>
+                                          <p:spTgt spid="23"/>
                                         </p:tgtEl>
                                         <p:attrNameLst>
                                           <p:attrName>style.visibility</p:attrName>
@@ -15225,7 +15207,7 @@
                                           </p:stCondLst>
                                         </p:cTn>
                                         <p:tgtEl>
-                                          <p:spTgt spid="38"/>
+                                          <p:spTgt spid="24"/>
                                         </p:tgtEl>
                                         <p:attrNameLst>
                                           <p:attrName>style.visibility</p:attrName>
@@ -15252,6 +15234,114 @@
                                           </p:stCondLst>
                                         </p:cTn>
                                         <p:tgtEl>
+                                          <p:spTgt spid="25"/>
+                                        </p:tgtEl>
+                                        <p:attrNameLst>
+                                          <p:attrName>style.visibility</p:attrName>
+                                        </p:attrNameLst>
+                                      </p:cBhvr>
+                                      <p:to>
+                                        <p:strVal val="visible"/>
+                                      </p:to>
+                                    </p:set>
+                                  </p:childTnLst>
+                                </p:cTn>
+                              </p:par>
+                              <p:par>
+                                <p:cTn id="41" presetID="1" presetClass="entr" presetSubtype="0" fill="hold" nodeType="withEffect">
+                                  <p:stCondLst>
+                                    <p:cond delay="0"/>
+                                  </p:stCondLst>
+                                  <p:childTnLst>
+                                    <p:set>
+                                      <p:cBhvr>
+                                        <p:cTn id="42" dur="1" fill="hold">
+                                          <p:stCondLst>
+                                            <p:cond delay="0"/>
+                                          </p:stCondLst>
+                                        </p:cTn>
+                                        <p:tgtEl>
+                                          <p:spTgt spid="27"/>
+                                        </p:tgtEl>
+                                        <p:attrNameLst>
+                                          <p:attrName>style.visibility</p:attrName>
+                                        </p:attrNameLst>
+                                      </p:cBhvr>
+                                      <p:to>
+                                        <p:strVal val="visible"/>
+                                      </p:to>
+                                    </p:set>
+                                  </p:childTnLst>
+                                </p:cTn>
+                              </p:par>
+                              <p:par>
+                                <p:cTn id="43" presetID="1" presetClass="entr" presetSubtype="0" fill="hold" nodeType="withEffect">
+                                  <p:stCondLst>
+                                    <p:cond delay="0"/>
+                                  </p:stCondLst>
+                                  <p:childTnLst>
+                                    <p:set>
+                                      <p:cBhvr>
+                                        <p:cTn id="44" dur="1" fill="hold">
+                                          <p:stCondLst>
+                                            <p:cond delay="0"/>
+                                          </p:stCondLst>
+                                        </p:cTn>
+                                        <p:tgtEl>
+                                          <p:spTgt spid="36"/>
+                                        </p:tgtEl>
+                                        <p:attrNameLst>
+                                          <p:attrName>style.visibility</p:attrName>
+                                        </p:attrNameLst>
+                                      </p:cBhvr>
+                                      <p:to>
+                                        <p:strVal val="visible"/>
+                                      </p:to>
+                                    </p:set>
+                                  </p:childTnLst>
+                                </p:cTn>
+                              </p:par>
+                              <p:par>
+                                <p:cTn id="45" presetID="1" presetClass="entr" presetSubtype="0" fill="hold" nodeType="withEffect">
+                                  <p:stCondLst>
+                                    <p:cond delay="0"/>
+                                  </p:stCondLst>
+                                  <p:childTnLst>
+                                    <p:set>
+                                      <p:cBhvr>
+                                        <p:cTn id="46" dur="1" fill="hold">
+                                          <p:stCondLst>
+                                            <p:cond delay="0"/>
+                                          </p:stCondLst>
+                                        </p:cTn>
+                                        <p:tgtEl>
+                                          <p:spTgt spid="38"/>
+                                        </p:tgtEl>
+                                        <p:attrNameLst>
+                                          <p:attrName>style.visibility</p:attrName>
+                                        </p:attrNameLst>
+                                      </p:cBhvr>
+                                      <p:to>
+                                        <p:strVal val="visible"/>
+                                      </p:to>
+                                    </p:set>
+                                  </p:childTnLst>
+                                </p:cTn>
+                              </p:par>
+                              <p:par>
+                                <p:cTn id="47" presetID="1" presetClass="entr" presetSubtype="0" fill="hold" nodeType="withEffect">
+                                  <p:stCondLst>
+                                    <p:cond delay="0"/>
+                                  </p:stCondLst>
+                                  <p:childTnLst>
+                                    <p:set>
+                                      <p:cBhvr>
+                                        <p:cTn id="48" dur="1" fill="hold">
+                                          <p:stCondLst>
+                                            <p:cond delay="0"/>
+                                          </p:stCondLst>
+                                        </p:cTn>
+                                        <p:tgtEl>
                                           <p:spTgt spid="39"/>
                                         </p:tgtEl>
                                         <p:attrNameLst>
@@ -15272,26 +15362,26 @@
                     </p:cTn>
                   </p:par>
                   <p:par>
-                    <p:cTn id="41" fill="hold">
+                    <p:cTn id="49" fill="hold">
                       <p:stCondLst>
                         <p:cond delay="indefinite"/>
                       </p:stCondLst>
                       <p:childTnLst>
                         <p:par>
-                          <p:cTn id="42" fill="hold">
+                          <p:cTn id="50" fill="hold">
                             <p:stCondLst>
                               <p:cond delay="0"/>
                             </p:stCondLst>
                             <p:childTnLst>
                               <p:par>
-                                <p:cTn id="43" presetID="1" presetClass="entr" presetSubtype="0" fill="hold" grpId="0" nodeType="clickEffect">
+                                <p:cTn id="51" presetID="1" presetClass="entr" presetSubtype="0" fill="hold" grpId="0" nodeType="clickEffect">
                                   <p:stCondLst>
                                     <p:cond delay="0"/>
                                   </p:stCondLst>
                                   <p:childTnLst>
                                     <p:set>
                                       <p:cBhvr>
-                                        <p:cTn id="44" dur="1" fill="hold">
+                                        <p:cTn id="52" dur="1" fill="hold">
                                           <p:stCondLst>
                                             <p:cond delay="0"/>
                                           </p:stCondLst>
@@ -15311,106 +15401,7 @@
                                 </p:cTn>
                               </p:par>
                               <p:par>
-                                <p:cTn id="45" presetID="1" presetClass="entr" presetSubtype="0" fill="hold" grpId="0" nodeType="withEffect">
-                                  <p:stCondLst>
-                                    <p:cond delay="0"/>
-                                  </p:stCondLst>
-                                  <p:childTnLst>
-                                    <p:set>
-                                      <p:cBhvr>
-                                        <p:cTn id="46" dur="1" fill="hold">
-                                          <p:stCondLst>
-                                            <p:cond delay="0"/>
-                                          </p:stCondLst>
-                                        </p:cTn>
-                                        <p:tgtEl>
-                                          <p:spTgt spid="32"/>
-                                        </p:tgtEl>
-                                        <p:attrNameLst>
-                                          <p:attrName>style.visibility</p:attrName>
-                                        </p:attrNameLst>
-                                      </p:cBhvr>
-                                      <p:to>
-                                        <p:strVal val="visible"/>
-                                      </p:to>
-                                    </p:set>
-                                  </p:childTnLst>
-                                </p:cTn>
-                              </p:par>
-                            </p:childTnLst>
-                          </p:cTn>
-                        </p:par>
-                      </p:childTnLst>
-                    </p:cTn>
-                  </p:par>
-                  <p:par>
-                    <p:cTn id="47" fill="hold">
-                      <p:stCondLst>
-                        <p:cond delay="indefinite"/>
-                      </p:stCondLst>
-                      <p:childTnLst>
-                        <p:par>
-                          <p:cTn id="48" fill="hold">
-                            <p:stCondLst>
-                              <p:cond delay="0"/>
-                            </p:stCondLst>
-                            <p:childTnLst>
-                              <p:par>
-                                <p:cTn id="49" presetID="1" presetClass="entr" presetSubtype="0" fill="hold" grpId="0" nodeType="clickEffect">
-                                  <p:stCondLst>
-                                    <p:cond delay="0"/>
-                                  </p:stCondLst>
-                                  <p:childTnLst>
-                                    <p:set>
-                                      <p:cBhvr>
-                                        <p:cTn id="50" dur="1" fill="hold">
-                                          <p:stCondLst>
-                                            <p:cond delay="0"/>
-                                          </p:stCondLst>
-                                        </p:cTn>
-                                        <p:tgtEl>
-                                          <p:spTgt spid="34"/>
-                                        </p:tgtEl>
-                                        <p:attrNameLst>
-                                          <p:attrName>style.visibility</p:attrName>
-                                        </p:attrNameLst>
-                                      </p:cBhvr>
-                                      <p:to>
-                                        <p:strVal val="visible"/>
-                                      </p:to>
-                                    </p:set>
-                                  </p:childTnLst>
-                                </p:cTn>
-                              </p:par>
-                              <p:par>
-                                <p:cTn id="51" presetID="1" presetClass="entr" presetSubtype="0" fill="hold" grpId="0" nodeType="withEffect">
-                                  <p:stCondLst>
-                                    <p:cond delay="0"/>
-                                  </p:stCondLst>
-                                  <p:childTnLst>
-                                    <p:set>
-                                      <p:cBhvr>
-                                        <p:cTn id="52" dur="1" fill="hold">
-                                          <p:stCondLst>
-                                            <p:cond delay="0"/>
-                                          </p:stCondLst>
-                                        </p:cTn>
-                                        <p:tgtEl>
-                                          <p:spTgt spid="40"/>
-                                        </p:tgtEl>
-                                        <p:attrNameLst>
-                                          <p:attrName>style.visibility</p:attrName>
-                                        </p:attrNameLst>
-                                      </p:cBhvr>
-                                      <p:to>
-                                        <p:strVal val="visible"/>
-                                      </p:to>
-                                    </p:set>
-                                  </p:childTnLst>
-                                </p:cTn>
-                              </p:par>
-                              <p:par>
-                                <p:cTn id="53" presetID="1" presetClass="entr" presetSubtype="0" fill="hold" nodeType="withEffect">
+                                <p:cTn id="53" presetID="1" presetClass="entr" presetSubtype="0" fill="hold" grpId="0" nodeType="withEffect">
                                   <p:stCondLst>
                                     <p:cond delay="0"/>
                                   </p:stCondLst>
@@ -15423,7 +15414,7 @@
                                           </p:stCondLst>
                                         </p:cTn>
                                         <p:tgtEl>
-                                          <p:spTgt spid="15"/>
+                                          <p:spTgt spid="32"/>
                                         </p:tgtEl>
                                         <p:attrNameLst>
                                           <p:attrName>style.visibility</p:attrName>
@@ -15455,7 +15446,7 @@
                             </p:stCondLst>
                             <p:childTnLst>
                               <p:par>
-                                <p:cTn id="57" presetID="1" presetClass="entr" presetSubtype="0" fill="hold" nodeType="clickEffect">
+                                <p:cTn id="57" presetID="1" presetClass="entr" presetSubtype="0" fill="hold" grpId="0" nodeType="clickEffect">
                                   <p:stCondLst>
                                     <p:cond delay="0"/>
                                   </p:stCondLst>
@@ -15468,7 +15459,61 @@
                                           </p:stCondLst>
                                         </p:cTn>
                                         <p:tgtEl>
-                                          <p:spTgt spid="56"/>
+                                          <p:spTgt spid="34"/>
+                                        </p:tgtEl>
+                                        <p:attrNameLst>
+                                          <p:attrName>style.visibility</p:attrName>
+                                        </p:attrNameLst>
+                                      </p:cBhvr>
+                                      <p:to>
+                                        <p:strVal val="visible"/>
+                                      </p:to>
+                                    </p:set>
+                                  </p:childTnLst>
+                                </p:cTn>
+                              </p:par>
+                              <p:par>
+                                <p:cTn id="59" presetID="1" presetClass="entr" presetSubtype="0" fill="hold" grpId="0" nodeType="withEffect">
+                                  <p:stCondLst>
+                                    <p:cond delay="0"/>
+                                  </p:stCondLst>
+                                  <p:childTnLst>
+                                    <p:set>
+                                      <p:cBhvr>
+                                        <p:cTn id="60" dur="1" fill="hold">
+                                          <p:stCondLst>
+                                            <p:cond delay="0"/>
+                                          </p:stCondLst>
+                                        </p:cTn>
+                                        <p:tgtEl>
+                                          <p:spTgt spid="40"/>
+                                        </p:tgtEl>
+                                        <p:attrNameLst>
+                                          <p:attrName>style.visibility</p:attrName>
+                                        </p:attrNameLst>
+                                      </p:cBhvr>
+                                      <p:to>
+                                        <p:strVal val="visible"/>
+                                      </p:to>
+                                    </p:set>
+                                  </p:childTnLst>
+                                </p:cTn>
+                              </p:par>
+                              <p:par>
+                                <p:cTn id="61" presetID="1" presetClass="entr" presetSubtype="0" fill="hold" nodeType="withEffect">
+                                  <p:stCondLst>
+                                    <p:cond delay="0"/>
+                                  </p:stCondLst>
+                                  <p:childTnLst>
+                                    <p:set>
+                                      <p:cBhvr>
+                                        <p:cTn id="62" dur="1" fill="hold">
+                                          <p:stCondLst>
+                                            <p:cond delay="0"/>
+                                          </p:stCondLst>
+                                        </p:cTn>
+                                        <p:tgtEl>
+                                          <p:spTgt spid="15"/>
                                         </p:tgtEl>
                                         <p:attrNameLst>
                                           <p:attrName>style.visibility</p:attrName>
@@ -15513,6 +15558,7 @@
       <p:bldP spid="30" grpId="0"/>
       <p:bldP spid="301056" grpId="0" animBg="1"/>
       <p:bldP spid="301058" grpId="0"/>
+      <p:bldP spid="14" grpId="0" animBg="1"/>
       <p:bldP spid="18" grpId="0" animBg="1"/>
       <p:bldP spid="19" grpId="0" animBg="1"/>
       <p:bldP spid="28" grpId="0"/>

--- a/PPTs/Lecture 14-radix sort.pptx
+++ b/PPTs/Lecture 14-radix sort.pptx
@@ -1,6 +1,6 @@
 
 <file path=ppt/presentation.xml><?xml version="1.0" encoding="utf-8"?>
-<p:presentation xmlns:a="http://schemas.openxmlformats.org/drawingml/2006/main" xmlns:r="http://schemas.openxmlformats.org/officeDocument/2006/relationships" xmlns:p="http://schemas.openxmlformats.org/presentationml/2006/main" saveSubsetFonts="1">
+<p:presentation xmlns:a="http://schemas.openxmlformats.org/drawingml/2006/main" xmlns:r="http://schemas.openxmlformats.org/officeDocument/2006/relationships" xmlns:p="http://schemas.openxmlformats.org/presentationml/2006/main" saveSubsetFonts="1" autoCompressPictures="0">
   <p:sldMasterIdLst>
     <p:sldMasterId id="2147483648" r:id="rId1"/>
   </p:sldMasterIdLst>
@@ -8,7 +8,7 @@
     <p:notesMasterId r:id="rId13"/>
   </p:notesMasterIdLst>
   <p:sldIdLst>
-    <p:sldId id="308" r:id="rId2"/>
+    <p:sldId id="256" r:id="rId2"/>
     <p:sldId id="267" r:id="rId3"/>
     <p:sldId id="294" r:id="rId4"/>
     <p:sldId id="278" r:id="rId5"/>
@@ -20,13 +20,13 @@
     <p:sldId id="286" r:id="rId11"/>
     <p:sldId id="312" r:id="rId12"/>
   </p:sldIdLst>
-  <p:sldSz cx="12192000" cy="6858000"/>
+  <p:sldSz cx="9144000" cy="6858000" type="screen4x3"/>
   <p:notesSz cx="6858000" cy="9144000"/>
   <p:defaultTextStyle>
     <a:defPPr>
       <a:defRPr lang="en-US"/>
     </a:defPPr>
-    <a:lvl1pPr marL="0" algn="l" defTabSz="914400" rtl="0" eaLnBrk="1" latinLnBrk="0" hangingPunct="1">
+    <a:lvl1pPr marL="0" algn="l" defTabSz="457200" rtl="0" eaLnBrk="1" latinLnBrk="0" hangingPunct="1">
       <a:defRPr sz="1800" kern="1200">
         <a:solidFill>
           <a:schemeClr val="tx1"/>
@@ -36,7 +36,7 @@
         <a:cs typeface="+mn-cs"/>
       </a:defRPr>
     </a:lvl1pPr>
-    <a:lvl2pPr marL="457200" algn="l" defTabSz="914400" rtl="0" eaLnBrk="1" latinLnBrk="0" hangingPunct="1">
+    <a:lvl2pPr marL="457200" algn="l" defTabSz="457200" rtl="0" eaLnBrk="1" latinLnBrk="0" hangingPunct="1">
       <a:defRPr sz="1800" kern="1200">
         <a:solidFill>
           <a:schemeClr val="tx1"/>
@@ -46,7 +46,7 @@
         <a:cs typeface="+mn-cs"/>
       </a:defRPr>
     </a:lvl2pPr>
-    <a:lvl3pPr marL="914400" algn="l" defTabSz="914400" rtl="0" eaLnBrk="1" latinLnBrk="0" hangingPunct="1">
+    <a:lvl3pPr marL="914400" algn="l" defTabSz="457200" rtl="0" eaLnBrk="1" latinLnBrk="0" hangingPunct="1">
       <a:defRPr sz="1800" kern="1200">
         <a:solidFill>
           <a:schemeClr val="tx1"/>
@@ -56,7 +56,7 @@
         <a:cs typeface="+mn-cs"/>
       </a:defRPr>
     </a:lvl3pPr>
-    <a:lvl4pPr marL="1371600" algn="l" defTabSz="914400" rtl="0" eaLnBrk="1" latinLnBrk="0" hangingPunct="1">
+    <a:lvl4pPr marL="1371600" algn="l" defTabSz="457200" rtl="0" eaLnBrk="1" latinLnBrk="0" hangingPunct="1">
       <a:defRPr sz="1800" kern="1200">
         <a:solidFill>
           <a:schemeClr val="tx1"/>
@@ -66,7 +66,7 @@
         <a:cs typeface="+mn-cs"/>
       </a:defRPr>
     </a:lvl4pPr>
-    <a:lvl5pPr marL="1828800" algn="l" defTabSz="914400" rtl="0" eaLnBrk="1" latinLnBrk="0" hangingPunct="1">
+    <a:lvl5pPr marL="1828800" algn="l" defTabSz="457200" rtl="0" eaLnBrk="1" latinLnBrk="0" hangingPunct="1">
       <a:defRPr sz="1800" kern="1200">
         <a:solidFill>
           <a:schemeClr val="tx1"/>
@@ -76,7 +76,7 @@
         <a:cs typeface="+mn-cs"/>
       </a:defRPr>
     </a:lvl5pPr>
-    <a:lvl6pPr marL="2286000" algn="l" defTabSz="914400" rtl="0" eaLnBrk="1" latinLnBrk="0" hangingPunct="1">
+    <a:lvl6pPr marL="2286000" algn="l" defTabSz="457200" rtl="0" eaLnBrk="1" latinLnBrk="0" hangingPunct="1">
       <a:defRPr sz="1800" kern="1200">
         <a:solidFill>
           <a:schemeClr val="tx1"/>
@@ -86,7 +86,7 @@
         <a:cs typeface="+mn-cs"/>
       </a:defRPr>
     </a:lvl6pPr>
-    <a:lvl7pPr marL="2743200" algn="l" defTabSz="914400" rtl="0" eaLnBrk="1" latinLnBrk="0" hangingPunct="1">
+    <a:lvl7pPr marL="2743200" algn="l" defTabSz="457200" rtl="0" eaLnBrk="1" latinLnBrk="0" hangingPunct="1">
       <a:defRPr sz="1800" kern="1200">
         <a:solidFill>
           <a:schemeClr val="tx1"/>
@@ -96,7 +96,7 @@
         <a:cs typeface="+mn-cs"/>
       </a:defRPr>
     </a:lvl7pPr>
-    <a:lvl8pPr marL="3200400" algn="l" defTabSz="914400" rtl="0" eaLnBrk="1" latinLnBrk="0" hangingPunct="1">
+    <a:lvl8pPr marL="3200400" algn="l" defTabSz="457200" rtl="0" eaLnBrk="1" latinLnBrk="0" hangingPunct="1">
       <a:defRPr sz="1800" kern="1200">
         <a:solidFill>
           <a:schemeClr val="tx1"/>
@@ -106,7 +106,7 @@
         <a:cs typeface="+mn-cs"/>
       </a:defRPr>
     </a:lvl8pPr>
-    <a:lvl9pPr marL="3657600" algn="l" defTabSz="914400" rtl="0" eaLnBrk="1" latinLnBrk="0" hangingPunct="1">
+    <a:lvl9pPr marL="3657600" algn="l" defTabSz="457200" rtl="0" eaLnBrk="1" latinLnBrk="0" hangingPunct="1">
       <a:defRPr sz="1800" kern="1200">
         <a:solidFill>
           <a:schemeClr val="tx1"/>
@@ -119,7 +119,18 @@
   </p:defaultTextStyle>
   <p:extLst>
     <p:ext uri="{EFAFB233-063F-42B5-8137-9DF3F51BA10A}">
-      <p15:sldGuideLst xmlns:p15="http://schemas.microsoft.com/office/powerpoint/2012/main"/>
+      <p15:sldGuideLst xmlns:p15="http://schemas.microsoft.com/office/powerpoint/2012/main">
+        <p15:guide id="1" orient="horz" pos="2160">
+          <p15:clr>
+            <a:srgbClr val="A4A3A4"/>
+          </p15:clr>
+        </p15:guide>
+        <p15:guide id="2" pos="2880">
+          <p15:clr>
+            <a:srgbClr val="A4A3A4"/>
+          </p15:clr>
+        </p15:guide>
+      </p15:sldGuideLst>
     </p:ext>
   </p:extLst>
 </p:presentation>
@@ -205,9 +216,9 @@
             </a:lvl1pPr>
           </a:lstStyle>
           <a:p>
-            <a:fld id="{7E731F4C-49D2-428C-BC15-767604D5F3DB}" type="datetimeFigureOut">
+            <a:fld id="{1B0CF57B-C747-FC49-8C8F-81AE37C96CA4}" type="datetimeFigureOut">
               <a:rPr lang="en-US" smtClean="0"/>
-              <a:t>12/9/2024</a:t>
+              <a:t>1/31/2025</a:t>
             </a:fld>
             <a:endParaRPr lang="en-US"/>
           </a:p>
@@ -225,8 +236,8 @@
         </p:nvSpPr>
         <p:spPr>
           <a:xfrm>
-            <a:off x="685800" y="1143000"/>
-            <a:ext cx="5486400" cy="3086100"/>
+            <a:off x="1371600" y="1143000"/>
+            <a:ext cx="4114800" cy="3086100"/>
           </a:xfrm>
           <a:prstGeom prst="rect">
             <a:avLst/>
@@ -363,7 +374,7 @@
             </a:lvl1pPr>
           </a:lstStyle>
           <a:p>
-            <a:fld id="{C2573F54-F322-4638-87D6-8F9EDD458776}" type="slidenum">
+            <a:fld id="{13F62E29-99FC-EB40-923F-D38E4FE7BE7E}" type="slidenum">
               <a:rPr lang="en-US" smtClean="0"/>
               <a:t>‹#›</a:t>
             </a:fld>
@@ -374,7 +385,7 @@
     </p:spTree>
     <p:extLst>
       <p:ext uri="{BB962C8B-B14F-4D97-AF65-F5344CB8AC3E}">
-        <p14:creationId xmlns:p14="http://schemas.microsoft.com/office/powerpoint/2010/main" val="4041558836"/>
+        <p14:creationId xmlns:p14="http://schemas.microsoft.com/office/powerpoint/2010/main" val="840767519"/>
       </p:ext>
     </p:extLst>
   </p:cSld>
@@ -656,8 +667,8 @@
         </p:nvSpPr>
         <p:spPr>
           <a:xfrm>
-            <a:off x="406400" y="708025"/>
-            <a:ext cx="6446838" cy="3627438"/>
+            <a:off x="1211263" y="708025"/>
+            <a:ext cx="4837112" cy="3627438"/>
           </a:xfrm>
           <a:ln/>
         </p:spPr>
@@ -1416,22 +1427,27 @@
         </p:nvSpPr>
         <p:spPr>
           <a:xfrm>
-            <a:off x="1524000" y="1122363"/>
-            <a:ext cx="9144000" cy="2387600"/>
+            <a:off x="685800" y="2130425"/>
+            <a:ext cx="7772400" cy="1470025"/>
           </a:xfrm>
         </p:spPr>
         <p:txBody>
-          <a:bodyPr anchor="b"/>
+          <a:bodyPr/>
           <a:lstStyle>
-            <a:lvl1pPr algn="ctr">
-              <a:defRPr sz="6000"/>
+            <a:lvl1pPr>
+              <a:defRPr>
+                <a:solidFill>
+                  <a:schemeClr val="accent1"/>
+                </a:solidFill>
+              </a:defRPr>
             </a:lvl1pPr>
           </a:lstStyle>
           <a:p>
             <a:r>
-              <a:rPr lang="en-US"/>
+              <a:rPr lang="en-US" altLang="zh-CN" dirty="0"/>
               <a:t>Click to edit Master title style</a:t>
             </a:r>
+            <a:endParaRPr lang="en-US" dirty="0"/>
           </a:p>
         </p:txBody>
       </p:sp>
@@ -1447,8 +1463,8 @@
         </p:nvSpPr>
         <p:spPr>
           <a:xfrm>
-            <a:off x="1524000" y="3602038"/>
-            <a:ext cx="9144000" cy="1655762"/>
+            <a:off x="1371600" y="3886200"/>
+            <a:ext cx="6400800" cy="1752600"/>
           </a:xfrm>
         </p:spPr>
         <p:txBody>
@@ -1456,46 +1472,99 @@
           <a:lstStyle>
             <a:lvl1pPr marL="0" indent="0" algn="ctr">
               <a:buNone/>
-              <a:defRPr sz="2400"/>
+              <a:defRPr>
+                <a:solidFill>
+                  <a:schemeClr val="tx1"/>
+                </a:solidFill>
+              </a:defRPr>
             </a:lvl1pPr>
             <a:lvl2pPr marL="457200" indent="0" algn="ctr">
               <a:buNone/>
-              <a:defRPr sz="2000"/>
+              <a:defRPr>
+                <a:solidFill>
+                  <a:schemeClr val="tx1">
+                    <a:tint val="75000"/>
+                  </a:schemeClr>
+                </a:solidFill>
+              </a:defRPr>
             </a:lvl2pPr>
             <a:lvl3pPr marL="914400" indent="0" algn="ctr">
               <a:buNone/>
-              <a:defRPr sz="1800"/>
+              <a:defRPr>
+                <a:solidFill>
+                  <a:schemeClr val="tx1">
+                    <a:tint val="75000"/>
+                  </a:schemeClr>
+                </a:solidFill>
+              </a:defRPr>
             </a:lvl3pPr>
             <a:lvl4pPr marL="1371600" indent="0" algn="ctr">
               <a:buNone/>
-              <a:defRPr sz="1600"/>
+              <a:defRPr>
+                <a:solidFill>
+                  <a:schemeClr val="tx1">
+                    <a:tint val="75000"/>
+                  </a:schemeClr>
+                </a:solidFill>
+              </a:defRPr>
             </a:lvl4pPr>
             <a:lvl5pPr marL="1828800" indent="0" algn="ctr">
               <a:buNone/>
-              <a:defRPr sz="1600"/>
+              <a:defRPr>
+                <a:solidFill>
+                  <a:schemeClr val="tx1">
+                    <a:tint val="75000"/>
+                  </a:schemeClr>
+                </a:solidFill>
+              </a:defRPr>
             </a:lvl5pPr>
             <a:lvl6pPr marL="2286000" indent="0" algn="ctr">
               <a:buNone/>
-              <a:defRPr sz="1600"/>
+              <a:defRPr>
+                <a:solidFill>
+                  <a:schemeClr val="tx1">
+                    <a:tint val="75000"/>
+                  </a:schemeClr>
+                </a:solidFill>
+              </a:defRPr>
             </a:lvl6pPr>
             <a:lvl7pPr marL="2743200" indent="0" algn="ctr">
               <a:buNone/>
-              <a:defRPr sz="1600"/>
+              <a:defRPr>
+                <a:solidFill>
+                  <a:schemeClr val="tx1">
+                    <a:tint val="75000"/>
+                  </a:schemeClr>
+                </a:solidFill>
+              </a:defRPr>
             </a:lvl7pPr>
             <a:lvl8pPr marL="3200400" indent="0" algn="ctr">
               <a:buNone/>
-              <a:defRPr sz="1600"/>
+              <a:defRPr>
+                <a:solidFill>
+                  <a:schemeClr val="tx1">
+                    <a:tint val="75000"/>
+                  </a:schemeClr>
+                </a:solidFill>
+              </a:defRPr>
             </a:lvl8pPr>
             <a:lvl9pPr marL="3657600" indent="0" algn="ctr">
               <a:buNone/>
-              <a:defRPr sz="1600"/>
+              <a:defRPr>
+                <a:solidFill>
+                  <a:schemeClr val="tx1">
+                    <a:tint val="75000"/>
+                  </a:schemeClr>
+                </a:solidFill>
+              </a:defRPr>
             </a:lvl9pPr>
           </a:lstStyle>
           <a:p>
             <a:r>
-              <a:rPr lang="en-US"/>
+              <a:rPr lang="en-US" altLang="zh-CN" dirty="0"/>
               <a:t>Click to edit Master subtitle style</a:t>
             </a:r>
+            <a:endParaRPr lang="en-US" dirty="0"/>
           </a:p>
         </p:txBody>
       </p:sp>
@@ -1514,9 +1583,9 @@
           <a:bodyPr/>
           <a:lstStyle/>
           <a:p>
-            <a:fld id="{9F98964C-18C6-4ABD-B5DC-E707707781F9}" type="datetimeFigureOut">
+            <a:fld id="{FB221443-D73C-634A-A910-7320408C156D}" type="datetimeFigureOut">
               <a:rPr lang="en-US" smtClean="0"/>
-              <a:t>12/9/2024</a:t>
+              <a:t>1/31/2025</a:t>
             </a:fld>
             <a:endParaRPr lang="en-US"/>
           </a:p>
@@ -1556,7 +1625,7 @@
           <a:bodyPr/>
           <a:lstStyle/>
           <a:p>
-            <a:fld id="{8BD3117A-F623-46EF-BDA1-D015920233BA}" type="slidenum">
+            <a:fld id="{325BE2B7-23DB-644D-89A2-CA3C2E8FEF83}" type="slidenum">
               <a:rPr lang="en-US" smtClean="0"/>
               <a:t>‹#›</a:t>
             </a:fld>
@@ -1567,7 +1636,7 @@
     </p:spTree>
     <p:extLst>
       <p:ext uri="{BB962C8B-B14F-4D97-AF65-F5344CB8AC3E}">
-        <p14:creationId xmlns:p14="http://schemas.microsoft.com/office/powerpoint/2010/main" val="4154552919"/>
+        <p14:creationId xmlns:p14="http://schemas.microsoft.com/office/powerpoint/2010/main" val="2228168347"/>
       </p:ext>
     </p:extLst>
   </p:cSld>
@@ -1610,9 +1679,10 @@
           <a:lstStyle/>
           <a:p>
             <a:r>
-              <a:rPr lang="en-US"/>
+              <a:rPr lang="en-US" altLang="zh-CN"/>
               <a:t>Click to edit Master title style</a:t>
             </a:r>
+            <a:endParaRPr lang="en-US"/>
           </a:p>
         </p:txBody>
       </p:sp>
@@ -1633,37 +1703,38 @@
           <a:p>
             <a:pPr lvl="0"/>
             <a:r>
-              <a:rPr lang="en-US"/>
-              <a:t>Edit Master text styles</a:t>
+              <a:rPr lang="en-US" altLang="zh-CN"/>
+              <a:t>Click to edit Master text styles</a:t>
             </a:r>
           </a:p>
           <a:p>
             <a:pPr lvl="1"/>
             <a:r>
-              <a:rPr lang="en-US"/>
+              <a:rPr lang="en-US" altLang="zh-CN"/>
               <a:t>Second level</a:t>
             </a:r>
           </a:p>
           <a:p>
             <a:pPr lvl="2"/>
             <a:r>
-              <a:rPr lang="en-US"/>
+              <a:rPr lang="en-US" altLang="zh-CN"/>
               <a:t>Third level</a:t>
             </a:r>
           </a:p>
           <a:p>
             <a:pPr lvl="3"/>
             <a:r>
-              <a:rPr lang="en-US"/>
+              <a:rPr lang="en-US" altLang="zh-CN"/>
               <a:t>Fourth level</a:t>
             </a:r>
           </a:p>
           <a:p>
             <a:pPr lvl="4"/>
             <a:r>
-              <a:rPr lang="en-US"/>
+              <a:rPr lang="en-US" altLang="zh-CN"/>
               <a:t>Fifth level</a:t>
             </a:r>
+            <a:endParaRPr lang="en-US"/>
           </a:p>
         </p:txBody>
       </p:sp>
@@ -1682,9 +1753,9 @@
           <a:bodyPr/>
           <a:lstStyle/>
           <a:p>
-            <a:fld id="{9F98964C-18C6-4ABD-B5DC-E707707781F9}" type="datetimeFigureOut">
+            <a:fld id="{FB221443-D73C-634A-A910-7320408C156D}" type="datetimeFigureOut">
               <a:rPr lang="en-US" smtClean="0"/>
-              <a:t>12/9/2024</a:t>
+              <a:t>1/31/2025</a:t>
             </a:fld>
             <a:endParaRPr lang="en-US"/>
           </a:p>
@@ -1724,7 +1795,7 @@
           <a:bodyPr/>
           <a:lstStyle/>
           <a:p>
-            <a:fld id="{8BD3117A-F623-46EF-BDA1-D015920233BA}" type="slidenum">
+            <a:fld id="{325BE2B7-23DB-644D-89A2-CA3C2E8FEF83}" type="slidenum">
               <a:rPr lang="en-US" smtClean="0"/>
               <a:t>‹#›</a:t>
             </a:fld>
@@ -1735,7 +1806,7 @@
     </p:spTree>
     <p:extLst>
       <p:ext uri="{BB962C8B-B14F-4D97-AF65-F5344CB8AC3E}">
-        <p14:creationId xmlns:p14="http://schemas.microsoft.com/office/powerpoint/2010/main" val="4027068244"/>
+        <p14:creationId xmlns:p14="http://schemas.microsoft.com/office/powerpoint/2010/main" val="2268060512"/>
       </p:ext>
     </p:extLst>
   </p:cSld>
@@ -1774,8 +1845,8 @@
         </p:nvSpPr>
         <p:spPr>
           <a:xfrm>
-            <a:off x="8724900" y="365125"/>
-            <a:ext cx="2628900" cy="5811838"/>
+            <a:off x="6629400" y="274638"/>
+            <a:ext cx="2057400" cy="5851525"/>
           </a:xfrm>
         </p:spPr>
         <p:txBody>
@@ -1783,9 +1854,10 @@
           <a:lstStyle/>
           <a:p>
             <a:r>
-              <a:rPr lang="en-US"/>
+              <a:rPr lang="en-US" altLang="zh-CN"/>
               <a:t>Click to edit Master title style</a:t>
             </a:r>
+            <a:endParaRPr lang="en-US"/>
           </a:p>
         </p:txBody>
       </p:sp>
@@ -1801,8 +1873,8 @@
         </p:nvSpPr>
         <p:spPr>
           <a:xfrm>
-            <a:off x="838200" y="365125"/>
-            <a:ext cx="7734300" cy="5811838"/>
+            <a:off x="457200" y="274638"/>
+            <a:ext cx="6019800" cy="5851525"/>
           </a:xfrm>
         </p:spPr>
         <p:txBody>
@@ -1811,37 +1883,38 @@
           <a:p>
             <a:pPr lvl="0"/>
             <a:r>
-              <a:rPr lang="en-US"/>
-              <a:t>Edit Master text styles</a:t>
+              <a:rPr lang="en-US" altLang="zh-CN"/>
+              <a:t>Click to edit Master text styles</a:t>
             </a:r>
           </a:p>
           <a:p>
             <a:pPr lvl="1"/>
             <a:r>
-              <a:rPr lang="en-US"/>
+              <a:rPr lang="en-US" altLang="zh-CN"/>
               <a:t>Second level</a:t>
             </a:r>
           </a:p>
           <a:p>
             <a:pPr lvl="2"/>
             <a:r>
-              <a:rPr lang="en-US"/>
+              <a:rPr lang="en-US" altLang="zh-CN"/>
               <a:t>Third level</a:t>
             </a:r>
           </a:p>
           <a:p>
             <a:pPr lvl="3"/>
             <a:r>
-              <a:rPr lang="en-US"/>
+              <a:rPr lang="en-US" altLang="zh-CN"/>
               <a:t>Fourth level</a:t>
             </a:r>
           </a:p>
           <a:p>
             <a:pPr lvl="4"/>
             <a:r>
-              <a:rPr lang="en-US"/>
+              <a:rPr lang="en-US" altLang="zh-CN"/>
               <a:t>Fifth level</a:t>
             </a:r>
+            <a:endParaRPr lang="en-US"/>
           </a:p>
         </p:txBody>
       </p:sp>
@@ -1860,9 +1933,9 @@
           <a:bodyPr/>
           <a:lstStyle/>
           <a:p>
-            <a:fld id="{9F98964C-18C6-4ABD-B5DC-E707707781F9}" type="datetimeFigureOut">
+            <a:fld id="{FB221443-D73C-634A-A910-7320408C156D}" type="datetimeFigureOut">
               <a:rPr lang="en-US" smtClean="0"/>
-              <a:t>12/9/2024</a:t>
+              <a:t>1/31/2025</a:t>
             </a:fld>
             <a:endParaRPr lang="en-US"/>
           </a:p>
@@ -1902,7 +1975,7 @@
           <a:bodyPr/>
           <a:lstStyle/>
           <a:p>
-            <a:fld id="{8BD3117A-F623-46EF-BDA1-D015920233BA}" type="slidenum">
+            <a:fld id="{325BE2B7-23DB-644D-89A2-CA3C2E8FEF83}" type="slidenum">
               <a:rPr lang="en-US" smtClean="0"/>
               <a:t>‹#›</a:t>
             </a:fld>
@@ -1913,7 +1986,7 @@
     </p:spTree>
     <p:extLst>
       <p:ext uri="{BB962C8B-B14F-4D97-AF65-F5344CB8AC3E}">
-        <p14:creationId xmlns:p14="http://schemas.microsoft.com/office/powerpoint/2010/main" val="56551689"/>
+        <p14:creationId xmlns:p14="http://schemas.microsoft.com/office/powerpoint/2010/main" val="1949321765"/>
       </p:ext>
     </p:extLst>
   </p:cSld>
@@ -1956,9 +2029,10 @@
           <a:lstStyle/>
           <a:p>
             <a:r>
-              <a:rPr lang="en-US"/>
+              <a:rPr lang="en-US" altLang="zh-CN"/>
               <a:t>Click to edit Master title style</a:t>
             </a:r>
+            <a:endParaRPr lang="en-US"/>
           </a:p>
         </p:txBody>
       </p:sp>
@@ -1979,37 +2053,38 @@
           <a:p>
             <a:pPr lvl="0"/>
             <a:r>
-              <a:rPr lang="en-US"/>
-              <a:t>Edit Master text styles</a:t>
+              <a:rPr lang="en-US" altLang="zh-CN"/>
+              <a:t>Click to edit Master text styles</a:t>
             </a:r>
           </a:p>
           <a:p>
             <a:pPr lvl="1"/>
             <a:r>
-              <a:rPr lang="en-US"/>
+              <a:rPr lang="en-US" altLang="zh-CN"/>
               <a:t>Second level</a:t>
             </a:r>
           </a:p>
           <a:p>
             <a:pPr lvl="2"/>
             <a:r>
-              <a:rPr lang="en-US"/>
+              <a:rPr lang="en-US" altLang="zh-CN"/>
               <a:t>Third level</a:t>
             </a:r>
           </a:p>
           <a:p>
             <a:pPr lvl="3"/>
             <a:r>
-              <a:rPr lang="en-US"/>
+              <a:rPr lang="en-US" altLang="zh-CN"/>
               <a:t>Fourth level</a:t>
             </a:r>
           </a:p>
           <a:p>
             <a:pPr lvl="4"/>
             <a:r>
-              <a:rPr lang="en-US"/>
+              <a:rPr lang="en-US" altLang="zh-CN"/>
               <a:t>Fifth level</a:t>
             </a:r>
+            <a:endParaRPr lang="en-US"/>
           </a:p>
         </p:txBody>
       </p:sp>
@@ -2028,9 +2103,9 @@
           <a:bodyPr/>
           <a:lstStyle/>
           <a:p>
-            <a:fld id="{9F98964C-18C6-4ABD-B5DC-E707707781F9}" type="datetimeFigureOut">
+            <a:fld id="{FB221443-D73C-634A-A910-7320408C156D}" type="datetimeFigureOut">
               <a:rPr lang="en-US" smtClean="0"/>
-              <a:t>12/9/2024</a:t>
+              <a:t>1/31/2025</a:t>
             </a:fld>
             <a:endParaRPr lang="en-US"/>
           </a:p>
@@ -2070,7 +2145,7 @@
           <a:bodyPr/>
           <a:lstStyle/>
           <a:p>
-            <a:fld id="{8BD3117A-F623-46EF-BDA1-D015920233BA}" type="slidenum">
+            <a:fld id="{325BE2B7-23DB-644D-89A2-CA3C2E8FEF83}" type="slidenum">
               <a:rPr lang="en-US" smtClean="0"/>
               <a:t>‹#›</a:t>
             </a:fld>
@@ -2081,7 +2156,7 @@
     </p:spTree>
     <p:extLst>
       <p:ext uri="{BB962C8B-B14F-4D97-AF65-F5344CB8AC3E}">
-        <p14:creationId xmlns:p14="http://schemas.microsoft.com/office/powerpoint/2010/main" val="3493316517"/>
+        <p14:creationId xmlns:p14="http://schemas.microsoft.com/office/powerpoint/2010/main" val="2016681279"/>
       </p:ext>
     </p:extLst>
   </p:cSld>
@@ -2120,22 +2195,23 @@
         </p:nvSpPr>
         <p:spPr>
           <a:xfrm>
-            <a:off x="831850" y="1709738"/>
-            <a:ext cx="10515600" cy="2852737"/>
+            <a:off x="722313" y="4406900"/>
+            <a:ext cx="7772400" cy="1362075"/>
           </a:xfrm>
         </p:spPr>
         <p:txBody>
-          <a:bodyPr anchor="b"/>
+          <a:bodyPr anchor="t"/>
           <a:lstStyle>
-            <a:lvl1pPr>
-              <a:defRPr sz="6000"/>
+            <a:lvl1pPr algn="l">
+              <a:defRPr sz="4000" b="1" cap="all"/>
             </a:lvl1pPr>
           </a:lstStyle>
           <a:p>
             <a:r>
-              <a:rPr lang="en-US"/>
+              <a:rPr lang="en-US" altLang="zh-CN"/>
               <a:t>Click to edit Master title style</a:t>
             </a:r>
+            <a:endParaRPr lang="en-US"/>
           </a:p>
         </p:txBody>
       </p:sp>
@@ -2151,16 +2227,16 @@
         </p:nvSpPr>
         <p:spPr>
           <a:xfrm>
-            <a:off x="831850" y="4589463"/>
-            <a:ext cx="10515600" cy="1500187"/>
+            <a:off x="722313" y="2906713"/>
+            <a:ext cx="7772400" cy="1500187"/>
           </a:xfrm>
         </p:spPr>
         <p:txBody>
-          <a:bodyPr/>
+          <a:bodyPr anchor="b"/>
           <a:lstStyle>
             <a:lvl1pPr marL="0" indent="0">
               <a:buNone/>
-              <a:defRPr sz="2400">
+              <a:defRPr sz="2000">
                 <a:solidFill>
                   <a:schemeClr val="tx1">
                     <a:tint val="75000"/>
@@ -2170,7 +2246,7 @@
             </a:lvl1pPr>
             <a:lvl2pPr marL="457200" indent="0">
               <a:buNone/>
-              <a:defRPr sz="2000">
+              <a:defRPr sz="1800">
                 <a:solidFill>
                   <a:schemeClr val="tx1">
                     <a:tint val="75000"/>
@@ -2180,7 +2256,7 @@
             </a:lvl2pPr>
             <a:lvl3pPr marL="914400" indent="0">
               <a:buNone/>
-              <a:defRPr sz="1800">
+              <a:defRPr sz="1600">
                 <a:solidFill>
                   <a:schemeClr val="tx1">
                     <a:tint val="75000"/>
@@ -2190,7 +2266,7 @@
             </a:lvl3pPr>
             <a:lvl4pPr marL="1371600" indent="0">
               <a:buNone/>
-              <a:defRPr sz="1600">
+              <a:defRPr sz="1400">
                 <a:solidFill>
                   <a:schemeClr val="tx1">
                     <a:tint val="75000"/>
@@ -2200,7 +2276,7 @@
             </a:lvl4pPr>
             <a:lvl5pPr marL="1828800" indent="0">
               <a:buNone/>
-              <a:defRPr sz="1600">
+              <a:defRPr sz="1400">
                 <a:solidFill>
                   <a:schemeClr val="tx1">
                     <a:tint val="75000"/>
@@ -2210,7 +2286,7 @@
             </a:lvl5pPr>
             <a:lvl6pPr marL="2286000" indent="0">
               <a:buNone/>
-              <a:defRPr sz="1600">
+              <a:defRPr sz="1400">
                 <a:solidFill>
                   <a:schemeClr val="tx1">
                     <a:tint val="75000"/>
@@ -2220,7 +2296,7 @@
             </a:lvl6pPr>
             <a:lvl7pPr marL="2743200" indent="0">
               <a:buNone/>
-              <a:defRPr sz="1600">
+              <a:defRPr sz="1400">
                 <a:solidFill>
                   <a:schemeClr val="tx1">
                     <a:tint val="75000"/>
@@ -2230,7 +2306,7 @@
             </a:lvl7pPr>
             <a:lvl8pPr marL="3200400" indent="0">
               <a:buNone/>
-              <a:defRPr sz="1600">
+              <a:defRPr sz="1400">
                 <a:solidFill>
                   <a:schemeClr val="tx1">
                     <a:tint val="75000"/>
@@ -2240,7 +2316,7 @@
             </a:lvl8pPr>
             <a:lvl9pPr marL="3657600" indent="0">
               <a:buNone/>
-              <a:defRPr sz="1600">
+              <a:defRPr sz="1400">
                 <a:solidFill>
                   <a:schemeClr val="tx1">
                     <a:tint val="75000"/>
@@ -2252,8 +2328,8 @@
           <a:p>
             <a:pPr lvl="0"/>
             <a:r>
-              <a:rPr lang="en-US"/>
-              <a:t>Edit Master text styles</a:t>
+              <a:rPr lang="en-US" altLang="zh-CN"/>
+              <a:t>Click to edit Master text styles</a:t>
             </a:r>
           </a:p>
         </p:txBody>
@@ -2273,9 +2349,9 @@
           <a:bodyPr/>
           <a:lstStyle/>
           <a:p>
-            <a:fld id="{9F98964C-18C6-4ABD-B5DC-E707707781F9}" type="datetimeFigureOut">
+            <a:fld id="{FB221443-D73C-634A-A910-7320408C156D}" type="datetimeFigureOut">
               <a:rPr lang="en-US" smtClean="0"/>
-              <a:t>12/9/2024</a:t>
+              <a:t>1/31/2025</a:t>
             </a:fld>
             <a:endParaRPr lang="en-US"/>
           </a:p>
@@ -2315,7 +2391,7 @@
           <a:bodyPr/>
           <a:lstStyle/>
           <a:p>
-            <a:fld id="{8BD3117A-F623-46EF-BDA1-D015920233BA}" type="slidenum">
+            <a:fld id="{325BE2B7-23DB-644D-89A2-CA3C2E8FEF83}" type="slidenum">
               <a:rPr lang="en-US" smtClean="0"/>
               <a:t>‹#›</a:t>
             </a:fld>
@@ -2326,7 +2402,7 @@
     </p:spTree>
     <p:extLst>
       <p:ext uri="{BB962C8B-B14F-4D97-AF65-F5344CB8AC3E}">
-        <p14:creationId xmlns:p14="http://schemas.microsoft.com/office/powerpoint/2010/main" val="2587034684"/>
+        <p14:creationId xmlns:p14="http://schemas.microsoft.com/office/powerpoint/2010/main" val="3851867608"/>
       </p:ext>
     </p:extLst>
   </p:cSld>
@@ -2369,9 +2445,10 @@
           <a:lstStyle/>
           <a:p>
             <a:r>
-              <a:rPr lang="en-US"/>
+              <a:rPr lang="en-US" altLang="zh-CN"/>
               <a:t>Click to edit Master title style</a:t>
             </a:r>
+            <a:endParaRPr lang="en-US"/>
           </a:p>
         </p:txBody>
       </p:sp>
@@ -2387,47 +2464,76 @@
         </p:nvSpPr>
         <p:spPr>
           <a:xfrm>
-            <a:off x="838200" y="1825625"/>
-            <a:ext cx="5181600" cy="4351338"/>
+            <a:off x="457200" y="1600200"/>
+            <a:ext cx="4038600" cy="4525963"/>
           </a:xfrm>
         </p:spPr>
         <p:txBody>
           <a:bodyPr/>
-          <a:lstStyle/>
+          <a:lstStyle>
+            <a:lvl1pPr>
+              <a:defRPr sz="2800"/>
+            </a:lvl1pPr>
+            <a:lvl2pPr>
+              <a:defRPr sz="2400"/>
+            </a:lvl2pPr>
+            <a:lvl3pPr>
+              <a:defRPr sz="2000"/>
+            </a:lvl3pPr>
+            <a:lvl4pPr>
+              <a:defRPr sz="1800"/>
+            </a:lvl4pPr>
+            <a:lvl5pPr>
+              <a:defRPr sz="1800"/>
+            </a:lvl5pPr>
+            <a:lvl6pPr>
+              <a:defRPr sz="1800"/>
+            </a:lvl6pPr>
+            <a:lvl7pPr>
+              <a:defRPr sz="1800"/>
+            </a:lvl7pPr>
+            <a:lvl8pPr>
+              <a:defRPr sz="1800"/>
+            </a:lvl8pPr>
+            <a:lvl9pPr>
+              <a:defRPr sz="1800"/>
+            </a:lvl9pPr>
+          </a:lstStyle>
           <a:p>
             <a:pPr lvl="0"/>
             <a:r>
-              <a:rPr lang="en-US"/>
-              <a:t>Edit Master text styles</a:t>
+              <a:rPr lang="en-US" altLang="zh-CN"/>
+              <a:t>Click to edit Master text styles</a:t>
             </a:r>
           </a:p>
           <a:p>
             <a:pPr lvl="1"/>
             <a:r>
-              <a:rPr lang="en-US"/>
+              <a:rPr lang="en-US" altLang="zh-CN"/>
               <a:t>Second level</a:t>
             </a:r>
           </a:p>
           <a:p>
             <a:pPr lvl="2"/>
             <a:r>
-              <a:rPr lang="en-US"/>
+              <a:rPr lang="en-US" altLang="zh-CN"/>
               <a:t>Third level</a:t>
             </a:r>
           </a:p>
           <a:p>
             <a:pPr lvl="3"/>
             <a:r>
-              <a:rPr lang="en-US"/>
+              <a:rPr lang="en-US" altLang="zh-CN"/>
               <a:t>Fourth level</a:t>
             </a:r>
           </a:p>
           <a:p>
             <a:pPr lvl="4"/>
             <a:r>
-              <a:rPr lang="en-US"/>
+              <a:rPr lang="en-US" altLang="zh-CN"/>
               <a:t>Fifth level</a:t>
             </a:r>
+            <a:endParaRPr lang="en-US"/>
           </a:p>
         </p:txBody>
       </p:sp>
@@ -2443,47 +2549,76 @@
         </p:nvSpPr>
         <p:spPr>
           <a:xfrm>
-            <a:off x="6172200" y="1825625"/>
-            <a:ext cx="5181600" cy="4351338"/>
+            <a:off x="4648200" y="1600200"/>
+            <a:ext cx="4038600" cy="4525963"/>
           </a:xfrm>
         </p:spPr>
         <p:txBody>
           <a:bodyPr/>
-          <a:lstStyle/>
+          <a:lstStyle>
+            <a:lvl1pPr>
+              <a:defRPr sz="2800"/>
+            </a:lvl1pPr>
+            <a:lvl2pPr>
+              <a:defRPr sz="2400"/>
+            </a:lvl2pPr>
+            <a:lvl3pPr>
+              <a:defRPr sz="2000"/>
+            </a:lvl3pPr>
+            <a:lvl4pPr>
+              <a:defRPr sz="1800"/>
+            </a:lvl4pPr>
+            <a:lvl5pPr>
+              <a:defRPr sz="1800"/>
+            </a:lvl5pPr>
+            <a:lvl6pPr>
+              <a:defRPr sz="1800"/>
+            </a:lvl6pPr>
+            <a:lvl7pPr>
+              <a:defRPr sz="1800"/>
+            </a:lvl7pPr>
+            <a:lvl8pPr>
+              <a:defRPr sz="1800"/>
+            </a:lvl8pPr>
+            <a:lvl9pPr>
+              <a:defRPr sz="1800"/>
+            </a:lvl9pPr>
+          </a:lstStyle>
           <a:p>
             <a:pPr lvl="0"/>
             <a:r>
-              <a:rPr lang="en-US"/>
-              <a:t>Edit Master text styles</a:t>
+              <a:rPr lang="en-US" altLang="zh-CN"/>
+              <a:t>Click to edit Master text styles</a:t>
             </a:r>
           </a:p>
           <a:p>
             <a:pPr lvl="1"/>
             <a:r>
-              <a:rPr lang="en-US"/>
+              <a:rPr lang="en-US" altLang="zh-CN"/>
               <a:t>Second level</a:t>
             </a:r>
           </a:p>
           <a:p>
             <a:pPr lvl="2"/>
             <a:r>
-              <a:rPr lang="en-US"/>
+              <a:rPr lang="en-US" altLang="zh-CN"/>
               <a:t>Third level</a:t>
             </a:r>
           </a:p>
           <a:p>
             <a:pPr lvl="3"/>
             <a:r>
-              <a:rPr lang="en-US"/>
+              <a:rPr lang="en-US" altLang="zh-CN"/>
               <a:t>Fourth level</a:t>
             </a:r>
           </a:p>
           <a:p>
             <a:pPr lvl="4"/>
             <a:r>
-              <a:rPr lang="en-US"/>
+              <a:rPr lang="en-US" altLang="zh-CN"/>
               <a:t>Fifth level</a:t>
             </a:r>
+            <a:endParaRPr lang="en-US"/>
           </a:p>
         </p:txBody>
       </p:sp>
@@ -2502,9 +2637,9 @@
           <a:bodyPr/>
           <a:lstStyle/>
           <a:p>
-            <a:fld id="{9F98964C-18C6-4ABD-B5DC-E707707781F9}" type="datetimeFigureOut">
+            <a:fld id="{FB221443-D73C-634A-A910-7320408C156D}" type="datetimeFigureOut">
               <a:rPr lang="en-US" smtClean="0"/>
-              <a:t>12/9/2024</a:t>
+              <a:t>1/31/2025</a:t>
             </a:fld>
             <a:endParaRPr lang="en-US"/>
           </a:p>
@@ -2544,7 +2679,7 @@
           <a:bodyPr/>
           <a:lstStyle/>
           <a:p>
-            <a:fld id="{8BD3117A-F623-46EF-BDA1-D015920233BA}" type="slidenum">
+            <a:fld id="{325BE2B7-23DB-644D-89A2-CA3C2E8FEF83}" type="slidenum">
               <a:rPr lang="en-US" smtClean="0"/>
               <a:t>‹#›</a:t>
             </a:fld>
@@ -2555,7 +2690,7 @@
     </p:spTree>
     <p:extLst>
       <p:ext uri="{BB962C8B-B14F-4D97-AF65-F5344CB8AC3E}">
-        <p14:creationId xmlns:p14="http://schemas.microsoft.com/office/powerpoint/2010/main" val="1636610741"/>
+        <p14:creationId xmlns:p14="http://schemas.microsoft.com/office/powerpoint/2010/main" val="4005688411"/>
       </p:ext>
     </p:extLst>
   </p:cSld>
@@ -2592,20 +2727,20 @@
             <p:ph type="title"/>
           </p:nvPr>
         </p:nvSpPr>
-        <p:spPr>
-          <a:xfrm>
-            <a:off x="839788" y="365125"/>
-            <a:ext cx="10515600" cy="1325563"/>
-          </a:xfrm>
-        </p:spPr>
+        <p:spPr/>
         <p:txBody>
           <a:bodyPr/>
-          <a:lstStyle/>
-          <a:p>
-            <a:r>
-              <a:rPr lang="en-US"/>
+          <a:lstStyle>
+            <a:lvl1pPr>
+              <a:defRPr/>
+            </a:lvl1pPr>
+          </a:lstStyle>
+          <a:p>
+            <a:r>
+              <a:rPr lang="en-US" altLang="zh-CN"/>
               <a:t>Click to edit Master title style</a:t>
             </a:r>
+            <a:endParaRPr lang="en-US"/>
           </a:p>
         </p:txBody>
       </p:sp>
@@ -2621,8 +2756,8 @@
         </p:nvSpPr>
         <p:spPr>
           <a:xfrm>
-            <a:off x="839788" y="1681163"/>
-            <a:ext cx="5157787" cy="823912"/>
+            <a:off x="457200" y="1535113"/>
+            <a:ext cx="4040188" cy="639762"/>
           </a:xfrm>
         </p:spPr>
         <p:txBody>
@@ -2668,8 +2803,8 @@
           <a:p>
             <a:pPr lvl="0"/>
             <a:r>
-              <a:rPr lang="en-US"/>
-              <a:t>Edit Master text styles</a:t>
+              <a:rPr lang="en-US" altLang="zh-CN"/>
+              <a:t>Click to edit Master text styles</a:t>
             </a:r>
           </a:p>
         </p:txBody>
@@ -2686,47 +2821,76 @@
         </p:nvSpPr>
         <p:spPr>
           <a:xfrm>
-            <a:off x="839788" y="2505075"/>
-            <a:ext cx="5157787" cy="3684588"/>
+            <a:off x="457200" y="2174875"/>
+            <a:ext cx="4040188" cy="3951288"/>
           </a:xfrm>
         </p:spPr>
         <p:txBody>
           <a:bodyPr/>
-          <a:lstStyle/>
+          <a:lstStyle>
+            <a:lvl1pPr>
+              <a:defRPr sz="2400"/>
+            </a:lvl1pPr>
+            <a:lvl2pPr>
+              <a:defRPr sz="2000"/>
+            </a:lvl2pPr>
+            <a:lvl3pPr>
+              <a:defRPr sz="1800"/>
+            </a:lvl3pPr>
+            <a:lvl4pPr>
+              <a:defRPr sz="1600"/>
+            </a:lvl4pPr>
+            <a:lvl5pPr>
+              <a:defRPr sz="1600"/>
+            </a:lvl5pPr>
+            <a:lvl6pPr>
+              <a:defRPr sz="1600"/>
+            </a:lvl6pPr>
+            <a:lvl7pPr>
+              <a:defRPr sz="1600"/>
+            </a:lvl7pPr>
+            <a:lvl8pPr>
+              <a:defRPr sz="1600"/>
+            </a:lvl8pPr>
+            <a:lvl9pPr>
+              <a:defRPr sz="1600"/>
+            </a:lvl9pPr>
+          </a:lstStyle>
           <a:p>
             <a:pPr lvl="0"/>
             <a:r>
-              <a:rPr lang="en-US"/>
-              <a:t>Edit Master text styles</a:t>
+              <a:rPr lang="en-US" altLang="zh-CN"/>
+              <a:t>Click to edit Master text styles</a:t>
             </a:r>
           </a:p>
           <a:p>
             <a:pPr lvl="1"/>
             <a:r>
-              <a:rPr lang="en-US"/>
+              <a:rPr lang="en-US" altLang="zh-CN"/>
               <a:t>Second level</a:t>
             </a:r>
           </a:p>
           <a:p>
             <a:pPr lvl="2"/>
             <a:r>
-              <a:rPr lang="en-US"/>
+              <a:rPr lang="en-US" altLang="zh-CN"/>
               <a:t>Third level</a:t>
             </a:r>
           </a:p>
           <a:p>
             <a:pPr lvl="3"/>
             <a:r>
-              <a:rPr lang="en-US"/>
+              <a:rPr lang="en-US" altLang="zh-CN"/>
               <a:t>Fourth level</a:t>
             </a:r>
           </a:p>
           <a:p>
             <a:pPr lvl="4"/>
             <a:r>
-              <a:rPr lang="en-US"/>
+              <a:rPr lang="en-US" altLang="zh-CN"/>
               <a:t>Fifth level</a:t>
             </a:r>
+            <a:endParaRPr lang="en-US"/>
           </a:p>
         </p:txBody>
       </p:sp>
@@ -2742,8 +2906,8 @@
         </p:nvSpPr>
         <p:spPr>
           <a:xfrm>
-            <a:off x="6172200" y="1681163"/>
-            <a:ext cx="5183188" cy="823912"/>
+            <a:off x="4645025" y="1535113"/>
+            <a:ext cx="4041775" cy="639762"/>
           </a:xfrm>
         </p:spPr>
         <p:txBody>
@@ -2789,8 +2953,8 @@
           <a:p>
             <a:pPr lvl="0"/>
             <a:r>
-              <a:rPr lang="en-US"/>
-              <a:t>Edit Master text styles</a:t>
+              <a:rPr lang="en-US" altLang="zh-CN"/>
+              <a:t>Click to edit Master text styles</a:t>
             </a:r>
           </a:p>
         </p:txBody>
@@ -2807,47 +2971,76 @@
         </p:nvSpPr>
         <p:spPr>
           <a:xfrm>
-            <a:off x="6172200" y="2505075"/>
-            <a:ext cx="5183188" cy="3684588"/>
+            <a:off x="4645025" y="2174875"/>
+            <a:ext cx="4041775" cy="3951288"/>
           </a:xfrm>
         </p:spPr>
         <p:txBody>
           <a:bodyPr/>
-          <a:lstStyle/>
+          <a:lstStyle>
+            <a:lvl1pPr>
+              <a:defRPr sz="2400"/>
+            </a:lvl1pPr>
+            <a:lvl2pPr>
+              <a:defRPr sz="2000"/>
+            </a:lvl2pPr>
+            <a:lvl3pPr>
+              <a:defRPr sz="1800"/>
+            </a:lvl3pPr>
+            <a:lvl4pPr>
+              <a:defRPr sz="1600"/>
+            </a:lvl4pPr>
+            <a:lvl5pPr>
+              <a:defRPr sz="1600"/>
+            </a:lvl5pPr>
+            <a:lvl6pPr>
+              <a:defRPr sz="1600"/>
+            </a:lvl6pPr>
+            <a:lvl7pPr>
+              <a:defRPr sz="1600"/>
+            </a:lvl7pPr>
+            <a:lvl8pPr>
+              <a:defRPr sz="1600"/>
+            </a:lvl8pPr>
+            <a:lvl9pPr>
+              <a:defRPr sz="1600"/>
+            </a:lvl9pPr>
+          </a:lstStyle>
           <a:p>
             <a:pPr lvl="0"/>
             <a:r>
-              <a:rPr lang="en-US"/>
-              <a:t>Edit Master text styles</a:t>
+              <a:rPr lang="en-US" altLang="zh-CN"/>
+              <a:t>Click to edit Master text styles</a:t>
             </a:r>
           </a:p>
           <a:p>
             <a:pPr lvl="1"/>
             <a:r>
-              <a:rPr lang="en-US"/>
+              <a:rPr lang="en-US" altLang="zh-CN"/>
               <a:t>Second level</a:t>
             </a:r>
           </a:p>
           <a:p>
             <a:pPr lvl="2"/>
             <a:r>
-              <a:rPr lang="en-US"/>
+              <a:rPr lang="en-US" altLang="zh-CN"/>
               <a:t>Third level</a:t>
             </a:r>
           </a:p>
           <a:p>
             <a:pPr lvl="3"/>
             <a:r>
-              <a:rPr lang="en-US"/>
+              <a:rPr lang="en-US" altLang="zh-CN"/>
               <a:t>Fourth level</a:t>
             </a:r>
           </a:p>
           <a:p>
             <a:pPr lvl="4"/>
             <a:r>
-              <a:rPr lang="en-US"/>
+              <a:rPr lang="en-US" altLang="zh-CN"/>
               <a:t>Fifth level</a:t>
             </a:r>
+            <a:endParaRPr lang="en-US"/>
           </a:p>
         </p:txBody>
       </p:sp>
@@ -2866,9 +3059,9 @@
           <a:bodyPr/>
           <a:lstStyle/>
           <a:p>
-            <a:fld id="{9F98964C-18C6-4ABD-B5DC-E707707781F9}" type="datetimeFigureOut">
+            <a:fld id="{FB221443-D73C-634A-A910-7320408C156D}" type="datetimeFigureOut">
               <a:rPr lang="en-US" smtClean="0"/>
-              <a:t>12/9/2024</a:t>
+              <a:t>1/31/2025</a:t>
             </a:fld>
             <a:endParaRPr lang="en-US"/>
           </a:p>
@@ -2908,7 +3101,7 @@
           <a:bodyPr/>
           <a:lstStyle/>
           <a:p>
-            <a:fld id="{8BD3117A-F623-46EF-BDA1-D015920233BA}" type="slidenum">
+            <a:fld id="{325BE2B7-23DB-644D-89A2-CA3C2E8FEF83}" type="slidenum">
               <a:rPr lang="en-US" smtClean="0"/>
               <a:t>‹#›</a:t>
             </a:fld>
@@ -2919,7 +3112,7 @@
     </p:spTree>
     <p:extLst>
       <p:ext uri="{BB962C8B-B14F-4D97-AF65-F5344CB8AC3E}">
-        <p14:creationId xmlns:p14="http://schemas.microsoft.com/office/powerpoint/2010/main" val="1819787550"/>
+        <p14:creationId xmlns:p14="http://schemas.microsoft.com/office/powerpoint/2010/main" val="3640276682"/>
       </p:ext>
     </p:extLst>
   </p:cSld>
@@ -2962,9 +3155,10 @@
           <a:lstStyle/>
           <a:p>
             <a:r>
-              <a:rPr lang="en-US"/>
+              <a:rPr lang="en-US" altLang="zh-CN"/>
               <a:t>Click to edit Master title style</a:t>
             </a:r>
+            <a:endParaRPr lang="en-US"/>
           </a:p>
         </p:txBody>
       </p:sp>
@@ -2983,9 +3177,9 @@
           <a:bodyPr/>
           <a:lstStyle/>
           <a:p>
-            <a:fld id="{9F98964C-18C6-4ABD-B5DC-E707707781F9}" type="datetimeFigureOut">
+            <a:fld id="{FB221443-D73C-634A-A910-7320408C156D}" type="datetimeFigureOut">
               <a:rPr lang="en-US" smtClean="0"/>
-              <a:t>12/9/2024</a:t>
+              <a:t>1/31/2025</a:t>
             </a:fld>
             <a:endParaRPr lang="en-US"/>
           </a:p>
@@ -3025,7 +3219,7 @@
           <a:bodyPr/>
           <a:lstStyle/>
           <a:p>
-            <a:fld id="{8BD3117A-F623-46EF-BDA1-D015920233BA}" type="slidenum">
+            <a:fld id="{325BE2B7-23DB-644D-89A2-CA3C2E8FEF83}" type="slidenum">
               <a:rPr lang="en-US" smtClean="0"/>
               <a:t>‹#›</a:t>
             </a:fld>
@@ -3036,7 +3230,7 @@
     </p:spTree>
     <p:extLst>
       <p:ext uri="{BB962C8B-B14F-4D97-AF65-F5344CB8AC3E}">
-        <p14:creationId xmlns:p14="http://schemas.microsoft.com/office/powerpoint/2010/main" val="151171034"/>
+        <p14:creationId xmlns:p14="http://schemas.microsoft.com/office/powerpoint/2010/main" val="3337856039"/>
       </p:ext>
     </p:extLst>
   </p:cSld>
@@ -3078,9 +3272,9 @@
           <a:bodyPr/>
           <a:lstStyle/>
           <a:p>
-            <a:fld id="{9F98964C-18C6-4ABD-B5DC-E707707781F9}" type="datetimeFigureOut">
+            <a:fld id="{FB221443-D73C-634A-A910-7320408C156D}" type="datetimeFigureOut">
               <a:rPr lang="en-US" smtClean="0"/>
-              <a:t>12/9/2024</a:t>
+              <a:t>1/31/2025</a:t>
             </a:fld>
             <a:endParaRPr lang="en-US"/>
           </a:p>
@@ -3120,7 +3314,7 @@
           <a:bodyPr/>
           <a:lstStyle/>
           <a:p>
-            <a:fld id="{8BD3117A-F623-46EF-BDA1-D015920233BA}" type="slidenum">
+            <a:fld id="{325BE2B7-23DB-644D-89A2-CA3C2E8FEF83}" type="slidenum">
               <a:rPr lang="en-US" smtClean="0"/>
               <a:t>‹#›</a:t>
             </a:fld>
@@ -3131,7 +3325,7 @@
     </p:spTree>
     <p:extLst>
       <p:ext uri="{BB962C8B-B14F-4D97-AF65-F5344CB8AC3E}">
-        <p14:creationId xmlns:p14="http://schemas.microsoft.com/office/powerpoint/2010/main" val="3310375886"/>
+        <p14:creationId xmlns:p14="http://schemas.microsoft.com/office/powerpoint/2010/main" val="269035317"/>
       </p:ext>
     </p:extLst>
   </p:cSld>
@@ -3170,22 +3364,23 @@
         </p:nvSpPr>
         <p:spPr>
           <a:xfrm>
-            <a:off x="839788" y="457200"/>
-            <a:ext cx="3932237" cy="1600200"/>
+            <a:off x="457200" y="273050"/>
+            <a:ext cx="3008313" cy="1162050"/>
           </a:xfrm>
         </p:spPr>
         <p:txBody>
           <a:bodyPr anchor="b"/>
           <a:lstStyle>
-            <a:lvl1pPr>
-              <a:defRPr sz="3200"/>
+            <a:lvl1pPr algn="l">
+              <a:defRPr sz="2000" b="1"/>
             </a:lvl1pPr>
           </a:lstStyle>
           <a:p>
             <a:r>
-              <a:rPr lang="en-US"/>
+              <a:rPr lang="en-US" altLang="zh-CN"/>
               <a:t>Click to edit Master title style</a:t>
             </a:r>
+            <a:endParaRPr lang="en-US"/>
           </a:p>
         </p:txBody>
       </p:sp>
@@ -3201,8 +3396,8 @@
         </p:nvSpPr>
         <p:spPr>
           <a:xfrm>
-            <a:off x="5183188" y="987425"/>
-            <a:ext cx="6172200" cy="4873625"/>
+            <a:off x="3575050" y="273050"/>
+            <a:ext cx="5111750" cy="5853113"/>
           </a:xfrm>
         </p:spPr>
         <p:txBody>
@@ -3239,37 +3434,38 @@
           <a:p>
             <a:pPr lvl="0"/>
             <a:r>
-              <a:rPr lang="en-US"/>
-              <a:t>Edit Master text styles</a:t>
+              <a:rPr lang="en-US" altLang="zh-CN"/>
+              <a:t>Click to edit Master text styles</a:t>
             </a:r>
           </a:p>
           <a:p>
             <a:pPr lvl="1"/>
             <a:r>
-              <a:rPr lang="en-US"/>
+              <a:rPr lang="en-US" altLang="zh-CN"/>
               <a:t>Second level</a:t>
             </a:r>
           </a:p>
           <a:p>
             <a:pPr lvl="2"/>
             <a:r>
-              <a:rPr lang="en-US"/>
+              <a:rPr lang="en-US" altLang="zh-CN"/>
               <a:t>Third level</a:t>
             </a:r>
           </a:p>
           <a:p>
             <a:pPr lvl="3"/>
             <a:r>
-              <a:rPr lang="en-US"/>
+              <a:rPr lang="en-US" altLang="zh-CN"/>
               <a:t>Fourth level</a:t>
             </a:r>
           </a:p>
           <a:p>
             <a:pPr lvl="4"/>
             <a:r>
-              <a:rPr lang="en-US"/>
+              <a:rPr lang="en-US" altLang="zh-CN"/>
               <a:t>Fifth level</a:t>
             </a:r>
+            <a:endParaRPr lang="en-US"/>
           </a:p>
         </p:txBody>
       </p:sp>
@@ -3285,8 +3481,8 @@
         </p:nvSpPr>
         <p:spPr>
           <a:xfrm>
-            <a:off x="839788" y="2057400"/>
-            <a:ext cx="3932237" cy="3811588"/>
+            <a:off x="457200" y="1435100"/>
+            <a:ext cx="3008313" cy="4691063"/>
           </a:xfrm>
         </p:spPr>
         <p:txBody>
@@ -3294,46 +3490,46 @@
           <a:lstStyle>
             <a:lvl1pPr marL="0" indent="0">
               <a:buNone/>
-              <a:defRPr sz="1600"/>
+              <a:defRPr sz="1400"/>
             </a:lvl1pPr>
             <a:lvl2pPr marL="457200" indent="0">
               <a:buNone/>
-              <a:defRPr sz="1400"/>
+              <a:defRPr sz="1200"/>
             </a:lvl2pPr>
             <a:lvl3pPr marL="914400" indent="0">
               <a:buNone/>
-              <a:defRPr sz="1200"/>
+              <a:defRPr sz="1000"/>
             </a:lvl3pPr>
             <a:lvl4pPr marL="1371600" indent="0">
               <a:buNone/>
-              <a:defRPr sz="1000"/>
+              <a:defRPr sz="900"/>
             </a:lvl4pPr>
             <a:lvl5pPr marL="1828800" indent="0">
               <a:buNone/>
-              <a:defRPr sz="1000"/>
+              <a:defRPr sz="900"/>
             </a:lvl5pPr>
             <a:lvl6pPr marL="2286000" indent="0">
               <a:buNone/>
-              <a:defRPr sz="1000"/>
+              <a:defRPr sz="900"/>
             </a:lvl6pPr>
             <a:lvl7pPr marL="2743200" indent="0">
               <a:buNone/>
-              <a:defRPr sz="1000"/>
+              <a:defRPr sz="900"/>
             </a:lvl7pPr>
             <a:lvl8pPr marL="3200400" indent="0">
               <a:buNone/>
-              <a:defRPr sz="1000"/>
+              <a:defRPr sz="900"/>
             </a:lvl8pPr>
             <a:lvl9pPr marL="3657600" indent="0">
               <a:buNone/>
-              <a:defRPr sz="1000"/>
+              <a:defRPr sz="900"/>
             </a:lvl9pPr>
           </a:lstStyle>
           <a:p>
             <a:pPr lvl="0"/>
             <a:r>
-              <a:rPr lang="en-US"/>
-              <a:t>Edit Master text styles</a:t>
+              <a:rPr lang="en-US" altLang="zh-CN"/>
+              <a:t>Click to edit Master text styles</a:t>
             </a:r>
           </a:p>
         </p:txBody>
@@ -3353,9 +3549,9 @@
           <a:bodyPr/>
           <a:lstStyle/>
           <a:p>
-            <a:fld id="{9F98964C-18C6-4ABD-B5DC-E707707781F9}" type="datetimeFigureOut">
+            <a:fld id="{FB221443-D73C-634A-A910-7320408C156D}" type="datetimeFigureOut">
               <a:rPr lang="en-US" smtClean="0"/>
-              <a:t>12/9/2024</a:t>
+              <a:t>1/31/2025</a:t>
             </a:fld>
             <a:endParaRPr lang="en-US"/>
           </a:p>
@@ -3395,7 +3591,7 @@
           <a:bodyPr/>
           <a:lstStyle/>
           <a:p>
-            <a:fld id="{8BD3117A-F623-46EF-BDA1-D015920233BA}" type="slidenum">
+            <a:fld id="{325BE2B7-23DB-644D-89A2-CA3C2E8FEF83}" type="slidenum">
               <a:rPr lang="en-US" smtClean="0"/>
               <a:t>‹#›</a:t>
             </a:fld>
@@ -3406,7 +3602,7 @@
     </p:spTree>
     <p:extLst>
       <p:ext uri="{BB962C8B-B14F-4D97-AF65-F5344CB8AC3E}">
-        <p14:creationId xmlns:p14="http://schemas.microsoft.com/office/powerpoint/2010/main" val="4025981196"/>
+        <p14:creationId xmlns:p14="http://schemas.microsoft.com/office/powerpoint/2010/main" val="2613258117"/>
       </p:ext>
     </p:extLst>
   </p:cSld>
@@ -3445,22 +3641,23 @@
         </p:nvSpPr>
         <p:spPr>
           <a:xfrm>
-            <a:off x="839788" y="457200"/>
-            <a:ext cx="3932237" cy="1600200"/>
+            <a:off x="1792288" y="4800600"/>
+            <a:ext cx="5486400" cy="566738"/>
           </a:xfrm>
         </p:spPr>
         <p:txBody>
           <a:bodyPr anchor="b"/>
           <a:lstStyle>
-            <a:lvl1pPr>
-              <a:defRPr sz="3200"/>
+            <a:lvl1pPr algn="l">
+              <a:defRPr sz="2000" b="1"/>
             </a:lvl1pPr>
           </a:lstStyle>
           <a:p>
             <a:r>
-              <a:rPr lang="en-US"/>
+              <a:rPr lang="en-US" altLang="zh-CN"/>
               <a:t>Click to edit Master title style</a:t>
             </a:r>
+            <a:endParaRPr lang="en-US"/>
           </a:p>
         </p:txBody>
       </p:sp>
@@ -3476,8 +3673,8 @@
         </p:nvSpPr>
         <p:spPr>
           <a:xfrm>
-            <a:off x="5183188" y="987425"/>
-            <a:ext cx="6172200" cy="4873625"/>
+            <a:off x="1792288" y="612775"/>
+            <a:ext cx="5486400" cy="4114800"/>
           </a:xfrm>
         </p:spPr>
         <p:txBody>
@@ -3537,8 +3734,8 @@
         </p:nvSpPr>
         <p:spPr>
           <a:xfrm>
-            <a:off x="839788" y="2057400"/>
-            <a:ext cx="3932237" cy="3811588"/>
+            <a:off x="1792288" y="5367338"/>
+            <a:ext cx="5486400" cy="804862"/>
           </a:xfrm>
         </p:spPr>
         <p:txBody>
@@ -3546,46 +3743,46 @@
           <a:lstStyle>
             <a:lvl1pPr marL="0" indent="0">
               <a:buNone/>
-              <a:defRPr sz="1600"/>
+              <a:defRPr sz="1400"/>
             </a:lvl1pPr>
             <a:lvl2pPr marL="457200" indent="0">
               <a:buNone/>
-              <a:defRPr sz="1400"/>
+              <a:defRPr sz="1200"/>
             </a:lvl2pPr>
             <a:lvl3pPr marL="914400" indent="0">
               <a:buNone/>
-              <a:defRPr sz="1200"/>
+              <a:defRPr sz="1000"/>
             </a:lvl3pPr>
             <a:lvl4pPr marL="1371600" indent="0">
               <a:buNone/>
-              <a:defRPr sz="1000"/>
+              <a:defRPr sz="900"/>
             </a:lvl4pPr>
             <a:lvl5pPr marL="1828800" indent="0">
               <a:buNone/>
-              <a:defRPr sz="1000"/>
+              <a:defRPr sz="900"/>
             </a:lvl5pPr>
             <a:lvl6pPr marL="2286000" indent="0">
               <a:buNone/>
-              <a:defRPr sz="1000"/>
+              <a:defRPr sz="900"/>
             </a:lvl6pPr>
             <a:lvl7pPr marL="2743200" indent="0">
               <a:buNone/>
-              <a:defRPr sz="1000"/>
+              <a:defRPr sz="900"/>
             </a:lvl7pPr>
             <a:lvl8pPr marL="3200400" indent="0">
               <a:buNone/>
-              <a:defRPr sz="1000"/>
+              <a:defRPr sz="900"/>
             </a:lvl8pPr>
             <a:lvl9pPr marL="3657600" indent="0">
               <a:buNone/>
-              <a:defRPr sz="1000"/>
+              <a:defRPr sz="900"/>
             </a:lvl9pPr>
           </a:lstStyle>
           <a:p>
             <a:pPr lvl="0"/>
             <a:r>
-              <a:rPr lang="en-US"/>
-              <a:t>Edit Master text styles</a:t>
+              <a:rPr lang="en-US" altLang="zh-CN"/>
+              <a:t>Click to edit Master text styles</a:t>
             </a:r>
           </a:p>
         </p:txBody>
@@ -3605,9 +3802,9 @@
           <a:bodyPr/>
           <a:lstStyle/>
           <a:p>
-            <a:fld id="{9F98964C-18C6-4ABD-B5DC-E707707781F9}" type="datetimeFigureOut">
+            <a:fld id="{FB221443-D73C-634A-A910-7320408C156D}" type="datetimeFigureOut">
               <a:rPr lang="en-US" smtClean="0"/>
-              <a:t>12/9/2024</a:t>
+              <a:t>1/31/2025</a:t>
             </a:fld>
             <a:endParaRPr lang="en-US"/>
           </a:p>
@@ -3647,7 +3844,7 @@
           <a:bodyPr/>
           <a:lstStyle/>
           <a:p>
-            <a:fld id="{8BD3117A-F623-46EF-BDA1-D015920233BA}" type="slidenum">
+            <a:fld id="{325BE2B7-23DB-644D-89A2-CA3C2E8FEF83}" type="slidenum">
               <a:rPr lang="en-US" smtClean="0"/>
               <a:t>‹#›</a:t>
             </a:fld>
@@ -3658,7 +3855,7 @@
     </p:spTree>
     <p:extLst>
       <p:ext uri="{BB962C8B-B14F-4D97-AF65-F5344CB8AC3E}">
-        <p14:creationId xmlns:p14="http://schemas.microsoft.com/office/powerpoint/2010/main" val="1643050350"/>
+        <p14:creationId xmlns:p14="http://schemas.microsoft.com/office/powerpoint/2010/main" val="2651124759"/>
       </p:ext>
     </p:extLst>
   </p:cSld>
@@ -3702,8 +3899,8 @@
         </p:nvSpPr>
         <p:spPr>
           <a:xfrm>
-            <a:off x="838200" y="365125"/>
-            <a:ext cx="10515600" cy="1325563"/>
+            <a:off x="457200" y="274638"/>
+            <a:ext cx="8229600" cy="1143000"/>
           </a:xfrm>
           <a:prstGeom prst="rect">
             <a:avLst/>
@@ -3716,9 +3913,10 @@
           <a:lstStyle/>
           <a:p>
             <a:r>
-              <a:rPr lang="en-US"/>
+              <a:rPr lang="en-US" altLang="zh-CN" dirty="0"/>
               <a:t>Click to edit Master title style</a:t>
             </a:r>
+            <a:endParaRPr lang="en-US" dirty="0"/>
           </a:p>
         </p:txBody>
       </p:sp>
@@ -3734,8 +3932,8 @@
         </p:nvSpPr>
         <p:spPr>
           <a:xfrm>
-            <a:off x="838200" y="1825625"/>
-            <a:ext cx="10515600" cy="4351338"/>
+            <a:off x="457200" y="1600200"/>
+            <a:ext cx="8229600" cy="4525963"/>
           </a:xfrm>
           <a:prstGeom prst="rect">
             <a:avLst/>
@@ -3749,37 +3947,38 @@
           <a:p>
             <a:pPr lvl="0"/>
             <a:r>
-              <a:rPr lang="en-US"/>
-              <a:t>Edit Master text styles</a:t>
+              <a:rPr lang="en-US" altLang="zh-CN" dirty="0"/>
+              <a:t>Click to edit Master text styles</a:t>
             </a:r>
           </a:p>
           <a:p>
             <a:pPr lvl="1"/>
             <a:r>
-              <a:rPr lang="en-US"/>
+              <a:rPr lang="en-US" altLang="zh-CN" dirty="0"/>
               <a:t>Second level</a:t>
             </a:r>
           </a:p>
           <a:p>
             <a:pPr lvl="2"/>
             <a:r>
-              <a:rPr lang="en-US"/>
+              <a:rPr lang="en-US" altLang="zh-CN" dirty="0"/>
               <a:t>Third level</a:t>
             </a:r>
           </a:p>
           <a:p>
             <a:pPr lvl="3"/>
             <a:r>
-              <a:rPr lang="en-US"/>
+              <a:rPr lang="en-US" altLang="zh-CN" dirty="0"/>
               <a:t>Fourth level</a:t>
             </a:r>
           </a:p>
           <a:p>
             <a:pPr lvl="4"/>
             <a:r>
-              <a:rPr lang="en-US"/>
+              <a:rPr lang="en-US" altLang="zh-CN" dirty="0"/>
               <a:t>Fifth level</a:t>
             </a:r>
+            <a:endParaRPr lang="en-US" dirty="0"/>
           </a:p>
         </p:txBody>
       </p:sp>
@@ -3795,8 +3994,8 @@
         </p:nvSpPr>
         <p:spPr>
           <a:xfrm>
-            <a:off x="838200" y="6356350"/>
-            <a:ext cx="2743200" cy="365125"/>
+            <a:off x="457200" y="6356350"/>
+            <a:ext cx="2133600" cy="365125"/>
           </a:xfrm>
           <a:prstGeom prst="rect">
             <a:avLst/>
@@ -3816,9 +4015,9 @@
             </a:lvl1pPr>
           </a:lstStyle>
           <a:p>
-            <a:fld id="{9F98964C-18C6-4ABD-B5DC-E707707781F9}" type="datetimeFigureOut">
+            <a:fld id="{FB221443-D73C-634A-A910-7320408C156D}" type="datetimeFigureOut">
               <a:rPr lang="en-US" smtClean="0"/>
-              <a:t>12/9/2024</a:t>
+              <a:t>1/31/2025</a:t>
             </a:fld>
             <a:endParaRPr lang="en-US"/>
           </a:p>
@@ -3836,8 +4035,8 @@
         </p:nvSpPr>
         <p:spPr>
           <a:xfrm>
-            <a:off x="4038600" y="6356350"/>
-            <a:ext cx="4114800" cy="365125"/>
+            <a:off x="3124200" y="6356350"/>
+            <a:ext cx="2895600" cy="365125"/>
           </a:xfrm>
           <a:prstGeom prst="rect">
             <a:avLst/>
@@ -3873,8 +4072,8 @@
         </p:nvSpPr>
         <p:spPr>
           <a:xfrm>
-            <a:off x="8610600" y="6356350"/>
-            <a:ext cx="2743200" cy="365125"/>
+            <a:off x="6553200" y="6356350"/>
+            <a:ext cx="2133600" cy="365125"/>
           </a:xfrm>
           <a:prstGeom prst="rect">
             <a:avLst/>
@@ -3894,7 +4093,7 @@
             </a:lvl1pPr>
           </a:lstStyle>
           <a:p>
-            <a:fld id="{8BD3117A-F623-46EF-BDA1-D015920233BA}" type="slidenum">
+            <a:fld id="{325BE2B7-23DB-644D-89A2-CA3C2E8FEF83}" type="slidenum">
               <a:rPr lang="en-US" smtClean="0"/>
               <a:t>‹#›</a:t>
             </a:fld>
@@ -3905,7 +4104,7 @@
     </p:spTree>
     <p:extLst>
       <p:ext uri="{BB962C8B-B14F-4D97-AF65-F5344CB8AC3E}">
-        <p14:creationId xmlns:p14="http://schemas.microsoft.com/office/powerpoint/2010/main" val="755033358"/>
+        <p14:creationId xmlns:p14="http://schemas.microsoft.com/office/powerpoint/2010/main" val="46053572"/>
       </p:ext>
     </p:extLst>
   </p:cSld>
@@ -3925,69 +4124,117 @@
   </p:sldLayoutIdLst>
   <p:txStyles>
     <p:titleStyle>
-      <a:lvl1pPr algn="l" defTabSz="914400" rtl="0" eaLnBrk="1" latinLnBrk="0" hangingPunct="1">
-        <a:lnSpc>
-          <a:spcPct val="90000"/>
-        </a:lnSpc>
+      <a:lvl1pPr algn="ctr" defTabSz="457200" rtl="0" eaLnBrk="1" latinLnBrk="0" hangingPunct="1">
         <a:spcBef>
           <a:spcPct val="0"/>
         </a:spcBef>
         <a:buNone/>
-        <a:defRPr sz="4400" kern="1200">
+        <a:defRPr sz="3600" kern="1200">
           <a:solidFill>
-            <a:schemeClr val="tx1"/>
+            <a:schemeClr val="accent1"/>
           </a:solidFill>
-          <a:latin typeface="+mj-lt"/>
+          <a:latin typeface="Helvetica"/>
           <a:ea typeface="+mj-ea"/>
-          <a:cs typeface="+mj-cs"/>
+          <a:cs typeface="Helvetica"/>
         </a:defRPr>
       </a:lvl1pPr>
     </p:titleStyle>
     <p:bodyStyle>
-      <a:lvl1pPr marL="228600" indent="-228600" algn="l" defTabSz="914400" rtl="0" eaLnBrk="1" latinLnBrk="0" hangingPunct="1">
-        <a:lnSpc>
-          <a:spcPct val="90000"/>
-        </a:lnSpc>
+      <a:lvl1pPr marL="342900" indent="-342900" algn="l" defTabSz="457200" rtl="0" eaLnBrk="1" latinLnBrk="0" hangingPunct="1">
         <a:spcBef>
-          <a:spcPts val="1000"/>
+          <a:spcPct val="20000"/>
         </a:spcBef>
-        <a:buFont typeface="Arial" panose="020B0604020202020204" pitchFamily="34" charset="0"/>
-        <a:buChar char="•"/>
-        <a:defRPr sz="2800" kern="1200">
-          <a:solidFill>
-            <a:schemeClr val="tx1"/>
-          </a:solidFill>
-          <a:latin typeface="+mn-lt"/>
-          <a:ea typeface="+mn-ea"/>
-          <a:cs typeface="+mn-cs"/>
-        </a:defRPr>
-      </a:lvl1pPr>
-      <a:lvl2pPr marL="685800" indent="-228600" algn="l" defTabSz="914400" rtl="0" eaLnBrk="1" latinLnBrk="0" hangingPunct="1">
-        <a:lnSpc>
-          <a:spcPct val="90000"/>
-        </a:lnSpc>
-        <a:spcBef>
-          <a:spcPts val="500"/>
-        </a:spcBef>
-        <a:buFont typeface="Arial" panose="020B0604020202020204" pitchFamily="34" charset="0"/>
-        <a:buChar char="•"/>
+        <a:buClr>
+          <a:schemeClr val="accent6"/>
+        </a:buClr>
+        <a:buFont typeface="Wingdings" charset="2"/>
+        <a:buChar char="§"/>
         <a:defRPr sz="2400" kern="1200">
           <a:solidFill>
             <a:schemeClr val="tx1"/>
           </a:solidFill>
-          <a:latin typeface="+mn-lt"/>
+          <a:latin typeface="Times New Roman"/>
           <a:ea typeface="+mn-ea"/>
-          <a:cs typeface="+mn-cs"/>
+          <a:cs typeface="Times New Roman"/>
+        </a:defRPr>
+      </a:lvl1pPr>
+      <a:lvl2pPr marL="742950" indent="-285750" algn="l" defTabSz="457200" rtl="0" eaLnBrk="1" latinLnBrk="0" hangingPunct="1">
+        <a:spcBef>
+          <a:spcPct val="20000"/>
+        </a:spcBef>
+        <a:buClr>
+          <a:schemeClr val="accent6"/>
+        </a:buClr>
+        <a:buFont typeface="Wingdings" charset="2"/>
+        <a:buChar char="§"/>
+        <a:defRPr sz="2000" kern="1200">
+          <a:solidFill>
+            <a:schemeClr val="tx1"/>
+          </a:solidFill>
+          <a:latin typeface="Times New Roman"/>
+          <a:ea typeface="+mn-ea"/>
+          <a:cs typeface="Times New Roman"/>
         </a:defRPr>
       </a:lvl2pPr>
-      <a:lvl3pPr marL="1143000" indent="-228600" algn="l" defTabSz="914400" rtl="0" eaLnBrk="1" latinLnBrk="0" hangingPunct="1">
-        <a:lnSpc>
-          <a:spcPct val="90000"/>
-        </a:lnSpc>
+      <a:lvl3pPr marL="1143000" indent="-228600" algn="l" defTabSz="457200" rtl="0" eaLnBrk="1" latinLnBrk="0" hangingPunct="1">
         <a:spcBef>
-          <a:spcPts val="500"/>
+          <a:spcPct val="20000"/>
         </a:spcBef>
-        <a:buFont typeface="Arial" panose="020B0604020202020204" pitchFamily="34" charset="0"/>
+        <a:buClr>
+          <a:schemeClr val="accent6"/>
+        </a:buClr>
+        <a:buFont typeface="Wingdings" charset="2"/>
+        <a:buChar char="§"/>
+        <a:defRPr sz="1800" kern="1200">
+          <a:solidFill>
+            <a:schemeClr val="tx1"/>
+          </a:solidFill>
+          <a:latin typeface="Times New Roman"/>
+          <a:ea typeface="+mn-ea"/>
+          <a:cs typeface="Times New Roman"/>
+        </a:defRPr>
+      </a:lvl3pPr>
+      <a:lvl4pPr marL="1600200" indent="-228600" algn="l" defTabSz="457200" rtl="0" eaLnBrk="1" latinLnBrk="0" hangingPunct="1">
+        <a:spcBef>
+          <a:spcPct val="20000"/>
+        </a:spcBef>
+        <a:buClr>
+          <a:schemeClr val="accent6"/>
+        </a:buClr>
+        <a:buFont typeface="Wingdings" charset="2"/>
+        <a:buChar char="§"/>
+        <a:defRPr sz="1600" kern="1200">
+          <a:solidFill>
+            <a:schemeClr val="tx1"/>
+          </a:solidFill>
+          <a:latin typeface="Times New Roman"/>
+          <a:ea typeface="+mn-ea"/>
+          <a:cs typeface="Times New Roman"/>
+        </a:defRPr>
+      </a:lvl4pPr>
+      <a:lvl5pPr marL="2057400" indent="-228600" algn="l" defTabSz="457200" rtl="0" eaLnBrk="1" latinLnBrk="0" hangingPunct="1">
+        <a:spcBef>
+          <a:spcPct val="20000"/>
+        </a:spcBef>
+        <a:buClr>
+          <a:schemeClr val="accent6"/>
+        </a:buClr>
+        <a:buFont typeface="Wingdings" charset="2"/>
+        <a:buChar char="§"/>
+        <a:defRPr sz="1600" kern="1200">
+          <a:solidFill>
+            <a:schemeClr val="tx1"/>
+          </a:solidFill>
+          <a:latin typeface="Times New Roman"/>
+          <a:ea typeface="+mn-ea"/>
+          <a:cs typeface="Times New Roman"/>
+        </a:defRPr>
+      </a:lvl5pPr>
+      <a:lvl6pPr marL="2514600" indent="-228600" algn="l" defTabSz="457200" rtl="0" eaLnBrk="1" latinLnBrk="0" hangingPunct="1">
+        <a:spcBef>
+          <a:spcPct val="20000"/>
+        </a:spcBef>
+        <a:buFont typeface="Arial"/>
         <a:buChar char="•"/>
         <a:defRPr sz="2000" kern="1200">
           <a:solidFill>
@@ -3997,71 +4244,14 @@
           <a:ea typeface="+mn-ea"/>
           <a:cs typeface="+mn-cs"/>
         </a:defRPr>
-      </a:lvl3pPr>
-      <a:lvl4pPr marL="1600200" indent="-228600" algn="l" defTabSz="914400" rtl="0" eaLnBrk="1" latinLnBrk="0" hangingPunct="1">
-        <a:lnSpc>
-          <a:spcPct val="90000"/>
-        </a:lnSpc>
+      </a:lvl6pPr>
+      <a:lvl7pPr marL="2971800" indent="-228600" algn="l" defTabSz="457200" rtl="0" eaLnBrk="1" latinLnBrk="0" hangingPunct="1">
         <a:spcBef>
-          <a:spcPts val="500"/>
+          <a:spcPct val="20000"/>
         </a:spcBef>
-        <a:buFont typeface="Arial" panose="020B0604020202020204" pitchFamily="34" charset="0"/>
+        <a:buFont typeface="Arial"/>
         <a:buChar char="•"/>
-        <a:defRPr sz="1800" kern="1200">
-          <a:solidFill>
-            <a:schemeClr val="tx1"/>
-          </a:solidFill>
-          <a:latin typeface="+mn-lt"/>
-          <a:ea typeface="+mn-ea"/>
-          <a:cs typeface="+mn-cs"/>
-        </a:defRPr>
-      </a:lvl4pPr>
-      <a:lvl5pPr marL="2057400" indent="-228600" algn="l" defTabSz="914400" rtl="0" eaLnBrk="1" latinLnBrk="0" hangingPunct="1">
-        <a:lnSpc>
-          <a:spcPct val="90000"/>
-        </a:lnSpc>
-        <a:spcBef>
-          <a:spcPts val="500"/>
-        </a:spcBef>
-        <a:buFont typeface="Arial" panose="020B0604020202020204" pitchFamily="34" charset="0"/>
-        <a:buChar char="•"/>
-        <a:defRPr sz="1800" kern="1200">
-          <a:solidFill>
-            <a:schemeClr val="tx1"/>
-          </a:solidFill>
-          <a:latin typeface="+mn-lt"/>
-          <a:ea typeface="+mn-ea"/>
-          <a:cs typeface="+mn-cs"/>
-        </a:defRPr>
-      </a:lvl5pPr>
-      <a:lvl6pPr marL="2514600" indent="-228600" algn="l" defTabSz="914400" rtl="0" eaLnBrk="1" latinLnBrk="0" hangingPunct="1">
-        <a:lnSpc>
-          <a:spcPct val="90000"/>
-        </a:lnSpc>
-        <a:spcBef>
-          <a:spcPts val="500"/>
-        </a:spcBef>
-        <a:buFont typeface="Arial" panose="020B0604020202020204" pitchFamily="34" charset="0"/>
-        <a:buChar char="•"/>
-        <a:defRPr sz="1800" kern="1200">
-          <a:solidFill>
-            <a:schemeClr val="tx1"/>
-          </a:solidFill>
-          <a:latin typeface="+mn-lt"/>
-          <a:ea typeface="+mn-ea"/>
-          <a:cs typeface="+mn-cs"/>
-        </a:defRPr>
-      </a:lvl6pPr>
-      <a:lvl7pPr marL="2971800" indent="-228600" algn="l" defTabSz="914400" rtl="0" eaLnBrk="1" latinLnBrk="0" hangingPunct="1">
-        <a:lnSpc>
-          <a:spcPct val="90000"/>
-        </a:lnSpc>
-        <a:spcBef>
-          <a:spcPts val="500"/>
-        </a:spcBef>
-        <a:buFont typeface="Arial" panose="020B0604020202020204" pitchFamily="34" charset="0"/>
-        <a:buChar char="•"/>
-        <a:defRPr sz="1800" kern="1200">
+        <a:defRPr sz="2000" kern="1200">
           <a:solidFill>
             <a:schemeClr val="tx1"/>
           </a:solidFill>
@@ -4070,16 +4260,13 @@
           <a:cs typeface="+mn-cs"/>
         </a:defRPr>
       </a:lvl7pPr>
-      <a:lvl8pPr marL="3429000" indent="-228600" algn="l" defTabSz="914400" rtl="0" eaLnBrk="1" latinLnBrk="0" hangingPunct="1">
-        <a:lnSpc>
-          <a:spcPct val="90000"/>
-        </a:lnSpc>
+      <a:lvl8pPr marL="3429000" indent="-228600" algn="l" defTabSz="457200" rtl="0" eaLnBrk="1" latinLnBrk="0" hangingPunct="1">
         <a:spcBef>
-          <a:spcPts val="500"/>
+          <a:spcPct val="20000"/>
         </a:spcBef>
-        <a:buFont typeface="Arial" panose="020B0604020202020204" pitchFamily="34" charset="0"/>
+        <a:buFont typeface="Arial"/>
         <a:buChar char="•"/>
-        <a:defRPr sz="1800" kern="1200">
+        <a:defRPr sz="2000" kern="1200">
           <a:solidFill>
             <a:schemeClr val="tx1"/>
           </a:solidFill>
@@ -4088,16 +4275,13 @@
           <a:cs typeface="+mn-cs"/>
         </a:defRPr>
       </a:lvl8pPr>
-      <a:lvl9pPr marL="3886200" indent="-228600" algn="l" defTabSz="914400" rtl="0" eaLnBrk="1" latinLnBrk="0" hangingPunct="1">
-        <a:lnSpc>
-          <a:spcPct val="90000"/>
-        </a:lnSpc>
+      <a:lvl9pPr marL="3886200" indent="-228600" algn="l" defTabSz="457200" rtl="0" eaLnBrk="1" latinLnBrk="0" hangingPunct="1">
         <a:spcBef>
-          <a:spcPts val="500"/>
+          <a:spcPct val="20000"/>
         </a:spcBef>
-        <a:buFont typeface="Arial" panose="020B0604020202020204" pitchFamily="34" charset="0"/>
+        <a:buFont typeface="Arial"/>
         <a:buChar char="•"/>
-        <a:defRPr sz="1800" kern="1200">
+        <a:defRPr sz="2000" kern="1200">
           <a:solidFill>
             <a:schemeClr val="tx1"/>
           </a:solidFill>
@@ -4111,7 +4295,7 @@
       <a:defPPr>
         <a:defRPr lang="en-US"/>
       </a:defPPr>
-      <a:lvl1pPr marL="0" algn="l" defTabSz="914400" rtl="0" eaLnBrk="1" latinLnBrk="0" hangingPunct="1">
+      <a:lvl1pPr marL="0" algn="l" defTabSz="457200" rtl="0" eaLnBrk="1" latinLnBrk="0" hangingPunct="1">
         <a:defRPr sz="1800" kern="1200">
           <a:solidFill>
             <a:schemeClr val="tx1"/>
@@ -4121,7 +4305,7 @@
           <a:cs typeface="+mn-cs"/>
         </a:defRPr>
       </a:lvl1pPr>
-      <a:lvl2pPr marL="457200" algn="l" defTabSz="914400" rtl="0" eaLnBrk="1" latinLnBrk="0" hangingPunct="1">
+      <a:lvl2pPr marL="457200" algn="l" defTabSz="457200" rtl="0" eaLnBrk="1" latinLnBrk="0" hangingPunct="1">
         <a:defRPr sz="1800" kern="1200">
           <a:solidFill>
             <a:schemeClr val="tx1"/>
@@ -4131,7 +4315,7 @@
           <a:cs typeface="+mn-cs"/>
         </a:defRPr>
       </a:lvl2pPr>
-      <a:lvl3pPr marL="914400" algn="l" defTabSz="914400" rtl="0" eaLnBrk="1" latinLnBrk="0" hangingPunct="1">
+      <a:lvl3pPr marL="914400" algn="l" defTabSz="457200" rtl="0" eaLnBrk="1" latinLnBrk="0" hangingPunct="1">
         <a:defRPr sz="1800" kern="1200">
           <a:solidFill>
             <a:schemeClr val="tx1"/>
@@ -4141,7 +4325,7 @@
           <a:cs typeface="+mn-cs"/>
         </a:defRPr>
       </a:lvl3pPr>
-      <a:lvl4pPr marL="1371600" algn="l" defTabSz="914400" rtl="0" eaLnBrk="1" latinLnBrk="0" hangingPunct="1">
+      <a:lvl4pPr marL="1371600" algn="l" defTabSz="457200" rtl="0" eaLnBrk="1" latinLnBrk="0" hangingPunct="1">
         <a:defRPr sz="1800" kern="1200">
           <a:solidFill>
             <a:schemeClr val="tx1"/>
@@ -4151,7 +4335,7 @@
           <a:cs typeface="+mn-cs"/>
         </a:defRPr>
       </a:lvl4pPr>
-      <a:lvl5pPr marL="1828800" algn="l" defTabSz="914400" rtl="0" eaLnBrk="1" latinLnBrk="0" hangingPunct="1">
+      <a:lvl5pPr marL="1828800" algn="l" defTabSz="457200" rtl="0" eaLnBrk="1" latinLnBrk="0" hangingPunct="1">
         <a:defRPr sz="1800" kern="1200">
           <a:solidFill>
             <a:schemeClr val="tx1"/>
@@ -4161,7 +4345,7 @@
           <a:cs typeface="+mn-cs"/>
         </a:defRPr>
       </a:lvl5pPr>
-      <a:lvl6pPr marL="2286000" algn="l" defTabSz="914400" rtl="0" eaLnBrk="1" latinLnBrk="0" hangingPunct="1">
+      <a:lvl6pPr marL="2286000" algn="l" defTabSz="457200" rtl="0" eaLnBrk="1" latinLnBrk="0" hangingPunct="1">
         <a:defRPr sz="1800" kern="1200">
           <a:solidFill>
             <a:schemeClr val="tx1"/>
@@ -4171,7 +4355,7 @@
           <a:cs typeface="+mn-cs"/>
         </a:defRPr>
       </a:lvl6pPr>
-      <a:lvl7pPr marL="2743200" algn="l" defTabSz="914400" rtl="0" eaLnBrk="1" latinLnBrk="0" hangingPunct="1">
+      <a:lvl7pPr marL="2743200" algn="l" defTabSz="457200" rtl="0" eaLnBrk="1" latinLnBrk="0" hangingPunct="1">
         <a:defRPr sz="1800" kern="1200">
           <a:solidFill>
             <a:schemeClr val="tx1"/>
@@ -4181,7 +4365,7 @@
           <a:cs typeface="+mn-cs"/>
         </a:defRPr>
       </a:lvl7pPr>
-      <a:lvl8pPr marL="3200400" algn="l" defTabSz="914400" rtl="0" eaLnBrk="1" latinLnBrk="0" hangingPunct="1">
+      <a:lvl8pPr marL="3200400" algn="l" defTabSz="457200" rtl="0" eaLnBrk="1" latinLnBrk="0" hangingPunct="1">
         <a:defRPr sz="1800" kern="1200">
           <a:solidFill>
             <a:schemeClr val="tx1"/>
@@ -4191,7 +4375,7 @@
           <a:cs typeface="+mn-cs"/>
         </a:defRPr>
       </a:lvl8pPr>
-      <a:lvl9pPr marL="3657600" algn="l" defTabSz="914400" rtl="0" eaLnBrk="1" latinLnBrk="0" hangingPunct="1">
+      <a:lvl9pPr marL="3657600" algn="l" defTabSz="457200" rtl="0" eaLnBrk="1" latinLnBrk="0" hangingPunct="1">
         <a:defRPr sz="1800" kern="1200">
           <a:solidFill>
             <a:schemeClr val="tx1"/>
@@ -4235,7 +4419,7 @@
         </p:nvSpPr>
         <p:spPr>
           <a:xfrm>
-            <a:off x="2121121" y="1146752"/>
+            <a:off x="597121" y="1146752"/>
             <a:ext cx="7952128" cy="2625208"/>
           </a:xfrm>
         </p:spPr>
@@ -4253,9 +4437,7 @@
             <a:r>
               <a:rPr lang="en-US" altLang="zh-CN" dirty="0">
                 <a:solidFill>
-                  <a:schemeClr val="accent1">
-                    <a:lumMod val="75000"/>
-                  </a:schemeClr>
+                  <a:schemeClr val="accent1"/>
                 </a:solidFill>
               </a:rPr>
               <a:t>Lecture</a:t>
@@ -4263,9 +4445,7 @@
             <a:r>
               <a:rPr lang="zh-CN" altLang="en-US" dirty="0">
                 <a:solidFill>
-                  <a:schemeClr val="accent1">
-                    <a:lumMod val="75000"/>
-                  </a:schemeClr>
+                  <a:schemeClr val="accent1"/>
                 </a:solidFill>
               </a:rPr>
               <a:t> </a:t>
@@ -4273,9 +4453,7 @@
             <a:r>
               <a:rPr lang="en-US" altLang="zh-CN" dirty="0">
                 <a:solidFill>
-                  <a:schemeClr val="accent1">
-                    <a:lumMod val="75000"/>
-                  </a:schemeClr>
+                  <a:schemeClr val="accent1"/>
                 </a:solidFill>
               </a:rPr>
               <a:t>14</a:t>
@@ -4283,47 +4461,21 @@
             <a:br>
               <a:rPr lang="en-US" altLang="zh-CN" dirty="0">
                 <a:solidFill>
-                  <a:schemeClr val="accent1">
-                    <a:lumMod val="75000"/>
-                  </a:schemeClr>
+                  <a:schemeClr val="accent1"/>
                 </a:solidFill>
               </a:rPr>
             </a:br>
             <a:r>
               <a:rPr lang="en-US" altLang="zh-CN" dirty="0">
                 <a:solidFill>
-                  <a:schemeClr val="accent1">
-                    <a:lumMod val="75000"/>
-                  </a:schemeClr>
+                  <a:schemeClr val="accent1"/>
                 </a:solidFill>
               </a:rPr>
-              <a:t>Radix</a:t>
-            </a:r>
-            <a:r>
-              <a:rPr lang="zh-CN" altLang="en-US" dirty="0">
-                <a:solidFill>
-                  <a:schemeClr val="accent1">
-                    <a:lumMod val="75000"/>
-                  </a:schemeClr>
-                </a:solidFill>
-              </a:rPr>
-              <a:t> </a:t>
-            </a:r>
-            <a:r>
-              <a:rPr lang="en-US" altLang="zh-CN" dirty="0">
-                <a:solidFill>
-                  <a:schemeClr val="accent1">
-                    <a:lumMod val="75000"/>
-                  </a:schemeClr>
-                </a:solidFill>
-              </a:rPr>
-              <a:t>Sort</a:t>
+              <a:t>Radix Sort</a:t>
             </a:r>
             <a:endParaRPr lang="en-US" dirty="0">
               <a:solidFill>
-                <a:schemeClr val="accent1">
-                  <a:lumMod val="75000"/>
-                </a:schemeClr>
+                <a:schemeClr val="accent1"/>
               </a:solidFill>
             </a:endParaRPr>
           </a:p>
@@ -4339,12 +4491,7 @@
             <p:ph type="subTitle" idx="1"/>
           </p:nvPr>
         </p:nvSpPr>
-        <p:spPr>
-          <a:xfrm>
-            <a:off x="1524000" y="3916998"/>
-            <a:ext cx="9144000" cy="1655762"/>
-          </a:xfrm>
-        </p:spPr>
+        <p:spPr/>
         <p:txBody>
           <a:bodyPr anchor="ctr">
             <a:normAutofit/>
@@ -4352,48 +4499,92 @@
           <a:lstStyle/>
           <a:p>
             <a:r>
-              <a:rPr lang="en-US" sz="2000" dirty="0"/>
+              <a:rPr lang="en-US" sz="2000" dirty="0">
+                <a:solidFill>
+                  <a:schemeClr val="tx1"/>
+                </a:solidFill>
+              </a:rPr>
               <a:t>Department</a:t>
             </a:r>
             <a:r>
-              <a:rPr lang="zh-CN" altLang="en-US" sz="2000" dirty="0"/>
+              <a:rPr lang="zh-CN" altLang="en-US" sz="2000" dirty="0">
+                <a:solidFill>
+                  <a:schemeClr val="tx1"/>
+                </a:solidFill>
+              </a:rPr>
               <a:t> </a:t>
             </a:r>
             <a:r>
-              <a:rPr lang="en-US" altLang="zh-CN" sz="2000" dirty="0"/>
+              <a:rPr lang="en-US" altLang="zh-CN" sz="2000" dirty="0">
+                <a:solidFill>
+                  <a:schemeClr val="tx1"/>
+                </a:solidFill>
+              </a:rPr>
               <a:t>of</a:t>
             </a:r>
             <a:r>
-              <a:rPr lang="zh-CN" altLang="en-US" sz="2000" dirty="0"/>
+              <a:rPr lang="zh-CN" altLang="en-US" sz="2000" dirty="0">
+                <a:solidFill>
+                  <a:schemeClr val="tx1"/>
+                </a:solidFill>
+              </a:rPr>
               <a:t> </a:t>
             </a:r>
             <a:r>
-              <a:rPr lang="en-US" altLang="zh-CN" sz="2000" dirty="0"/>
+              <a:rPr lang="en-US" altLang="zh-CN" sz="2000" dirty="0">
+                <a:solidFill>
+                  <a:schemeClr val="tx1"/>
+                </a:solidFill>
+              </a:rPr>
               <a:t>Computer</a:t>
             </a:r>
             <a:r>
-              <a:rPr lang="zh-CN" altLang="en-US" sz="2000" dirty="0"/>
+              <a:rPr lang="zh-CN" altLang="en-US" sz="2000" dirty="0">
+                <a:solidFill>
+                  <a:schemeClr val="tx1"/>
+                </a:solidFill>
+              </a:rPr>
               <a:t> </a:t>
             </a:r>
             <a:r>
-              <a:rPr lang="en-US" altLang="zh-CN" sz="2000" dirty="0"/>
+              <a:rPr lang="en-US" altLang="zh-CN" sz="2000" dirty="0">
+                <a:solidFill>
+                  <a:schemeClr val="tx1"/>
+                </a:solidFill>
+              </a:rPr>
               <a:t>Science</a:t>
             </a:r>
           </a:p>
           <a:p>
             <a:r>
-              <a:rPr lang="en-US" sz="2000" dirty="0"/>
+              <a:rPr lang="en-US" sz="2000" dirty="0">
+                <a:solidFill>
+                  <a:schemeClr val="tx1"/>
+                </a:solidFill>
+              </a:rPr>
               <a:t>Hofstra</a:t>
             </a:r>
             <a:r>
-              <a:rPr lang="zh-CN" altLang="en-US" sz="2000" dirty="0"/>
+              <a:rPr lang="zh-CN" altLang="en-US" sz="2000" dirty="0">
+                <a:solidFill>
+                  <a:schemeClr val="tx1"/>
+                </a:solidFill>
+              </a:rPr>
               <a:t> </a:t>
             </a:r>
             <a:r>
-              <a:rPr lang="en-US" altLang="zh-CN" sz="2000" dirty="0"/>
+              <a:rPr lang="en-US" altLang="zh-CN" sz="2000" dirty="0">
+                <a:solidFill>
+                  <a:schemeClr val="tx1"/>
+                </a:solidFill>
+              </a:rPr>
               <a:t>University</a:t>
             </a:r>
-            <a:endParaRPr lang="en-US" sz="2000" dirty="0"/>
+            <a:endParaRPr lang="en-US" sz="2000" dirty="0">
+              <a:solidFill>
+                <a:schemeClr val="tx1"/>
+              </a:solidFill>
+            </a:endParaRPr>
           </a:p>
         </p:txBody>
       </p:sp>
@@ -4463,12 +4654,14 @@
         </p:nvSpPr>
         <p:spPr>
           <a:xfrm>
-            <a:off x="563420" y="161925"/>
-            <a:ext cx="10945091" cy="733425"/>
+            <a:off x="422566" y="978694"/>
+            <a:ext cx="8208818" cy="550069"/>
           </a:xfrm>
         </p:spPr>
         <p:txBody>
-          <a:bodyPr/>
+          <a:bodyPr>
+            <a:normAutofit fontScale="90000"/>
+          </a:bodyPr>
           <a:lstStyle/>
           <a:p>
             <a:r>
@@ -4490,13 +4683,13 @@
         </p:nvSpPr>
         <p:spPr>
           <a:xfrm>
-            <a:off x="563420" y="968953"/>
-            <a:ext cx="11114230" cy="2637743"/>
+            <a:off x="422565" y="1583965"/>
+            <a:ext cx="8335673" cy="1978307"/>
           </a:xfrm>
         </p:spPr>
         <p:txBody>
           <a:bodyPr>
-            <a:normAutofit fontScale="92500" lnSpcReduction="10000"/>
+            <a:normAutofit fontScale="85000" lnSpcReduction="20000"/>
           </a:bodyPr>
           <a:lstStyle/>
           <a:p>
@@ -4525,7 +4718,7 @@
             </a:r>
           </a:p>
           <a:p>
-            <a:pPr marL="457200" lvl="1" indent="0">
+            <a:pPr marL="342900" lvl="1" indent="0">
               <a:buNone/>
             </a:pPr>
             <a:r>
@@ -4574,17 +4767,11 @@
           <p:cNvGraphicFramePr>
             <a:graphicFrameLocks noGrp="1"/>
           </p:cNvGraphicFramePr>
-          <p:nvPr>
-            <p:extLst>
-              <p:ext uri="{D42A27DB-BD31-4B8C-83A1-F6EECF244321}">
-                <p14:modId xmlns:p14="http://schemas.microsoft.com/office/powerpoint/2010/main" val="1753276227"/>
-              </p:ext>
-            </p:extLst>
-          </p:nvPr>
+          <p:nvPr/>
         </p:nvGraphicFramePr>
         <p:xfrm>
-          <a:off x="2204807" y="3613264"/>
-          <a:ext cx="585075" cy="2595880"/>
+          <a:off x="1653606" y="3567198"/>
+          <a:ext cx="438806" cy="1973580"/>
         </p:xfrm>
         <a:graphic>
           <a:graphicData uri="http://schemas.openxmlformats.org/drawingml/2006/table">
@@ -4593,7 +4780,7 @@
                 <a:tableStyleId>{5940675A-B579-460E-94D1-54222C63F5DA}</a:tableStyleId>
               </a:tblPr>
               <a:tblGrid>
-                <a:gridCol w="585075">
+                <a:gridCol w="438806">
                   <a:extLst>
                     <a:ext uri="{9D8B030D-6E8A-4147-A177-3AD203B41FA5}">
                       <a16:colId xmlns:a16="http://schemas.microsoft.com/office/drawing/2014/main" val="686510476"/>
@@ -4601,7 +4788,7 @@
                   </a:extLst>
                 </a:gridCol>
               </a:tblGrid>
-              <a:tr h="370840">
+              <a:tr h="278130">
                 <a:tc>
                   <a:txBody>
                     <a:bodyPr/>
@@ -4609,21 +4796,21 @@
                     <a:p>
                       <a:pPr algn="ctr"/>
                       <a:r>
-                        <a:rPr lang="en-US" dirty="0"/>
+                        <a:rPr lang="en-US" sz="1400" dirty="0"/>
                         <a:t>34</a:t>
                       </a:r>
                       <a:r>
-                        <a:rPr lang="en-US" dirty="0">
+                        <a:rPr lang="en-US" sz="1400" dirty="0">
                           <a:solidFill>
                             <a:schemeClr val="accent2"/>
                           </a:solidFill>
                         </a:rPr>
                         <a:t>1</a:t>
                       </a:r>
-                      <a:endParaRPr lang="en-SE" dirty="0"/>
+                      <a:endParaRPr lang="en-SE" sz="1400" dirty="0"/>
                     </a:p>
                   </a:txBody>
-                  <a:tcPr/>
+                  <a:tcPr marL="68580" marR="68580" marT="34290" marB="34290"/>
                 </a:tc>
                 <a:extLst>
                   <a:ext uri="{0D108BD9-81ED-4DB2-BD59-A6C34878D82A}">
@@ -4631,7 +4818,7 @@
                   </a:ext>
                 </a:extLst>
               </a:tr>
-              <a:tr h="370840">
+              <a:tr h="278130">
                 <a:tc>
                   <a:txBody>
                     <a:bodyPr/>
@@ -4639,21 +4826,21 @@
                     <a:p>
                       <a:pPr algn="ctr"/>
                       <a:r>
-                        <a:rPr lang="en-US" dirty="0"/>
+                        <a:rPr lang="en-US" sz="1400" dirty="0"/>
                         <a:t>13</a:t>
                       </a:r>
                       <a:r>
-                        <a:rPr lang="en-US" dirty="0">
+                        <a:rPr lang="en-US" sz="1400" dirty="0">
                           <a:solidFill>
                             <a:schemeClr val="accent2"/>
                           </a:solidFill>
                         </a:rPr>
                         <a:t>1</a:t>
                       </a:r>
-                      <a:endParaRPr lang="en-SE" dirty="0"/>
+                      <a:endParaRPr lang="en-SE" sz="1400" dirty="0"/>
                     </a:p>
                   </a:txBody>
-                  <a:tcPr/>
+                  <a:tcPr marL="68580" marR="68580" marT="34290" marB="34290"/>
                 </a:tc>
                 <a:extLst>
                   <a:ext uri="{0D108BD9-81ED-4DB2-BD59-A6C34878D82A}">
@@ -4661,7 +4848,7 @@
                   </a:ext>
                 </a:extLst>
               </a:tr>
-              <a:tr h="370840">
+              <a:tr h="278130">
                 <a:tc>
                   <a:txBody>
                     <a:bodyPr/>
@@ -4669,21 +4856,21 @@
                     <a:p>
                       <a:pPr algn="ctr"/>
                       <a:r>
-                        <a:rPr lang="en-US" dirty="0"/>
+                        <a:rPr lang="en-US" sz="1400" dirty="0"/>
                         <a:t>12</a:t>
                       </a:r>
                       <a:r>
-                        <a:rPr lang="en-US" dirty="0">
+                        <a:rPr lang="en-US" sz="1400" dirty="0">
                           <a:solidFill>
                             <a:schemeClr val="accent2"/>
                           </a:solidFill>
                         </a:rPr>
                         <a:t>6</a:t>
                       </a:r>
-                      <a:endParaRPr lang="en-SE" dirty="0"/>
+                      <a:endParaRPr lang="en-SE" sz="1400" dirty="0"/>
                     </a:p>
                   </a:txBody>
-                  <a:tcPr/>
+                  <a:tcPr marL="68580" marR="68580" marT="34290" marB="34290"/>
                 </a:tc>
                 <a:extLst>
                   <a:ext uri="{0D108BD9-81ED-4DB2-BD59-A6C34878D82A}">
@@ -4691,7 +4878,7 @@
                   </a:ext>
                 </a:extLst>
               </a:tr>
-              <a:tr h="370840">
+              <a:tr h="278130">
                 <a:tc>
                   <a:txBody>
                     <a:bodyPr/>
@@ -4699,21 +4886,21 @@
                     <a:p>
                       <a:pPr algn="ctr"/>
                       <a:r>
-                        <a:rPr lang="en-US" dirty="0"/>
+                        <a:rPr lang="en-US" sz="1400" dirty="0"/>
                         <a:t>63</a:t>
                       </a:r>
                       <a:r>
-                        <a:rPr lang="en-US" dirty="0">
+                        <a:rPr lang="en-US" sz="1400" dirty="0">
                           <a:solidFill>
                             <a:schemeClr val="accent2"/>
                           </a:solidFill>
                         </a:rPr>
                         <a:t>6</a:t>
                       </a:r>
-                      <a:endParaRPr lang="en-SE" dirty="0"/>
+                      <a:endParaRPr lang="en-SE" sz="1400" dirty="0"/>
                     </a:p>
                   </a:txBody>
-                  <a:tcPr/>
+                  <a:tcPr marL="68580" marR="68580" marT="34290" marB="34290"/>
                 </a:tc>
                 <a:extLst>
                   <a:ext uri="{0D108BD9-81ED-4DB2-BD59-A6C34878D82A}">
@@ -4721,7 +4908,7 @@
                   </a:ext>
                 </a:extLst>
               </a:tr>
-              <a:tr h="370840">
+              <a:tr h="278130">
                 <a:tc>
                   <a:txBody>
                     <a:bodyPr/>
@@ -4729,21 +4916,21 @@
                     <a:p>
                       <a:pPr algn="ctr"/>
                       <a:r>
-                        <a:rPr lang="en-US" dirty="0"/>
+                        <a:rPr lang="en-US" sz="1400" dirty="0"/>
                         <a:t>41</a:t>
                       </a:r>
                       <a:r>
-                        <a:rPr lang="en-US" dirty="0">
+                        <a:rPr lang="en-US" sz="1400" dirty="0">
                           <a:solidFill>
                             <a:schemeClr val="accent2"/>
                           </a:solidFill>
                         </a:rPr>
                         <a:t>6</a:t>
                       </a:r>
-                      <a:endParaRPr lang="en-SE" dirty="0"/>
+                      <a:endParaRPr lang="en-SE" sz="1400" dirty="0"/>
                     </a:p>
                   </a:txBody>
-                  <a:tcPr/>
+                  <a:tcPr marL="68580" marR="68580" marT="34290" marB="34290"/>
                 </a:tc>
                 <a:extLst>
                   <a:ext uri="{0D108BD9-81ED-4DB2-BD59-A6C34878D82A}">
@@ -4751,7 +4938,7 @@
                   </a:ext>
                 </a:extLst>
               </a:tr>
-              <a:tr h="370840">
+              <a:tr h="278130">
                 <a:tc>
                   <a:txBody>
                     <a:bodyPr/>
@@ -4759,21 +4946,21 @@
                     <a:p>
                       <a:pPr algn="ctr"/>
                       <a:r>
-                        <a:rPr lang="en-US" dirty="0"/>
+                        <a:rPr lang="en-US" sz="1400" dirty="0"/>
                         <a:t>32</a:t>
                       </a:r>
                       <a:r>
-                        <a:rPr lang="en-US" dirty="0">
+                        <a:rPr lang="en-US" sz="1400" dirty="0">
                           <a:solidFill>
                             <a:schemeClr val="accent2"/>
                           </a:solidFill>
                         </a:rPr>
                         <a:t>8</a:t>
                       </a:r>
-                      <a:endParaRPr lang="en-SE" dirty="0"/>
+                      <a:endParaRPr lang="en-SE" sz="1400" dirty="0"/>
                     </a:p>
                   </a:txBody>
-                  <a:tcPr/>
+                  <a:tcPr marL="68580" marR="68580" marT="34290" marB="34290"/>
                 </a:tc>
                 <a:extLst>
                   <a:ext uri="{0D108BD9-81ED-4DB2-BD59-A6C34878D82A}">
@@ -4781,7 +4968,7 @@
                   </a:ext>
                 </a:extLst>
               </a:tr>
-              <a:tr h="370840">
+              <a:tr h="278130">
                 <a:tc>
                   <a:txBody>
                     <a:bodyPr/>
@@ -4789,21 +4976,21 @@
                     <a:p>
                       <a:pPr algn="ctr"/>
                       <a:r>
-                        <a:rPr lang="en-US" dirty="0"/>
+                        <a:rPr lang="en-US" sz="1400" dirty="0"/>
                         <a:t>32</a:t>
                       </a:r>
                       <a:r>
-                        <a:rPr lang="en-US" dirty="0">
+                        <a:rPr lang="en-US" sz="1400" dirty="0">
                           <a:solidFill>
                             <a:schemeClr val="accent2"/>
                           </a:solidFill>
                         </a:rPr>
                         <a:t>9</a:t>
                       </a:r>
-                      <a:endParaRPr lang="en-SE" dirty="0"/>
+                      <a:endParaRPr lang="en-SE" sz="1400" dirty="0"/>
                     </a:p>
                   </a:txBody>
-                  <a:tcPr/>
+                  <a:tcPr marL="68580" marR="68580" marT="34290" marB="34290"/>
                 </a:tc>
                 <a:extLst>
                   <a:ext uri="{0D108BD9-81ED-4DB2-BD59-A6C34878D82A}">
@@ -4827,17 +5014,11 @@
           <p:cNvGraphicFramePr>
             <a:graphicFrameLocks noGrp="1"/>
           </p:cNvGraphicFramePr>
-          <p:nvPr>
-            <p:extLst>
-              <p:ext uri="{D42A27DB-BD31-4B8C-83A1-F6EECF244321}">
-                <p14:modId xmlns:p14="http://schemas.microsoft.com/office/powerpoint/2010/main" val="1245642330"/>
-              </p:ext>
-            </p:extLst>
-          </p:nvPr>
+          <p:nvPr/>
         </p:nvGraphicFramePr>
         <p:xfrm>
-          <a:off x="3203552" y="3609980"/>
-          <a:ext cx="582930" cy="2595880"/>
+          <a:off x="2402664" y="3564735"/>
+          <a:ext cx="437198" cy="1973580"/>
         </p:xfrm>
         <a:graphic>
           <a:graphicData uri="http://schemas.openxmlformats.org/drawingml/2006/table">
@@ -4846,7 +5027,7 @@
                 <a:tableStyleId>{5940675A-B579-460E-94D1-54222C63F5DA}</a:tableStyleId>
               </a:tblPr>
               <a:tblGrid>
-                <a:gridCol w="582930">
+                <a:gridCol w="437198">
                   <a:extLst>
                     <a:ext uri="{9D8B030D-6E8A-4147-A177-3AD203B41FA5}">
                       <a16:colId xmlns:a16="http://schemas.microsoft.com/office/drawing/2014/main" val="686510476"/>
@@ -4854,7 +5035,7 @@
                   </a:extLst>
                 </a:gridCol>
               </a:tblGrid>
-              <a:tr h="370840">
+              <a:tr h="278130">
                 <a:tc>
                   <a:txBody>
                     <a:bodyPr/>
@@ -4862,11 +5043,11 @@
                     <a:p>
                       <a:pPr algn="ctr"/>
                       <a:r>
-                        <a:rPr lang="en-US" dirty="0"/>
+                        <a:rPr lang="en-US" sz="1400" dirty="0"/>
                         <a:t>4</a:t>
                       </a:r>
                       <a:r>
-                        <a:rPr lang="en-US" dirty="0">
+                        <a:rPr lang="en-US" sz="1400" dirty="0">
                           <a:solidFill>
                             <a:schemeClr val="accent2"/>
                           </a:solidFill>
@@ -4874,13 +5055,13 @@
                         <a:t>1</a:t>
                       </a:r>
                       <a:r>
-                        <a:rPr lang="en-US" dirty="0"/>
+                        <a:rPr lang="en-US" sz="1400" dirty="0"/>
                         <a:t>6</a:t>
                       </a:r>
-                      <a:endParaRPr lang="en-SE" dirty="0"/>
+                      <a:endParaRPr lang="en-SE" sz="1400" dirty="0"/>
                     </a:p>
                   </a:txBody>
-                  <a:tcPr/>
+                  <a:tcPr marL="68580" marR="68580" marT="34290" marB="34290"/>
                 </a:tc>
                 <a:extLst>
                   <a:ext uri="{0D108BD9-81ED-4DB2-BD59-A6C34878D82A}">
@@ -4888,7 +5069,7 @@
                   </a:ext>
                 </a:extLst>
               </a:tr>
-              <a:tr h="370840">
+              <a:tr h="278130">
                 <a:tc>
                   <a:txBody>
                     <a:bodyPr/>
@@ -4896,11 +5077,11 @@
                     <a:p>
                       <a:pPr algn="ctr"/>
                       <a:r>
-                        <a:rPr lang="en-US" dirty="0"/>
+                        <a:rPr lang="en-US" sz="1400" dirty="0"/>
                         <a:t>1</a:t>
                       </a:r>
                       <a:r>
-                        <a:rPr lang="en-US" dirty="0">
+                        <a:rPr lang="en-US" sz="1400" dirty="0">
                           <a:solidFill>
                             <a:schemeClr val="accent2"/>
                           </a:solidFill>
@@ -4908,13 +5089,13 @@
                         <a:t>2</a:t>
                       </a:r>
                       <a:r>
-                        <a:rPr lang="en-US" dirty="0"/>
+                        <a:rPr lang="en-US" sz="1400" dirty="0"/>
                         <a:t>6</a:t>
                       </a:r>
-                      <a:endParaRPr lang="en-SE" dirty="0"/>
+                      <a:endParaRPr lang="en-SE" sz="1400" dirty="0"/>
                     </a:p>
                   </a:txBody>
-                  <a:tcPr/>
+                  <a:tcPr marL="68580" marR="68580" marT="34290" marB="34290"/>
                 </a:tc>
                 <a:extLst>
                   <a:ext uri="{0D108BD9-81ED-4DB2-BD59-A6C34878D82A}">
@@ -4922,7 +5103,7 @@
                   </a:ext>
                 </a:extLst>
               </a:tr>
-              <a:tr h="370840">
+              <a:tr h="278130">
                 <a:tc>
                   <a:txBody>
                     <a:bodyPr/>
@@ -4930,11 +5111,11 @@
                     <a:p>
                       <a:pPr algn="ctr"/>
                       <a:r>
-                        <a:rPr lang="en-US" dirty="0"/>
+                        <a:rPr lang="en-US" sz="1400" dirty="0"/>
                         <a:t>3</a:t>
                       </a:r>
                       <a:r>
-                        <a:rPr lang="en-US" dirty="0">
+                        <a:rPr lang="en-US" sz="1400" dirty="0">
                           <a:solidFill>
                             <a:schemeClr val="accent2"/>
                           </a:solidFill>
@@ -4942,13 +5123,13 @@
                         <a:t>2</a:t>
                       </a:r>
                       <a:r>
-                        <a:rPr lang="en-US" dirty="0"/>
+                        <a:rPr lang="en-US" sz="1400" dirty="0"/>
                         <a:t>8</a:t>
                       </a:r>
-                      <a:endParaRPr lang="en-SE" dirty="0"/>
+                      <a:endParaRPr lang="en-SE" sz="1400" dirty="0"/>
                     </a:p>
                   </a:txBody>
-                  <a:tcPr/>
+                  <a:tcPr marL="68580" marR="68580" marT="34290" marB="34290"/>
                 </a:tc>
                 <a:extLst>
                   <a:ext uri="{0D108BD9-81ED-4DB2-BD59-A6C34878D82A}">
@@ -4956,7 +5137,7 @@
                   </a:ext>
                 </a:extLst>
               </a:tr>
-              <a:tr h="370840">
+              <a:tr h="278130">
                 <a:tc>
                   <a:txBody>
                     <a:bodyPr/>
@@ -4964,11 +5145,11 @@
                     <a:p>
                       <a:pPr algn="ctr"/>
                       <a:r>
-                        <a:rPr lang="en-US" dirty="0"/>
+                        <a:rPr lang="en-US" sz="1400" dirty="0"/>
                         <a:t>3</a:t>
                       </a:r>
                       <a:r>
-                        <a:rPr lang="en-US" dirty="0">
+                        <a:rPr lang="en-US" sz="1400" dirty="0">
                           <a:solidFill>
                             <a:schemeClr val="accent2"/>
                           </a:solidFill>
@@ -4976,13 +5157,13 @@
                         <a:t>2</a:t>
                       </a:r>
                       <a:r>
-                        <a:rPr lang="en-US" dirty="0"/>
+                        <a:rPr lang="en-US" sz="1400" dirty="0"/>
                         <a:t>9</a:t>
                       </a:r>
-                      <a:endParaRPr lang="en-SE" dirty="0"/>
+                      <a:endParaRPr lang="en-SE" sz="1400" dirty="0"/>
                     </a:p>
                   </a:txBody>
-                  <a:tcPr/>
+                  <a:tcPr marL="68580" marR="68580" marT="34290" marB="34290"/>
                 </a:tc>
                 <a:extLst>
                   <a:ext uri="{0D108BD9-81ED-4DB2-BD59-A6C34878D82A}">
@@ -4990,7 +5171,7 @@
                   </a:ext>
                 </a:extLst>
               </a:tr>
-              <a:tr h="370840">
+              <a:tr h="278130">
                 <a:tc>
                   <a:txBody>
                     <a:bodyPr/>
@@ -4998,11 +5179,11 @@
                     <a:p>
                       <a:pPr algn="ctr"/>
                       <a:r>
-                        <a:rPr lang="en-US" dirty="0"/>
+                        <a:rPr lang="en-US" sz="1400" dirty="0"/>
                         <a:t>1</a:t>
                       </a:r>
                       <a:r>
-                        <a:rPr lang="en-US" dirty="0">
+                        <a:rPr lang="en-US" sz="1400" dirty="0">
                           <a:solidFill>
                             <a:schemeClr val="accent2"/>
                           </a:solidFill>
@@ -5010,13 +5191,13 @@
                         <a:t>3</a:t>
                       </a:r>
                       <a:r>
-                        <a:rPr lang="en-US" dirty="0"/>
+                        <a:rPr lang="en-US" sz="1400" dirty="0"/>
                         <a:t>1</a:t>
                       </a:r>
-                      <a:endParaRPr lang="en-SE" dirty="0"/>
+                      <a:endParaRPr lang="en-SE" sz="1400" dirty="0"/>
                     </a:p>
                   </a:txBody>
-                  <a:tcPr/>
+                  <a:tcPr marL="68580" marR="68580" marT="34290" marB="34290"/>
                 </a:tc>
                 <a:extLst>
                   <a:ext uri="{0D108BD9-81ED-4DB2-BD59-A6C34878D82A}">
@@ -5024,7 +5205,7 @@
                   </a:ext>
                 </a:extLst>
               </a:tr>
-              <a:tr h="370840">
+              <a:tr h="278130">
                 <a:tc>
                   <a:txBody>
                     <a:bodyPr/>
@@ -5032,11 +5213,11 @@
                     <a:p>
                       <a:pPr algn="ctr"/>
                       <a:r>
-                        <a:rPr lang="en-US" dirty="0"/>
+                        <a:rPr lang="en-US" sz="1400" dirty="0"/>
                         <a:t>6</a:t>
                       </a:r>
                       <a:r>
-                        <a:rPr lang="en-US" dirty="0">
+                        <a:rPr lang="en-US" sz="1400" dirty="0">
                           <a:solidFill>
                             <a:schemeClr val="accent2"/>
                           </a:solidFill>
@@ -5044,13 +5225,13 @@
                         <a:t>3</a:t>
                       </a:r>
                       <a:r>
-                        <a:rPr lang="en-US" dirty="0"/>
+                        <a:rPr lang="en-US" sz="1400" dirty="0"/>
                         <a:t>6</a:t>
                       </a:r>
-                      <a:endParaRPr lang="en-SE" dirty="0"/>
+                      <a:endParaRPr lang="en-SE" sz="1400" dirty="0"/>
                     </a:p>
                   </a:txBody>
-                  <a:tcPr/>
+                  <a:tcPr marL="68580" marR="68580" marT="34290" marB="34290"/>
                 </a:tc>
                 <a:extLst>
                   <a:ext uri="{0D108BD9-81ED-4DB2-BD59-A6C34878D82A}">
@@ -5058,7 +5239,7 @@
                   </a:ext>
                 </a:extLst>
               </a:tr>
-              <a:tr h="370840">
+              <a:tr h="278130">
                 <a:tc>
                   <a:txBody>
                     <a:bodyPr/>
@@ -5066,11 +5247,11 @@
                     <a:p>
                       <a:pPr algn="ctr"/>
                       <a:r>
-                        <a:rPr lang="en-US" dirty="0"/>
+                        <a:rPr lang="en-US" sz="1400" dirty="0"/>
                         <a:t>3</a:t>
                       </a:r>
                       <a:r>
-                        <a:rPr lang="en-US" dirty="0">
+                        <a:rPr lang="en-US" sz="1400" dirty="0">
                           <a:solidFill>
                             <a:schemeClr val="accent2"/>
                           </a:solidFill>
@@ -5078,13 +5259,13 @@
                         <a:t>4</a:t>
                       </a:r>
                       <a:r>
-                        <a:rPr lang="en-US" dirty="0"/>
+                        <a:rPr lang="en-US" sz="1400" dirty="0"/>
                         <a:t>1</a:t>
                       </a:r>
-                      <a:endParaRPr lang="en-SE" dirty="0"/>
+                      <a:endParaRPr lang="en-SE" sz="1400" dirty="0"/>
                     </a:p>
                   </a:txBody>
-                  <a:tcPr/>
+                  <a:tcPr marL="68580" marR="68580" marT="34290" marB="34290"/>
                 </a:tc>
                 <a:extLst>
                   <a:ext uri="{0D108BD9-81ED-4DB2-BD59-A6C34878D82A}">
@@ -5108,17 +5289,11 @@
           <p:cNvGraphicFramePr>
             <a:graphicFrameLocks noGrp="1"/>
           </p:cNvGraphicFramePr>
-          <p:nvPr>
-            <p:extLst>
-              <p:ext uri="{D42A27DB-BD31-4B8C-83A1-F6EECF244321}">
-                <p14:modId xmlns:p14="http://schemas.microsoft.com/office/powerpoint/2010/main" val="3399819996"/>
-              </p:ext>
-            </p:extLst>
-          </p:nvPr>
+          <p:nvPr/>
         </p:nvGraphicFramePr>
         <p:xfrm>
-          <a:off x="4200151" y="3609980"/>
-          <a:ext cx="582930" cy="2595880"/>
+          <a:off x="3150113" y="3564735"/>
+          <a:ext cx="437198" cy="1973580"/>
         </p:xfrm>
         <a:graphic>
           <a:graphicData uri="http://schemas.openxmlformats.org/drawingml/2006/table">
@@ -5127,7 +5302,7 @@
                 <a:tableStyleId>{5940675A-B579-460E-94D1-54222C63F5DA}</a:tableStyleId>
               </a:tblPr>
               <a:tblGrid>
-                <a:gridCol w="582930">
+                <a:gridCol w="437198">
                   <a:extLst>
                     <a:ext uri="{9D8B030D-6E8A-4147-A177-3AD203B41FA5}">
                       <a16:colId xmlns:a16="http://schemas.microsoft.com/office/drawing/2014/main" val="686510476"/>
@@ -5135,7 +5310,7 @@
                   </a:extLst>
                 </a:gridCol>
               </a:tblGrid>
-              <a:tr h="370840">
+              <a:tr h="278130">
                 <a:tc>
                   <a:txBody>
                     <a:bodyPr/>
@@ -5143,7 +5318,7 @@
                     <a:p>
                       <a:pPr algn="ctr"/>
                       <a:r>
-                        <a:rPr lang="en-US" dirty="0">
+                        <a:rPr lang="en-US" sz="1400" dirty="0">
                           <a:solidFill>
                             <a:schemeClr val="accent2"/>
                           </a:solidFill>
@@ -5151,13 +5326,13 @@
                         <a:t>1</a:t>
                       </a:r>
                       <a:r>
-                        <a:rPr lang="en-US" dirty="0"/>
+                        <a:rPr lang="en-US" sz="1400" dirty="0"/>
                         <a:t>26</a:t>
                       </a:r>
-                      <a:endParaRPr lang="en-SE" dirty="0"/>
+                      <a:endParaRPr lang="en-SE" sz="1400" dirty="0"/>
                     </a:p>
                   </a:txBody>
-                  <a:tcPr/>
+                  <a:tcPr marL="68580" marR="68580" marT="34290" marB="34290"/>
                 </a:tc>
                 <a:extLst>
                   <a:ext uri="{0D108BD9-81ED-4DB2-BD59-A6C34878D82A}">
@@ -5165,7 +5340,7 @@
                   </a:ext>
                 </a:extLst>
               </a:tr>
-              <a:tr h="370840">
+              <a:tr h="278130">
                 <a:tc>
                   <a:txBody>
                     <a:bodyPr/>
@@ -5173,7 +5348,7 @@
                     <a:p>
                       <a:pPr algn="ctr"/>
                       <a:r>
-                        <a:rPr lang="en-US" dirty="0">
+                        <a:rPr lang="en-US" sz="1400" dirty="0">
                           <a:solidFill>
                             <a:schemeClr val="accent2"/>
                           </a:solidFill>
@@ -5181,13 +5356,13 @@
                         <a:t>1</a:t>
                       </a:r>
                       <a:r>
-                        <a:rPr lang="en-US" dirty="0"/>
+                        <a:rPr lang="en-US" sz="1400" dirty="0"/>
                         <a:t>31</a:t>
                       </a:r>
-                      <a:endParaRPr lang="en-SE" dirty="0"/>
+                      <a:endParaRPr lang="en-SE" sz="1400" dirty="0"/>
                     </a:p>
                   </a:txBody>
-                  <a:tcPr/>
+                  <a:tcPr marL="68580" marR="68580" marT="34290" marB="34290"/>
                 </a:tc>
                 <a:extLst>
                   <a:ext uri="{0D108BD9-81ED-4DB2-BD59-A6C34878D82A}">
@@ -5195,7 +5370,7 @@
                   </a:ext>
                 </a:extLst>
               </a:tr>
-              <a:tr h="370840">
+              <a:tr h="278130">
                 <a:tc>
                   <a:txBody>
                     <a:bodyPr/>
@@ -5203,7 +5378,7 @@
                     <a:p>
                       <a:pPr algn="ctr"/>
                       <a:r>
-                        <a:rPr lang="en-US" dirty="0">
+                        <a:rPr lang="en-US" sz="1400" dirty="0">
                           <a:solidFill>
                             <a:schemeClr val="accent2"/>
                           </a:solidFill>
@@ -5211,13 +5386,13 @@
                         <a:t>3</a:t>
                       </a:r>
                       <a:r>
-                        <a:rPr lang="en-US" dirty="0"/>
+                        <a:rPr lang="en-US" sz="1400" dirty="0"/>
                         <a:t>28</a:t>
                       </a:r>
-                      <a:endParaRPr lang="en-SE" dirty="0"/>
+                      <a:endParaRPr lang="en-SE" sz="1400" dirty="0"/>
                     </a:p>
                   </a:txBody>
-                  <a:tcPr/>
+                  <a:tcPr marL="68580" marR="68580" marT="34290" marB="34290"/>
                 </a:tc>
                 <a:extLst>
                   <a:ext uri="{0D108BD9-81ED-4DB2-BD59-A6C34878D82A}">
@@ -5225,7 +5400,7 @@
                   </a:ext>
                 </a:extLst>
               </a:tr>
-              <a:tr h="370840">
+              <a:tr h="278130">
                 <a:tc>
                   <a:txBody>
                     <a:bodyPr/>
@@ -5233,7 +5408,7 @@
                     <a:p>
                       <a:pPr algn="ctr"/>
                       <a:r>
-                        <a:rPr lang="en-US" dirty="0">
+                        <a:rPr lang="en-US" sz="1400" dirty="0">
                           <a:solidFill>
                             <a:schemeClr val="accent2"/>
                           </a:solidFill>
@@ -5241,13 +5416,13 @@
                         <a:t>3</a:t>
                       </a:r>
                       <a:r>
-                        <a:rPr lang="en-US" dirty="0"/>
+                        <a:rPr lang="en-US" sz="1400" dirty="0"/>
                         <a:t>29</a:t>
                       </a:r>
-                      <a:endParaRPr lang="en-SE" dirty="0"/>
+                      <a:endParaRPr lang="en-SE" sz="1400" dirty="0"/>
                     </a:p>
                   </a:txBody>
-                  <a:tcPr/>
+                  <a:tcPr marL="68580" marR="68580" marT="34290" marB="34290"/>
                 </a:tc>
                 <a:extLst>
                   <a:ext uri="{0D108BD9-81ED-4DB2-BD59-A6C34878D82A}">
@@ -5255,7 +5430,7 @@
                   </a:ext>
                 </a:extLst>
               </a:tr>
-              <a:tr h="370840">
+              <a:tr h="278130">
                 <a:tc>
                   <a:txBody>
                     <a:bodyPr/>
@@ -5263,7 +5438,7 @@
                     <a:p>
                       <a:pPr algn="ctr"/>
                       <a:r>
-                        <a:rPr lang="en-US" dirty="0">
+                        <a:rPr lang="en-US" sz="1400" dirty="0">
                           <a:solidFill>
                             <a:schemeClr val="accent2"/>
                           </a:solidFill>
@@ -5271,13 +5446,13 @@
                         <a:t>3</a:t>
                       </a:r>
                       <a:r>
-                        <a:rPr lang="en-US" dirty="0"/>
+                        <a:rPr lang="en-US" sz="1400" dirty="0"/>
                         <a:t>41</a:t>
                       </a:r>
-                      <a:endParaRPr lang="en-SE" dirty="0"/>
+                      <a:endParaRPr lang="en-SE" sz="1400" dirty="0"/>
                     </a:p>
                   </a:txBody>
-                  <a:tcPr/>
+                  <a:tcPr marL="68580" marR="68580" marT="34290" marB="34290"/>
                 </a:tc>
                 <a:extLst>
                   <a:ext uri="{0D108BD9-81ED-4DB2-BD59-A6C34878D82A}">
@@ -5285,7 +5460,7 @@
                   </a:ext>
                 </a:extLst>
               </a:tr>
-              <a:tr h="370840">
+              <a:tr h="278130">
                 <a:tc>
                   <a:txBody>
                     <a:bodyPr/>
@@ -5293,7 +5468,7 @@
                     <a:p>
                       <a:pPr algn="ctr"/>
                       <a:r>
-                        <a:rPr lang="en-US" dirty="0">
+                        <a:rPr lang="en-US" sz="1400" dirty="0">
                           <a:solidFill>
                             <a:schemeClr val="accent2"/>
                           </a:solidFill>
@@ -5301,13 +5476,13 @@
                         <a:t>4</a:t>
                       </a:r>
                       <a:r>
-                        <a:rPr lang="en-US" dirty="0"/>
+                        <a:rPr lang="en-US" sz="1400" dirty="0"/>
                         <a:t>16</a:t>
                       </a:r>
-                      <a:endParaRPr lang="en-SE" dirty="0"/>
+                      <a:endParaRPr lang="en-SE" sz="1400" dirty="0"/>
                     </a:p>
                   </a:txBody>
-                  <a:tcPr/>
+                  <a:tcPr marL="68580" marR="68580" marT="34290" marB="34290"/>
                 </a:tc>
                 <a:extLst>
                   <a:ext uri="{0D108BD9-81ED-4DB2-BD59-A6C34878D82A}">
@@ -5315,7 +5490,7 @@
                   </a:ext>
                 </a:extLst>
               </a:tr>
-              <a:tr h="370840">
+              <a:tr h="278130">
                 <a:tc>
                   <a:txBody>
                     <a:bodyPr/>
@@ -5323,7 +5498,7 @@
                     <a:p>
                       <a:pPr algn="ctr"/>
                       <a:r>
-                        <a:rPr lang="en-US" dirty="0">
+                        <a:rPr lang="en-US" sz="1400" dirty="0">
                           <a:solidFill>
                             <a:schemeClr val="accent2"/>
                           </a:solidFill>
@@ -5331,13 +5506,13 @@
                         <a:t>6</a:t>
                       </a:r>
                       <a:r>
-                        <a:rPr lang="en-US" dirty="0"/>
+                        <a:rPr lang="en-US" sz="1400" dirty="0"/>
                         <a:t>36</a:t>
                       </a:r>
-                      <a:endParaRPr lang="en-SE" dirty="0"/>
+                      <a:endParaRPr lang="en-SE" sz="1400" dirty="0"/>
                     </a:p>
                   </a:txBody>
-                  <a:tcPr/>
+                  <a:tcPr marL="68580" marR="68580" marT="34290" marB="34290"/>
                 </a:tc>
                 <a:extLst>
                   <a:ext uri="{0D108BD9-81ED-4DB2-BD59-A6C34878D82A}">
@@ -5361,17 +5536,11 @@
           <p:cNvGraphicFramePr>
             <a:graphicFrameLocks noGrp="1"/>
           </p:cNvGraphicFramePr>
-          <p:nvPr>
-            <p:extLst>
-              <p:ext uri="{D42A27DB-BD31-4B8C-83A1-F6EECF244321}">
-                <p14:modId xmlns:p14="http://schemas.microsoft.com/office/powerpoint/2010/main" val="2518657601"/>
-              </p:ext>
-            </p:extLst>
-          </p:nvPr>
+          <p:nvPr/>
         </p:nvGraphicFramePr>
         <p:xfrm>
-          <a:off x="1206062" y="3613264"/>
-          <a:ext cx="585075" cy="2595880"/>
+          <a:off x="904547" y="3567198"/>
+          <a:ext cx="438806" cy="1973580"/>
         </p:xfrm>
         <a:graphic>
           <a:graphicData uri="http://schemas.openxmlformats.org/drawingml/2006/table">
@@ -5380,7 +5549,7 @@
                 <a:tableStyleId>{5940675A-B579-460E-94D1-54222C63F5DA}</a:tableStyleId>
               </a:tblPr>
               <a:tblGrid>
-                <a:gridCol w="585075">
+                <a:gridCol w="438806">
                   <a:extLst>
                     <a:ext uri="{9D8B030D-6E8A-4147-A177-3AD203B41FA5}">
                       <a16:colId xmlns:a16="http://schemas.microsoft.com/office/drawing/2014/main" val="686510476"/>
@@ -5388,7 +5557,7 @@
                   </a:extLst>
                 </a:gridCol>
               </a:tblGrid>
-              <a:tr h="370840">
+              <a:tr h="278130">
                 <a:tc>
                   <a:txBody>
                     <a:bodyPr/>
@@ -5396,21 +5565,21 @@
                     <a:p>
                       <a:pPr algn="ctr"/>
                       <a:r>
-                        <a:rPr lang="en-US" dirty="0">
+                        <a:rPr lang="en-US" sz="1400" dirty="0">
                           <a:solidFill>
                             <a:schemeClr val="tx1"/>
                           </a:solidFill>
                         </a:rPr>
                         <a:t>329</a:t>
                       </a:r>
-                      <a:endParaRPr lang="en-SE" dirty="0">
+                      <a:endParaRPr lang="en-SE" sz="1400" dirty="0">
                         <a:solidFill>
                           <a:schemeClr val="tx1"/>
                         </a:solidFill>
                       </a:endParaRPr>
                     </a:p>
                   </a:txBody>
-                  <a:tcPr/>
+                  <a:tcPr marL="68580" marR="68580" marT="34290" marB="34290"/>
                 </a:tc>
                 <a:extLst>
                   <a:ext uri="{0D108BD9-81ED-4DB2-BD59-A6C34878D82A}">
@@ -5418,7 +5587,7 @@
                   </a:ext>
                 </a:extLst>
               </a:tr>
-              <a:tr h="370840">
+              <a:tr h="278130">
                 <a:tc>
                   <a:txBody>
                     <a:bodyPr/>
@@ -5426,21 +5595,21 @@
                     <a:p>
                       <a:pPr algn="ctr"/>
                       <a:r>
-                        <a:rPr lang="en-US" dirty="0">
+                        <a:rPr lang="en-US" sz="1400" dirty="0">
                           <a:solidFill>
                             <a:schemeClr val="tx1"/>
                           </a:solidFill>
                         </a:rPr>
                         <a:t>416</a:t>
                       </a:r>
-                      <a:endParaRPr lang="en-SE" dirty="0">
+                      <a:endParaRPr lang="en-SE" sz="1400" dirty="0">
                         <a:solidFill>
                           <a:schemeClr val="tx1"/>
                         </a:solidFill>
                       </a:endParaRPr>
                     </a:p>
                   </a:txBody>
-                  <a:tcPr/>
+                  <a:tcPr marL="68580" marR="68580" marT="34290" marB="34290"/>
                 </a:tc>
                 <a:extLst>
                   <a:ext uri="{0D108BD9-81ED-4DB2-BD59-A6C34878D82A}">
@@ -5448,7 +5617,7 @@
                   </a:ext>
                 </a:extLst>
               </a:tr>
-              <a:tr h="370840">
+              <a:tr h="278130">
                 <a:tc>
                   <a:txBody>
                     <a:bodyPr/>
@@ -5456,21 +5625,21 @@
                     <a:p>
                       <a:pPr algn="ctr"/>
                       <a:r>
-                        <a:rPr lang="en-US" dirty="0">
+                        <a:rPr lang="en-US" sz="1400" dirty="0">
                           <a:solidFill>
                             <a:schemeClr val="tx1"/>
                           </a:solidFill>
                         </a:rPr>
                         <a:t>126</a:t>
                       </a:r>
-                      <a:endParaRPr lang="en-SE" dirty="0">
+                      <a:endParaRPr lang="en-SE" sz="1400" dirty="0">
                         <a:solidFill>
                           <a:schemeClr val="tx1"/>
                         </a:solidFill>
                       </a:endParaRPr>
                     </a:p>
                   </a:txBody>
-                  <a:tcPr/>
+                  <a:tcPr marL="68580" marR="68580" marT="34290" marB="34290"/>
                 </a:tc>
                 <a:extLst>
                   <a:ext uri="{0D108BD9-81ED-4DB2-BD59-A6C34878D82A}">
@@ -5478,7 +5647,7 @@
                   </a:ext>
                 </a:extLst>
               </a:tr>
-              <a:tr h="370840">
+              <a:tr h="278130">
                 <a:tc>
                   <a:txBody>
                     <a:bodyPr/>
@@ -5486,21 +5655,21 @@
                     <a:p>
                       <a:pPr algn="ctr"/>
                       <a:r>
-                        <a:rPr lang="en-US" dirty="0">
+                        <a:rPr lang="en-US" sz="1400" dirty="0">
                           <a:solidFill>
                             <a:schemeClr val="tx1"/>
                           </a:solidFill>
                         </a:rPr>
                         <a:t>636</a:t>
                       </a:r>
-                      <a:endParaRPr lang="en-SE" dirty="0">
+                      <a:endParaRPr lang="en-SE" sz="1400" dirty="0">
                         <a:solidFill>
                           <a:schemeClr val="tx1"/>
                         </a:solidFill>
                       </a:endParaRPr>
                     </a:p>
                   </a:txBody>
-                  <a:tcPr/>
+                  <a:tcPr marL="68580" marR="68580" marT="34290" marB="34290"/>
                 </a:tc>
                 <a:extLst>
                   <a:ext uri="{0D108BD9-81ED-4DB2-BD59-A6C34878D82A}">
@@ -5508,7 +5677,7 @@
                   </a:ext>
                 </a:extLst>
               </a:tr>
-              <a:tr h="370840">
+              <a:tr h="278130">
                 <a:tc>
                   <a:txBody>
                     <a:bodyPr/>
@@ -5516,21 +5685,21 @@
                     <a:p>
                       <a:pPr algn="ctr"/>
                       <a:r>
-                        <a:rPr lang="en-US" dirty="0">
+                        <a:rPr lang="en-US" sz="1400" dirty="0">
                           <a:solidFill>
                             <a:schemeClr val="tx1"/>
                           </a:solidFill>
                         </a:rPr>
                         <a:t>328</a:t>
                       </a:r>
-                      <a:endParaRPr lang="en-SE" dirty="0">
+                      <a:endParaRPr lang="en-SE" sz="1400" dirty="0">
                         <a:solidFill>
                           <a:schemeClr val="tx1"/>
                         </a:solidFill>
                       </a:endParaRPr>
                     </a:p>
                   </a:txBody>
-                  <a:tcPr/>
+                  <a:tcPr marL="68580" marR="68580" marT="34290" marB="34290"/>
                 </a:tc>
                 <a:extLst>
                   <a:ext uri="{0D108BD9-81ED-4DB2-BD59-A6C34878D82A}">
@@ -5538,7 +5707,7 @@
                   </a:ext>
                 </a:extLst>
               </a:tr>
-              <a:tr h="370840">
+              <a:tr h="278130">
                 <a:tc>
                   <a:txBody>
                     <a:bodyPr/>
@@ -5562,21 +5731,21 @@
                         <a:defRPr/>
                       </a:pPr>
                       <a:r>
-                        <a:rPr lang="en-US" dirty="0">
+                        <a:rPr lang="en-US" sz="1400" dirty="0">
                           <a:solidFill>
                             <a:schemeClr val="tx1"/>
                           </a:solidFill>
                         </a:rPr>
                         <a:t>131</a:t>
                       </a:r>
-                      <a:endParaRPr lang="en-SE" dirty="0">
+                      <a:endParaRPr lang="en-SE" sz="1400" dirty="0">
                         <a:solidFill>
                           <a:schemeClr val="tx1"/>
                         </a:solidFill>
                       </a:endParaRPr>
                     </a:p>
                   </a:txBody>
-                  <a:tcPr/>
+                  <a:tcPr marL="68580" marR="68580" marT="34290" marB="34290"/>
                 </a:tc>
                 <a:extLst>
                   <a:ext uri="{0D108BD9-81ED-4DB2-BD59-A6C34878D82A}">
@@ -5584,7 +5753,7 @@
                   </a:ext>
                 </a:extLst>
               </a:tr>
-              <a:tr h="370840">
+              <a:tr h="278130">
                 <a:tc>
                   <a:txBody>
                     <a:bodyPr/>
@@ -5592,21 +5761,21 @@
                     <a:p>
                       <a:pPr algn="ctr"/>
                       <a:r>
-                        <a:rPr lang="en-US" dirty="0">
+                        <a:rPr lang="en-US" sz="1400" dirty="0">
                           <a:solidFill>
                             <a:schemeClr val="tx1"/>
                           </a:solidFill>
                         </a:rPr>
                         <a:t>341</a:t>
                       </a:r>
-                      <a:endParaRPr lang="en-SE" dirty="0">
+                      <a:endParaRPr lang="en-SE" sz="1400" dirty="0">
                         <a:solidFill>
                           <a:schemeClr val="tx1"/>
                         </a:solidFill>
                       </a:endParaRPr>
                     </a:p>
                   </a:txBody>
-                  <a:tcPr/>
+                  <a:tcPr marL="68580" marR="68580" marT="34290" marB="34290"/>
                 </a:tc>
                 <a:extLst>
                   <a:ext uri="{0D108BD9-81ED-4DB2-BD59-A6C34878D82A}">
@@ -5632,8 +5801,8 @@
         </p:nvSpPr>
         <p:spPr>
           <a:xfrm>
-            <a:off x="1839312" y="4588717"/>
-            <a:ext cx="302432" cy="358310"/>
+            <a:off x="1379484" y="4298788"/>
+            <a:ext cx="226824" cy="268733"/>
           </a:xfrm>
           <a:prstGeom prst="rightArrow">
             <a:avLst/>
@@ -5661,7 +5830,7 @@
           <a:lstStyle/>
           <a:p>
             <a:pPr algn="ctr"/>
-            <a:endParaRPr lang="en-SE"/>
+            <a:endParaRPr lang="en-SE" sz="1350"/>
           </a:p>
         </p:txBody>
       </p:sp>
@@ -5679,8 +5848,8 @@
         </p:nvSpPr>
         <p:spPr>
           <a:xfrm>
-            <a:off x="2845500" y="4588717"/>
-            <a:ext cx="302432" cy="358310"/>
+            <a:off x="2134125" y="4298788"/>
+            <a:ext cx="226824" cy="268733"/>
           </a:xfrm>
           <a:prstGeom prst="rightArrow">
             <a:avLst/>
@@ -5708,7 +5877,7 @@
           <a:lstStyle/>
           <a:p>
             <a:pPr algn="ctr"/>
-            <a:endParaRPr lang="en-SE"/>
+            <a:endParaRPr lang="en-SE" sz="1350"/>
           </a:p>
         </p:txBody>
       </p:sp>
@@ -5726,8 +5895,8 @@
         </p:nvSpPr>
         <p:spPr>
           <a:xfrm>
-            <a:off x="3842100" y="4588717"/>
-            <a:ext cx="302432" cy="358310"/>
+            <a:off x="2881575" y="4298788"/>
+            <a:ext cx="226824" cy="268733"/>
           </a:xfrm>
           <a:prstGeom prst="rightArrow">
             <a:avLst/>
@@ -5755,7 +5924,7 @@
           <a:lstStyle/>
           <a:p>
             <a:pPr algn="ctr"/>
-            <a:endParaRPr lang="en-SE"/>
+            <a:endParaRPr lang="en-SE" sz="1350"/>
           </a:p>
         </p:txBody>
       </p:sp>
@@ -5771,17 +5940,11 @@
           <p:cNvGraphicFramePr>
             <a:graphicFrameLocks noGrp="1"/>
           </p:cNvGraphicFramePr>
-          <p:nvPr>
-            <p:extLst>
-              <p:ext uri="{D42A27DB-BD31-4B8C-83A1-F6EECF244321}">
-                <p14:modId xmlns:p14="http://schemas.microsoft.com/office/powerpoint/2010/main" val="421909396"/>
-              </p:ext>
-            </p:extLst>
-          </p:nvPr>
+          <p:nvPr/>
         </p:nvGraphicFramePr>
         <p:xfrm>
-          <a:off x="7396787" y="3609980"/>
-          <a:ext cx="585075" cy="2595880"/>
+          <a:off x="5547591" y="3564735"/>
+          <a:ext cx="438806" cy="1973580"/>
         </p:xfrm>
         <a:graphic>
           <a:graphicData uri="http://schemas.openxmlformats.org/drawingml/2006/table">
@@ -5790,7 +5953,7 @@
                 <a:tableStyleId>{5940675A-B579-460E-94D1-54222C63F5DA}</a:tableStyleId>
               </a:tblPr>
               <a:tblGrid>
-                <a:gridCol w="585075">
+                <a:gridCol w="438806">
                   <a:extLst>
                     <a:ext uri="{9D8B030D-6E8A-4147-A177-3AD203B41FA5}">
                       <a16:colId xmlns:a16="http://schemas.microsoft.com/office/drawing/2014/main" val="686510476"/>
@@ -5798,7 +5961,7 @@
                   </a:extLst>
                 </a:gridCol>
               </a:tblGrid>
-              <a:tr h="370840">
+              <a:tr h="278130">
                 <a:tc>
                   <a:txBody>
                     <a:bodyPr/>
@@ -5806,21 +5969,21 @@
                     <a:p>
                       <a:pPr algn="r"/>
                       <a:r>
-                        <a:rPr lang="en-US" dirty="0"/>
+                        <a:rPr lang="en-US" sz="1400" dirty="0"/>
                         <a:t>05</a:t>
                       </a:r>
                       <a:r>
-                        <a:rPr lang="en-US" dirty="0">
+                        <a:rPr lang="en-US" sz="1400" dirty="0">
                           <a:solidFill>
                             <a:schemeClr val="accent2"/>
                           </a:solidFill>
                         </a:rPr>
                         <a:t>1</a:t>
                       </a:r>
-                      <a:endParaRPr lang="en-SE" dirty="0"/>
+                      <a:endParaRPr lang="en-SE" sz="1400" dirty="0"/>
                     </a:p>
                   </a:txBody>
-                  <a:tcPr/>
+                  <a:tcPr marL="68580" marR="68580" marT="34290" marB="34290"/>
                 </a:tc>
                 <a:extLst>
                   <a:ext uri="{0D108BD9-81ED-4DB2-BD59-A6C34878D82A}">
@@ -5828,7 +5991,7 @@
                   </a:ext>
                 </a:extLst>
               </a:tr>
-              <a:tr h="370840">
+              <a:tr h="278130">
                 <a:tc>
                   <a:txBody>
                     <a:bodyPr/>
@@ -5836,21 +5999,21 @@
                     <a:p>
                       <a:pPr algn="r"/>
                       <a:r>
-                        <a:rPr lang="en-US" dirty="0"/>
+                        <a:rPr lang="en-US" sz="1400" dirty="0"/>
                         <a:t>07</a:t>
                       </a:r>
                       <a:r>
-                        <a:rPr lang="en-US" dirty="0">
+                        <a:rPr lang="en-US" sz="1400" dirty="0">
                           <a:solidFill>
                             <a:schemeClr val="accent2"/>
                           </a:solidFill>
                         </a:rPr>
                         <a:t>1</a:t>
                       </a:r>
-                      <a:endParaRPr lang="en-SE" dirty="0"/>
+                      <a:endParaRPr lang="en-SE" sz="1400" dirty="0"/>
                     </a:p>
                   </a:txBody>
-                  <a:tcPr/>
+                  <a:tcPr marL="68580" marR="68580" marT="34290" marB="34290"/>
                 </a:tc>
                 <a:extLst>
                   <a:ext uri="{0D108BD9-81ED-4DB2-BD59-A6C34878D82A}">
@@ -5858,7 +6021,7 @@
                   </a:ext>
                 </a:extLst>
               </a:tr>
-              <a:tr h="370840">
+              <a:tr h="278130">
                 <a:tc>
                   <a:txBody>
                     <a:bodyPr/>
@@ -5866,21 +6029,21 @@
                     <a:p>
                       <a:pPr algn="r"/>
                       <a:r>
-                        <a:rPr lang="en-US" dirty="0"/>
+                        <a:rPr lang="en-US" sz="1400" dirty="0"/>
                         <a:t>41</a:t>
                       </a:r>
                       <a:r>
-                        <a:rPr lang="en-US" dirty="0">
+                        <a:rPr lang="en-US" sz="1400" dirty="0">
                           <a:solidFill>
                             <a:schemeClr val="accent2"/>
                           </a:solidFill>
                         </a:rPr>
                         <a:t>2</a:t>
                       </a:r>
-                      <a:endParaRPr lang="en-SE" dirty="0"/>
+                      <a:endParaRPr lang="en-SE" sz="1400" dirty="0"/>
                     </a:p>
                   </a:txBody>
-                  <a:tcPr/>
+                  <a:tcPr marL="68580" marR="68580" marT="34290" marB="34290"/>
                 </a:tc>
                 <a:extLst>
                   <a:ext uri="{0D108BD9-81ED-4DB2-BD59-A6C34878D82A}">
@@ -5888,7 +6051,7 @@
                   </a:ext>
                 </a:extLst>
               </a:tr>
-              <a:tr h="370840">
+              <a:tr h="278130">
                 <a:tc>
                   <a:txBody>
                     <a:bodyPr/>
@@ -5896,21 +6059,21 @@
                     <a:p>
                       <a:pPr algn="r"/>
                       <a:r>
-                        <a:rPr lang="en-US" dirty="0"/>
+                        <a:rPr lang="en-US" sz="1400" dirty="0"/>
                         <a:t>04</a:t>
                       </a:r>
                       <a:r>
-                        <a:rPr lang="en-US" dirty="0">
+                        <a:rPr lang="en-US" sz="1400" dirty="0">
                           <a:solidFill>
                             <a:schemeClr val="accent2"/>
                           </a:solidFill>
                         </a:rPr>
                         <a:t>3</a:t>
                       </a:r>
-                      <a:endParaRPr lang="en-SE" dirty="0"/>
+                      <a:endParaRPr lang="en-SE" sz="1400" dirty="0"/>
                     </a:p>
                   </a:txBody>
-                  <a:tcPr/>
+                  <a:tcPr marL="68580" marR="68580" marT="34290" marB="34290"/>
                 </a:tc>
                 <a:extLst>
                   <a:ext uri="{0D108BD9-81ED-4DB2-BD59-A6C34878D82A}">
@@ -5918,7 +6081,7 @@
                   </a:ext>
                 </a:extLst>
               </a:tr>
-              <a:tr h="370840">
+              <a:tr h="278130">
                 <a:tc>
                   <a:txBody>
                     <a:bodyPr/>
@@ -5926,21 +6089,21 @@
                     <a:p>
                       <a:pPr algn="r"/>
                       <a:r>
-                        <a:rPr lang="en-US" dirty="0"/>
+                        <a:rPr lang="en-US" sz="1400" dirty="0"/>
                         <a:t>03</a:t>
                       </a:r>
                       <a:r>
-                        <a:rPr lang="en-US" dirty="0">
+                        <a:rPr lang="en-US" sz="1400" dirty="0">
                           <a:solidFill>
                             <a:schemeClr val="accent2"/>
                           </a:solidFill>
                         </a:rPr>
                         <a:t>3</a:t>
                       </a:r>
-                      <a:endParaRPr lang="en-SE" dirty="0"/>
+                      <a:endParaRPr lang="en-SE" sz="1400" dirty="0"/>
                     </a:p>
                   </a:txBody>
-                  <a:tcPr/>
+                  <a:tcPr marL="68580" marR="68580" marT="34290" marB="34290"/>
                 </a:tc>
                 <a:extLst>
                   <a:ext uri="{0D108BD9-81ED-4DB2-BD59-A6C34878D82A}">
@@ -5948,7 +6111,7 @@
                   </a:ext>
                 </a:extLst>
               </a:tr>
-              <a:tr h="370840">
+              <a:tr h="278130">
                 <a:tc>
                   <a:txBody>
                     <a:bodyPr/>
@@ -5956,21 +6119,21 @@
                     <a:p>
                       <a:pPr algn="r"/>
                       <a:r>
-                        <a:rPr lang="en-US" dirty="0"/>
+                        <a:rPr lang="en-US" sz="1400" dirty="0"/>
                         <a:t>81</a:t>
                       </a:r>
                       <a:r>
-                        <a:rPr lang="en-US" dirty="0">
+                        <a:rPr lang="en-US" sz="1400" dirty="0">
                           <a:solidFill>
                             <a:schemeClr val="accent2"/>
                           </a:solidFill>
                         </a:rPr>
                         <a:t>7</a:t>
                       </a:r>
-                      <a:endParaRPr lang="en-SE" dirty="0"/>
+                      <a:endParaRPr lang="en-SE" sz="1400" dirty="0"/>
                     </a:p>
                   </a:txBody>
-                  <a:tcPr/>
+                  <a:tcPr marL="68580" marR="68580" marT="34290" marB="34290"/>
                 </a:tc>
                 <a:extLst>
                   <a:ext uri="{0D108BD9-81ED-4DB2-BD59-A6C34878D82A}">
@@ -5978,7 +6141,7 @@
                   </a:ext>
                 </a:extLst>
               </a:tr>
-              <a:tr h="370840">
+              <a:tr h="278130">
                 <a:tc>
                   <a:txBody>
                     <a:bodyPr/>
@@ -5986,7 +6149,7 @@
                     <a:p>
                       <a:pPr algn="r"/>
                       <a:r>
-                        <a:rPr lang="en-US" dirty="0">
+                        <a:rPr lang="en-US" sz="1400" dirty="0">
                           <a:solidFill>
                             <a:schemeClr val="tx1"/>
                           </a:solidFill>
@@ -5994,17 +6157,17 @@
                         <a:t>00</a:t>
                       </a:r>
                       <a:r>
-                        <a:rPr lang="en-US" dirty="0">
+                        <a:rPr lang="en-US" sz="1400" dirty="0">
                           <a:solidFill>
                             <a:schemeClr val="accent2"/>
                           </a:solidFill>
                         </a:rPr>
                         <a:t>9</a:t>
                       </a:r>
-                      <a:endParaRPr lang="en-SE" dirty="0"/>
+                      <a:endParaRPr lang="en-SE" sz="1400" dirty="0"/>
                     </a:p>
                   </a:txBody>
-                  <a:tcPr/>
+                  <a:tcPr marL="68580" marR="68580" marT="34290" marB="34290"/>
                 </a:tc>
                 <a:extLst>
                   <a:ext uri="{0D108BD9-81ED-4DB2-BD59-A6C34878D82A}">
@@ -6028,17 +6191,11 @@
           <p:cNvGraphicFramePr>
             <a:graphicFrameLocks noGrp="1"/>
           </p:cNvGraphicFramePr>
-          <p:nvPr>
-            <p:extLst>
-              <p:ext uri="{D42A27DB-BD31-4B8C-83A1-F6EECF244321}">
-                <p14:modId xmlns:p14="http://schemas.microsoft.com/office/powerpoint/2010/main" val="3876524692"/>
-              </p:ext>
-            </p:extLst>
-          </p:nvPr>
+          <p:nvPr/>
         </p:nvGraphicFramePr>
         <p:xfrm>
-          <a:off x="8395532" y="3606696"/>
-          <a:ext cx="582930" cy="2595880"/>
+          <a:off x="6296649" y="3562272"/>
+          <a:ext cx="437198" cy="1973580"/>
         </p:xfrm>
         <a:graphic>
           <a:graphicData uri="http://schemas.openxmlformats.org/drawingml/2006/table">
@@ -6047,7 +6204,7 @@
                 <a:tableStyleId>{5940675A-B579-460E-94D1-54222C63F5DA}</a:tableStyleId>
               </a:tblPr>
               <a:tblGrid>
-                <a:gridCol w="582930">
+                <a:gridCol w="437198">
                   <a:extLst>
                     <a:ext uri="{9D8B030D-6E8A-4147-A177-3AD203B41FA5}">
                       <a16:colId xmlns:a16="http://schemas.microsoft.com/office/drawing/2014/main" val="686510476"/>
@@ -6055,7 +6212,7 @@
                   </a:extLst>
                 </a:gridCol>
               </a:tblGrid>
-              <a:tr h="370840">
+              <a:tr h="278130">
                 <a:tc>
                   <a:txBody>
                     <a:bodyPr/>
@@ -6063,7 +6220,7 @@
                     <a:p>
                       <a:pPr algn="r"/>
                       <a:r>
-                        <a:rPr lang="en-US" dirty="0">
+                        <a:rPr lang="en-US" sz="1400" dirty="0">
                           <a:solidFill>
                             <a:schemeClr val="tx1"/>
                           </a:solidFill>
@@ -6071,7 +6228,7 @@
                         <a:t>0</a:t>
                       </a:r>
                       <a:r>
-                        <a:rPr lang="en-US" dirty="0">
+                        <a:rPr lang="en-US" sz="1400" dirty="0">
                           <a:solidFill>
                             <a:schemeClr val="accent2"/>
                           </a:solidFill>
@@ -6079,21 +6236,21 @@
                         <a:t>0</a:t>
                       </a:r>
                       <a:r>
-                        <a:rPr lang="en-US" dirty="0">
+                        <a:rPr lang="en-US" sz="1400" dirty="0">
                           <a:solidFill>
                             <a:schemeClr val="tx1"/>
                           </a:solidFill>
                         </a:rPr>
                         <a:t>9</a:t>
                       </a:r>
-                      <a:endParaRPr lang="en-SE" dirty="0">
+                      <a:endParaRPr lang="en-SE" sz="1400" dirty="0">
                         <a:solidFill>
                           <a:schemeClr val="tx1"/>
                         </a:solidFill>
                       </a:endParaRPr>
                     </a:p>
                   </a:txBody>
-                  <a:tcPr/>
+                  <a:tcPr marL="68580" marR="68580" marT="34290" marB="34290"/>
                 </a:tc>
                 <a:extLst>
                   <a:ext uri="{0D108BD9-81ED-4DB2-BD59-A6C34878D82A}">
@@ -6101,7 +6258,7 @@
                   </a:ext>
                 </a:extLst>
               </a:tr>
-              <a:tr h="370840">
+              <a:tr h="278130">
                 <a:tc>
                   <a:txBody>
                     <a:bodyPr/>
@@ -6109,11 +6266,11 @@
                     <a:p>
                       <a:pPr algn="r"/>
                       <a:r>
-                        <a:rPr lang="en-US" dirty="0"/>
+                        <a:rPr lang="en-US" sz="1400" dirty="0"/>
                         <a:t>4</a:t>
                       </a:r>
                       <a:r>
-                        <a:rPr lang="en-US" dirty="0">
+                        <a:rPr lang="en-US" sz="1400" dirty="0">
                           <a:solidFill>
                             <a:schemeClr val="accent2"/>
                           </a:solidFill>
@@ -6121,13 +6278,13 @@
                         <a:t>1</a:t>
                       </a:r>
                       <a:r>
-                        <a:rPr lang="en-US" dirty="0"/>
+                        <a:rPr lang="en-US" sz="1400" dirty="0"/>
                         <a:t>2</a:t>
                       </a:r>
-                      <a:endParaRPr lang="en-SE" dirty="0"/>
+                      <a:endParaRPr lang="en-SE" sz="1400" dirty="0"/>
                     </a:p>
                   </a:txBody>
-                  <a:tcPr/>
+                  <a:tcPr marL="68580" marR="68580" marT="34290" marB="34290"/>
                 </a:tc>
                 <a:extLst>
                   <a:ext uri="{0D108BD9-81ED-4DB2-BD59-A6C34878D82A}">
@@ -6135,7 +6292,7 @@
                   </a:ext>
                 </a:extLst>
               </a:tr>
-              <a:tr h="370840">
+              <a:tr h="278130">
                 <a:tc>
                   <a:txBody>
                     <a:bodyPr/>
@@ -6143,11 +6300,11 @@
                     <a:p>
                       <a:pPr algn="r"/>
                       <a:r>
-                        <a:rPr lang="en-US" dirty="0"/>
+                        <a:rPr lang="en-US" sz="1400" dirty="0"/>
                         <a:t>8</a:t>
                       </a:r>
                       <a:r>
-                        <a:rPr lang="en-US" dirty="0">
+                        <a:rPr lang="en-US" sz="1400" dirty="0">
                           <a:solidFill>
                             <a:schemeClr val="accent2"/>
                           </a:solidFill>
@@ -6155,13 +6312,13 @@
                         <a:t>1</a:t>
                       </a:r>
                       <a:r>
-                        <a:rPr lang="en-US" dirty="0"/>
+                        <a:rPr lang="en-US" sz="1400" dirty="0"/>
                         <a:t>7</a:t>
                       </a:r>
-                      <a:endParaRPr lang="en-SE" dirty="0"/>
+                      <a:endParaRPr lang="en-SE" sz="1400" dirty="0"/>
                     </a:p>
                   </a:txBody>
-                  <a:tcPr/>
+                  <a:tcPr marL="68580" marR="68580" marT="34290" marB="34290"/>
                 </a:tc>
                 <a:extLst>
                   <a:ext uri="{0D108BD9-81ED-4DB2-BD59-A6C34878D82A}">
@@ -6169,7 +6326,7 @@
                   </a:ext>
                 </a:extLst>
               </a:tr>
-              <a:tr h="370840">
+              <a:tr h="278130">
                 <a:tc>
                   <a:txBody>
                     <a:bodyPr/>
@@ -6177,11 +6334,11 @@
                     <a:p>
                       <a:pPr algn="r"/>
                       <a:r>
-                        <a:rPr lang="en-US" dirty="0"/>
+                        <a:rPr lang="en-US" sz="1400" dirty="0"/>
                         <a:t>0</a:t>
                       </a:r>
                       <a:r>
-                        <a:rPr lang="en-US" dirty="0">
+                        <a:rPr lang="en-US" sz="1400" dirty="0">
                           <a:solidFill>
                             <a:schemeClr val="accent2"/>
                           </a:solidFill>
@@ -6189,13 +6346,13 @@
                         <a:t>3</a:t>
                       </a:r>
                       <a:r>
-                        <a:rPr lang="en-US" dirty="0"/>
+                        <a:rPr lang="en-US" sz="1400" dirty="0"/>
                         <a:t>3</a:t>
                       </a:r>
-                      <a:endParaRPr lang="en-SE" dirty="0"/>
+                      <a:endParaRPr lang="en-SE" sz="1400" dirty="0"/>
                     </a:p>
                   </a:txBody>
-                  <a:tcPr/>
+                  <a:tcPr marL="68580" marR="68580" marT="34290" marB="34290"/>
                 </a:tc>
                 <a:extLst>
                   <a:ext uri="{0D108BD9-81ED-4DB2-BD59-A6C34878D82A}">
@@ -6203,7 +6360,7 @@
                   </a:ext>
                 </a:extLst>
               </a:tr>
-              <a:tr h="370840">
+              <a:tr h="278130">
                 <a:tc>
                   <a:txBody>
                     <a:bodyPr/>
@@ -6211,11 +6368,11 @@
                     <a:p>
                       <a:pPr algn="r"/>
                       <a:r>
-                        <a:rPr lang="en-US" dirty="0"/>
+                        <a:rPr lang="en-US" sz="1400" dirty="0"/>
                         <a:t>0</a:t>
                       </a:r>
                       <a:r>
-                        <a:rPr lang="en-US" dirty="0">
+                        <a:rPr lang="en-US" sz="1400" dirty="0">
                           <a:solidFill>
                             <a:schemeClr val="accent2"/>
                           </a:solidFill>
@@ -6223,13 +6380,13 @@
                         <a:t>4</a:t>
                       </a:r>
                       <a:r>
-                        <a:rPr lang="en-US" dirty="0"/>
+                        <a:rPr lang="en-US" sz="1400" dirty="0"/>
                         <a:t>3</a:t>
                       </a:r>
-                      <a:endParaRPr lang="en-SE" dirty="0"/>
+                      <a:endParaRPr lang="en-SE" sz="1400" dirty="0"/>
                     </a:p>
                   </a:txBody>
-                  <a:tcPr/>
+                  <a:tcPr marL="68580" marR="68580" marT="34290" marB="34290"/>
                 </a:tc>
                 <a:extLst>
                   <a:ext uri="{0D108BD9-81ED-4DB2-BD59-A6C34878D82A}">
@@ -6237,7 +6394,7 @@
                   </a:ext>
                 </a:extLst>
               </a:tr>
-              <a:tr h="370840">
+              <a:tr h="278130">
                 <a:tc>
                   <a:txBody>
                     <a:bodyPr/>
@@ -6245,11 +6402,11 @@
                     <a:p>
                       <a:pPr algn="r"/>
                       <a:r>
-                        <a:rPr lang="en-US" dirty="0"/>
+                        <a:rPr lang="en-US" sz="1400" dirty="0"/>
                         <a:t>0</a:t>
                       </a:r>
                       <a:r>
-                        <a:rPr lang="en-US" dirty="0">
+                        <a:rPr lang="en-US" sz="1400" dirty="0">
                           <a:solidFill>
                             <a:schemeClr val="accent2"/>
                           </a:solidFill>
@@ -6257,13 +6414,13 @@
                         <a:t>5</a:t>
                       </a:r>
                       <a:r>
-                        <a:rPr lang="en-US" dirty="0"/>
+                        <a:rPr lang="en-US" sz="1400" dirty="0"/>
                         <a:t>1</a:t>
                       </a:r>
-                      <a:endParaRPr lang="en-SE" dirty="0"/>
+                      <a:endParaRPr lang="en-SE" sz="1400" dirty="0"/>
                     </a:p>
                   </a:txBody>
-                  <a:tcPr/>
+                  <a:tcPr marL="68580" marR="68580" marT="34290" marB="34290"/>
                 </a:tc>
                 <a:extLst>
                   <a:ext uri="{0D108BD9-81ED-4DB2-BD59-A6C34878D82A}">
@@ -6271,7 +6428,7 @@
                   </a:ext>
                 </a:extLst>
               </a:tr>
-              <a:tr h="370840">
+              <a:tr h="278130">
                 <a:tc>
                   <a:txBody>
                     <a:bodyPr/>
@@ -6279,11 +6436,11 @@
                     <a:p>
                       <a:pPr algn="r"/>
                       <a:r>
-                        <a:rPr lang="en-US" dirty="0"/>
+                        <a:rPr lang="en-US" sz="1400" dirty="0"/>
                         <a:t>0</a:t>
                       </a:r>
                       <a:r>
-                        <a:rPr lang="en-US" dirty="0">
+                        <a:rPr lang="en-US" sz="1400" dirty="0">
                           <a:solidFill>
                             <a:schemeClr val="accent2"/>
                           </a:solidFill>
@@ -6291,13 +6448,13 @@
                         <a:t>7</a:t>
                       </a:r>
                       <a:r>
-                        <a:rPr lang="en-US" dirty="0"/>
+                        <a:rPr lang="en-US" sz="1400" dirty="0"/>
                         <a:t>1</a:t>
                       </a:r>
-                      <a:endParaRPr lang="en-SE" dirty="0"/>
+                      <a:endParaRPr lang="en-SE" sz="1400" dirty="0"/>
                     </a:p>
                   </a:txBody>
-                  <a:tcPr/>
+                  <a:tcPr marL="68580" marR="68580" marT="34290" marB="34290"/>
                 </a:tc>
                 <a:extLst>
                   <a:ext uri="{0D108BD9-81ED-4DB2-BD59-A6C34878D82A}">
@@ -6321,17 +6478,11 @@
           <p:cNvGraphicFramePr>
             <a:graphicFrameLocks noGrp="1"/>
           </p:cNvGraphicFramePr>
-          <p:nvPr>
-            <p:extLst>
-              <p:ext uri="{D42A27DB-BD31-4B8C-83A1-F6EECF244321}">
-                <p14:modId xmlns:p14="http://schemas.microsoft.com/office/powerpoint/2010/main" val="4140792198"/>
-              </p:ext>
-            </p:extLst>
-          </p:nvPr>
+          <p:nvPr/>
         </p:nvGraphicFramePr>
         <p:xfrm>
-          <a:off x="9392131" y="3606696"/>
-          <a:ext cx="582930" cy="2595880"/>
+          <a:off x="7044098" y="3562272"/>
+          <a:ext cx="437198" cy="1973580"/>
         </p:xfrm>
         <a:graphic>
           <a:graphicData uri="http://schemas.openxmlformats.org/drawingml/2006/table">
@@ -6340,7 +6491,7 @@
                 <a:tableStyleId>{5940675A-B579-460E-94D1-54222C63F5DA}</a:tableStyleId>
               </a:tblPr>
               <a:tblGrid>
-                <a:gridCol w="582930">
+                <a:gridCol w="437198">
                   <a:extLst>
                     <a:ext uri="{9D8B030D-6E8A-4147-A177-3AD203B41FA5}">
                       <a16:colId xmlns:a16="http://schemas.microsoft.com/office/drawing/2014/main" val="686510476"/>
@@ -6348,7 +6499,7 @@
                   </a:extLst>
                 </a:gridCol>
               </a:tblGrid>
-              <a:tr h="370840">
+              <a:tr h="278130">
                 <a:tc>
                   <a:txBody>
                     <a:bodyPr/>
@@ -6356,7 +6507,7 @@
                     <a:p>
                       <a:pPr algn="r"/>
                       <a:r>
-                        <a:rPr lang="en-US" dirty="0">
+                        <a:rPr lang="en-US" sz="1400" dirty="0">
                           <a:solidFill>
                             <a:schemeClr val="accent2"/>
                           </a:solidFill>
@@ -6364,21 +6515,21 @@
                         <a:t>0</a:t>
                       </a:r>
                       <a:r>
-                        <a:rPr lang="en-US" dirty="0">
+                        <a:rPr lang="en-US" sz="1400" dirty="0">
                           <a:solidFill>
                             <a:schemeClr val="tx1"/>
                           </a:solidFill>
                         </a:rPr>
                         <a:t>09</a:t>
                       </a:r>
-                      <a:endParaRPr lang="en-SE" dirty="0">
+                      <a:endParaRPr lang="en-SE" sz="1400" dirty="0">
                         <a:solidFill>
                           <a:schemeClr val="tx1"/>
                         </a:solidFill>
                       </a:endParaRPr>
                     </a:p>
                   </a:txBody>
-                  <a:tcPr/>
+                  <a:tcPr marL="68580" marR="68580" marT="34290" marB="34290"/>
                 </a:tc>
                 <a:extLst>
                   <a:ext uri="{0D108BD9-81ED-4DB2-BD59-A6C34878D82A}">
@@ -6386,7 +6537,7 @@
                   </a:ext>
                 </a:extLst>
               </a:tr>
-              <a:tr h="370840">
+              <a:tr h="278130">
                 <a:tc>
                   <a:txBody>
                     <a:bodyPr/>
@@ -6394,7 +6545,7 @@
                     <a:p>
                       <a:pPr algn="r"/>
                       <a:r>
-                        <a:rPr lang="en-US" dirty="0">
+                        <a:rPr lang="en-US" sz="1400" dirty="0">
                           <a:solidFill>
                             <a:schemeClr val="accent2"/>
                           </a:solidFill>
@@ -6402,13 +6553,13 @@
                         <a:t>0</a:t>
                       </a:r>
                       <a:r>
-                        <a:rPr lang="en-US" dirty="0"/>
+                        <a:rPr lang="en-US" sz="1400" dirty="0"/>
                         <a:t>33</a:t>
                       </a:r>
-                      <a:endParaRPr lang="en-SE" dirty="0"/>
+                      <a:endParaRPr lang="en-SE" sz="1400" dirty="0"/>
                     </a:p>
                   </a:txBody>
-                  <a:tcPr/>
+                  <a:tcPr marL="68580" marR="68580" marT="34290" marB="34290"/>
                 </a:tc>
                 <a:extLst>
                   <a:ext uri="{0D108BD9-81ED-4DB2-BD59-A6C34878D82A}">
@@ -6416,7 +6567,7 @@
                   </a:ext>
                 </a:extLst>
               </a:tr>
-              <a:tr h="370840">
+              <a:tr h="278130">
                 <a:tc>
                   <a:txBody>
                     <a:bodyPr/>
@@ -6424,7 +6575,7 @@
                     <a:p>
                       <a:pPr algn="r"/>
                       <a:r>
-                        <a:rPr lang="en-US" dirty="0">
+                        <a:rPr lang="en-US" sz="1400" dirty="0">
                           <a:solidFill>
                             <a:schemeClr val="accent2"/>
                           </a:solidFill>
@@ -6432,13 +6583,13 @@
                         <a:t>0</a:t>
                       </a:r>
                       <a:r>
-                        <a:rPr lang="en-US" dirty="0"/>
+                        <a:rPr lang="en-US" sz="1400" dirty="0"/>
                         <a:t>43</a:t>
                       </a:r>
-                      <a:endParaRPr lang="en-SE" dirty="0"/>
+                      <a:endParaRPr lang="en-SE" sz="1400" dirty="0"/>
                     </a:p>
                   </a:txBody>
-                  <a:tcPr/>
+                  <a:tcPr marL="68580" marR="68580" marT="34290" marB="34290"/>
                 </a:tc>
                 <a:extLst>
                   <a:ext uri="{0D108BD9-81ED-4DB2-BD59-A6C34878D82A}">
@@ -6446,7 +6597,7 @@
                   </a:ext>
                 </a:extLst>
               </a:tr>
-              <a:tr h="370840">
+              <a:tr h="278130">
                 <a:tc>
                   <a:txBody>
                     <a:bodyPr/>
@@ -6454,7 +6605,7 @@
                     <a:p>
                       <a:pPr algn="r"/>
                       <a:r>
-                        <a:rPr lang="en-US" dirty="0">
+                        <a:rPr lang="en-US" sz="1400" dirty="0">
                           <a:solidFill>
                             <a:schemeClr val="accent2"/>
                           </a:solidFill>
@@ -6462,13 +6613,13 @@
                         <a:t>0</a:t>
                       </a:r>
                       <a:r>
-                        <a:rPr lang="en-US" dirty="0"/>
+                        <a:rPr lang="en-US" sz="1400" dirty="0"/>
                         <a:t>51</a:t>
                       </a:r>
-                      <a:endParaRPr lang="en-SE" dirty="0"/>
+                      <a:endParaRPr lang="en-SE" sz="1400" dirty="0"/>
                     </a:p>
                   </a:txBody>
-                  <a:tcPr/>
+                  <a:tcPr marL="68580" marR="68580" marT="34290" marB="34290"/>
                 </a:tc>
                 <a:extLst>
                   <a:ext uri="{0D108BD9-81ED-4DB2-BD59-A6C34878D82A}">
@@ -6476,7 +6627,7 @@
                   </a:ext>
                 </a:extLst>
               </a:tr>
-              <a:tr h="370840">
+              <a:tr h="278130">
                 <a:tc>
                   <a:txBody>
                     <a:bodyPr/>
@@ -6484,7 +6635,7 @@
                     <a:p>
                       <a:pPr algn="r"/>
                       <a:r>
-                        <a:rPr lang="en-US" dirty="0">
+                        <a:rPr lang="en-US" sz="1400" dirty="0">
                           <a:solidFill>
                             <a:schemeClr val="accent2"/>
                           </a:solidFill>
@@ -6492,13 +6643,13 @@
                         <a:t>0</a:t>
                       </a:r>
                       <a:r>
-                        <a:rPr lang="en-US" dirty="0"/>
+                        <a:rPr lang="en-US" sz="1400" dirty="0"/>
                         <a:t>71</a:t>
                       </a:r>
-                      <a:endParaRPr lang="en-SE" dirty="0"/>
+                      <a:endParaRPr lang="en-SE" sz="1400" dirty="0"/>
                     </a:p>
                   </a:txBody>
-                  <a:tcPr/>
+                  <a:tcPr marL="68580" marR="68580" marT="34290" marB="34290"/>
                 </a:tc>
                 <a:extLst>
                   <a:ext uri="{0D108BD9-81ED-4DB2-BD59-A6C34878D82A}">
@@ -6506,7 +6657,7 @@
                   </a:ext>
                 </a:extLst>
               </a:tr>
-              <a:tr h="370840">
+              <a:tr h="278130">
                 <a:tc>
                   <a:txBody>
                     <a:bodyPr/>
@@ -6514,7 +6665,7 @@
                     <a:p>
                       <a:pPr algn="r"/>
                       <a:r>
-                        <a:rPr lang="en-US" dirty="0">
+                        <a:rPr lang="en-US" sz="1400" dirty="0">
                           <a:solidFill>
                             <a:schemeClr val="accent2"/>
                           </a:solidFill>
@@ -6522,13 +6673,13 @@
                         <a:t>4</a:t>
                       </a:r>
                       <a:r>
-                        <a:rPr lang="en-US" dirty="0"/>
+                        <a:rPr lang="en-US" sz="1400" dirty="0"/>
                         <a:t>12</a:t>
                       </a:r>
-                      <a:endParaRPr lang="en-SE" dirty="0"/>
+                      <a:endParaRPr lang="en-SE" sz="1400" dirty="0"/>
                     </a:p>
                   </a:txBody>
-                  <a:tcPr/>
+                  <a:tcPr marL="68580" marR="68580" marT="34290" marB="34290"/>
                 </a:tc>
                 <a:extLst>
                   <a:ext uri="{0D108BD9-81ED-4DB2-BD59-A6C34878D82A}">
@@ -6536,7 +6687,7 @@
                   </a:ext>
                 </a:extLst>
               </a:tr>
-              <a:tr h="370840">
+              <a:tr h="278130">
                 <a:tc>
                   <a:txBody>
                     <a:bodyPr/>
@@ -6544,7 +6695,7 @@
                     <a:p>
                       <a:pPr algn="r"/>
                       <a:r>
-                        <a:rPr lang="en-US" dirty="0">
+                        <a:rPr lang="en-US" sz="1400" dirty="0">
                           <a:solidFill>
                             <a:schemeClr val="accent2"/>
                           </a:solidFill>
@@ -6552,13 +6703,13 @@
                         <a:t>8</a:t>
                       </a:r>
                       <a:r>
-                        <a:rPr lang="en-US" dirty="0"/>
+                        <a:rPr lang="en-US" sz="1400" dirty="0"/>
                         <a:t>17</a:t>
                       </a:r>
-                      <a:endParaRPr lang="en-SE" dirty="0"/>
+                      <a:endParaRPr lang="en-SE" sz="1400" dirty="0"/>
                     </a:p>
                   </a:txBody>
-                  <a:tcPr/>
+                  <a:tcPr marL="68580" marR="68580" marT="34290" marB="34290"/>
                 </a:tc>
                 <a:extLst>
                   <a:ext uri="{0D108BD9-81ED-4DB2-BD59-A6C34878D82A}">
@@ -6582,17 +6733,11 @@
           <p:cNvGraphicFramePr>
             <a:graphicFrameLocks noGrp="1"/>
           </p:cNvGraphicFramePr>
-          <p:nvPr>
-            <p:extLst>
-              <p:ext uri="{D42A27DB-BD31-4B8C-83A1-F6EECF244321}">
-                <p14:modId xmlns:p14="http://schemas.microsoft.com/office/powerpoint/2010/main" val="365209367"/>
-              </p:ext>
-            </p:extLst>
-          </p:nvPr>
+          <p:nvPr/>
         </p:nvGraphicFramePr>
         <p:xfrm>
-          <a:off x="6398042" y="3609980"/>
-          <a:ext cx="585075" cy="2595880"/>
+          <a:off x="4798532" y="3564735"/>
+          <a:ext cx="438806" cy="1973580"/>
         </p:xfrm>
         <a:graphic>
           <a:graphicData uri="http://schemas.openxmlformats.org/drawingml/2006/table">
@@ -6601,7 +6746,7 @@
                 <a:tableStyleId>{5940675A-B579-460E-94D1-54222C63F5DA}</a:tableStyleId>
               </a:tblPr>
               <a:tblGrid>
-                <a:gridCol w="585075">
+                <a:gridCol w="438806">
                   <a:extLst>
                     <a:ext uri="{9D8B030D-6E8A-4147-A177-3AD203B41FA5}">
                       <a16:colId xmlns:a16="http://schemas.microsoft.com/office/drawing/2014/main" val="686510476"/>
@@ -6609,7 +6754,7 @@
                   </a:extLst>
                 </a:gridCol>
               </a:tblGrid>
-              <a:tr h="370840">
+              <a:tr h="278130">
                 <a:tc>
                   <a:txBody>
                     <a:bodyPr/>
@@ -6617,21 +6762,21 @@
                     <a:p>
                       <a:pPr algn="r"/>
                       <a:r>
-                        <a:rPr lang="en-US" dirty="0">
+                        <a:rPr lang="en-US" sz="1400" dirty="0">
                           <a:solidFill>
                             <a:schemeClr val="tx1"/>
                           </a:solidFill>
                         </a:rPr>
                         <a:t>043</a:t>
                       </a:r>
-                      <a:endParaRPr lang="en-SE" dirty="0">
+                      <a:endParaRPr lang="en-SE" sz="1400" dirty="0">
                         <a:solidFill>
                           <a:schemeClr val="tx1"/>
                         </a:solidFill>
                       </a:endParaRPr>
                     </a:p>
                   </a:txBody>
-                  <a:tcPr/>
+                  <a:tcPr marL="68580" marR="68580" marT="34290" marB="34290"/>
                 </a:tc>
                 <a:extLst>
                   <a:ext uri="{0D108BD9-81ED-4DB2-BD59-A6C34878D82A}">
@@ -6639,7 +6784,7 @@
                   </a:ext>
                 </a:extLst>
               </a:tr>
-              <a:tr h="370840">
+              <a:tr h="278130">
                 <a:tc>
                   <a:txBody>
                     <a:bodyPr/>
@@ -6647,21 +6792,21 @@
                     <a:p>
                       <a:pPr algn="r"/>
                       <a:r>
-                        <a:rPr lang="en-US" dirty="0">
+                        <a:rPr lang="en-US" sz="1400" dirty="0">
                           <a:solidFill>
                             <a:schemeClr val="tx1"/>
                           </a:solidFill>
                         </a:rPr>
                         <a:t>009</a:t>
                       </a:r>
-                      <a:endParaRPr lang="en-SE" dirty="0">
+                      <a:endParaRPr lang="en-SE" sz="1400" dirty="0">
                         <a:solidFill>
                           <a:schemeClr val="tx1"/>
                         </a:solidFill>
                       </a:endParaRPr>
                     </a:p>
                   </a:txBody>
-                  <a:tcPr/>
+                  <a:tcPr marL="68580" marR="68580" marT="34290" marB="34290"/>
                 </a:tc>
                 <a:extLst>
                   <a:ext uri="{0D108BD9-81ED-4DB2-BD59-A6C34878D82A}">
@@ -6669,7 +6814,7 @@
                   </a:ext>
                 </a:extLst>
               </a:tr>
-              <a:tr h="370840">
+              <a:tr h="278130">
                 <a:tc>
                   <a:txBody>
                     <a:bodyPr/>
@@ -6677,21 +6822,21 @@
                     <a:p>
                       <a:pPr algn="r"/>
                       <a:r>
-                        <a:rPr lang="en-US" dirty="0">
+                        <a:rPr lang="en-US" sz="1400" dirty="0">
                           <a:solidFill>
                             <a:schemeClr val="tx1"/>
                           </a:solidFill>
                         </a:rPr>
                         <a:t>817</a:t>
                       </a:r>
-                      <a:endParaRPr lang="en-SE" dirty="0">
+                      <a:endParaRPr lang="en-SE" sz="1400" dirty="0">
                         <a:solidFill>
                           <a:schemeClr val="tx1"/>
                         </a:solidFill>
                       </a:endParaRPr>
                     </a:p>
                   </a:txBody>
-                  <a:tcPr/>
+                  <a:tcPr marL="68580" marR="68580" marT="34290" marB="34290"/>
                 </a:tc>
                 <a:extLst>
                   <a:ext uri="{0D108BD9-81ED-4DB2-BD59-A6C34878D82A}">
@@ -6699,7 +6844,7 @@
                   </a:ext>
                 </a:extLst>
               </a:tr>
-              <a:tr h="370840">
+              <a:tr h="278130">
                 <a:tc>
                   <a:txBody>
                     <a:bodyPr/>
@@ -6707,21 +6852,21 @@
                     <a:p>
                       <a:pPr algn="r"/>
                       <a:r>
-                        <a:rPr lang="en-US" dirty="0">
+                        <a:rPr lang="en-US" sz="1400" dirty="0">
                           <a:solidFill>
                             <a:schemeClr val="tx1"/>
                           </a:solidFill>
                         </a:rPr>
                         <a:t>412</a:t>
                       </a:r>
-                      <a:endParaRPr lang="en-SE" dirty="0">
+                      <a:endParaRPr lang="en-SE" sz="1400" dirty="0">
                         <a:solidFill>
                           <a:schemeClr val="tx1"/>
                         </a:solidFill>
                       </a:endParaRPr>
                     </a:p>
                   </a:txBody>
-                  <a:tcPr/>
+                  <a:tcPr marL="68580" marR="68580" marT="34290" marB="34290"/>
                 </a:tc>
                 <a:extLst>
                   <a:ext uri="{0D108BD9-81ED-4DB2-BD59-A6C34878D82A}">
@@ -6729,7 +6874,7 @@
                   </a:ext>
                 </a:extLst>
               </a:tr>
-              <a:tr h="370840">
+              <a:tr h="278130">
                 <a:tc>
                   <a:txBody>
                     <a:bodyPr/>
@@ -6737,21 +6882,21 @@
                     <a:p>
                       <a:pPr algn="r"/>
                       <a:r>
-                        <a:rPr lang="en-US" dirty="0">
+                        <a:rPr lang="en-US" sz="1400" dirty="0">
                           <a:solidFill>
                             <a:schemeClr val="tx1"/>
                           </a:solidFill>
                         </a:rPr>
                         <a:t>051</a:t>
                       </a:r>
-                      <a:endParaRPr lang="en-SE" dirty="0">
+                      <a:endParaRPr lang="en-SE" sz="1400" dirty="0">
                         <a:solidFill>
                           <a:schemeClr val="tx1"/>
                         </a:solidFill>
                       </a:endParaRPr>
                     </a:p>
                   </a:txBody>
-                  <a:tcPr/>
+                  <a:tcPr marL="68580" marR="68580" marT="34290" marB="34290"/>
                 </a:tc>
                 <a:extLst>
                   <a:ext uri="{0D108BD9-81ED-4DB2-BD59-A6C34878D82A}">
@@ -6759,7 +6904,7 @@
                   </a:ext>
                 </a:extLst>
               </a:tr>
-              <a:tr h="370840">
+              <a:tr h="278130">
                 <a:tc>
                   <a:txBody>
                     <a:bodyPr/>
@@ -6783,21 +6928,21 @@
                         <a:defRPr/>
                       </a:pPr>
                       <a:r>
-                        <a:rPr lang="en-US" dirty="0">
+                        <a:rPr lang="en-US" sz="1400" dirty="0">
                           <a:solidFill>
                             <a:schemeClr val="tx1"/>
                           </a:solidFill>
                         </a:rPr>
                         <a:t>033</a:t>
                       </a:r>
-                      <a:endParaRPr lang="en-SE" dirty="0">
+                      <a:endParaRPr lang="en-SE" sz="1400" dirty="0">
                         <a:solidFill>
                           <a:schemeClr val="tx1"/>
                         </a:solidFill>
                       </a:endParaRPr>
                     </a:p>
                   </a:txBody>
-                  <a:tcPr/>
+                  <a:tcPr marL="68580" marR="68580" marT="34290" marB="34290"/>
                 </a:tc>
                 <a:extLst>
                   <a:ext uri="{0D108BD9-81ED-4DB2-BD59-A6C34878D82A}">
@@ -6805,7 +6950,7 @@
                   </a:ext>
                 </a:extLst>
               </a:tr>
-              <a:tr h="370840">
+              <a:tr h="278130">
                 <a:tc>
                   <a:txBody>
                     <a:bodyPr/>
@@ -6813,21 +6958,21 @@
                     <a:p>
                       <a:pPr algn="r"/>
                       <a:r>
-                        <a:rPr lang="en-US" dirty="0">
+                        <a:rPr lang="en-US" sz="1400" dirty="0">
                           <a:solidFill>
                             <a:schemeClr val="tx1"/>
                           </a:solidFill>
                         </a:rPr>
                         <a:t>071</a:t>
                       </a:r>
-                      <a:endParaRPr lang="en-SE" dirty="0">
+                      <a:endParaRPr lang="en-SE" sz="1400" dirty="0">
                         <a:solidFill>
                           <a:schemeClr val="tx1"/>
                         </a:solidFill>
                       </a:endParaRPr>
                     </a:p>
                   </a:txBody>
-                  <a:tcPr/>
+                  <a:tcPr marL="68580" marR="68580" marT="34290" marB="34290"/>
                 </a:tc>
                 <a:extLst>
                   <a:ext uri="{0D108BD9-81ED-4DB2-BD59-A6C34878D82A}">
@@ -6853,8 +6998,8 @@
         </p:nvSpPr>
         <p:spPr>
           <a:xfrm>
-            <a:off x="7031292" y="4585433"/>
-            <a:ext cx="302432" cy="358310"/>
+            <a:off x="5273469" y="4296325"/>
+            <a:ext cx="226824" cy="268733"/>
           </a:xfrm>
           <a:prstGeom prst="rightArrow">
             <a:avLst/>
@@ -6882,7 +7027,7 @@
           <a:lstStyle/>
           <a:p>
             <a:pPr algn="ctr"/>
-            <a:endParaRPr lang="en-SE"/>
+            <a:endParaRPr lang="en-SE" sz="1350"/>
           </a:p>
         </p:txBody>
       </p:sp>
@@ -6900,8 +7045,8 @@
         </p:nvSpPr>
         <p:spPr>
           <a:xfrm>
-            <a:off x="8037480" y="4585433"/>
-            <a:ext cx="302432" cy="358310"/>
+            <a:off x="6028110" y="4296325"/>
+            <a:ext cx="226824" cy="268733"/>
           </a:xfrm>
           <a:prstGeom prst="rightArrow">
             <a:avLst/>
@@ -6929,7 +7074,7 @@
           <a:lstStyle/>
           <a:p>
             <a:pPr algn="ctr"/>
-            <a:endParaRPr lang="en-SE"/>
+            <a:endParaRPr lang="en-SE" sz="1350"/>
           </a:p>
         </p:txBody>
       </p:sp>
@@ -6947,8 +7092,8 @@
         </p:nvSpPr>
         <p:spPr>
           <a:xfrm>
-            <a:off x="9034080" y="4585433"/>
-            <a:ext cx="302432" cy="358310"/>
+            <a:off x="6775560" y="4296325"/>
+            <a:ext cx="226824" cy="268733"/>
           </a:xfrm>
           <a:prstGeom prst="rightArrow">
             <a:avLst/>
@@ -6976,7 +7121,7 @@
           <a:lstStyle/>
           <a:p>
             <a:pPr algn="ctr"/>
-            <a:endParaRPr lang="en-SE"/>
+            <a:endParaRPr lang="en-SE" sz="1350"/>
           </a:p>
         </p:txBody>
       </p:sp>
@@ -6994,8 +7139,8 @@
         </p:nvSpPr>
         <p:spPr>
           <a:xfrm>
-            <a:off x="2369685" y="6295965"/>
-            <a:ext cx="1254061" cy="400110"/>
+            <a:off x="1777264" y="5579224"/>
+            <a:ext cx="987514" cy="323165"/>
           </a:xfrm>
           <a:prstGeom prst="rect">
             <a:avLst/>
@@ -7009,10 +7154,10 @@
           <a:lstStyle/>
           <a:p>
             <a:r>
-              <a:rPr lang="en-GB" sz="2000" dirty="0"/>
+              <a:rPr lang="en-GB" sz="1500" dirty="0"/>
               <a:t>Example 1</a:t>
             </a:r>
-            <a:endParaRPr lang="en-SE" sz="2000" dirty="0"/>
+            <a:endParaRPr lang="en-SE" sz="1500" dirty="0"/>
           </a:p>
         </p:txBody>
       </p:sp>
@@ -7030,8 +7175,8 @@
         </p:nvSpPr>
         <p:spPr>
           <a:xfrm>
-            <a:off x="7669746" y="6295965"/>
-            <a:ext cx="1254061" cy="400110"/>
+            <a:off x="5752309" y="5579224"/>
+            <a:ext cx="987514" cy="323165"/>
           </a:xfrm>
           <a:prstGeom prst="rect">
             <a:avLst/>
@@ -7045,10 +7190,10 @@
           <a:lstStyle/>
           <a:p>
             <a:r>
-              <a:rPr lang="en-GB" sz="2000" dirty="0"/>
+              <a:rPr lang="en-GB" sz="1500" dirty="0"/>
               <a:t>Example 2</a:t>
             </a:r>
-            <a:endParaRPr lang="en-SE" sz="2000" dirty="0"/>
+            <a:endParaRPr lang="en-SE" sz="1500" dirty="0"/>
           </a:p>
         </p:txBody>
       </p:sp>
@@ -7272,12 +7417,14 @@
         </p:nvSpPr>
         <p:spPr>
           <a:xfrm>
-            <a:off x="240145" y="0"/>
-            <a:ext cx="8675255" cy="838200"/>
+            <a:off x="1417894" y="495300"/>
+            <a:ext cx="6506441" cy="628650"/>
           </a:xfrm>
         </p:spPr>
         <p:txBody>
-          <a:bodyPr/>
+          <a:bodyPr>
+            <a:normAutofit fontScale="90000"/>
+          </a:bodyPr>
           <a:lstStyle/>
           <a:p>
             <a:r>
@@ -7299,8 +7446,8 @@
         </p:nvSpPr>
         <p:spPr>
           <a:xfrm>
-            <a:off x="240145" y="974725"/>
-            <a:ext cx="11720945" cy="5527675"/>
+            <a:off x="180109" y="1588294"/>
+            <a:ext cx="8790709" cy="4145756"/>
           </a:xfrm>
         </p:spPr>
         <p:txBody>
@@ -7310,40 +7457,40 @@
           <a:lstStyle/>
           <a:p>
             <a:r>
-              <a:rPr lang="en-US" sz="3200" dirty="0"/>
+              <a:rPr lang="en-US" dirty="0"/>
               <a:t>Radix = “The base of a number system” </a:t>
             </a:r>
           </a:p>
           <a:p>
             <a:r>
-              <a:rPr lang="en-US" sz="3200" dirty="0"/>
+              <a:rPr lang="en-US" dirty="0"/>
               <a:t>Radix is another term of “base” : number of unique digits, including the digit zero, used to represent numbers </a:t>
             </a:r>
           </a:p>
           <a:p>
             <a:r>
-              <a:rPr lang="en-US" sz="3200" dirty="0"/>
+              <a:rPr lang="en-US" dirty="0"/>
               <a:t>Radix of numbers:</a:t>
             </a:r>
           </a:p>
           <a:p>
             <a:pPr lvl="1"/>
             <a:r>
-              <a:rPr lang="en-US" sz="2800" dirty="0"/>
+              <a:rPr lang="en-US" sz="2100" dirty="0"/>
               <a:t>Binary numbers have a radix of 2</a:t>
             </a:r>
           </a:p>
           <a:p>
             <a:pPr lvl="1"/>
             <a:r>
-              <a:rPr lang="en-US" sz="2800" dirty="0"/>
+              <a:rPr lang="en-US" sz="2100" dirty="0"/>
               <a:t>decimals have a radix of 10</a:t>
             </a:r>
           </a:p>
           <a:p>
             <a:pPr lvl="1"/>
             <a:r>
-              <a:rPr lang="en-US" sz="2800" dirty="0"/>
+              <a:rPr lang="en-US" sz="2100" dirty="0"/>
               <a:t>hexadecimals have a radix of 16</a:t>
             </a:r>
           </a:p>
@@ -7415,12 +7562,14 @@
         </p:nvSpPr>
         <p:spPr>
           <a:xfrm>
-            <a:off x="240145" y="0"/>
-            <a:ext cx="8675255" cy="838200"/>
+            <a:off x="1318779" y="388531"/>
+            <a:ext cx="6506441" cy="628650"/>
           </a:xfrm>
         </p:spPr>
         <p:txBody>
-          <a:bodyPr/>
+          <a:bodyPr>
+            <a:normAutofit fontScale="90000"/>
+          </a:bodyPr>
           <a:lstStyle/>
           <a:p>
             <a:r>
@@ -7442,8 +7591,8 @@
         </p:nvSpPr>
         <p:spPr>
           <a:xfrm>
-            <a:off x="240145" y="974725"/>
-            <a:ext cx="11720945" cy="5527675"/>
+            <a:off x="180109" y="1588294"/>
+            <a:ext cx="8790709" cy="4145756"/>
           </a:xfrm>
         </p:spPr>
         <p:txBody>
@@ -7453,10 +7602,10 @@
           <a:lstStyle/>
           <a:p>
             <a:r>
-              <a:rPr lang="en-US" altLang="en-US" sz="3600" dirty="0"/>
+              <a:rPr lang="en-US" altLang="en-US" sz="2700" dirty="0"/>
               <a:t>Radix sort was first used in 1890 U.S. census by Hollerith</a:t>
             </a:r>
-            <a:endParaRPr lang="en-US" sz="3600" dirty="0"/>
+            <a:endParaRPr lang="en-US" sz="2700" dirty="0"/>
           </a:p>
           <a:p>
             <a:pPr>
@@ -7465,33 +7614,33 @@
               </a:lnSpc>
             </a:pPr>
             <a:r>
-              <a:rPr lang="en-US" sz="3600" dirty="0"/>
+              <a:rPr lang="en-US" sz="2700" dirty="0"/>
               <a:t>Very efficient when sorting a large number of elements</a:t>
             </a:r>
           </a:p>
           <a:p>
             <a:pPr lvl="1"/>
             <a:r>
-              <a:rPr lang="en-US" sz="3200" dirty="0"/>
+              <a:rPr lang="en-US" sz="2400" dirty="0"/>
               <a:t>O(n*k). n: number of elements; k: number of digits in the largest number</a:t>
             </a:r>
           </a:p>
           <a:p>
             <a:r>
-              <a:rPr lang="en-US" sz="3600" dirty="0"/>
+              <a:rPr lang="en-US" sz="2700" dirty="0"/>
               <a:t>May use more space than other sorting algorithms</a:t>
             </a:r>
           </a:p>
           <a:p>
             <a:pPr lvl="1"/>
             <a:r>
-              <a:rPr lang="en-US" sz="3200" dirty="0"/>
+              <a:rPr lang="en-US" sz="2400" dirty="0"/>
               <a:t>E.g., bubble sort is in-place sorting.</a:t>
             </a:r>
           </a:p>
           <a:p>
             <a:r>
-              <a:rPr lang="en-US" sz="3600" dirty="0">
+              <a:rPr lang="en-US" sz="2700" dirty="0">
                 <a:solidFill>
                   <a:srgbClr val="FF0000"/>
                 </a:solidFill>
@@ -7499,7 +7648,7 @@
               <a:t>Basic idea</a:t>
             </a:r>
             <a:r>
-              <a:rPr lang="en-US" sz="3600" dirty="0"/>
+              <a:rPr lang="en-US" sz="2700" dirty="0"/>
               <a:t>: Bucket sort on each digit, from least significant digit to most significant digit.</a:t>
             </a:r>
           </a:p>
@@ -7547,8 +7696,8 @@
         </p:nvSpPr>
         <p:spPr>
           <a:xfrm>
-            <a:off x="819150" y="0"/>
-            <a:ext cx="10515600" cy="962025"/>
+            <a:off x="539354" y="371822"/>
+            <a:ext cx="7886700" cy="721519"/>
           </a:xfrm>
         </p:spPr>
         <p:txBody>
@@ -7558,298 +7707,6 @@
             <a:r>
               <a:rPr lang="en-US" dirty="0"/>
               <a:t>Radix Sort Algorithm</a:t>
-            </a:r>
-          </a:p>
-        </p:txBody>
-      </p:sp>
-      <p:sp>
-        <p:nvSpPr>
-          <p:cNvPr id="4" name="Rectangle 3"/>
-          <p:cNvSpPr txBox="1">
-            <a:spLocks noChangeArrowheads="1"/>
-          </p:cNvSpPr>
-          <p:nvPr/>
-        </p:nvSpPr>
-        <p:spPr>
-          <a:xfrm>
-            <a:off x="981075" y="962025"/>
-            <a:ext cx="9991725" cy="5638801"/>
-          </a:xfrm>
-          <a:prstGeom prst="rect">
-            <a:avLst/>
-          </a:prstGeom>
-        </p:spPr>
-        <p:txBody>
-          <a:bodyPr vert="horz" lIns="91440" tIns="45720" rIns="91440" bIns="45720" rtlCol="0">
-            <a:normAutofit fontScale="92500" lnSpcReduction="10000"/>
-          </a:bodyPr>
-          <a:lstStyle>
-            <a:lvl1pPr marL="342900" indent="-342900" algn="l" defTabSz="914400" rtl="0" eaLnBrk="1" latinLnBrk="0" hangingPunct="1">
-              <a:spcBef>
-                <a:spcPct val="20000"/>
-              </a:spcBef>
-              <a:buFont typeface="Arial" panose="020B0604020202020204" pitchFamily="34" charset="0"/>
-              <a:buChar char="•"/>
-              <a:defRPr sz="3200" kern="1200">
-                <a:solidFill>
-                  <a:schemeClr val="tx1"/>
-                </a:solidFill>
-                <a:latin typeface="+mn-lt"/>
-                <a:ea typeface="+mn-ea"/>
-                <a:cs typeface="+mn-cs"/>
-              </a:defRPr>
-            </a:lvl1pPr>
-            <a:lvl2pPr marL="742950" indent="-285750" algn="l" defTabSz="914400" rtl="0" eaLnBrk="1" latinLnBrk="0" hangingPunct="1">
-              <a:spcBef>
-                <a:spcPct val="20000"/>
-              </a:spcBef>
-              <a:buFont typeface="Arial" panose="020B0604020202020204" pitchFamily="34" charset="0"/>
-              <a:buChar char="–"/>
-              <a:defRPr sz="2800" kern="1200">
-                <a:solidFill>
-                  <a:schemeClr val="tx1"/>
-                </a:solidFill>
-                <a:latin typeface="+mn-lt"/>
-                <a:ea typeface="+mn-ea"/>
-                <a:cs typeface="+mn-cs"/>
-              </a:defRPr>
-            </a:lvl2pPr>
-            <a:lvl3pPr marL="1143000" indent="-228600" algn="l" defTabSz="914400" rtl="0" eaLnBrk="1" latinLnBrk="0" hangingPunct="1">
-              <a:spcBef>
-                <a:spcPct val="20000"/>
-              </a:spcBef>
-              <a:buFont typeface="Arial" panose="020B0604020202020204" pitchFamily="34" charset="0"/>
-              <a:buChar char="•"/>
-              <a:defRPr sz="2400" kern="1200">
-                <a:solidFill>
-                  <a:schemeClr val="tx1"/>
-                </a:solidFill>
-                <a:latin typeface="+mn-lt"/>
-                <a:ea typeface="+mn-ea"/>
-                <a:cs typeface="+mn-cs"/>
-              </a:defRPr>
-            </a:lvl3pPr>
-            <a:lvl4pPr marL="1600200" indent="-228600" algn="l" defTabSz="914400" rtl="0" eaLnBrk="1" latinLnBrk="0" hangingPunct="1">
-              <a:spcBef>
-                <a:spcPct val="20000"/>
-              </a:spcBef>
-              <a:buFont typeface="Arial" panose="020B0604020202020204" pitchFamily="34" charset="0"/>
-              <a:buChar char="–"/>
-              <a:defRPr sz="2000" kern="1200">
-                <a:solidFill>
-                  <a:schemeClr val="tx1"/>
-                </a:solidFill>
-                <a:latin typeface="+mn-lt"/>
-                <a:ea typeface="+mn-ea"/>
-                <a:cs typeface="+mn-cs"/>
-              </a:defRPr>
-            </a:lvl4pPr>
-            <a:lvl5pPr marL="2057400" indent="-228600" algn="l" defTabSz="914400" rtl="0" eaLnBrk="1" latinLnBrk="0" hangingPunct="1">
-              <a:spcBef>
-                <a:spcPct val="20000"/>
-              </a:spcBef>
-              <a:buFont typeface="Arial" panose="020B0604020202020204" pitchFamily="34" charset="0"/>
-              <a:buChar char="»"/>
-              <a:defRPr sz="2000" kern="1200">
-                <a:solidFill>
-                  <a:schemeClr val="tx1"/>
-                </a:solidFill>
-                <a:latin typeface="+mn-lt"/>
-                <a:ea typeface="+mn-ea"/>
-                <a:cs typeface="+mn-cs"/>
-              </a:defRPr>
-            </a:lvl5pPr>
-            <a:lvl6pPr marL="2514600" indent="-228600" algn="l" defTabSz="914400" rtl="0" eaLnBrk="1" latinLnBrk="0" hangingPunct="1">
-              <a:spcBef>
-                <a:spcPct val="20000"/>
-              </a:spcBef>
-              <a:buFont typeface="Arial" panose="020B0604020202020204" pitchFamily="34" charset="0"/>
-              <a:buChar char="•"/>
-              <a:defRPr sz="2000" kern="1200">
-                <a:solidFill>
-                  <a:schemeClr val="tx1"/>
-                </a:solidFill>
-                <a:latin typeface="+mn-lt"/>
-                <a:ea typeface="+mn-ea"/>
-                <a:cs typeface="+mn-cs"/>
-              </a:defRPr>
-            </a:lvl6pPr>
-            <a:lvl7pPr marL="2971800" indent="-228600" algn="l" defTabSz="914400" rtl="0" eaLnBrk="1" latinLnBrk="0" hangingPunct="1">
-              <a:spcBef>
-                <a:spcPct val="20000"/>
-              </a:spcBef>
-              <a:buFont typeface="Arial" panose="020B0604020202020204" pitchFamily="34" charset="0"/>
-              <a:buChar char="•"/>
-              <a:defRPr sz="2000" kern="1200">
-                <a:solidFill>
-                  <a:schemeClr val="tx1"/>
-                </a:solidFill>
-                <a:latin typeface="+mn-lt"/>
-                <a:ea typeface="+mn-ea"/>
-                <a:cs typeface="+mn-cs"/>
-              </a:defRPr>
-            </a:lvl7pPr>
-            <a:lvl8pPr marL="3429000" indent="-228600" algn="l" defTabSz="914400" rtl="0" eaLnBrk="1" latinLnBrk="0" hangingPunct="1">
-              <a:spcBef>
-                <a:spcPct val="20000"/>
-              </a:spcBef>
-              <a:buFont typeface="Arial" panose="020B0604020202020204" pitchFamily="34" charset="0"/>
-              <a:buChar char="•"/>
-              <a:defRPr sz="2000" kern="1200">
-                <a:solidFill>
-                  <a:schemeClr val="tx1"/>
-                </a:solidFill>
-                <a:latin typeface="+mn-lt"/>
-                <a:ea typeface="+mn-ea"/>
-                <a:cs typeface="+mn-cs"/>
-              </a:defRPr>
-            </a:lvl8pPr>
-            <a:lvl9pPr marL="3886200" indent="-228600" algn="l" defTabSz="914400" rtl="0" eaLnBrk="1" latinLnBrk="0" hangingPunct="1">
-              <a:spcBef>
-                <a:spcPct val="20000"/>
-              </a:spcBef>
-              <a:buFont typeface="Arial" panose="020B0604020202020204" pitchFamily="34" charset="0"/>
-              <a:buChar char="•"/>
-              <a:defRPr sz="2000" kern="1200">
-                <a:solidFill>
-                  <a:schemeClr val="tx1"/>
-                </a:solidFill>
-                <a:latin typeface="+mn-lt"/>
-                <a:ea typeface="+mn-ea"/>
-                <a:cs typeface="+mn-cs"/>
-              </a:defRPr>
-            </a:lvl9pPr>
-          </a:lstStyle>
-          <a:p>
-            <a:pPr>
-              <a:buFontTx/>
-              <a:buNone/>
-            </a:pPr>
-            <a:r>
-              <a:rPr lang="en-US" sz="2800" dirty="0" err="1"/>
-              <a:t>radix_sort</a:t>
-            </a:r>
-            <a:r>
-              <a:rPr lang="en-US" sz="2800" dirty="0"/>
-              <a:t>(A, n, k) {</a:t>
-            </a:r>
-          </a:p>
-          <a:p>
-            <a:pPr>
-              <a:buFontTx/>
-              <a:buNone/>
-            </a:pPr>
-            <a:r>
-              <a:rPr lang="en-US" sz="2800" dirty="0"/>
-              <a:t>    /* A: array; n: number of elements; k: number of digits in the largest number */</a:t>
-            </a:r>
-          </a:p>
-          <a:p>
-            <a:pPr>
-              <a:buFontTx/>
-              <a:buNone/>
-            </a:pPr>
-            <a:r>
-              <a:rPr lang="en-US" sz="2800" dirty="0"/>
-              <a:t>    create buckets  (buckets can be arrays or lists)</a:t>
-            </a:r>
-          </a:p>
-          <a:p>
-            <a:pPr>
-              <a:buFontTx/>
-              <a:buNone/>
-            </a:pPr>
-            <a:r>
-              <a:rPr lang="en-US" sz="2800" dirty="0"/>
-              <a:t>	for (d = 0; d &lt;k; d++) {</a:t>
-            </a:r>
-          </a:p>
-          <a:p>
-            <a:pPr>
-              <a:buFontTx/>
-              <a:buNone/>
-            </a:pPr>
-            <a:r>
-              <a:rPr lang="en-US" sz="2800" dirty="0"/>
-              <a:t>		/* sort A using digit position d as the key. */</a:t>
-            </a:r>
-          </a:p>
-          <a:p>
-            <a:pPr>
-              <a:buFontTx/>
-              <a:buNone/>
-            </a:pPr>
-            <a:r>
-              <a:rPr lang="en-US" sz="2800" dirty="0"/>
-              <a:t>		for (i = 0; i&lt;n; i++) {</a:t>
-            </a:r>
-          </a:p>
-          <a:p>
-            <a:pPr>
-              <a:buFontTx/>
-              <a:buNone/>
-            </a:pPr>
-            <a:r>
-              <a:rPr lang="en-US" sz="2800" dirty="0"/>
-              <a:t>			p = the d-</a:t>
-            </a:r>
-            <a:r>
-              <a:rPr lang="en-US" sz="2800" dirty="0" err="1"/>
-              <a:t>th</a:t>
-            </a:r>
-            <a:r>
-              <a:rPr lang="en-US" sz="2800" dirty="0"/>
-              <a:t> digit  (from right) of A[i]</a:t>
-            </a:r>
-          </a:p>
-          <a:p>
-            <a:pPr>
-              <a:buFontTx/>
-              <a:buNone/>
-            </a:pPr>
-            <a:r>
-              <a:rPr lang="en-US" sz="2800" dirty="0"/>
-              <a:t>			Add A[i] to bucket p</a:t>
-            </a:r>
-          </a:p>
-          <a:p>
-            <a:pPr>
-              <a:buFontTx/>
-              <a:buNone/>
-            </a:pPr>
-            <a:r>
-              <a:rPr lang="en-US" sz="2800" dirty="0"/>
-              <a:t>           }</a:t>
-            </a:r>
-          </a:p>
-          <a:p>
-            <a:pPr>
-              <a:buFontTx/>
-              <a:buNone/>
-            </a:pPr>
-            <a:r>
-              <a:rPr lang="en-US" sz="2800" dirty="0"/>
-              <a:t>	     A = Join the buckets</a:t>
-            </a:r>
-          </a:p>
-          <a:p>
-            <a:pPr>
-              <a:buFontTx/>
-              <a:buNone/>
-            </a:pPr>
-            <a:r>
-              <a:rPr lang="en-US" sz="2800" dirty="0"/>
-              <a:t>    }</a:t>
-            </a:r>
-          </a:p>
-          <a:p>
-            <a:pPr>
-              <a:buFontTx/>
-              <a:buNone/>
-            </a:pPr>
-            <a:r>
-              <a:rPr lang="en-US" sz="2800" dirty="0"/>
-              <a:t>}</a:t>
             </a:r>
           </a:p>
         </p:txBody>
@@ -7868,8 +7725,8 @@
         </p:nvSpPr>
         <p:spPr>
           <a:xfrm>
-            <a:off x="4739274" y="6139161"/>
-            <a:ext cx="3149388" cy="461665"/>
+            <a:off x="3519349" y="6319467"/>
+            <a:ext cx="2412263" cy="369332"/>
           </a:xfrm>
           <a:prstGeom prst="rect">
             <a:avLst/>
@@ -7895,16 +7752,288 @@
           </a:fontRef>
         </p:style>
         <p:txBody>
-          <a:bodyPr wrap="none" rtlCol="0">
+          <a:bodyPr wrap="square" rtlCol="0">
             <a:spAutoFit/>
           </a:bodyPr>
           <a:lstStyle/>
           <a:p>
             <a:r>
-              <a:rPr lang="en-GB" sz="2400" dirty="0"/>
+              <a:rPr lang="en-GB" dirty="0"/>
               <a:t>Time complexity O(n*k)</a:t>
             </a:r>
-            <a:endParaRPr lang="en-SE" sz="2400" dirty="0"/>
+            <a:endParaRPr lang="en-SE" dirty="0"/>
+          </a:p>
+        </p:txBody>
+      </p:sp>
+      <p:sp>
+        <p:nvSpPr>
+          <p:cNvPr id="3" name="Rectangle 2">
+            <a:extLst>
+              <a:ext uri="{FF2B5EF4-FFF2-40B4-BE49-F238E27FC236}">
+                <a16:creationId xmlns:a16="http://schemas.microsoft.com/office/drawing/2014/main" id="{6A52E85B-459A-0428-5E96-BBA4FE3312E8}"/>
+              </a:ext>
+            </a:extLst>
+          </p:cNvPr>
+          <p:cNvSpPr/>
+          <p:nvPr/>
+        </p:nvSpPr>
+        <p:spPr>
+          <a:xfrm>
+            <a:off x="1344025" y="1270978"/>
+            <a:ext cx="6762912" cy="4989186"/>
+          </a:xfrm>
+          <a:prstGeom prst="rect">
+            <a:avLst/>
+          </a:prstGeom>
+          <a:solidFill>
+            <a:schemeClr val="bg1">
+              <a:lumMod val="95000"/>
+            </a:schemeClr>
+          </a:solidFill>
+          <a:ln>
+            <a:solidFill>
+              <a:schemeClr val="accent1"/>
+            </a:solidFill>
+          </a:ln>
+        </p:spPr>
+        <p:txBody>
+          <a:bodyPr wrap="square">
+            <a:spAutoFit/>
+          </a:bodyPr>
+          <a:lstStyle/>
+          <a:p>
+            <a:pPr>
+              <a:lnSpc>
+                <a:spcPct val="150000"/>
+              </a:lnSpc>
+            </a:pPr>
+            <a:r>
+              <a:rPr lang="en-GB" sz="1600" dirty="0" err="1">
+                <a:solidFill>
+                  <a:srgbClr val="000000"/>
+                </a:solidFill>
+                <a:latin typeface="Menlo Bold"/>
+                <a:cs typeface="Menlo Bold"/>
+              </a:rPr>
+              <a:t>radix_sort</a:t>
+            </a:r>
+            <a:r>
+              <a:rPr lang="en-GB" sz="1600" dirty="0">
+                <a:solidFill>
+                  <a:srgbClr val="000000"/>
+                </a:solidFill>
+                <a:latin typeface="Menlo Bold"/>
+                <a:cs typeface="Menlo Bold"/>
+              </a:rPr>
+              <a:t>(A, n, k) {</a:t>
+            </a:r>
+          </a:p>
+          <a:p>
+            <a:pPr>
+              <a:lnSpc>
+                <a:spcPct val="150000"/>
+              </a:lnSpc>
+            </a:pPr>
+            <a:r>
+              <a:rPr lang="en-GB" sz="1600" dirty="0">
+                <a:solidFill>
+                  <a:srgbClr val="000000"/>
+                </a:solidFill>
+                <a:latin typeface="Menlo Bold"/>
+                <a:cs typeface="Menlo Bold"/>
+              </a:rPr>
+              <a:t>    /* A: array; n: number of elements; k: number of digits in the largest number */</a:t>
+            </a:r>
+          </a:p>
+          <a:p>
+            <a:pPr>
+              <a:lnSpc>
+                <a:spcPct val="150000"/>
+              </a:lnSpc>
+            </a:pPr>
+            <a:r>
+              <a:rPr lang="en-GB" sz="1600" dirty="0">
+                <a:solidFill>
+                  <a:srgbClr val="000000"/>
+                </a:solidFill>
+                <a:latin typeface="Menlo Bold"/>
+                <a:cs typeface="Menlo Bold"/>
+              </a:rPr>
+              <a:t>    create buckets  (buckets can be arrays or lists)</a:t>
+            </a:r>
+          </a:p>
+          <a:p>
+            <a:pPr>
+              <a:lnSpc>
+                <a:spcPct val="150000"/>
+              </a:lnSpc>
+            </a:pPr>
+            <a:r>
+              <a:rPr lang="en-GB" sz="1600" dirty="0">
+                <a:solidFill>
+                  <a:srgbClr val="000000"/>
+                </a:solidFill>
+                <a:latin typeface="Menlo Bold"/>
+                <a:cs typeface="Menlo Bold"/>
+              </a:rPr>
+              <a:t>	for (d = 0; d &lt;k; d++) {</a:t>
+            </a:r>
+          </a:p>
+          <a:p>
+            <a:pPr>
+              <a:lnSpc>
+                <a:spcPct val="150000"/>
+              </a:lnSpc>
+            </a:pPr>
+            <a:r>
+              <a:rPr lang="en-GB" sz="1600" dirty="0">
+                <a:solidFill>
+                  <a:srgbClr val="000000"/>
+                </a:solidFill>
+                <a:latin typeface="Menlo Bold"/>
+                <a:cs typeface="Menlo Bold"/>
+              </a:rPr>
+              <a:t>		/* sort A using digit position d as the key. */</a:t>
+            </a:r>
+          </a:p>
+          <a:p>
+            <a:pPr>
+              <a:lnSpc>
+                <a:spcPct val="150000"/>
+              </a:lnSpc>
+            </a:pPr>
+            <a:r>
+              <a:rPr lang="en-GB" sz="1600" dirty="0">
+                <a:solidFill>
+                  <a:srgbClr val="000000"/>
+                </a:solidFill>
+                <a:latin typeface="Menlo Bold"/>
+                <a:cs typeface="Menlo Bold"/>
+              </a:rPr>
+              <a:t>		for (i = 0; i&lt;n; i++) {</a:t>
+            </a:r>
+          </a:p>
+          <a:p>
+            <a:pPr>
+              <a:lnSpc>
+                <a:spcPct val="150000"/>
+              </a:lnSpc>
+            </a:pPr>
+            <a:r>
+              <a:rPr lang="en-GB" sz="1600" dirty="0">
+                <a:solidFill>
+                  <a:srgbClr val="000000"/>
+                </a:solidFill>
+                <a:latin typeface="Menlo Bold"/>
+                <a:cs typeface="Menlo Bold"/>
+              </a:rPr>
+              <a:t>			p = the d-</a:t>
+            </a:r>
+            <a:r>
+              <a:rPr lang="en-GB" sz="1600" dirty="0" err="1">
+                <a:solidFill>
+                  <a:srgbClr val="000000"/>
+                </a:solidFill>
+                <a:latin typeface="Menlo Bold"/>
+                <a:cs typeface="Menlo Bold"/>
+              </a:rPr>
+              <a:t>th</a:t>
+            </a:r>
+            <a:r>
+              <a:rPr lang="en-GB" sz="1600" dirty="0">
+                <a:solidFill>
+                  <a:srgbClr val="000000"/>
+                </a:solidFill>
+                <a:latin typeface="Menlo Bold"/>
+                <a:cs typeface="Menlo Bold"/>
+              </a:rPr>
+              <a:t> digit  (from right) of A[i]</a:t>
+            </a:r>
+          </a:p>
+          <a:p>
+            <a:pPr>
+              <a:lnSpc>
+                <a:spcPct val="150000"/>
+              </a:lnSpc>
+            </a:pPr>
+            <a:r>
+              <a:rPr lang="en-GB" sz="1600" dirty="0">
+                <a:solidFill>
+                  <a:srgbClr val="000000"/>
+                </a:solidFill>
+                <a:latin typeface="Menlo Bold"/>
+                <a:cs typeface="Menlo Bold"/>
+              </a:rPr>
+              <a:t>			Add A[i] to bucket p</a:t>
+            </a:r>
+          </a:p>
+          <a:p>
+            <a:pPr>
+              <a:lnSpc>
+                <a:spcPct val="150000"/>
+              </a:lnSpc>
+            </a:pPr>
+            <a:r>
+              <a:rPr lang="en-GB" sz="1600" dirty="0">
+                <a:solidFill>
+                  <a:srgbClr val="000000"/>
+                </a:solidFill>
+                <a:latin typeface="Menlo Bold"/>
+                <a:cs typeface="Menlo Bold"/>
+              </a:rPr>
+              <a:t>           }</a:t>
+            </a:r>
+          </a:p>
+          <a:p>
+            <a:pPr>
+              <a:lnSpc>
+                <a:spcPct val="150000"/>
+              </a:lnSpc>
+            </a:pPr>
+            <a:r>
+              <a:rPr lang="en-GB" sz="1600" dirty="0">
+                <a:solidFill>
+                  <a:srgbClr val="000000"/>
+                </a:solidFill>
+                <a:latin typeface="Menlo Bold"/>
+                <a:cs typeface="Menlo Bold"/>
+              </a:rPr>
+              <a:t>	     A = Join the buckets</a:t>
+            </a:r>
+          </a:p>
+          <a:p>
+            <a:pPr>
+              <a:lnSpc>
+                <a:spcPct val="150000"/>
+              </a:lnSpc>
+            </a:pPr>
+            <a:r>
+              <a:rPr lang="en-GB" sz="1600" dirty="0">
+                <a:solidFill>
+                  <a:srgbClr val="000000"/>
+                </a:solidFill>
+                <a:latin typeface="Menlo Bold"/>
+                <a:cs typeface="Menlo Bold"/>
+              </a:rPr>
+              <a:t>    }</a:t>
+            </a:r>
+          </a:p>
+          <a:p>
+            <a:pPr>
+              <a:lnSpc>
+                <a:spcPct val="150000"/>
+              </a:lnSpc>
+            </a:pPr>
+            <a:r>
+              <a:rPr lang="en-GB" sz="1600" dirty="0">
+                <a:solidFill>
+                  <a:srgbClr val="000000"/>
+                </a:solidFill>
+                <a:latin typeface="Menlo Bold"/>
+                <a:cs typeface="Menlo Bold"/>
+              </a:rPr>
+              <a:t>}</a:t>
+            </a:r>
           </a:p>
         </p:txBody>
       </p:sp>
@@ -7918,6 +8047,84 @@
   <p:clrMapOvr>
     <a:masterClrMapping/>
   </p:clrMapOvr>
+  <p:timing>
+    <p:tnLst>
+      <p:par>
+        <p:cTn id="1" dur="indefinite" restart="never" nodeType="tmRoot">
+          <p:childTnLst>
+            <p:seq concurrent="1" nextAc="seek">
+              <p:cTn id="2" dur="indefinite" nodeType="mainSeq">
+                <p:childTnLst>
+                  <p:par>
+                    <p:cTn id="3" fill="hold">
+                      <p:stCondLst>
+                        <p:cond delay="indefinite"/>
+                      </p:stCondLst>
+                      <p:childTnLst>
+                        <p:par>
+                          <p:cTn id="4" fill="hold">
+                            <p:stCondLst>
+                              <p:cond delay="0"/>
+                            </p:stCondLst>
+                            <p:childTnLst>
+                              <p:par>
+                                <p:cTn id="5" presetID="1" presetClass="entr" presetSubtype="0" fill="hold" grpId="0" nodeType="clickEffect">
+                                  <p:stCondLst>
+                                    <p:cond delay="0"/>
+                                  </p:stCondLst>
+                                  <p:childTnLst>
+                                    <p:set>
+                                      <p:cBhvr>
+                                        <p:cTn id="6" dur="1" fill="hold">
+                                          <p:stCondLst>
+                                            <p:cond delay="0"/>
+                                          </p:stCondLst>
+                                        </p:cTn>
+                                        <p:tgtEl>
+                                          <p:spTgt spid="3"/>
+                                        </p:tgtEl>
+                                        <p:attrNameLst>
+                                          <p:attrName>style.visibility</p:attrName>
+                                        </p:attrNameLst>
+                                      </p:cBhvr>
+                                      <p:to>
+                                        <p:strVal val="visible"/>
+                                      </p:to>
+                                    </p:set>
+                                  </p:childTnLst>
+                                </p:cTn>
+                              </p:par>
+                            </p:childTnLst>
+                          </p:cTn>
+                        </p:par>
+                      </p:childTnLst>
+                    </p:cTn>
+                  </p:par>
+                </p:childTnLst>
+              </p:cTn>
+              <p:prevCondLst>
+                <p:cond evt="onPrev" delay="0">
+                  <p:tgtEl>
+                    <p:sldTgt/>
+                  </p:tgtEl>
+                </p:cond>
+              </p:prevCondLst>
+              <p:nextCondLst>
+                <p:cond evt="onNext" delay="0">
+                  <p:tgtEl>
+                    <p:sldTgt/>
+                  </p:tgtEl>
+                </p:cond>
+              </p:nextCondLst>
+            </p:seq>
+          </p:childTnLst>
+        </p:cTn>
+      </p:par>
+    </p:tnLst>
+    <p:bldLst>
+      <p:bldP spid="3" grpId="0" animBg="1"/>
+    </p:bldLst>
+  </p:timing>
 </p:sld>
 </file>
 
@@ -7985,13 +8192,13 @@
         </p:nvSpPr>
         <p:spPr>
           <a:xfrm>
-            <a:off x="838200" y="1825625"/>
-            <a:ext cx="4690241" cy="4351338"/>
+            <a:off x="628650" y="2226469"/>
+            <a:ext cx="3517681" cy="3263504"/>
           </a:xfrm>
         </p:spPr>
         <p:txBody>
           <a:bodyPr>
-            <a:normAutofit lnSpcReduction="10000"/>
+            <a:normAutofit fontScale="85000" lnSpcReduction="10000"/>
           </a:bodyPr>
           <a:lstStyle/>
           <a:p>
@@ -8038,8 +8245,8 @@
         </p:blipFill>
         <p:spPr bwMode="auto">
           <a:xfrm>
-            <a:off x="6663561" y="1026429"/>
-            <a:ext cx="5018087" cy="2113728"/>
+            <a:off x="4997671" y="1627072"/>
+            <a:ext cx="3763565" cy="1585296"/>
           </a:xfrm>
           <a:prstGeom prst="rect">
             <a:avLst/>
@@ -8085,8 +8292,8 @@
         </p:blipFill>
         <p:spPr bwMode="auto">
           <a:xfrm>
-            <a:off x="6663561" y="3801461"/>
-            <a:ext cx="5018087" cy="2113728"/>
+            <a:off x="4997671" y="3708346"/>
+            <a:ext cx="3763565" cy="1585296"/>
           </a:xfrm>
           <a:prstGeom prst="rect">
             <a:avLst/>
@@ -8117,8 +8324,8 @@
         </p:nvSpPr>
         <p:spPr>
           <a:xfrm>
-            <a:off x="7207963" y="3101477"/>
-            <a:ext cx="3929281" cy="369332"/>
+            <a:off x="5405973" y="3183358"/>
+            <a:ext cx="2993127" cy="300082"/>
           </a:xfrm>
           <a:prstGeom prst="rect">
             <a:avLst/>
@@ -8132,16 +8339,15 @@
           <a:lstStyle/>
           <a:p>
             <a:r>
-              <a:rPr lang="en-GB" b="0" i="0" dirty="0">
+              <a:rPr lang="en-GB" sz="1350" dirty="0">
                 <a:solidFill>
                   <a:srgbClr val="202122"/>
                 </a:solidFill>
-                <a:effectLst/>
                 <a:latin typeface="Arial" panose="020B0604020202020204" pitchFamily="34" charset="0"/>
               </a:rPr>
               <a:t>Elements are distributed among bins</a:t>
             </a:r>
-            <a:endParaRPr lang="en-SE" dirty="0"/>
+            <a:endParaRPr lang="en-SE" sz="1350" dirty="0"/>
           </a:p>
         </p:txBody>
       </p:sp>
@@ -8159,8 +8365,8 @@
         </p:nvSpPr>
         <p:spPr>
           <a:xfrm>
-            <a:off x="7041931" y="5901559"/>
-            <a:ext cx="4467890" cy="369332"/>
+            <a:off x="5281448" y="5283419"/>
+            <a:ext cx="3397084" cy="300082"/>
           </a:xfrm>
           <a:prstGeom prst="rect">
             <a:avLst/>
@@ -8174,16 +8380,15 @@
           <a:lstStyle/>
           <a:p>
             <a:r>
-              <a:rPr lang="en-GB" b="0" i="0" dirty="0">
+              <a:rPr lang="en-GB" sz="1350" dirty="0">
                 <a:solidFill>
                   <a:srgbClr val="202122"/>
                 </a:solidFill>
-                <a:effectLst/>
                 <a:latin typeface="Arial" panose="020B0604020202020204" pitchFamily="34" charset="0"/>
               </a:rPr>
               <a:t>Then, elements are sorted within each bin</a:t>
             </a:r>
-            <a:endParaRPr lang="en-SE" dirty="0"/>
+            <a:endParaRPr lang="en-SE" sz="1350" dirty="0"/>
           </a:p>
         </p:txBody>
       </p:sp>
@@ -8201,8 +8406,8 @@
         </p:nvSpPr>
         <p:spPr>
           <a:xfrm>
-            <a:off x="8930287" y="3470809"/>
-            <a:ext cx="484632" cy="369333"/>
+            <a:off x="6697715" y="3460357"/>
+            <a:ext cx="363474" cy="277000"/>
           </a:xfrm>
           <a:prstGeom prst="downArrow">
             <a:avLst/>
@@ -8232,7 +8437,7 @@
           <a:lstStyle/>
           <a:p>
             <a:pPr algn="ctr"/>
-            <a:endParaRPr lang="en-SE"/>
+            <a:endParaRPr lang="en-SE" sz="1350"/>
           </a:p>
         </p:txBody>
       </p:sp>
@@ -8250,8 +8455,8 @@
         </p:nvSpPr>
         <p:spPr>
           <a:xfrm>
-            <a:off x="1389426" y="6289619"/>
-            <a:ext cx="3905731" cy="523220"/>
+            <a:off x="1042070" y="5574464"/>
+            <a:ext cx="2929298" cy="577081"/>
           </a:xfrm>
           <a:prstGeom prst="rect">
             <a:avLst/>
@@ -8279,27 +8484,27 @@
           <a:lstStyle/>
           <a:p>
             <a:r>
-              <a:rPr lang="en-GB" sz="1400" dirty="0"/>
+              <a:rPr lang="en-GB" sz="1050" dirty="0"/>
               <a:t>Bucket Sort | </a:t>
             </a:r>
             <a:r>
-              <a:rPr lang="en-GB" sz="1400" dirty="0" err="1"/>
+              <a:rPr lang="en-GB" sz="1050" dirty="0" err="1"/>
               <a:t>GeeksforGeeks</a:t>
             </a:r>
-            <a:endParaRPr lang="en-GB" sz="1400" dirty="0"/>
-          </a:p>
-          <a:p>
-            <a:r>
-              <a:rPr lang="en-GB" sz="1400" dirty="0">
+            <a:endParaRPr lang="en-GB" sz="1050" dirty="0"/>
+          </a:p>
+          <a:p>
+            <a:r>
+              <a:rPr lang="en-GB" sz="1050" dirty="0">
                 <a:hlinkClick r:id="rId4"/>
               </a:rPr>
               <a:t>https://www.youtube.com/watch?v=VuXbEb5ywrU</a:t>
             </a:r>
             <a:r>
-              <a:rPr lang="en-GB" sz="1400" dirty="0"/>
+              <a:rPr lang="en-GB" sz="1050" dirty="0"/>
               <a:t> </a:t>
             </a:r>
-            <a:endParaRPr lang="en-SE" sz="1400" dirty="0"/>
+            <a:endParaRPr lang="en-SE" sz="1050" dirty="0"/>
           </a:p>
         </p:txBody>
       </p:sp>
@@ -8317,8 +8522,8 @@
         </p:nvSpPr>
         <p:spPr>
           <a:xfrm>
-            <a:off x="7827508" y="6426855"/>
-            <a:ext cx="3418562" cy="307777"/>
+            <a:off x="5870631" y="5677391"/>
+            <a:ext cx="2563922" cy="253916"/>
           </a:xfrm>
           <a:prstGeom prst="rect">
             <a:avLst/>
@@ -8346,16 +8551,16 @@
           <a:lstStyle/>
           <a:p>
             <a:r>
-              <a:rPr lang="en-SE" sz="1400" dirty="0">
+              <a:rPr lang="en-SE" sz="1050" dirty="0">
                 <a:hlinkClick r:id="rId5"/>
               </a:rPr>
               <a:t>https://en.wikipedia.org/wiki/Bucket_sort</a:t>
             </a:r>
             <a:r>
-              <a:rPr lang="en-US" sz="1400" dirty="0"/>
+              <a:rPr lang="en-US" sz="1050" dirty="0"/>
               <a:t> </a:t>
             </a:r>
-            <a:endParaRPr lang="en-SE" sz="1400" dirty="0"/>
+            <a:endParaRPr lang="en-SE" sz="1050" dirty="0"/>
           </a:p>
         </p:txBody>
       </p:sp>
@@ -8425,8 +8630,8 @@
         </p:nvSpPr>
         <p:spPr>
           <a:xfrm>
-            <a:off x="838200" y="115743"/>
-            <a:ext cx="10515600" cy="1048039"/>
+            <a:off x="628650" y="592649"/>
+            <a:ext cx="7886700" cy="786029"/>
           </a:xfrm>
         </p:spPr>
         <p:txBody>
@@ -8452,12 +8657,14 @@
         </p:nvSpPr>
         <p:spPr>
           <a:xfrm>
-            <a:off x="838200" y="1040534"/>
-            <a:ext cx="10515600" cy="1702666"/>
+            <a:off x="628650" y="1637650"/>
+            <a:ext cx="7886700" cy="1277000"/>
           </a:xfrm>
         </p:spPr>
         <p:txBody>
-          <a:bodyPr/>
+          <a:bodyPr>
+            <a:normAutofit lnSpcReduction="10000"/>
+          </a:bodyPr>
           <a:lstStyle/>
           <a:p>
             <a:r>
@@ -8485,31 +8692,25 @@
           <p:cNvGraphicFramePr>
             <a:graphicFrameLocks noGrp="1"/>
           </p:cNvGraphicFramePr>
-          <p:nvPr>
-            <p:extLst>
-              <p:ext uri="{D42A27DB-BD31-4B8C-83A1-F6EECF244321}">
-                <p14:modId xmlns:p14="http://schemas.microsoft.com/office/powerpoint/2010/main" val="2180975794"/>
-              </p:ext>
-            </p:extLst>
-          </p:nvPr>
+          <p:nvPr/>
         </p:nvGraphicFramePr>
         <p:xfrm>
-          <a:off x="2445327" y="3612515"/>
-          <a:ext cx="2667000" cy="3108960"/>
+          <a:off x="1833995" y="3566636"/>
+          <a:ext cx="2000250" cy="2331720"/>
         </p:xfrm>
         <a:graphic>
           <a:graphicData uri="http://schemas.openxmlformats.org/drawingml/2006/table">
             <a:tbl>
               <a:tblPr/>
               <a:tblGrid>
-                <a:gridCol w="1333500">
+                <a:gridCol w="1000125">
                   <a:extLst>
                     <a:ext uri="{9D8B030D-6E8A-4147-A177-3AD203B41FA5}">
                       <a16:colId xmlns:a16="http://schemas.microsoft.com/office/drawing/2014/main" val="2385319226"/>
                     </a:ext>
                   </a:extLst>
                 </a:gridCol>
-                <a:gridCol w="1333500">
+                <a:gridCol w="1000125">
                   <a:extLst>
                     <a:ext uri="{9D8B030D-6E8A-4147-A177-3AD203B41FA5}">
                       <a16:colId xmlns:a16="http://schemas.microsoft.com/office/drawing/2014/main" val="1118162888"/>
@@ -8517,7 +8718,7 @@
                   </a:extLst>
                 </a:gridCol>
               </a:tblGrid>
-              <a:tr h="454025">
+              <a:tr h="388620">
                 <a:tc gridSpan="2">
                   <a:txBody>
                     <a:bodyPr/>
@@ -8652,7 +8853,7 @@
                         <a:tabLst/>
                       </a:pPr>
                       <a:r>
-                        <a:rPr kumimoji="0" lang="en-US" altLang="en-US" sz="2800" b="0" i="0" u="none" strike="noStrike" cap="none" normalizeH="0" baseline="0" dirty="0">
+                        <a:rPr kumimoji="0" lang="en-US" altLang="en-US" sz="2100" b="0" i="0" u="none" strike="noStrike" cap="none" normalizeH="0" baseline="0" dirty="0">
                           <a:ln>
                             <a:noFill/>
                           </a:ln>
@@ -8666,7 +8867,7 @@
                       </a:r>
                     </a:p>
                   </a:txBody>
-                  <a:tcPr horzOverflow="overflow">
+                  <a:tcPr marL="68580" marR="68580" marT="34290" marB="34290" horzOverflow="overflow">
                     <a:lnL w="28575" cap="flat" cmpd="sng" algn="ctr">
                       <a:solidFill>
                         <a:schemeClr val="tx1"/>
@@ -8728,7 +8929,7 @@
                   </a:ext>
                 </a:extLst>
               </a:tr>
-              <a:tr h="259080">
+              <a:tr h="388620">
                 <a:tc>
                   <a:txBody>
                     <a:bodyPr/>
@@ -8863,7 +9064,7 @@
                         <a:tabLst/>
                       </a:pPr>
                       <a:r>
-                        <a:rPr kumimoji="0" lang="en-US" altLang="en-US" sz="2800" b="0" i="0" u="none" strike="noStrike" cap="none" normalizeH="0" baseline="0" dirty="0">
+                        <a:rPr kumimoji="0" lang="en-US" altLang="en-US" sz="2100" b="0" i="0" u="none" strike="noStrike" cap="none" normalizeH="0" baseline="0" dirty="0">
                           <a:ln>
                             <a:noFill/>
                           </a:ln>
@@ -8877,7 +9078,7 @@
                       </a:r>
                     </a:p>
                   </a:txBody>
-                  <a:tcPr horzOverflow="overflow">
+                  <a:tcPr marL="68580" marR="68580" marT="34290" marB="34290" horzOverflow="overflow">
                     <a:lnL w="28575" cap="flat" cmpd="sng" algn="ctr">
                       <a:solidFill>
                         <a:schemeClr val="tx1"/>
@@ -9057,7 +9258,7 @@
                         <a:tabLst/>
                       </a:pPr>
                       <a:r>
-                        <a:rPr kumimoji="0" lang="en-US" altLang="en-US" sz="2800" b="0" i="0" u="none" strike="noStrike" cap="none" normalizeH="0" baseline="0" dirty="0">
+                        <a:rPr kumimoji="0" lang="en-US" altLang="en-US" sz="2100" b="0" i="0" u="none" strike="noStrike" cap="none" normalizeH="0" baseline="0" dirty="0">
                           <a:ln>
                             <a:noFill/>
                           </a:ln>
@@ -9071,7 +9272,7 @@
                       </a:r>
                     </a:p>
                   </a:txBody>
-                  <a:tcPr horzOverflow="overflow">
+                  <a:tcPr marL="68580" marR="68580" marT="34290" marB="34290" horzOverflow="overflow">
                     <a:lnL w="12700" cap="flat" cmpd="sng" algn="ctr">
                       <a:solidFill>
                         <a:schemeClr val="tx1"/>
@@ -9123,7 +9324,7 @@
                   </a:ext>
                 </a:extLst>
               </a:tr>
-              <a:tr h="259080">
+              <a:tr h="388620">
                 <a:tc>
                   <a:txBody>
                     <a:bodyPr/>
@@ -9147,7 +9348,7 @@
                         <a:defRPr/>
                       </a:pPr>
                       <a:r>
-                        <a:rPr kumimoji="0" lang="en-US" altLang="en-US" sz="2800" b="0" i="0" u="none" strike="noStrike" cap="none" normalizeH="0" baseline="0" dirty="0">
+                        <a:rPr kumimoji="0" lang="en-US" altLang="en-US" sz="2100" b="0" i="0" u="none" strike="noStrike" cap="none" normalizeH="0" baseline="0" dirty="0">
                           <a:ln>
                             <a:noFill/>
                           </a:ln>
@@ -9161,7 +9362,7 @@
                       </a:r>
                     </a:p>
                   </a:txBody>
-                  <a:tcPr horzOverflow="overflow">
+                  <a:tcPr marL="68580" marR="68580" marT="34290" marB="34290" horzOverflow="overflow">
                     <a:lnL w="28575" cap="flat" cmpd="sng" algn="ctr">
                       <a:solidFill>
                         <a:schemeClr val="tx1"/>
@@ -9230,7 +9431,7 @@
                         <a:defRPr/>
                       </a:pPr>
                       <a:r>
-                        <a:rPr kumimoji="0" lang="en-US" altLang="en-US" sz="2800" b="0" i="0" u="none" strike="noStrike" cap="none" normalizeH="0" baseline="0" dirty="0">
+                        <a:rPr kumimoji="0" lang="en-US" altLang="en-US" sz="2100" b="0" i="0" u="none" strike="noStrike" cap="none" normalizeH="0" baseline="0" dirty="0">
                           <a:ln>
                             <a:noFill/>
                           </a:ln>
@@ -9244,7 +9445,7 @@
                       </a:r>
                     </a:p>
                   </a:txBody>
-                  <a:tcPr horzOverflow="overflow">
+                  <a:tcPr marL="68580" marR="68580" marT="34290" marB="34290" horzOverflow="overflow">
                     <a:lnL w="12700" cap="flat" cmpd="sng" algn="ctr">
                       <a:solidFill>
                         <a:schemeClr val="tx1"/>
@@ -9296,7 +9497,7 @@
                   </a:ext>
                 </a:extLst>
               </a:tr>
-              <a:tr h="454025">
+              <a:tr h="388620">
                 <a:tc>
                   <a:txBody>
                     <a:bodyPr/>
@@ -9431,7 +9632,7 @@
                         <a:tabLst/>
                       </a:pPr>
                       <a:r>
-                        <a:rPr kumimoji="0" lang="en-US" altLang="en-US" sz="2800" b="0" i="0" u="none" strike="noStrike" cap="none" normalizeH="0" baseline="0" dirty="0">
+                        <a:rPr kumimoji="0" lang="en-US" altLang="en-US" sz="2100" b="0" i="0" u="none" strike="noStrike" cap="none" normalizeH="0" baseline="0" dirty="0">
                           <a:ln>
                             <a:noFill/>
                           </a:ln>
@@ -9445,7 +9646,7 @@
                       </a:r>
                     </a:p>
                   </a:txBody>
-                  <a:tcPr horzOverflow="overflow">
+                  <a:tcPr marL="68580" marR="68580" marT="34290" marB="34290" horzOverflow="overflow">
                     <a:lnL w="28575" cap="flat" cmpd="sng" algn="ctr">
                       <a:solidFill>
                         <a:schemeClr val="tx1"/>
@@ -9625,7 +9826,7 @@
                         <a:tabLst/>
                       </a:pPr>
                       <a:r>
-                        <a:rPr kumimoji="0" lang="en-US" altLang="en-US" sz="2800" b="0" i="0" u="none" strike="noStrike" cap="none" normalizeH="0" baseline="0">
+                        <a:rPr kumimoji="0" lang="en-US" altLang="en-US" sz="2100" b="0" i="0" u="none" strike="noStrike" cap="none" normalizeH="0" baseline="0">
                           <a:ln>
                             <a:noFill/>
                           </a:ln>
@@ -9639,7 +9840,7 @@
                       </a:r>
                     </a:p>
                   </a:txBody>
-                  <a:tcPr horzOverflow="overflow">
+                  <a:tcPr marL="68580" marR="68580" marT="34290" marB="34290" horzOverflow="overflow">
                     <a:lnL w="12700" cap="flat" cmpd="sng" algn="ctr">
                       <a:solidFill>
                         <a:schemeClr val="tx1"/>
@@ -9691,7 +9892,7 @@
                   </a:ext>
                 </a:extLst>
               </a:tr>
-              <a:tr h="454025">
+              <a:tr h="388620">
                 <a:tc>
                   <a:txBody>
                     <a:bodyPr/>
@@ -9826,7 +10027,7 @@
                         <a:tabLst/>
                       </a:pPr>
                       <a:r>
-                        <a:rPr kumimoji="0" lang="en-US" altLang="en-US" sz="2800" b="0" i="0" u="none" strike="noStrike" cap="none" normalizeH="0" baseline="0" dirty="0">
+                        <a:rPr kumimoji="0" lang="en-US" altLang="en-US" sz="2100" b="0" i="0" u="none" strike="noStrike" cap="none" normalizeH="0" baseline="0" dirty="0">
                           <a:ln>
                             <a:noFill/>
                           </a:ln>
@@ -9840,7 +10041,7 @@
                       </a:r>
                     </a:p>
                   </a:txBody>
-                  <a:tcPr horzOverflow="overflow">
+                  <a:tcPr marL="68580" marR="68580" marT="34290" marB="34290" horzOverflow="overflow">
                     <a:lnL w="28575" cap="flat" cmpd="sng" algn="ctr">
                       <a:solidFill>
                         <a:schemeClr val="tx1"/>
@@ -10020,7 +10221,7 @@
                         <a:tabLst/>
                       </a:pPr>
                       <a:r>
-                        <a:rPr kumimoji="0" lang="en-US" altLang="en-US" sz="2800" b="0" i="0" u="none" strike="noStrike" cap="none" normalizeH="0" baseline="0">
+                        <a:rPr kumimoji="0" lang="en-US" altLang="en-US" sz="2100" b="0" i="0" u="none" strike="noStrike" cap="none" normalizeH="0" baseline="0">
                           <a:ln>
                             <a:noFill/>
                           </a:ln>
@@ -10034,7 +10235,7 @@
                       </a:r>
                     </a:p>
                   </a:txBody>
-                  <a:tcPr horzOverflow="overflow">
+                  <a:tcPr marL="68580" marR="68580" marT="34290" marB="34290" horzOverflow="overflow">
                     <a:lnL w="12700" cap="flat" cmpd="sng" algn="ctr">
                       <a:solidFill>
                         <a:schemeClr val="tx1"/>
@@ -10086,7 +10287,7 @@
                   </a:ext>
                 </a:extLst>
               </a:tr>
-              <a:tr h="450850">
+              <a:tr h="388620">
                 <a:tc>
                   <a:txBody>
                     <a:bodyPr/>
@@ -10221,7 +10422,7 @@
                         <a:tabLst/>
                       </a:pPr>
                       <a:r>
-                        <a:rPr kumimoji="0" lang="en-US" altLang="en-US" sz="2800" b="0" i="0" u="none" strike="noStrike" cap="none" normalizeH="0" baseline="0" dirty="0">
+                        <a:rPr kumimoji="0" lang="en-US" altLang="en-US" sz="2100" b="0" i="0" u="none" strike="noStrike" cap="none" normalizeH="0" baseline="0" dirty="0">
                           <a:ln>
                             <a:noFill/>
                           </a:ln>
@@ -10235,7 +10436,7 @@
                       </a:r>
                     </a:p>
                   </a:txBody>
-                  <a:tcPr horzOverflow="overflow">
+                  <a:tcPr marL="68580" marR="68580" marT="34290" marB="34290" horzOverflow="overflow">
                     <a:lnL w="28575" cap="flat" cmpd="sng" algn="ctr">
                       <a:solidFill>
                         <a:schemeClr val="tx1"/>
@@ -10415,7 +10616,7 @@
                         <a:tabLst/>
                       </a:pPr>
                       <a:r>
-                        <a:rPr kumimoji="0" lang="en-US" altLang="en-US" sz="2800" b="0" i="0" u="none" strike="noStrike" cap="none" normalizeH="0" baseline="0" dirty="0">
+                        <a:rPr kumimoji="0" lang="en-US" altLang="en-US" sz="2100" b="0" i="0" u="none" strike="noStrike" cap="none" normalizeH="0" baseline="0" dirty="0">
                           <a:ln>
                             <a:noFill/>
                           </a:ln>
@@ -10429,7 +10630,7 @@
                       </a:r>
                     </a:p>
                   </a:txBody>
-                  <a:tcPr horzOverflow="overflow">
+                  <a:tcPr marL="68580" marR="68580" marT="34290" marB="34290" horzOverflow="overflow">
                     <a:lnL w="12700" cap="flat" cmpd="sng" algn="ctr">
                       <a:solidFill>
                         <a:schemeClr val="tx1"/>
@@ -10495,8 +10696,8 @@
         </p:nvSpPr>
         <p:spPr bwMode="auto">
           <a:xfrm>
-            <a:off x="6864928" y="4755516"/>
-            <a:ext cx="3502882" cy="1077218"/>
+            <a:off x="5148696" y="4423887"/>
+            <a:ext cx="2664512" cy="830997"/>
           </a:xfrm>
           <a:prstGeom prst="rect">
             <a:avLst/>
@@ -10542,13 +10743,13 @@
           <a:lstStyle/>
           <a:p>
             <a:r>
-              <a:rPr lang="en-US" altLang="en-US" sz="3200" dirty="0"/>
+              <a:rPr lang="en-US" altLang="en-US" sz="2400" dirty="0"/>
               <a:t>Sorted list:</a:t>
             </a:r>
           </a:p>
           <a:p>
             <a:r>
-              <a:rPr lang="en-US" altLang="en-US" sz="3200" dirty="0"/>
+              <a:rPr lang="en-US" altLang="en-US" sz="2400" dirty="0"/>
               <a:t>0,0,0,1,1,1,2,3,3,4,4</a:t>
             </a:r>
           </a:p>
@@ -10564,8 +10765,8 @@
         </p:nvSpPr>
         <p:spPr bwMode="auto">
           <a:xfrm>
-            <a:off x="3816927" y="2621915"/>
-            <a:ext cx="0" cy="914400"/>
+            <a:off x="2862695" y="2823686"/>
+            <a:ext cx="0" cy="685800"/>
           </a:xfrm>
           <a:prstGeom prst="line">
             <a:avLst/>
@@ -10601,7 +10802,7 @@
           <a:bodyPr/>
           <a:lstStyle/>
           <a:p>
-            <a:endParaRPr lang="en-US"/>
+            <a:endParaRPr lang="en-US" sz="1350"/>
           </a:p>
         </p:txBody>
       </p:sp>
@@ -10615,8 +10816,8 @@
         </p:nvSpPr>
         <p:spPr bwMode="auto">
           <a:xfrm>
-            <a:off x="5417127" y="5288915"/>
-            <a:ext cx="1295400" cy="0"/>
+            <a:off x="4062845" y="4823936"/>
+            <a:ext cx="971550" cy="0"/>
           </a:xfrm>
           <a:prstGeom prst="line">
             <a:avLst/>
@@ -10652,7 +10853,7 @@
           <a:bodyPr/>
           <a:lstStyle/>
           <a:p>
-            <a:endParaRPr lang="en-US"/>
+            <a:endParaRPr lang="en-US" sz="1350"/>
           </a:p>
         </p:txBody>
       </p:sp>
@@ -10701,12 +10902,14 @@
         </p:nvSpPr>
         <p:spPr>
           <a:xfrm>
-            <a:off x="736600" y="1"/>
-            <a:ext cx="10515600" cy="720436"/>
+            <a:off x="552450" y="510533"/>
+            <a:ext cx="7886700" cy="540327"/>
           </a:xfrm>
         </p:spPr>
         <p:txBody>
-          <a:bodyPr/>
+          <a:bodyPr>
+            <a:normAutofit fontScale="90000"/>
+          </a:bodyPr>
           <a:lstStyle/>
           <a:p>
             <a:pPr eaLnBrk="1" hangingPunct="1"/>
@@ -10729,13 +10932,13 @@
         </p:nvSpPr>
         <p:spPr>
           <a:xfrm>
-            <a:off x="736601" y="796636"/>
-            <a:ext cx="10790382" cy="2740887"/>
+            <a:off x="552451" y="1454728"/>
+            <a:ext cx="8092787" cy="2055665"/>
           </a:xfrm>
         </p:spPr>
         <p:txBody>
           <a:bodyPr>
-            <a:normAutofit/>
+            <a:normAutofit lnSpcReduction="10000"/>
           </a:bodyPr>
           <a:lstStyle/>
           <a:p>
@@ -10805,8 +11008,8 @@
         </p:nvSpPr>
         <p:spPr bwMode="auto">
           <a:xfrm>
-            <a:off x="2024933" y="3613724"/>
-            <a:ext cx="1066800" cy="3048000"/>
+            <a:off x="1518700" y="3567543"/>
+            <a:ext cx="800100" cy="2286000"/>
           </a:xfrm>
           <a:prstGeom prst="flowChartProcess">
             <a:avLst/>
@@ -10935,7 +11138,7 @@
           <a:p>
             <a:pPr algn="ctr"/>
             <a:r>
-              <a:rPr lang="en-US" altLang="en-US" sz="2400">
+              <a:rPr lang="en-US" altLang="en-US">
                 <a:latin typeface="Verdana" panose="020B0604030504040204" pitchFamily="34" charset="0"/>
               </a:rPr>
               <a:t>0 1 0</a:t>
@@ -10944,7 +11147,7 @@
           <a:p>
             <a:pPr algn="ctr"/>
             <a:r>
-              <a:rPr lang="en-US" altLang="en-US" sz="2400">
+              <a:rPr lang="en-US" altLang="en-US">
                 <a:latin typeface="Verdana" panose="020B0604030504040204" pitchFamily="34" charset="0"/>
               </a:rPr>
               <a:t>0 0 0</a:t>
@@ -10953,7 +11156,7 @@
           <a:p>
             <a:pPr algn="ctr"/>
             <a:r>
-              <a:rPr lang="en-US" altLang="en-US" sz="2400">
+              <a:rPr lang="en-US" altLang="en-US">
                 <a:latin typeface="Verdana" panose="020B0604030504040204" pitchFamily="34" charset="0"/>
               </a:rPr>
               <a:t>1 0 1</a:t>
@@ -10962,7 +11165,7 @@
           <a:p>
             <a:pPr algn="ctr"/>
             <a:r>
-              <a:rPr lang="en-US" altLang="en-US" sz="2400">
+              <a:rPr lang="en-US" altLang="en-US">
                 <a:latin typeface="Verdana" panose="020B0604030504040204" pitchFamily="34" charset="0"/>
               </a:rPr>
               <a:t>0 0 1</a:t>
@@ -10971,7 +11174,7 @@
           <a:p>
             <a:pPr algn="ctr"/>
             <a:r>
-              <a:rPr lang="en-US" altLang="en-US" sz="2400">
+              <a:rPr lang="en-US" altLang="en-US">
                 <a:latin typeface="Verdana" panose="020B0604030504040204" pitchFamily="34" charset="0"/>
               </a:rPr>
               <a:t>1 1 1</a:t>
@@ -10980,7 +11183,7 @@
           <a:p>
             <a:pPr algn="ctr"/>
             <a:r>
-              <a:rPr lang="en-US" altLang="en-US" sz="2400">
+              <a:rPr lang="en-US" altLang="en-US">
                 <a:latin typeface="Verdana" panose="020B0604030504040204" pitchFamily="34" charset="0"/>
               </a:rPr>
               <a:t>0 1 1</a:t>
@@ -10989,7 +11192,7 @@
           <a:p>
             <a:pPr algn="ctr"/>
             <a:r>
-              <a:rPr lang="en-US" altLang="en-US" sz="2400">
+              <a:rPr lang="en-US" altLang="en-US">
                 <a:latin typeface="Verdana" panose="020B0604030504040204" pitchFamily="34" charset="0"/>
               </a:rPr>
               <a:t>1 0 0</a:t>
@@ -10998,7 +11201,7 @@
           <a:p>
             <a:pPr algn="ctr"/>
             <a:r>
-              <a:rPr lang="en-US" altLang="en-US" sz="2400">
+              <a:rPr lang="en-US" altLang="en-US">
                 <a:latin typeface="Verdana" panose="020B0604030504040204" pitchFamily="34" charset="0"/>
               </a:rPr>
               <a:t>1 1 0</a:t>
@@ -11020,8 +11223,8 @@
         </p:nvSpPr>
         <p:spPr bwMode="auto">
           <a:xfrm>
-            <a:off x="927970" y="3613724"/>
-            <a:ext cx="533400" cy="3048000"/>
+            <a:off x="695978" y="3567543"/>
+            <a:ext cx="400050" cy="2286000"/>
           </a:xfrm>
           <a:prstGeom prst="flowChartProcess">
             <a:avLst/>
@@ -11150,7 +11353,7 @@
           <a:p>
             <a:pPr algn="ctr"/>
             <a:r>
-              <a:rPr lang="en-US" altLang="en-US" sz="2400">
+              <a:rPr lang="en-US" altLang="en-US">
                 <a:latin typeface="Verdana" panose="020B0604030504040204" pitchFamily="34" charset="0"/>
               </a:rPr>
               <a:t>2</a:t>
@@ -11159,7 +11362,7 @@
           <a:p>
             <a:pPr algn="ctr"/>
             <a:r>
-              <a:rPr lang="en-US" altLang="en-US" sz="2400">
+              <a:rPr lang="en-US" altLang="en-US">
                 <a:latin typeface="Verdana" panose="020B0604030504040204" pitchFamily="34" charset="0"/>
               </a:rPr>
               <a:t>0</a:t>
@@ -11168,7 +11371,7 @@
           <a:p>
             <a:pPr algn="ctr"/>
             <a:r>
-              <a:rPr lang="en-US" altLang="en-US" sz="2400">
+              <a:rPr lang="en-US" altLang="en-US">
                 <a:latin typeface="Verdana" panose="020B0604030504040204" pitchFamily="34" charset="0"/>
               </a:rPr>
               <a:t>5</a:t>
@@ -11177,7 +11380,7 @@
           <a:p>
             <a:pPr algn="ctr"/>
             <a:r>
-              <a:rPr lang="en-US" altLang="en-US" sz="2400">
+              <a:rPr lang="en-US" altLang="en-US">
                 <a:latin typeface="Verdana" panose="020B0604030504040204" pitchFamily="34" charset="0"/>
               </a:rPr>
               <a:t>1</a:t>
@@ -11186,7 +11389,7 @@
           <a:p>
             <a:pPr algn="ctr"/>
             <a:r>
-              <a:rPr lang="en-US" altLang="en-US" sz="2400">
+              <a:rPr lang="en-US" altLang="en-US">
                 <a:latin typeface="Verdana" panose="020B0604030504040204" pitchFamily="34" charset="0"/>
               </a:rPr>
               <a:t>7</a:t>
@@ -11195,7 +11398,7 @@
           <a:p>
             <a:pPr algn="ctr"/>
             <a:r>
-              <a:rPr lang="en-US" altLang="en-US" sz="2400">
+              <a:rPr lang="en-US" altLang="en-US">
                 <a:latin typeface="Verdana" panose="020B0604030504040204" pitchFamily="34" charset="0"/>
               </a:rPr>
               <a:t>3</a:t>
@@ -11204,7 +11407,7 @@
           <a:p>
             <a:pPr algn="ctr"/>
             <a:r>
-              <a:rPr lang="en-US" altLang="en-US" sz="2400">
+              <a:rPr lang="en-US" altLang="en-US">
                 <a:latin typeface="Verdana" panose="020B0604030504040204" pitchFamily="34" charset="0"/>
               </a:rPr>
               <a:t>4</a:t>
@@ -11213,7 +11416,7 @@
           <a:p>
             <a:pPr algn="ctr"/>
             <a:r>
-              <a:rPr lang="en-US" altLang="en-US" sz="2400">
+              <a:rPr lang="en-US" altLang="en-US">
                 <a:latin typeface="Verdana" panose="020B0604030504040204" pitchFamily="34" charset="0"/>
               </a:rPr>
               <a:t>6</a:t>
@@ -11229,8 +11432,8 @@
         </p:nvSpPr>
         <p:spPr>
           <a:xfrm>
-            <a:off x="3655296" y="4614504"/>
-            <a:ext cx="2609850" cy="954107"/>
+            <a:off x="2741472" y="4318128"/>
+            <a:ext cx="1957388" cy="738664"/>
           </a:xfrm>
           <a:prstGeom prst="rect">
             <a:avLst/>
@@ -11244,7 +11447,7 @@
           <a:lstStyle/>
           <a:p>
             <a:r>
-              <a:rPr lang="en-US" sz="2800" dirty="0"/>
+              <a:rPr lang="en-US" sz="2100" dirty="0"/>
               <a:t>Use two buckets 0 and 1</a:t>
             </a:r>
           </a:p>
@@ -11452,8 +11655,8 @@
         </p:nvGrpSpPr>
         <p:grpSpPr bwMode="auto">
           <a:xfrm>
-            <a:off x="2204270" y="3442256"/>
-            <a:ext cx="1066800" cy="3200400"/>
+            <a:off x="1653203" y="3438942"/>
+            <a:ext cx="800100" cy="2400300"/>
             <a:chOff x="2006" y="1824"/>
             <a:chExt cx="672" cy="2016"/>
           </a:xfrm>
@@ -11608,7 +11811,7 @@
             <a:p>
               <a:pPr algn="ctr"/>
               <a:r>
-                <a:rPr lang="en-US" altLang="en-US" sz="2400" dirty="0">
+                <a:rPr lang="en-US" altLang="en-US" dirty="0">
                   <a:latin typeface="Verdana" panose="020B0604030504040204" pitchFamily="34" charset="0"/>
                 </a:rPr>
                 <a:t>0 1 0</a:t>
@@ -11617,7 +11820,7 @@
             <a:p>
               <a:pPr algn="ctr"/>
               <a:r>
-                <a:rPr lang="en-US" altLang="en-US" sz="2400" dirty="0">
+                <a:rPr lang="en-US" altLang="en-US" dirty="0">
                   <a:latin typeface="Verdana" panose="020B0604030504040204" pitchFamily="34" charset="0"/>
                 </a:rPr>
                 <a:t>0 0 0</a:t>
@@ -11626,7 +11829,7 @@
             <a:p>
               <a:pPr algn="ctr"/>
               <a:r>
-                <a:rPr lang="en-US" altLang="en-US" sz="2400" dirty="0">
+                <a:rPr lang="en-US" altLang="en-US" dirty="0">
                   <a:latin typeface="Verdana" panose="020B0604030504040204" pitchFamily="34" charset="0"/>
                 </a:rPr>
                 <a:t>1 0 0</a:t>
@@ -11635,7 +11838,7 @@
             <a:p>
               <a:pPr algn="ctr"/>
               <a:r>
-                <a:rPr lang="en-US" altLang="en-US" sz="2400" dirty="0">
+                <a:rPr lang="en-US" altLang="en-US" dirty="0">
                   <a:latin typeface="Verdana" panose="020B0604030504040204" pitchFamily="34" charset="0"/>
                 </a:rPr>
                 <a:t>1 1 0</a:t>
@@ -11644,7 +11847,7 @@
             <a:p>
               <a:pPr algn="ctr"/>
               <a:r>
-                <a:rPr lang="en-US" altLang="en-US" sz="2400" dirty="0">
+                <a:rPr lang="en-US" altLang="en-US" dirty="0">
                   <a:latin typeface="Verdana" panose="020B0604030504040204" pitchFamily="34" charset="0"/>
                 </a:rPr>
                 <a:t>1 0 1</a:t>
@@ -11653,7 +11856,7 @@
             <a:p>
               <a:pPr algn="ctr"/>
               <a:r>
-                <a:rPr lang="en-US" altLang="en-US" sz="2400" dirty="0">
+                <a:rPr lang="en-US" altLang="en-US" dirty="0">
                   <a:latin typeface="Verdana" panose="020B0604030504040204" pitchFamily="34" charset="0"/>
                 </a:rPr>
                 <a:t>0 0 1</a:t>
@@ -11662,7 +11865,7 @@
             <a:p>
               <a:pPr algn="ctr"/>
               <a:r>
-                <a:rPr lang="en-US" altLang="en-US" sz="2400" dirty="0">
+                <a:rPr lang="en-US" altLang="en-US" dirty="0">
                   <a:latin typeface="Verdana" panose="020B0604030504040204" pitchFamily="34" charset="0"/>
                 </a:rPr>
                 <a:t>1 1 1</a:t>
@@ -11671,7 +11874,7 @@
             <a:p>
               <a:pPr algn="ctr"/>
               <a:r>
-                <a:rPr lang="en-US" altLang="en-US" sz="2400" dirty="0">
+                <a:rPr lang="en-US" altLang="en-US" dirty="0">
                   <a:latin typeface="Verdana" panose="020B0604030504040204" pitchFamily="34" charset="0"/>
                 </a:rPr>
                 <a:t>0 1 1</a:t>
@@ -11830,7 +12033,7 @@
             </a:lstStyle>
             <a:p>
               <a:pPr eaLnBrk="1" hangingPunct="1"/>
-              <a:endParaRPr lang="en-US" altLang="en-US"/>
+              <a:endParaRPr lang="en-US" altLang="en-US" sz="1350"/>
             </a:p>
           </p:txBody>
         </p:sp>
@@ -11849,8 +12052,8 @@
         </p:nvSpPr>
         <p:spPr bwMode="auto">
           <a:xfrm>
-            <a:off x="2224629" y="176841"/>
-            <a:ext cx="1066800" cy="3048000"/>
+            <a:off x="1668472" y="989881"/>
+            <a:ext cx="800100" cy="2286000"/>
           </a:xfrm>
           <a:prstGeom prst="flowChartProcess">
             <a:avLst/>
@@ -11979,7 +12182,7 @@
           <a:p>
             <a:pPr algn="ctr"/>
             <a:r>
-              <a:rPr lang="en-US" altLang="en-US" sz="2400">
+              <a:rPr lang="en-US" altLang="en-US">
                 <a:latin typeface="Verdana" panose="020B0604030504040204" pitchFamily="34" charset="0"/>
               </a:rPr>
               <a:t>0 1 0</a:t>
@@ -11988,7 +12191,7 @@
           <a:p>
             <a:pPr algn="ctr"/>
             <a:r>
-              <a:rPr lang="en-US" altLang="en-US" sz="2400">
+              <a:rPr lang="en-US" altLang="en-US">
                 <a:latin typeface="Verdana" panose="020B0604030504040204" pitchFamily="34" charset="0"/>
               </a:rPr>
               <a:t>0 0 0</a:t>
@@ -11997,7 +12200,7 @@
           <a:p>
             <a:pPr algn="ctr"/>
             <a:r>
-              <a:rPr lang="en-US" altLang="en-US" sz="2400">
+              <a:rPr lang="en-US" altLang="en-US">
                 <a:latin typeface="Verdana" panose="020B0604030504040204" pitchFamily="34" charset="0"/>
               </a:rPr>
               <a:t>1 0 1</a:t>
@@ -12006,7 +12209,7 @@
           <a:p>
             <a:pPr algn="ctr"/>
             <a:r>
-              <a:rPr lang="en-US" altLang="en-US" sz="2400">
+              <a:rPr lang="en-US" altLang="en-US">
                 <a:latin typeface="Verdana" panose="020B0604030504040204" pitchFamily="34" charset="0"/>
               </a:rPr>
               <a:t>0 0 1</a:t>
@@ -12015,7 +12218,7 @@
           <a:p>
             <a:pPr algn="ctr"/>
             <a:r>
-              <a:rPr lang="en-US" altLang="en-US" sz="2400">
+              <a:rPr lang="en-US" altLang="en-US">
                 <a:latin typeface="Verdana" panose="020B0604030504040204" pitchFamily="34" charset="0"/>
               </a:rPr>
               <a:t>1 1 1</a:t>
@@ -12024,7 +12227,7 @@
           <a:p>
             <a:pPr algn="ctr"/>
             <a:r>
-              <a:rPr lang="en-US" altLang="en-US" sz="2400">
+              <a:rPr lang="en-US" altLang="en-US">
                 <a:latin typeface="Verdana" panose="020B0604030504040204" pitchFamily="34" charset="0"/>
               </a:rPr>
               <a:t>0 1 1</a:t>
@@ -12033,7 +12236,7 @@
           <a:p>
             <a:pPr algn="ctr"/>
             <a:r>
-              <a:rPr lang="en-US" altLang="en-US" sz="2400">
+              <a:rPr lang="en-US" altLang="en-US">
                 <a:latin typeface="Verdana" panose="020B0604030504040204" pitchFamily="34" charset="0"/>
               </a:rPr>
               <a:t>1 0 0</a:t>
@@ -12042,7 +12245,7 @@
           <a:p>
             <a:pPr algn="ctr"/>
             <a:r>
-              <a:rPr lang="en-US" altLang="en-US" sz="2400">
+              <a:rPr lang="en-US" altLang="en-US">
                 <a:latin typeface="Verdana" panose="020B0604030504040204" pitchFamily="34" charset="0"/>
               </a:rPr>
               <a:t>1 1 0</a:t>
@@ -12064,8 +12267,8 @@
         </p:nvSpPr>
         <p:spPr bwMode="auto">
           <a:xfrm>
-            <a:off x="1127666" y="176841"/>
-            <a:ext cx="533400" cy="3048000"/>
+            <a:off x="845750" y="989881"/>
+            <a:ext cx="400050" cy="2286000"/>
           </a:xfrm>
           <a:prstGeom prst="flowChartProcess">
             <a:avLst/>
@@ -12194,7 +12397,7 @@
           <a:p>
             <a:pPr algn="ctr"/>
             <a:r>
-              <a:rPr lang="en-US" altLang="en-US" sz="2400">
+              <a:rPr lang="en-US" altLang="en-US">
                 <a:latin typeface="Verdana" panose="020B0604030504040204" pitchFamily="34" charset="0"/>
               </a:rPr>
               <a:t>2</a:t>
@@ -12203,7 +12406,7 @@
           <a:p>
             <a:pPr algn="ctr"/>
             <a:r>
-              <a:rPr lang="en-US" altLang="en-US" sz="2400">
+              <a:rPr lang="en-US" altLang="en-US">
                 <a:latin typeface="Verdana" panose="020B0604030504040204" pitchFamily="34" charset="0"/>
               </a:rPr>
               <a:t>0</a:t>
@@ -12212,7 +12415,7 @@
           <a:p>
             <a:pPr algn="ctr"/>
             <a:r>
-              <a:rPr lang="en-US" altLang="en-US" sz="2400">
+              <a:rPr lang="en-US" altLang="en-US">
                 <a:latin typeface="Verdana" panose="020B0604030504040204" pitchFamily="34" charset="0"/>
               </a:rPr>
               <a:t>5</a:t>
@@ -12221,7 +12424,7 @@
           <a:p>
             <a:pPr algn="ctr"/>
             <a:r>
-              <a:rPr lang="en-US" altLang="en-US" sz="2400">
+              <a:rPr lang="en-US" altLang="en-US">
                 <a:latin typeface="Verdana" panose="020B0604030504040204" pitchFamily="34" charset="0"/>
               </a:rPr>
               <a:t>1</a:t>
@@ -12230,7 +12433,7 @@
           <a:p>
             <a:pPr algn="ctr"/>
             <a:r>
-              <a:rPr lang="en-US" altLang="en-US" sz="2400">
+              <a:rPr lang="en-US" altLang="en-US">
                 <a:latin typeface="Verdana" panose="020B0604030504040204" pitchFamily="34" charset="0"/>
               </a:rPr>
               <a:t>7</a:t>
@@ -12239,7 +12442,7 @@
           <a:p>
             <a:pPr algn="ctr"/>
             <a:r>
-              <a:rPr lang="en-US" altLang="en-US" sz="2400">
+              <a:rPr lang="en-US" altLang="en-US">
                 <a:latin typeface="Verdana" panose="020B0604030504040204" pitchFamily="34" charset="0"/>
               </a:rPr>
               <a:t>3</a:t>
@@ -12248,7 +12451,7 @@
           <a:p>
             <a:pPr algn="ctr"/>
             <a:r>
-              <a:rPr lang="en-US" altLang="en-US" sz="2400">
+              <a:rPr lang="en-US" altLang="en-US">
                 <a:latin typeface="Verdana" panose="020B0604030504040204" pitchFamily="34" charset="0"/>
               </a:rPr>
               <a:t>4</a:t>
@@ -12257,7 +12460,7 @@
           <a:p>
             <a:pPr algn="ctr"/>
             <a:r>
-              <a:rPr lang="en-US" altLang="en-US" sz="2400">
+              <a:rPr lang="en-US" altLang="en-US">
                 <a:latin typeface="Verdana" panose="020B0604030504040204" pitchFamily="34" charset="0"/>
               </a:rPr>
               <a:t>6</a:t>
@@ -12279,8 +12482,8 @@
         </p:nvGrpSpPr>
         <p:grpSpPr bwMode="auto">
           <a:xfrm>
-            <a:off x="7208438" y="100641"/>
-            <a:ext cx="1066800" cy="3200400"/>
+            <a:off x="5406329" y="932731"/>
+            <a:ext cx="800100" cy="2400300"/>
             <a:chOff x="2006" y="1824"/>
             <a:chExt cx="672" cy="2016"/>
           </a:xfrm>
@@ -12429,7 +12632,7 @@
             <a:p>
               <a:pPr algn="ctr"/>
               <a:r>
-                <a:rPr lang="en-US" altLang="en-US" sz="2400" dirty="0">
+                <a:rPr lang="en-US" altLang="en-US" dirty="0">
                   <a:latin typeface="Verdana" panose="020B0604030504040204" pitchFamily="34" charset="0"/>
                 </a:rPr>
                 <a:t>0 1 0</a:t>
@@ -12438,7 +12641,7 @@
             <a:p>
               <a:pPr algn="ctr"/>
               <a:r>
-                <a:rPr lang="en-US" altLang="en-US" sz="2400" dirty="0">
+                <a:rPr lang="en-US" altLang="en-US" dirty="0">
                   <a:latin typeface="Verdana" panose="020B0604030504040204" pitchFamily="34" charset="0"/>
                 </a:rPr>
                 <a:t>0 0 0</a:t>
@@ -12447,7 +12650,7 @@
             <a:p>
               <a:pPr algn="ctr"/>
               <a:r>
-                <a:rPr lang="en-US" altLang="en-US" sz="2400" dirty="0">
+                <a:rPr lang="en-US" altLang="en-US" dirty="0">
                   <a:latin typeface="Verdana" panose="020B0604030504040204" pitchFamily="34" charset="0"/>
                 </a:rPr>
                 <a:t>1 0 0</a:t>
@@ -12456,7 +12659,7 @@
             <a:p>
               <a:pPr algn="ctr"/>
               <a:r>
-                <a:rPr lang="en-US" altLang="en-US" sz="2400" dirty="0">
+                <a:rPr lang="en-US" altLang="en-US" dirty="0">
                   <a:latin typeface="Verdana" panose="020B0604030504040204" pitchFamily="34" charset="0"/>
                 </a:rPr>
                 <a:t>1 1 0</a:t>
@@ -12465,7 +12668,7 @@
             <a:p>
               <a:pPr algn="ctr"/>
               <a:r>
-                <a:rPr lang="en-US" altLang="en-US" sz="2400" dirty="0">
+                <a:rPr lang="en-US" altLang="en-US" dirty="0">
                   <a:latin typeface="Verdana" panose="020B0604030504040204" pitchFamily="34" charset="0"/>
                 </a:rPr>
                 <a:t>1 0 1</a:t>
@@ -12474,7 +12677,7 @@
             <a:p>
               <a:pPr algn="ctr"/>
               <a:r>
-                <a:rPr lang="en-US" altLang="en-US" sz="2400" dirty="0">
+                <a:rPr lang="en-US" altLang="en-US" dirty="0">
                   <a:latin typeface="Verdana" panose="020B0604030504040204" pitchFamily="34" charset="0"/>
                 </a:rPr>
                 <a:t>0 0 1</a:t>
@@ -12483,7 +12686,7 @@
             <a:p>
               <a:pPr algn="ctr"/>
               <a:r>
-                <a:rPr lang="en-US" altLang="en-US" sz="2400" dirty="0">
+                <a:rPr lang="en-US" altLang="en-US" dirty="0">
                   <a:latin typeface="Verdana" panose="020B0604030504040204" pitchFamily="34" charset="0"/>
                 </a:rPr>
                 <a:t>1 1 1</a:t>
@@ -12492,7 +12695,7 @@
             <a:p>
               <a:pPr algn="ctr"/>
               <a:r>
-                <a:rPr lang="en-US" altLang="en-US" sz="2400" dirty="0">
+                <a:rPr lang="en-US" altLang="en-US" dirty="0">
                   <a:latin typeface="Verdana" panose="020B0604030504040204" pitchFamily="34" charset="0"/>
                 </a:rPr>
                 <a:t>0 1 1</a:t>
@@ -12645,7 +12848,7 @@
             </a:lstStyle>
             <a:p>
               <a:pPr eaLnBrk="1" hangingPunct="1"/>
-              <a:endParaRPr lang="en-US" altLang="en-US"/>
+              <a:endParaRPr lang="en-US" altLang="en-US" sz="1350"/>
             </a:p>
           </p:txBody>
         </p:sp>
@@ -12658,8 +12861,8 @@
         </p:nvSpPr>
         <p:spPr>
           <a:xfrm>
-            <a:off x="4072290" y="176841"/>
-            <a:ext cx="1080654" cy="1438567"/>
+            <a:off x="3054217" y="989881"/>
+            <a:ext cx="810491" cy="1078925"/>
           </a:xfrm>
           <a:prstGeom prst="flowChartMagneticDisk">
             <a:avLst/>
@@ -12687,10 +12890,10 @@
           <a:p>
             <a:pPr algn="ctr"/>
             <a:r>
-              <a:rPr lang="en-US" sz="2400" b="1" dirty="0"/>
+              <a:rPr lang="en-US" b="1" dirty="0"/>
               <a:t>0</a:t>
             </a:r>
-            <a:endParaRPr lang="en-US" b="1" dirty="0"/>
+            <a:endParaRPr lang="en-US" sz="1350" b="1" dirty="0"/>
           </a:p>
         </p:txBody>
       </p:sp>
@@ -12702,8 +12905,8 @@
         </p:nvSpPr>
         <p:spPr>
           <a:xfrm>
-            <a:off x="4091155" y="1786274"/>
-            <a:ext cx="1080654" cy="1438567"/>
+            <a:off x="3068366" y="2196956"/>
+            <a:ext cx="810491" cy="1078925"/>
           </a:xfrm>
           <a:prstGeom prst="flowChartMagneticDisk">
             <a:avLst/>
@@ -12731,10 +12934,10 @@
           <a:p>
             <a:pPr algn="ctr"/>
             <a:r>
-              <a:rPr lang="en-US" sz="2800" b="1" dirty="0"/>
+              <a:rPr lang="en-US" sz="2100" b="1" dirty="0"/>
               <a:t>1</a:t>
             </a:r>
-            <a:endParaRPr lang="en-US" b="1" dirty="0"/>
+            <a:endParaRPr lang="en-US" sz="1350" b="1" dirty="0"/>
           </a:p>
         </p:txBody>
       </p:sp>
@@ -12749,8 +12952,8 @@
         </p:nvCxnSpPr>
         <p:spPr>
           <a:xfrm>
-            <a:off x="3183041" y="386972"/>
-            <a:ext cx="889249" cy="509153"/>
+            <a:off x="2387281" y="1147479"/>
+            <a:ext cx="666937" cy="381865"/>
           </a:xfrm>
           <a:prstGeom prst="straightConnector1">
             <a:avLst/>
@@ -12785,8 +12988,8 @@
         </p:nvCxnSpPr>
         <p:spPr>
           <a:xfrm>
-            <a:off x="3183041" y="759197"/>
-            <a:ext cx="889249" cy="136928"/>
+            <a:off x="2387281" y="1426648"/>
+            <a:ext cx="666937" cy="102696"/>
           </a:xfrm>
           <a:prstGeom prst="straightConnector1">
             <a:avLst/>
@@ -12821,8 +13024,8 @@
         </p:nvCxnSpPr>
         <p:spPr>
           <a:xfrm flipV="1">
-            <a:off x="3139347" y="896125"/>
-            <a:ext cx="932943" cy="1793472"/>
+            <a:off x="2354511" y="1529344"/>
+            <a:ext cx="699707" cy="1345104"/>
           </a:xfrm>
           <a:prstGeom prst="straightConnector1">
             <a:avLst/>
@@ -12856,8 +13059,8 @@
         </p:nvCxnSpPr>
         <p:spPr>
           <a:xfrm flipV="1">
-            <a:off x="3183041" y="1054531"/>
-            <a:ext cx="905805" cy="1921398"/>
+            <a:off x="2387281" y="1648148"/>
+            <a:ext cx="679354" cy="1441049"/>
           </a:xfrm>
           <a:prstGeom prst="straightConnector1">
             <a:avLst/>
@@ -12889,8 +13092,8 @@
         </p:nvSpPr>
         <p:spPr>
           <a:xfrm>
-            <a:off x="3139347" y="1145277"/>
-            <a:ext cx="382669" cy="1117600"/>
+            <a:off x="2354511" y="1716208"/>
+            <a:ext cx="287002" cy="838200"/>
           </a:xfrm>
           <a:prstGeom prst="rightBrace">
             <a:avLst>
@@ -12919,7 +13122,7 @@
           <a:lstStyle/>
           <a:p>
             <a:pPr algn="ctr"/>
-            <a:endParaRPr lang="en-US"/>
+            <a:endParaRPr lang="en-US" sz="1350"/>
           </a:p>
         </p:txBody>
       </p:sp>
@@ -12933,8 +13136,8 @@
         </p:nvCxnSpPr>
         <p:spPr>
           <a:xfrm>
-            <a:off x="3359470" y="1551684"/>
-            <a:ext cx="731685" cy="953874"/>
+            <a:off x="2519603" y="2021013"/>
+            <a:ext cx="548764" cy="715406"/>
           </a:xfrm>
           <a:prstGeom prst="straightConnector1">
             <a:avLst/>
@@ -12972,8 +13175,8 @@
         </p:nvSpPr>
         <p:spPr bwMode="auto">
           <a:xfrm>
-            <a:off x="2904488" y="100641"/>
-            <a:ext cx="304800" cy="3200400"/>
+            <a:off x="2178366" y="932731"/>
+            <a:ext cx="228600" cy="2400300"/>
           </a:xfrm>
           <a:prstGeom prst="rect">
             <a:avLst/>
@@ -13103,7 +13306,7 @@
           </a:lstStyle>
           <a:p>
             <a:pPr eaLnBrk="1" hangingPunct="1"/>
-            <a:endParaRPr lang="en-US" altLang="en-US"/>
+            <a:endParaRPr lang="en-US" altLang="en-US" sz="1350"/>
           </a:p>
         </p:txBody>
       </p:sp>
@@ -13115,8 +13318,8 @@
         </p:nvSpPr>
         <p:spPr>
           <a:xfrm>
-            <a:off x="4647789" y="369163"/>
-            <a:ext cx="1048039" cy="1200329"/>
+            <a:off x="3485842" y="1134122"/>
+            <a:ext cx="786029" cy="923330"/>
           </a:xfrm>
           <a:prstGeom prst="rect">
             <a:avLst/>
@@ -13130,7 +13333,7 @@
           <a:p>
             <a:pPr algn="ctr"/>
             <a:r>
-              <a:rPr lang="en-US" altLang="en-US" b="1" dirty="0">
+              <a:rPr lang="en-US" altLang="en-US" sz="1350" b="1" dirty="0">
                 <a:latin typeface="Verdana" panose="020B0604030504040204" pitchFamily="34" charset="0"/>
               </a:rPr>
               <a:t>0 1 0</a:t>
@@ -13139,7 +13342,7 @@
           <a:p>
             <a:pPr algn="ctr"/>
             <a:r>
-              <a:rPr lang="en-US" altLang="en-US" b="1" dirty="0">
+              <a:rPr lang="en-US" altLang="en-US" sz="1350" b="1" dirty="0">
                 <a:latin typeface="Verdana" panose="020B0604030504040204" pitchFamily="34" charset="0"/>
               </a:rPr>
               <a:t>0 0 0</a:t>
@@ -13148,7 +13351,7 @@
           <a:p>
             <a:pPr algn="ctr"/>
             <a:r>
-              <a:rPr lang="en-US" altLang="en-US" b="1" dirty="0">
+              <a:rPr lang="en-US" altLang="en-US" sz="1350" b="1" dirty="0">
                 <a:latin typeface="Verdana" panose="020B0604030504040204" pitchFamily="34" charset="0"/>
               </a:rPr>
               <a:t>1 0 0</a:t>
@@ -13157,7 +13360,7 @@
           <a:p>
             <a:pPr algn="ctr"/>
             <a:r>
-              <a:rPr lang="en-US" altLang="en-US" b="1" dirty="0">
+              <a:rPr lang="en-US" altLang="en-US" sz="1350" b="1" dirty="0">
                 <a:latin typeface="Verdana" panose="020B0604030504040204" pitchFamily="34" charset="0"/>
               </a:rPr>
               <a:t>1 1 0</a:t>
@@ -13173,8 +13376,8 @@
         </p:nvSpPr>
         <p:spPr>
           <a:xfrm>
-            <a:off x="4680598" y="2028621"/>
-            <a:ext cx="1025905" cy="1200329"/>
+            <a:off x="3510449" y="2378716"/>
+            <a:ext cx="769429" cy="923330"/>
           </a:xfrm>
           <a:prstGeom prst="rect">
             <a:avLst/>
@@ -13188,7 +13391,7 @@
           <a:p>
             <a:pPr algn="ctr"/>
             <a:r>
-              <a:rPr lang="en-US" altLang="en-US" b="1" dirty="0">
+              <a:rPr lang="en-US" altLang="en-US" sz="1350" b="1" dirty="0">
                 <a:latin typeface="Verdana" panose="020B0604030504040204" pitchFamily="34" charset="0"/>
               </a:rPr>
               <a:t>1 0 1</a:t>
@@ -13197,7 +13400,7 @@
           <a:p>
             <a:pPr algn="ctr"/>
             <a:r>
-              <a:rPr lang="en-US" altLang="en-US" b="1" dirty="0">
+              <a:rPr lang="en-US" altLang="en-US" sz="1350" b="1" dirty="0">
                 <a:latin typeface="Verdana" panose="020B0604030504040204" pitchFamily="34" charset="0"/>
               </a:rPr>
               <a:t>0 0 1</a:t>
@@ -13206,7 +13409,7 @@
           <a:p>
             <a:pPr algn="ctr"/>
             <a:r>
-              <a:rPr lang="en-US" altLang="en-US" b="1" dirty="0">
+              <a:rPr lang="en-US" altLang="en-US" sz="1350" b="1" dirty="0">
                 <a:latin typeface="Verdana" panose="020B0604030504040204" pitchFamily="34" charset="0"/>
               </a:rPr>
               <a:t>1 1 1</a:t>
@@ -13215,7 +13418,7 @@
           <a:p>
             <a:pPr algn="ctr"/>
             <a:r>
-              <a:rPr lang="en-US" altLang="en-US" b="1" dirty="0">
+              <a:rPr lang="en-US" altLang="en-US" sz="1350" b="1" dirty="0">
                 <a:latin typeface="Verdana" panose="020B0604030504040204" pitchFamily="34" charset="0"/>
               </a:rPr>
               <a:t>0 1 1</a:t>
@@ -13231,8 +13434,8 @@
         </p:nvSpPr>
         <p:spPr>
           <a:xfrm rot="5400000">
-            <a:off x="5373493" y="981283"/>
-            <a:ext cx="2011985" cy="1439118"/>
+            <a:off x="4030120" y="1593212"/>
+            <a:ext cx="1508989" cy="1079339"/>
           </a:xfrm>
           <a:prstGeom prst="upArrowCallout">
             <a:avLst>
@@ -13264,7 +13467,7 @@
           <a:lstStyle/>
           <a:p>
             <a:pPr algn="ctr"/>
-            <a:endParaRPr lang="en-US" dirty="0"/>
+            <a:endParaRPr lang="en-US" sz="1350" dirty="0"/>
           </a:p>
         </p:txBody>
       </p:sp>
@@ -13276,8 +13479,8 @@
         </p:nvSpPr>
         <p:spPr>
           <a:xfrm>
-            <a:off x="5848387" y="1394255"/>
-            <a:ext cx="1168100" cy="523220"/>
+            <a:off x="4386290" y="1902941"/>
+            <a:ext cx="876075" cy="738664"/>
           </a:xfrm>
           <a:prstGeom prst="rect">
             <a:avLst/>
@@ -13291,7 +13494,7 @@
           <a:lstStyle/>
           <a:p>
             <a:r>
-              <a:rPr lang="en-US" sz="2800" b="1" dirty="0">
+              <a:rPr lang="en-US" sz="2100" b="1" dirty="0">
                 <a:solidFill>
                   <a:schemeClr val="bg1"/>
                 </a:solidFill>
@@ -13309,8 +13512,8 @@
         </p:nvSpPr>
         <p:spPr>
           <a:xfrm>
-            <a:off x="8383766" y="1283363"/>
-            <a:ext cx="3104041" cy="954107"/>
+            <a:off x="6287825" y="1819772"/>
+            <a:ext cx="2328031" cy="738664"/>
           </a:xfrm>
           <a:prstGeom prst="rect">
             <a:avLst/>
@@ -13324,7 +13527,7 @@
           <a:lstStyle/>
           <a:p>
             <a:r>
-              <a:rPr lang="en-US" sz="2800" dirty="0"/>
+              <a:rPr lang="en-US" sz="2100" dirty="0"/>
               <a:t>Step 1: Sort by the least significant bit</a:t>
             </a:r>
           </a:p>
@@ -13350,8 +13553,8 @@
         </p:nvSpPr>
         <p:spPr bwMode="auto">
           <a:xfrm>
-            <a:off x="1127666" y="3537448"/>
-            <a:ext cx="533400" cy="3048000"/>
+            <a:off x="845750" y="3510336"/>
+            <a:ext cx="400050" cy="2286000"/>
           </a:xfrm>
           <a:prstGeom prst="flowChartProcess">
             <a:avLst/>
@@ -13480,7 +13683,7 @@
           <a:p>
             <a:pPr algn="ctr"/>
             <a:r>
-              <a:rPr lang="en-US" altLang="en-US" sz="2400">
+              <a:rPr lang="en-US" altLang="en-US">
                 <a:latin typeface="Verdana" panose="020B0604030504040204" pitchFamily="34" charset="0"/>
               </a:rPr>
               <a:t>2</a:t>
@@ -13489,7 +13692,7 @@
           <a:p>
             <a:pPr algn="ctr"/>
             <a:r>
-              <a:rPr lang="en-US" altLang="en-US" sz="2400">
+              <a:rPr lang="en-US" altLang="en-US">
                 <a:latin typeface="Verdana" panose="020B0604030504040204" pitchFamily="34" charset="0"/>
               </a:rPr>
               <a:t>0</a:t>
@@ -13498,7 +13701,7 @@
           <a:p>
             <a:pPr algn="ctr"/>
             <a:r>
-              <a:rPr lang="en-US" altLang="en-US" sz="2400">
+              <a:rPr lang="en-US" altLang="en-US">
                 <a:latin typeface="Verdana" panose="020B0604030504040204" pitchFamily="34" charset="0"/>
               </a:rPr>
               <a:t>5</a:t>
@@ -13507,7 +13710,7 @@
           <a:p>
             <a:pPr algn="ctr"/>
             <a:r>
-              <a:rPr lang="en-US" altLang="en-US" sz="2400">
+              <a:rPr lang="en-US" altLang="en-US">
                 <a:latin typeface="Verdana" panose="020B0604030504040204" pitchFamily="34" charset="0"/>
               </a:rPr>
               <a:t>1</a:t>
@@ -13516,7 +13719,7 @@
           <a:p>
             <a:pPr algn="ctr"/>
             <a:r>
-              <a:rPr lang="en-US" altLang="en-US" sz="2400">
+              <a:rPr lang="en-US" altLang="en-US">
                 <a:latin typeface="Verdana" panose="020B0604030504040204" pitchFamily="34" charset="0"/>
               </a:rPr>
               <a:t>7</a:t>
@@ -13525,7 +13728,7 @@
           <a:p>
             <a:pPr algn="ctr"/>
             <a:r>
-              <a:rPr lang="en-US" altLang="en-US" sz="2400">
+              <a:rPr lang="en-US" altLang="en-US">
                 <a:latin typeface="Verdana" panose="020B0604030504040204" pitchFamily="34" charset="0"/>
               </a:rPr>
               <a:t>3</a:t>
@@ -13534,7 +13737,7 @@
           <a:p>
             <a:pPr algn="ctr"/>
             <a:r>
-              <a:rPr lang="en-US" altLang="en-US" sz="2400">
+              <a:rPr lang="en-US" altLang="en-US">
                 <a:latin typeface="Verdana" panose="020B0604030504040204" pitchFamily="34" charset="0"/>
               </a:rPr>
               <a:t>4</a:t>
@@ -13543,7 +13746,7 @@
           <a:p>
             <a:pPr algn="ctr"/>
             <a:r>
-              <a:rPr lang="en-US" altLang="en-US" sz="2400">
+              <a:rPr lang="en-US" altLang="en-US">
                 <a:latin typeface="Verdana" panose="020B0604030504040204" pitchFamily="34" charset="0"/>
               </a:rPr>
               <a:t>6</a:t>
@@ -13571,8 +13774,8 @@
         </p:nvSpPr>
         <p:spPr bwMode="auto">
           <a:xfrm>
-            <a:off x="2584662" y="3461248"/>
-            <a:ext cx="304800" cy="3200400"/>
+            <a:off x="1938497" y="3453186"/>
+            <a:ext cx="228600" cy="2400300"/>
           </a:xfrm>
           <a:prstGeom prst="rect">
             <a:avLst/>
@@ -13702,7 +13905,7 @@
           </a:lstStyle>
           <a:p>
             <a:pPr eaLnBrk="1" hangingPunct="1"/>
-            <a:endParaRPr lang="en-US" altLang="en-US"/>
+            <a:endParaRPr lang="en-US" altLang="en-US" sz="1350"/>
           </a:p>
         </p:txBody>
       </p:sp>
@@ -13726,8 +13929,8 @@
         </p:nvGrpSpPr>
         <p:grpSpPr bwMode="auto">
           <a:xfrm>
-            <a:off x="7228100" y="3461248"/>
-            <a:ext cx="1066800" cy="3200400"/>
+            <a:off x="5421075" y="3453186"/>
+            <a:ext cx="800100" cy="2400300"/>
             <a:chOff x="3033" y="1824"/>
             <a:chExt cx="672" cy="2016"/>
           </a:xfrm>
@@ -13882,7 +14085,7 @@
             <a:p>
               <a:pPr algn="ctr"/>
               <a:r>
-                <a:rPr lang="en-US" altLang="en-US" sz="2400" dirty="0">
+                <a:rPr lang="en-US" altLang="en-US" dirty="0">
                   <a:latin typeface="Verdana" panose="020B0604030504040204" pitchFamily="34" charset="0"/>
                 </a:rPr>
                 <a:t>0 0 0</a:t>
@@ -13891,7 +14094,7 @@
             <a:p>
               <a:pPr algn="ctr"/>
               <a:r>
-                <a:rPr lang="en-US" altLang="en-US" sz="2400" dirty="0">
+                <a:rPr lang="en-US" altLang="en-US" dirty="0">
                   <a:latin typeface="Verdana" panose="020B0604030504040204" pitchFamily="34" charset="0"/>
                 </a:rPr>
                 <a:t>1 0 0</a:t>
@@ -13900,7 +14103,7 @@
             <a:p>
               <a:pPr algn="ctr"/>
               <a:r>
-                <a:rPr lang="en-US" altLang="en-US" sz="2400" dirty="0">
+                <a:rPr lang="en-US" altLang="en-US" dirty="0">
                   <a:latin typeface="Verdana" panose="020B0604030504040204" pitchFamily="34" charset="0"/>
                 </a:rPr>
                 <a:t>1 0 1</a:t>
@@ -13909,7 +14112,7 @@
             <a:p>
               <a:pPr algn="ctr"/>
               <a:r>
-                <a:rPr lang="en-US" altLang="en-US" sz="2400" dirty="0">
+                <a:rPr lang="en-US" altLang="en-US" dirty="0">
                   <a:latin typeface="Verdana" panose="020B0604030504040204" pitchFamily="34" charset="0"/>
                 </a:rPr>
                 <a:t>0 0 1</a:t>
@@ -13918,7 +14121,7 @@
             <a:p>
               <a:pPr algn="ctr"/>
               <a:r>
-                <a:rPr lang="en-US" altLang="en-US" sz="2400" dirty="0">
+                <a:rPr lang="en-US" altLang="en-US" dirty="0">
                   <a:latin typeface="Verdana" panose="020B0604030504040204" pitchFamily="34" charset="0"/>
                 </a:rPr>
                 <a:t>0 1 0</a:t>
@@ -13927,7 +14130,7 @@
             <a:p>
               <a:pPr algn="ctr"/>
               <a:r>
-                <a:rPr lang="en-US" altLang="en-US" sz="2400" dirty="0">
+                <a:rPr lang="en-US" altLang="en-US" dirty="0">
                   <a:latin typeface="Verdana" panose="020B0604030504040204" pitchFamily="34" charset="0"/>
                 </a:rPr>
                 <a:t>1 1 0</a:t>
@@ -13936,7 +14139,7 @@
             <a:p>
               <a:pPr algn="ctr"/>
               <a:r>
-                <a:rPr lang="en-US" altLang="en-US" sz="2400" dirty="0">
+                <a:rPr lang="en-US" altLang="en-US" dirty="0">
                   <a:latin typeface="Verdana" panose="020B0604030504040204" pitchFamily="34" charset="0"/>
                 </a:rPr>
                 <a:t>1 1 1</a:t>
@@ -13945,7 +14148,7 @@
             <a:p>
               <a:pPr algn="ctr"/>
               <a:r>
-                <a:rPr lang="en-US" altLang="en-US" sz="2400" dirty="0">
+                <a:rPr lang="en-US" altLang="en-US" dirty="0">
                   <a:latin typeface="Verdana" panose="020B0604030504040204" pitchFamily="34" charset="0"/>
                 </a:rPr>
                 <a:t>0 1 1</a:t>
@@ -14104,7 +14307,7 @@
             </a:lstStyle>
             <a:p>
               <a:pPr eaLnBrk="1" hangingPunct="1"/>
-              <a:endParaRPr lang="en-US" altLang="en-US"/>
+              <a:endParaRPr lang="en-US" altLang="en-US" sz="1350"/>
             </a:p>
           </p:txBody>
         </p:sp>
@@ -14123,8 +14326,8 @@
         </p:nvSpPr>
         <p:spPr>
           <a:xfrm>
-            <a:off x="4069981" y="3537448"/>
-            <a:ext cx="1080654" cy="1438567"/>
+            <a:off x="3052486" y="3510337"/>
+            <a:ext cx="810491" cy="1078925"/>
           </a:xfrm>
           <a:prstGeom prst="flowChartMagneticDisk">
             <a:avLst/>
@@ -14152,10 +14355,10 @@
           <a:p>
             <a:pPr algn="ctr"/>
             <a:r>
-              <a:rPr lang="en-US" sz="2400" b="1" dirty="0"/>
+              <a:rPr lang="en-US" b="1" dirty="0"/>
               <a:t>0</a:t>
             </a:r>
-            <a:endParaRPr lang="en-US" b="1" dirty="0"/>
+            <a:endParaRPr lang="en-US" sz="1350" b="1" dirty="0"/>
           </a:p>
         </p:txBody>
       </p:sp>
@@ -14173,8 +14376,8 @@
         </p:nvSpPr>
         <p:spPr>
           <a:xfrm>
-            <a:off x="4088846" y="5146881"/>
-            <a:ext cx="1080654" cy="1438567"/>
+            <a:off x="3066634" y="4717411"/>
+            <a:ext cx="810491" cy="1078925"/>
           </a:xfrm>
           <a:prstGeom prst="flowChartMagneticDisk">
             <a:avLst/>
@@ -14202,10 +14405,10 @@
           <a:p>
             <a:pPr algn="ctr"/>
             <a:r>
-              <a:rPr lang="en-US" sz="2800" b="1" dirty="0"/>
+              <a:rPr lang="en-US" sz="2100" b="1" dirty="0"/>
               <a:t>1</a:t>
             </a:r>
-            <a:endParaRPr lang="en-US" b="1" dirty="0"/>
+            <a:endParaRPr lang="en-US" sz="1350" b="1" dirty="0"/>
           </a:p>
         </p:txBody>
       </p:sp>
@@ -14223,8 +14426,8 @@
         </p:nvCxnSpPr>
         <p:spPr>
           <a:xfrm>
-            <a:off x="2896962" y="3747579"/>
-            <a:ext cx="1191884" cy="1641649"/>
+            <a:off x="2172722" y="3667935"/>
+            <a:ext cx="893913" cy="1231237"/>
           </a:xfrm>
           <a:prstGeom prst="straightConnector1">
             <a:avLst/>
@@ -14262,8 +14465,8 @@
         </p:nvCxnSpPr>
         <p:spPr>
           <a:xfrm flipV="1">
-            <a:off x="2896962" y="4014739"/>
-            <a:ext cx="1090560" cy="105065"/>
+            <a:off x="2172722" y="3868305"/>
+            <a:ext cx="817920" cy="78799"/>
           </a:xfrm>
           <a:prstGeom prst="straightConnector1">
             <a:avLst/>
@@ -14301,8 +14504,8 @@
         </p:nvCxnSpPr>
         <p:spPr>
           <a:xfrm flipV="1">
-            <a:off x="2872612" y="4406136"/>
-            <a:ext cx="1076145" cy="787609"/>
+            <a:off x="2154459" y="4161852"/>
+            <a:ext cx="807109" cy="590707"/>
           </a:xfrm>
           <a:prstGeom prst="straightConnector1">
             <a:avLst/>
@@ -14340,8 +14543,8 @@
         </p:nvCxnSpPr>
         <p:spPr>
           <a:xfrm flipV="1">
-            <a:off x="2831900" y="4702160"/>
-            <a:ext cx="1155622" cy="930559"/>
+            <a:off x="2123925" y="4383871"/>
+            <a:ext cx="866717" cy="697919"/>
           </a:xfrm>
           <a:prstGeom prst="straightConnector1">
             <a:avLst/>
@@ -14381,8 +14584,8 @@
         </p:nvCxnSpPr>
         <p:spPr>
           <a:xfrm flipV="1">
-            <a:off x="2801787" y="5866165"/>
-            <a:ext cx="1287059" cy="62578"/>
+            <a:off x="2101341" y="5256874"/>
+            <a:ext cx="965294" cy="46934"/>
           </a:xfrm>
           <a:prstGeom prst="straightConnector1">
             <a:avLst/>
@@ -14420,8 +14623,8 @@
         </p:nvSpPr>
         <p:spPr>
           <a:xfrm>
-            <a:off x="4645480" y="3729770"/>
-            <a:ext cx="1048039" cy="1200329"/>
+            <a:off x="3484111" y="3654577"/>
+            <a:ext cx="786029" cy="923330"/>
           </a:xfrm>
           <a:prstGeom prst="rect">
             <a:avLst/>
@@ -14435,7 +14638,7 @@
           <a:p>
             <a:pPr algn="ctr"/>
             <a:r>
-              <a:rPr lang="en-US" altLang="en-US" b="1" dirty="0">
+              <a:rPr lang="en-US" altLang="en-US" sz="1350" b="1" dirty="0">
                 <a:latin typeface="Verdana" panose="020B0604030504040204" pitchFamily="34" charset="0"/>
               </a:rPr>
               <a:t>0 0 0</a:t>
@@ -14444,7 +14647,7 @@
           <a:p>
             <a:pPr algn="ctr"/>
             <a:r>
-              <a:rPr lang="en-US" altLang="en-US" b="1" dirty="0">
+              <a:rPr lang="en-US" altLang="en-US" sz="1350" b="1" dirty="0">
                 <a:latin typeface="Verdana" panose="020B0604030504040204" pitchFamily="34" charset="0"/>
               </a:rPr>
               <a:t>1 0 0</a:t>
@@ -14453,7 +14656,7 @@
           <a:p>
             <a:pPr algn="ctr"/>
             <a:r>
-              <a:rPr lang="en-US" altLang="en-US" b="1" dirty="0">
+              <a:rPr lang="en-US" altLang="en-US" sz="1350" b="1" dirty="0">
                 <a:latin typeface="Verdana" panose="020B0604030504040204" pitchFamily="34" charset="0"/>
               </a:rPr>
               <a:t>1 0 1</a:t>
@@ -14462,7 +14665,7 @@
           <a:p>
             <a:pPr algn="ctr"/>
             <a:r>
-              <a:rPr lang="en-US" altLang="en-US" b="1" dirty="0">
+              <a:rPr lang="en-US" altLang="en-US" sz="1350" b="1" dirty="0">
                 <a:latin typeface="Verdana" panose="020B0604030504040204" pitchFamily="34" charset="0"/>
               </a:rPr>
               <a:t>0 0 1</a:t>
@@ -14484,8 +14687,8 @@
         </p:nvSpPr>
         <p:spPr>
           <a:xfrm>
-            <a:off x="4678289" y="5389228"/>
-            <a:ext cx="1025905" cy="1200329"/>
+            <a:off x="3508717" y="4899171"/>
+            <a:ext cx="769429" cy="923330"/>
           </a:xfrm>
           <a:prstGeom prst="rect">
             <a:avLst/>
@@ -14499,7 +14702,7 @@
           <a:p>
             <a:pPr algn="ctr"/>
             <a:r>
-              <a:rPr lang="en-US" altLang="en-US" b="1" dirty="0">
+              <a:rPr lang="en-US" altLang="en-US" sz="1350" b="1" dirty="0">
                 <a:latin typeface="Verdana" panose="020B0604030504040204" pitchFamily="34" charset="0"/>
               </a:rPr>
               <a:t>0 1 0</a:t>
@@ -14508,7 +14711,7 @@
           <a:p>
             <a:pPr algn="ctr"/>
             <a:r>
-              <a:rPr lang="en-US" altLang="en-US" b="1" dirty="0">
+              <a:rPr lang="en-US" altLang="en-US" sz="1350" b="1" dirty="0">
                 <a:latin typeface="Verdana" panose="020B0604030504040204" pitchFamily="34" charset="0"/>
               </a:rPr>
               <a:t>1 1 0</a:t>
@@ -14517,7 +14720,7 @@
           <a:p>
             <a:pPr algn="ctr"/>
             <a:r>
-              <a:rPr lang="en-US" altLang="en-US" b="1" dirty="0">
+              <a:rPr lang="en-US" altLang="en-US" sz="1350" b="1" dirty="0">
                 <a:latin typeface="Verdana" panose="020B0604030504040204" pitchFamily="34" charset="0"/>
               </a:rPr>
               <a:t>1 1 1</a:t>
@@ -14526,7 +14729,7 @@
           <a:p>
             <a:pPr algn="ctr"/>
             <a:r>
-              <a:rPr lang="en-US" altLang="en-US" b="1" dirty="0">
+              <a:rPr lang="en-US" altLang="en-US" sz="1350" b="1" dirty="0">
                 <a:latin typeface="Verdana" panose="020B0604030504040204" pitchFamily="34" charset="0"/>
               </a:rPr>
               <a:t>0 1 1</a:t>
@@ -14548,8 +14751,8 @@
         </p:nvSpPr>
         <p:spPr>
           <a:xfrm rot="5400000">
-            <a:off x="5371184" y="4341890"/>
-            <a:ext cx="2011985" cy="1439118"/>
+            <a:off x="4028388" y="4113667"/>
+            <a:ext cx="1508989" cy="1079339"/>
           </a:xfrm>
           <a:prstGeom prst="upArrowCallout">
             <a:avLst>
@@ -14581,7 +14784,7 @@
           <a:lstStyle/>
           <a:p>
             <a:pPr algn="ctr"/>
-            <a:endParaRPr lang="en-US" dirty="0"/>
+            <a:endParaRPr lang="en-US" sz="1350" dirty="0"/>
           </a:p>
         </p:txBody>
       </p:sp>
@@ -14599,8 +14802,8 @@
         </p:nvSpPr>
         <p:spPr>
           <a:xfrm>
-            <a:off x="5846078" y="4754862"/>
-            <a:ext cx="1168100" cy="523220"/>
+            <a:off x="4384559" y="4423396"/>
+            <a:ext cx="876075" cy="738664"/>
           </a:xfrm>
           <a:prstGeom prst="rect">
             <a:avLst/>
@@ -14614,7 +14817,7 @@
           <a:lstStyle/>
           <a:p>
             <a:r>
-              <a:rPr lang="en-US" sz="2800" b="1" dirty="0">
+              <a:rPr lang="en-US" sz="2100" b="1" dirty="0">
                 <a:solidFill>
                   <a:schemeClr val="bg1"/>
                 </a:solidFill>
@@ -14638,8 +14841,8 @@
         </p:nvCxnSpPr>
         <p:spPr>
           <a:xfrm flipV="1">
-            <a:off x="2877580" y="4363295"/>
-            <a:ext cx="1090560" cy="105065"/>
+            <a:off x="2158185" y="4129722"/>
+            <a:ext cx="817920" cy="78799"/>
           </a:xfrm>
           <a:prstGeom prst="straightConnector1">
             <a:avLst/>
@@ -14677,8 +14880,8 @@
         </p:nvCxnSpPr>
         <p:spPr>
           <a:xfrm>
-            <a:off x="2859417" y="4836026"/>
-            <a:ext cx="1171799" cy="715438"/>
+            <a:off x="2144563" y="4484269"/>
+            <a:ext cx="878849" cy="536579"/>
           </a:xfrm>
           <a:prstGeom prst="straightConnector1">
             <a:avLst/>
@@ -14716,8 +14919,8 @@
         </p:nvCxnSpPr>
         <p:spPr>
           <a:xfrm flipV="1">
-            <a:off x="2872612" y="6087149"/>
-            <a:ext cx="1122440" cy="271308"/>
+            <a:off x="2154459" y="5422612"/>
+            <a:ext cx="841830" cy="203481"/>
           </a:xfrm>
           <a:prstGeom prst="straightConnector1">
             <a:avLst/>
@@ -14755,8 +14958,8 @@
         </p:nvSpPr>
         <p:spPr>
           <a:xfrm>
-            <a:off x="8488874" y="4277808"/>
-            <a:ext cx="2744390" cy="954107"/>
+            <a:off x="6366655" y="4065606"/>
+            <a:ext cx="2058293" cy="738664"/>
           </a:xfrm>
           <a:prstGeom prst="rect">
             <a:avLst/>
@@ -14770,7 +14973,7 @@
           <a:lstStyle/>
           <a:p>
             <a:r>
-              <a:rPr lang="en-US" sz="2800" dirty="0"/>
+              <a:rPr lang="en-US" sz="2100" dirty="0"/>
               <a:t>Step 2. Sort by the middle bit</a:t>
             </a:r>
           </a:p>
@@ -15657,8 +15860,8 @@
         </p:nvSpPr>
         <p:spPr bwMode="auto">
           <a:xfrm>
-            <a:off x="1327363" y="2133448"/>
-            <a:ext cx="533400" cy="3048000"/>
+            <a:off x="995522" y="2457336"/>
+            <a:ext cx="400050" cy="2286000"/>
           </a:xfrm>
           <a:prstGeom prst="flowChartProcess">
             <a:avLst/>
@@ -15787,7 +15990,7 @@
           <a:p>
             <a:pPr algn="ctr"/>
             <a:r>
-              <a:rPr lang="en-US" altLang="en-US" sz="2400">
+              <a:rPr lang="en-US" altLang="en-US">
                 <a:latin typeface="Verdana" panose="020B0604030504040204" pitchFamily="34" charset="0"/>
               </a:rPr>
               <a:t>2</a:t>
@@ -15796,7 +15999,7 @@
           <a:p>
             <a:pPr algn="ctr"/>
             <a:r>
-              <a:rPr lang="en-US" altLang="en-US" sz="2400">
+              <a:rPr lang="en-US" altLang="en-US">
                 <a:latin typeface="Verdana" panose="020B0604030504040204" pitchFamily="34" charset="0"/>
               </a:rPr>
               <a:t>0</a:t>
@@ -15805,7 +16008,7 @@
           <a:p>
             <a:pPr algn="ctr"/>
             <a:r>
-              <a:rPr lang="en-US" altLang="en-US" sz="2400">
+              <a:rPr lang="en-US" altLang="en-US">
                 <a:latin typeface="Verdana" panose="020B0604030504040204" pitchFamily="34" charset="0"/>
               </a:rPr>
               <a:t>5</a:t>
@@ -15814,7 +16017,7 @@
           <a:p>
             <a:pPr algn="ctr"/>
             <a:r>
-              <a:rPr lang="en-US" altLang="en-US" sz="2400">
+              <a:rPr lang="en-US" altLang="en-US">
                 <a:latin typeface="Verdana" panose="020B0604030504040204" pitchFamily="34" charset="0"/>
               </a:rPr>
               <a:t>1</a:t>
@@ -15823,7 +16026,7 @@
           <a:p>
             <a:pPr algn="ctr"/>
             <a:r>
-              <a:rPr lang="en-US" altLang="en-US" sz="2400">
+              <a:rPr lang="en-US" altLang="en-US">
                 <a:latin typeface="Verdana" panose="020B0604030504040204" pitchFamily="34" charset="0"/>
               </a:rPr>
               <a:t>7</a:t>
@@ -15832,7 +16035,7 @@
           <a:p>
             <a:pPr algn="ctr"/>
             <a:r>
-              <a:rPr lang="en-US" altLang="en-US" sz="2400">
+              <a:rPr lang="en-US" altLang="en-US">
                 <a:latin typeface="Verdana" panose="020B0604030504040204" pitchFamily="34" charset="0"/>
               </a:rPr>
               <a:t>3</a:t>
@@ -15841,7 +16044,7 @@
           <a:p>
             <a:pPr algn="ctr"/>
             <a:r>
-              <a:rPr lang="en-US" altLang="en-US" sz="2400">
+              <a:rPr lang="en-US" altLang="en-US">
                 <a:latin typeface="Verdana" panose="020B0604030504040204" pitchFamily="34" charset="0"/>
               </a:rPr>
               <a:t>4</a:t>
@@ -15850,7 +16053,7 @@
           <a:p>
             <a:pPr algn="ctr"/>
             <a:r>
-              <a:rPr lang="en-US" altLang="en-US" sz="2400">
+              <a:rPr lang="en-US" altLang="en-US">
                 <a:latin typeface="Verdana" panose="020B0604030504040204" pitchFamily="34" charset="0"/>
               </a:rPr>
               <a:t>6</a:t>
@@ -15878,8 +16081,8 @@
         </p:nvGrpSpPr>
         <p:grpSpPr bwMode="auto">
           <a:xfrm>
-            <a:off x="2353271" y="2063294"/>
-            <a:ext cx="1066800" cy="3200400"/>
+            <a:off x="1764953" y="2404721"/>
+            <a:ext cx="800100" cy="2400300"/>
             <a:chOff x="3033" y="1824"/>
             <a:chExt cx="672" cy="2016"/>
           </a:xfrm>
@@ -16034,7 +16237,7 @@
             <a:p>
               <a:pPr algn="ctr"/>
               <a:r>
-                <a:rPr lang="en-US" altLang="en-US" sz="2400">
+                <a:rPr lang="en-US" altLang="en-US">
                   <a:latin typeface="Verdana" panose="020B0604030504040204" pitchFamily="34" charset="0"/>
                 </a:rPr>
                 <a:t>0 0 0</a:t>
@@ -16043,7 +16246,7 @@
             <a:p>
               <a:pPr algn="ctr"/>
               <a:r>
-                <a:rPr lang="en-US" altLang="en-US" sz="2400">
+                <a:rPr lang="en-US" altLang="en-US">
                   <a:latin typeface="Verdana" panose="020B0604030504040204" pitchFamily="34" charset="0"/>
                 </a:rPr>
                 <a:t>1 0 0</a:t>
@@ -16052,7 +16255,7 @@
             <a:p>
               <a:pPr algn="ctr"/>
               <a:r>
-                <a:rPr lang="en-US" altLang="en-US" sz="2400">
+                <a:rPr lang="en-US" altLang="en-US">
                   <a:latin typeface="Verdana" panose="020B0604030504040204" pitchFamily="34" charset="0"/>
                 </a:rPr>
                 <a:t>1 0 1</a:t>
@@ -16061,7 +16264,7 @@
             <a:p>
               <a:pPr algn="ctr"/>
               <a:r>
-                <a:rPr lang="en-US" altLang="en-US" sz="2400">
+                <a:rPr lang="en-US" altLang="en-US">
                   <a:latin typeface="Verdana" panose="020B0604030504040204" pitchFamily="34" charset="0"/>
                 </a:rPr>
                 <a:t>0 0 1</a:t>
@@ -16070,7 +16273,7 @@
             <a:p>
               <a:pPr algn="ctr"/>
               <a:r>
-                <a:rPr lang="en-US" altLang="en-US" sz="2400">
+                <a:rPr lang="en-US" altLang="en-US">
                   <a:latin typeface="Verdana" panose="020B0604030504040204" pitchFamily="34" charset="0"/>
                 </a:rPr>
                 <a:t>0 1 0</a:t>
@@ -16079,7 +16282,7 @@
             <a:p>
               <a:pPr algn="ctr"/>
               <a:r>
-                <a:rPr lang="en-US" altLang="en-US" sz="2400">
+                <a:rPr lang="en-US" altLang="en-US">
                   <a:latin typeface="Verdana" panose="020B0604030504040204" pitchFamily="34" charset="0"/>
                 </a:rPr>
                 <a:t>1 1 0</a:t>
@@ -16088,7 +16291,7 @@
             <a:p>
               <a:pPr algn="ctr"/>
               <a:r>
-                <a:rPr lang="en-US" altLang="en-US" sz="2400">
+                <a:rPr lang="en-US" altLang="en-US">
                   <a:latin typeface="Verdana" panose="020B0604030504040204" pitchFamily="34" charset="0"/>
                 </a:rPr>
                 <a:t>1 1 1</a:t>
@@ -16097,7 +16300,7 @@
             <a:p>
               <a:pPr algn="ctr"/>
               <a:r>
-                <a:rPr lang="en-US" altLang="en-US" sz="2400">
+                <a:rPr lang="en-US" altLang="en-US">
                   <a:latin typeface="Verdana" panose="020B0604030504040204" pitchFamily="34" charset="0"/>
                 </a:rPr>
                 <a:t>0 1 1</a:t>
@@ -16258,7 +16461,7 @@
             </a:lstStyle>
             <a:p>
               <a:pPr eaLnBrk="1" hangingPunct="1"/>
-              <a:endParaRPr lang="en-US" altLang="en-US"/>
+              <a:endParaRPr lang="en-US" altLang="en-US" sz="1350"/>
             </a:p>
           </p:txBody>
         </p:sp>
@@ -16277,8 +16480,8 @@
         </p:nvSpPr>
         <p:spPr>
           <a:xfrm>
-            <a:off x="3822440" y="2211586"/>
-            <a:ext cx="1080654" cy="1438567"/>
+            <a:off x="2866830" y="2515940"/>
+            <a:ext cx="810491" cy="1078925"/>
           </a:xfrm>
           <a:prstGeom prst="flowChartMagneticDisk">
             <a:avLst/>
@@ -16306,10 +16509,10 @@
           <a:p>
             <a:pPr algn="ctr"/>
             <a:r>
-              <a:rPr lang="en-US" sz="2400" b="1" dirty="0"/>
+              <a:rPr lang="en-US" b="1" dirty="0"/>
               <a:t>0</a:t>
             </a:r>
-            <a:endParaRPr lang="en-US" b="1" dirty="0"/>
+            <a:endParaRPr lang="en-US" sz="1350" b="1" dirty="0"/>
           </a:p>
         </p:txBody>
       </p:sp>
@@ -16327,8 +16530,8 @@
         </p:nvSpPr>
         <p:spPr>
           <a:xfrm>
-            <a:off x="3841305" y="3821019"/>
-            <a:ext cx="1080654" cy="1438567"/>
+            <a:off x="2880979" y="3723015"/>
+            <a:ext cx="810491" cy="1078925"/>
           </a:xfrm>
           <a:prstGeom prst="flowChartMagneticDisk">
             <a:avLst/>
@@ -16356,10 +16559,10 @@
           <a:p>
             <a:pPr algn="ctr"/>
             <a:r>
-              <a:rPr lang="en-US" sz="2800" b="1" dirty="0"/>
+              <a:rPr lang="en-US" sz="2100" b="1" dirty="0"/>
               <a:t>1</a:t>
             </a:r>
-            <a:endParaRPr lang="en-US" b="1" dirty="0"/>
+            <a:endParaRPr lang="en-US" sz="1350" b="1" dirty="0"/>
           </a:p>
         </p:txBody>
       </p:sp>
@@ -16377,8 +16580,8 @@
         </p:nvCxnSpPr>
         <p:spPr>
           <a:xfrm>
-            <a:off x="2649421" y="2421717"/>
-            <a:ext cx="1051795" cy="110272"/>
+            <a:off x="1987066" y="2673538"/>
+            <a:ext cx="788846" cy="82704"/>
           </a:xfrm>
           <a:prstGeom prst="straightConnector1">
             <a:avLst/>
@@ -16416,8 +16619,8 @@
         </p:nvCxnSpPr>
         <p:spPr>
           <a:xfrm>
-            <a:off x="2649421" y="2793943"/>
-            <a:ext cx="1126959" cy="1238705"/>
+            <a:off x="1987066" y="2952708"/>
+            <a:ext cx="845219" cy="929029"/>
           </a:xfrm>
           <a:prstGeom prst="straightConnector1">
             <a:avLst/>
@@ -16455,8 +16658,8 @@
         </p:nvCxnSpPr>
         <p:spPr>
           <a:xfrm flipV="1">
-            <a:off x="2625071" y="3080274"/>
-            <a:ext cx="1076145" cy="787609"/>
+            <a:off x="1968804" y="3167456"/>
+            <a:ext cx="807109" cy="590707"/>
           </a:xfrm>
           <a:prstGeom prst="straightConnector1">
             <a:avLst/>
@@ -16494,8 +16697,8 @@
         </p:nvCxnSpPr>
         <p:spPr>
           <a:xfrm>
-            <a:off x="2584359" y="4306858"/>
-            <a:ext cx="1174348" cy="123050"/>
+            <a:off x="1938269" y="4087393"/>
+            <a:ext cx="880761" cy="92288"/>
           </a:xfrm>
           <a:prstGeom prst="straightConnector1">
             <a:avLst/>
@@ -16535,8 +16738,8 @@
         </p:nvCxnSpPr>
         <p:spPr>
           <a:xfrm flipV="1">
-            <a:off x="2554246" y="4540303"/>
-            <a:ext cx="1287059" cy="62578"/>
+            <a:off x="1915685" y="4262477"/>
+            <a:ext cx="965294" cy="46934"/>
           </a:xfrm>
           <a:prstGeom prst="straightConnector1">
             <a:avLst/>
@@ -16574,8 +16777,8 @@
         </p:nvSpPr>
         <p:spPr>
           <a:xfrm>
-            <a:off x="4397939" y="2403908"/>
-            <a:ext cx="1048039" cy="1200329"/>
+            <a:off x="3298455" y="2660181"/>
+            <a:ext cx="786029" cy="923330"/>
           </a:xfrm>
           <a:prstGeom prst="rect">
             <a:avLst/>
@@ -16589,7 +16792,7 @@
           <a:p>
             <a:pPr algn="ctr"/>
             <a:r>
-              <a:rPr lang="en-US" altLang="en-US" b="1" dirty="0">
+              <a:rPr lang="en-US" altLang="en-US" sz="1350" b="1" dirty="0">
                 <a:latin typeface="Verdana" panose="020B0604030504040204" pitchFamily="34" charset="0"/>
               </a:rPr>
               <a:t>0 0 0</a:t>
@@ -16598,7 +16801,7 @@
           <a:p>
             <a:pPr algn="ctr"/>
             <a:r>
-              <a:rPr lang="en-US" altLang="en-US" b="1" dirty="0">
+              <a:rPr lang="en-US" altLang="en-US" sz="1350" b="1" dirty="0">
                 <a:latin typeface="Verdana" panose="020B0604030504040204" pitchFamily="34" charset="0"/>
               </a:rPr>
               <a:t>0 0 1</a:t>
@@ -16607,7 +16810,7 @@
           <a:p>
             <a:pPr algn="ctr"/>
             <a:r>
-              <a:rPr lang="en-US" altLang="en-US" b="1" dirty="0">
+              <a:rPr lang="en-US" altLang="en-US" sz="1350" b="1" dirty="0">
                 <a:latin typeface="Verdana" panose="020B0604030504040204" pitchFamily="34" charset="0"/>
               </a:rPr>
               <a:t>0 1 0</a:t>
@@ -16616,7 +16819,7 @@
           <a:p>
             <a:pPr algn="ctr"/>
             <a:r>
-              <a:rPr lang="en-US" altLang="en-US" b="1" dirty="0">
+              <a:rPr lang="en-US" altLang="en-US" sz="1350" b="1" dirty="0">
                 <a:latin typeface="Verdana" panose="020B0604030504040204" pitchFamily="34" charset="0"/>
               </a:rPr>
               <a:t>0 1 1</a:t>
@@ -16638,8 +16841,8 @@
         </p:nvSpPr>
         <p:spPr>
           <a:xfrm>
-            <a:off x="4430748" y="4063366"/>
-            <a:ext cx="1025905" cy="1200329"/>
+            <a:off x="3323061" y="3904774"/>
+            <a:ext cx="769429" cy="923330"/>
           </a:xfrm>
           <a:prstGeom prst="rect">
             <a:avLst/>
@@ -16653,7 +16856,7 @@
           <a:p>
             <a:pPr algn="ctr"/>
             <a:r>
-              <a:rPr lang="en-US" altLang="en-US" b="1" dirty="0">
+              <a:rPr lang="en-US" altLang="en-US" sz="1350" b="1" dirty="0">
                 <a:latin typeface="Verdana" panose="020B0604030504040204" pitchFamily="34" charset="0"/>
               </a:rPr>
               <a:t>1 0 0</a:t>
@@ -16662,7 +16865,7 @@
           <a:p>
             <a:pPr algn="ctr"/>
             <a:r>
-              <a:rPr lang="en-US" altLang="en-US" b="1" dirty="0">
+              <a:rPr lang="en-US" altLang="en-US" sz="1350" b="1" dirty="0">
                 <a:latin typeface="Verdana" panose="020B0604030504040204" pitchFamily="34" charset="0"/>
               </a:rPr>
               <a:t>1 0 1</a:t>
@@ -16671,7 +16874,7 @@
           <a:p>
             <a:pPr algn="ctr"/>
             <a:r>
-              <a:rPr lang="en-US" altLang="en-US" b="1" dirty="0">
+              <a:rPr lang="en-US" altLang="en-US" sz="1350" b="1" dirty="0">
                 <a:latin typeface="Verdana" panose="020B0604030504040204" pitchFamily="34" charset="0"/>
               </a:rPr>
               <a:t>1 1 0</a:t>
@@ -16680,7 +16883,7 @@
           <a:p>
             <a:pPr algn="ctr"/>
             <a:r>
-              <a:rPr lang="en-US" altLang="en-US" b="1" dirty="0">
+              <a:rPr lang="en-US" altLang="en-US" sz="1350" b="1" dirty="0">
                 <a:latin typeface="Verdana" panose="020B0604030504040204" pitchFamily="34" charset="0"/>
               </a:rPr>
               <a:t>1 1 1</a:t>
@@ -16702,8 +16905,8 @@
         </p:nvSpPr>
         <p:spPr>
           <a:xfrm rot="5400000">
-            <a:off x="5123643" y="3016028"/>
-            <a:ext cx="2011985" cy="1439118"/>
+            <a:off x="3842733" y="3119271"/>
+            <a:ext cx="1508989" cy="1079339"/>
           </a:xfrm>
           <a:prstGeom prst="upArrowCallout">
             <a:avLst>
@@ -16735,7 +16938,7 @@
           <a:lstStyle/>
           <a:p>
             <a:pPr algn="ctr"/>
-            <a:endParaRPr lang="en-US" dirty="0"/>
+            <a:endParaRPr lang="en-US" sz="1350" dirty="0"/>
           </a:p>
         </p:txBody>
       </p:sp>
@@ -16753,8 +16956,8 @@
         </p:nvSpPr>
         <p:spPr>
           <a:xfrm>
-            <a:off x="5598537" y="3429000"/>
-            <a:ext cx="1168100" cy="523220"/>
+            <a:off x="4198903" y="3429000"/>
+            <a:ext cx="876075" cy="738664"/>
           </a:xfrm>
           <a:prstGeom prst="rect">
             <a:avLst/>
@@ -16768,7 +16971,7 @@
           <a:lstStyle/>
           <a:p>
             <a:r>
-              <a:rPr lang="en-US" sz="2800" b="1" dirty="0">
+              <a:rPr lang="en-US" sz="2100" b="1" dirty="0">
                 <a:solidFill>
                   <a:schemeClr val="bg1"/>
                 </a:solidFill>
@@ -16792,8 +16995,8 @@
         </p:nvCxnSpPr>
         <p:spPr>
           <a:xfrm>
-            <a:off x="2630039" y="3142499"/>
-            <a:ext cx="1146341" cy="1204850"/>
+            <a:off x="1972530" y="3214124"/>
+            <a:ext cx="859756" cy="903638"/>
           </a:xfrm>
           <a:prstGeom prst="straightConnector1">
             <a:avLst/>
@@ -16831,8 +17034,8 @@
         </p:nvCxnSpPr>
         <p:spPr>
           <a:xfrm flipV="1">
-            <a:off x="2611876" y="2828013"/>
-            <a:ext cx="1089340" cy="682151"/>
+            <a:off x="1958907" y="2978260"/>
+            <a:ext cx="817005" cy="511613"/>
           </a:xfrm>
           <a:prstGeom prst="straightConnector1">
             <a:avLst/>
@@ -16870,8 +17073,8 @@
         </p:nvCxnSpPr>
         <p:spPr>
           <a:xfrm flipV="1">
-            <a:off x="2625071" y="3429000"/>
-            <a:ext cx="1115958" cy="1603595"/>
+            <a:off x="1968803" y="3429001"/>
+            <a:ext cx="836969" cy="1202696"/>
           </a:xfrm>
           <a:prstGeom prst="straightConnector1">
             <a:avLst/>
@@ -16915,8 +17118,8 @@
         </p:nvGrpSpPr>
         <p:grpSpPr bwMode="auto">
           <a:xfrm>
-            <a:off x="7055157" y="2063294"/>
-            <a:ext cx="1066800" cy="3200400"/>
+            <a:off x="5291368" y="2404721"/>
+            <a:ext cx="800100" cy="2400300"/>
             <a:chOff x="3033" y="1824"/>
             <a:chExt cx="672" cy="2016"/>
           </a:xfrm>
@@ -17071,7 +17274,7 @@
             <a:p>
               <a:pPr algn="ctr"/>
               <a:r>
-                <a:rPr lang="en-US" altLang="en-US" sz="2400" dirty="0">
+                <a:rPr lang="en-US" altLang="en-US" dirty="0">
                   <a:latin typeface="Verdana" panose="020B0604030504040204" pitchFamily="34" charset="0"/>
                 </a:rPr>
                 <a:t>0 0 0</a:t>
@@ -17080,7 +17283,7 @@
             <a:p>
               <a:pPr algn="ctr"/>
               <a:r>
-                <a:rPr lang="en-US" altLang="en-US" sz="2400" dirty="0">
+                <a:rPr lang="en-US" altLang="en-US" dirty="0">
                   <a:latin typeface="Verdana" panose="020B0604030504040204" pitchFamily="34" charset="0"/>
                 </a:rPr>
                 <a:t>0 0 1</a:t>
@@ -17089,7 +17292,7 @@
             <a:p>
               <a:pPr algn="ctr"/>
               <a:r>
-                <a:rPr lang="en-US" altLang="en-US" sz="2400" dirty="0">
+                <a:rPr lang="en-US" altLang="en-US" dirty="0">
                   <a:latin typeface="Verdana" panose="020B0604030504040204" pitchFamily="34" charset="0"/>
                 </a:rPr>
                 <a:t>0 1 0</a:t>
@@ -17098,7 +17301,7 @@
             <a:p>
               <a:pPr algn="ctr"/>
               <a:r>
-                <a:rPr lang="en-US" altLang="en-US" sz="2400" dirty="0">
+                <a:rPr lang="en-US" altLang="en-US" dirty="0">
                   <a:latin typeface="Verdana" panose="020B0604030504040204" pitchFamily="34" charset="0"/>
                 </a:rPr>
                 <a:t>0 1 1</a:t>
@@ -17107,7 +17310,7 @@
             <a:p>
               <a:pPr algn="ctr"/>
               <a:r>
-                <a:rPr lang="en-US" altLang="en-US" sz="2400" dirty="0">
+                <a:rPr lang="en-US" altLang="en-US" dirty="0">
                   <a:latin typeface="Verdana" panose="020B0604030504040204" pitchFamily="34" charset="0"/>
                 </a:rPr>
                 <a:t>1 0 0</a:t>
@@ -17116,7 +17319,7 @@
             <a:p>
               <a:pPr algn="ctr"/>
               <a:r>
-                <a:rPr lang="en-US" altLang="en-US" sz="2400" dirty="0">
+                <a:rPr lang="en-US" altLang="en-US" dirty="0">
                   <a:latin typeface="Verdana" panose="020B0604030504040204" pitchFamily="34" charset="0"/>
                 </a:rPr>
                 <a:t>1 0 1</a:t>
@@ -17125,7 +17328,7 @@
             <a:p>
               <a:pPr algn="ctr"/>
               <a:r>
-                <a:rPr lang="en-US" altLang="en-US" sz="2400" dirty="0">
+                <a:rPr lang="en-US" altLang="en-US" dirty="0">
                   <a:latin typeface="Verdana" panose="020B0604030504040204" pitchFamily="34" charset="0"/>
                 </a:rPr>
                 <a:t>1 1 0</a:t>
@@ -17134,7 +17337,7 @@
             <a:p>
               <a:pPr algn="ctr"/>
               <a:r>
-                <a:rPr lang="en-US" altLang="en-US" sz="2400" dirty="0">
+                <a:rPr lang="en-US" altLang="en-US" dirty="0">
                   <a:latin typeface="Verdana" panose="020B0604030504040204" pitchFamily="34" charset="0"/>
                 </a:rPr>
                 <a:t>1 1 1</a:t>
@@ -17293,7 +17496,7 @@
             </a:lstStyle>
             <a:p>
               <a:pPr eaLnBrk="1" hangingPunct="1"/>
-              <a:endParaRPr lang="en-US" altLang="en-US"/>
+              <a:endParaRPr lang="en-US" altLang="en-US" sz="1350"/>
             </a:p>
           </p:txBody>
         </p:sp>
@@ -17312,8 +17515,8 @@
         </p:nvSpPr>
         <p:spPr>
           <a:xfrm>
-            <a:off x="9150072" y="3047187"/>
-            <a:ext cx="2216923" cy="1384995"/>
+            <a:off x="6862555" y="3142641"/>
+            <a:ext cx="1662692" cy="1061829"/>
           </a:xfrm>
           <a:prstGeom prst="rect">
             <a:avLst/>
@@ -17327,7 +17530,7 @@
           <a:lstStyle/>
           <a:p>
             <a:r>
-              <a:rPr lang="en-US" sz="2800" dirty="0"/>
+              <a:rPr lang="en-US" sz="2100" dirty="0"/>
               <a:t>Step 3. Sort by the most significant bit</a:t>
             </a:r>
           </a:p>
@@ -17353,8 +17556,8 @@
         </p:nvSpPr>
         <p:spPr bwMode="auto">
           <a:xfrm>
-            <a:off x="2708409" y="2060784"/>
-            <a:ext cx="609600" cy="3200400"/>
+            <a:off x="2031307" y="2402838"/>
+            <a:ext cx="457200" cy="2400300"/>
           </a:xfrm>
           <a:prstGeom prst="rect">
             <a:avLst/>
@@ -17484,7 +17687,7 @@
           </a:lstStyle>
           <a:p>
             <a:pPr eaLnBrk="1" hangingPunct="1"/>
-            <a:endParaRPr lang="en-US" altLang="en-US"/>
+            <a:endParaRPr lang="en-US" altLang="en-US" sz="1350"/>
           </a:p>
         </p:txBody>
       </p:sp>
@@ -17508,8 +17711,8 @@
         </p:nvSpPr>
         <p:spPr bwMode="auto">
           <a:xfrm>
-            <a:off x="8446104" y="2133448"/>
-            <a:ext cx="533400" cy="3048000"/>
+            <a:off x="6334578" y="2457336"/>
+            <a:ext cx="400050" cy="2286000"/>
           </a:xfrm>
           <a:prstGeom prst="flowChartProcess">
             <a:avLst/>
@@ -17638,7 +17841,7 @@
           <a:p>
             <a:pPr algn="ctr"/>
             <a:r>
-              <a:rPr lang="en-US" altLang="en-US" sz="2400">
+              <a:rPr lang="en-US" altLang="en-US">
                 <a:latin typeface="Verdana" panose="020B0604030504040204" pitchFamily="34" charset="0"/>
               </a:rPr>
               <a:t>0</a:t>
@@ -17647,7 +17850,7 @@
           <a:p>
             <a:pPr algn="ctr"/>
             <a:r>
-              <a:rPr lang="en-US" altLang="en-US" sz="2400">
+              <a:rPr lang="en-US" altLang="en-US">
                 <a:latin typeface="Verdana" panose="020B0604030504040204" pitchFamily="34" charset="0"/>
               </a:rPr>
               <a:t>1</a:t>
@@ -17656,7 +17859,7 @@
           <a:p>
             <a:pPr algn="ctr"/>
             <a:r>
-              <a:rPr lang="en-US" altLang="en-US" sz="2400">
+              <a:rPr lang="en-US" altLang="en-US">
                 <a:latin typeface="Verdana" panose="020B0604030504040204" pitchFamily="34" charset="0"/>
               </a:rPr>
               <a:t>2</a:t>
@@ -17665,7 +17868,7 @@
           <a:p>
             <a:pPr algn="ctr"/>
             <a:r>
-              <a:rPr lang="en-US" altLang="en-US" sz="2400">
+              <a:rPr lang="en-US" altLang="en-US">
                 <a:latin typeface="Verdana" panose="020B0604030504040204" pitchFamily="34" charset="0"/>
               </a:rPr>
               <a:t>3</a:t>
@@ -17674,7 +17877,7 @@
           <a:p>
             <a:pPr algn="ctr"/>
             <a:r>
-              <a:rPr lang="en-US" altLang="en-US" sz="2400">
+              <a:rPr lang="en-US" altLang="en-US">
                 <a:latin typeface="Verdana" panose="020B0604030504040204" pitchFamily="34" charset="0"/>
               </a:rPr>
               <a:t>4</a:t>
@@ -17683,7 +17886,7 @@
           <a:p>
             <a:pPr algn="ctr"/>
             <a:r>
-              <a:rPr lang="en-US" altLang="en-US" sz="2400">
+              <a:rPr lang="en-US" altLang="en-US">
                 <a:latin typeface="Verdana" panose="020B0604030504040204" pitchFamily="34" charset="0"/>
               </a:rPr>
               <a:t>5</a:t>
@@ -17692,7 +17895,7 @@
           <a:p>
             <a:pPr algn="ctr"/>
             <a:r>
-              <a:rPr lang="en-US" altLang="en-US" sz="2400">
+              <a:rPr lang="en-US" altLang="en-US">
                 <a:latin typeface="Verdana" panose="020B0604030504040204" pitchFamily="34" charset="0"/>
               </a:rPr>
               <a:t>6</a:t>
@@ -17701,7 +17904,7 @@
           <a:p>
             <a:pPr algn="ctr"/>
             <a:r>
-              <a:rPr lang="en-US" altLang="en-US" sz="2400">
+              <a:rPr lang="en-US" altLang="en-US">
                 <a:latin typeface="Verdana" panose="020B0604030504040204" pitchFamily="34" charset="0"/>
               </a:rPr>
               <a:t>7</a:t>
@@ -17723,8 +17926,8 @@
         </p:nvSpPr>
         <p:spPr>
           <a:xfrm>
-            <a:off x="4262000" y="6241039"/>
-            <a:ext cx="4051684" cy="523220"/>
+            <a:off x="3196500" y="5538029"/>
+            <a:ext cx="3038763" cy="415498"/>
           </a:xfrm>
           <a:prstGeom prst="rect">
             <a:avLst/>
@@ -17752,19 +17955,19 @@
           <a:lstStyle/>
           <a:p>
             <a:r>
-              <a:rPr lang="en-US" sz="1400" dirty="0"/>
+              <a:rPr lang="en-US" sz="1050" dirty="0"/>
               <a:t>Radix Sort Animations | Data Structure | Visual How</a:t>
             </a:r>
           </a:p>
           <a:p>
             <a:r>
-              <a:rPr lang="en-US" sz="1400" dirty="0">
+              <a:rPr lang="en-US" sz="1050" dirty="0">
                 <a:hlinkClick r:id="rId11"/>
               </a:rPr>
               <a:t>https://www.youtube.com/watch?v=Om4BljCs_qE</a:t>
             </a:r>
             <a:r>
-              <a:rPr lang="en-US" sz="1400" dirty="0"/>
+              <a:rPr lang="en-US" sz="1050" dirty="0"/>
               <a:t>   </a:t>
             </a:r>
           </a:p>
@@ -18447,13 +18650,333 @@
         <a:sysClr val="window" lastClr="FFFFFF"/>
       </a:lt1>
       <a:dk2>
+        <a:srgbClr val="1F497D"/>
+      </a:dk2>
+      <a:lt2>
+        <a:srgbClr val="EEECE1"/>
+      </a:lt2>
+      <a:accent1>
+        <a:srgbClr val="4F81BD"/>
+      </a:accent1>
+      <a:accent2>
+        <a:srgbClr val="C0504D"/>
+      </a:accent2>
+      <a:accent3>
+        <a:srgbClr val="9BBB59"/>
+      </a:accent3>
+      <a:accent4>
+        <a:srgbClr val="8064A2"/>
+      </a:accent4>
+      <a:accent5>
+        <a:srgbClr val="4BACC6"/>
+      </a:accent5>
+      <a:accent6>
+        <a:srgbClr val="F79646"/>
+      </a:accent6>
+      <a:hlink>
+        <a:srgbClr val="0000FF"/>
+      </a:hlink>
+      <a:folHlink>
+        <a:srgbClr val="800080"/>
+      </a:folHlink>
+    </a:clrScheme>
+    <a:fontScheme name="Office">
+      <a:majorFont>
+        <a:latin typeface="Calibri"/>
+        <a:ea typeface=""/>
+        <a:cs typeface=""/>
+        <a:font script="Jpan" typeface="ＭＳ Ｐゴシック"/>
+        <a:font script="Hang" typeface="맑은 고딕"/>
+        <a:font script="Hans" typeface="宋体"/>
+        <a:font script="Hant" typeface="新細明體"/>
+        <a:font script="Arab" typeface="Times New Roman"/>
+        <a:font script="Hebr" typeface="Times New Roman"/>
+        <a:font script="Thai" typeface="Angsana New"/>
+        <a:font script="Ethi" typeface="Nyala"/>
+        <a:font script="Beng" typeface="Vrinda"/>
+        <a:font script="Gujr" typeface="Shruti"/>
+        <a:font script="Khmr" typeface="MoolBoran"/>
+        <a:font script="Knda" typeface="Tunga"/>
+        <a:font script="Guru" typeface="Raavi"/>
+        <a:font script="Cans" typeface="Euphemia"/>
+        <a:font script="Cher" typeface="Plantagenet Cherokee"/>
+        <a:font script="Yiii" typeface="Microsoft Yi Baiti"/>
+        <a:font script="Tibt" typeface="Microsoft Himalaya"/>
+        <a:font script="Thaa" typeface="MV Boli"/>
+        <a:font script="Deva" typeface="Mangal"/>
+        <a:font script="Telu" typeface="Gautami"/>
+        <a:font script="Taml" typeface="Latha"/>
+        <a:font script="Syrc" typeface="Estrangelo Edessa"/>
+        <a:font script="Orya" typeface="Kalinga"/>
+        <a:font script="Mlym" typeface="Kartika"/>
+        <a:font script="Laoo" typeface="DokChampa"/>
+        <a:font script="Sinh" typeface="Iskoola Pota"/>
+        <a:font script="Mong" typeface="Mongolian Baiti"/>
+        <a:font script="Viet" typeface="Times New Roman"/>
+        <a:font script="Uigh" typeface="Microsoft Uighur"/>
+        <a:font script="Geor" typeface="Sylfaen"/>
+      </a:majorFont>
+      <a:minorFont>
+        <a:latin typeface="Calibri"/>
+        <a:ea typeface=""/>
+        <a:cs typeface=""/>
+        <a:font script="Jpan" typeface="ＭＳ Ｐゴシック"/>
+        <a:font script="Hang" typeface="맑은 고딕"/>
+        <a:font script="Hans" typeface="宋体"/>
+        <a:font script="Hant" typeface="新細明體"/>
+        <a:font script="Arab" typeface="Arial"/>
+        <a:font script="Hebr" typeface="Arial"/>
+        <a:font script="Thai" typeface="Cordia New"/>
+        <a:font script="Ethi" typeface="Nyala"/>
+        <a:font script="Beng" typeface="Vrinda"/>
+        <a:font script="Gujr" typeface="Shruti"/>
+        <a:font script="Khmr" typeface="DaunPenh"/>
+        <a:font script="Knda" typeface="Tunga"/>
+        <a:font script="Guru" typeface="Raavi"/>
+        <a:font script="Cans" typeface="Euphemia"/>
+        <a:font script="Cher" typeface="Plantagenet Cherokee"/>
+        <a:font script="Yiii" typeface="Microsoft Yi Baiti"/>
+        <a:font script="Tibt" typeface="Microsoft Himalaya"/>
+        <a:font script="Thaa" typeface="MV Boli"/>
+        <a:font script="Deva" typeface="Mangal"/>
+        <a:font script="Telu" typeface="Gautami"/>
+        <a:font script="Taml" typeface="Latha"/>
+        <a:font script="Syrc" typeface="Estrangelo Edessa"/>
+        <a:font script="Orya" typeface="Kalinga"/>
+        <a:font script="Mlym" typeface="Kartika"/>
+        <a:font script="Laoo" typeface="DokChampa"/>
+        <a:font script="Sinh" typeface="Iskoola Pota"/>
+        <a:font script="Mong" typeface="Mongolian Baiti"/>
+        <a:font script="Viet" typeface="Arial"/>
+        <a:font script="Uigh" typeface="Microsoft Uighur"/>
+        <a:font script="Geor" typeface="Sylfaen"/>
+      </a:minorFont>
+    </a:fontScheme>
+    <a:fmtScheme name="Office">
+      <a:fillStyleLst>
+        <a:solidFill>
+          <a:schemeClr val="phClr"/>
+        </a:solidFill>
+        <a:gradFill rotWithShape="1">
+          <a:gsLst>
+            <a:gs pos="0">
+              <a:schemeClr val="phClr">
+                <a:tint val="50000"/>
+                <a:satMod val="300000"/>
+              </a:schemeClr>
+            </a:gs>
+            <a:gs pos="35000">
+              <a:schemeClr val="phClr">
+                <a:tint val="37000"/>
+                <a:satMod val="300000"/>
+              </a:schemeClr>
+            </a:gs>
+            <a:gs pos="100000">
+              <a:schemeClr val="phClr">
+                <a:tint val="15000"/>
+                <a:satMod val="350000"/>
+              </a:schemeClr>
+            </a:gs>
+          </a:gsLst>
+          <a:lin ang="16200000" scaled="1"/>
+        </a:gradFill>
+        <a:gradFill rotWithShape="1">
+          <a:gsLst>
+            <a:gs pos="0">
+              <a:schemeClr val="phClr">
+                <a:tint val="100000"/>
+                <a:shade val="100000"/>
+                <a:satMod val="130000"/>
+              </a:schemeClr>
+            </a:gs>
+            <a:gs pos="100000">
+              <a:schemeClr val="phClr">
+                <a:tint val="50000"/>
+                <a:shade val="100000"/>
+                <a:satMod val="350000"/>
+              </a:schemeClr>
+            </a:gs>
+          </a:gsLst>
+          <a:lin ang="16200000" scaled="0"/>
+        </a:gradFill>
+      </a:fillStyleLst>
+      <a:lnStyleLst>
+        <a:ln w="9525" cap="flat" cmpd="sng" algn="ctr">
+          <a:solidFill>
+            <a:schemeClr val="phClr">
+              <a:shade val="95000"/>
+              <a:satMod val="105000"/>
+            </a:schemeClr>
+          </a:solidFill>
+          <a:prstDash val="solid"/>
+        </a:ln>
+        <a:ln w="25400" cap="flat" cmpd="sng" algn="ctr">
+          <a:solidFill>
+            <a:schemeClr val="phClr"/>
+          </a:solidFill>
+          <a:prstDash val="solid"/>
+        </a:ln>
+        <a:ln w="38100" cap="flat" cmpd="sng" algn="ctr">
+          <a:solidFill>
+            <a:schemeClr val="phClr"/>
+          </a:solidFill>
+          <a:prstDash val="solid"/>
+        </a:ln>
+      </a:lnStyleLst>
+      <a:effectStyleLst>
+        <a:effectStyle>
+          <a:effectLst>
+            <a:outerShdw blurRad="40000" dist="20000" dir="5400000" rotWithShape="0">
+              <a:srgbClr val="000000">
+                <a:alpha val="38000"/>
+              </a:srgbClr>
+            </a:outerShdw>
+          </a:effectLst>
+        </a:effectStyle>
+        <a:effectStyle>
+          <a:effectLst>
+            <a:outerShdw blurRad="40000" dist="23000" dir="5400000" rotWithShape="0">
+              <a:srgbClr val="000000">
+                <a:alpha val="35000"/>
+              </a:srgbClr>
+            </a:outerShdw>
+          </a:effectLst>
+        </a:effectStyle>
+        <a:effectStyle>
+          <a:effectLst>
+            <a:outerShdw blurRad="40000" dist="23000" dir="5400000" rotWithShape="0">
+              <a:srgbClr val="000000">
+                <a:alpha val="35000"/>
+              </a:srgbClr>
+            </a:outerShdw>
+          </a:effectLst>
+          <a:scene3d>
+            <a:camera prst="orthographicFront">
+              <a:rot lat="0" lon="0" rev="0"/>
+            </a:camera>
+            <a:lightRig rig="threePt" dir="t">
+              <a:rot lat="0" lon="0" rev="1200000"/>
+            </a:lightRig>
+          </a:scene3d>
+          <a:sp3d>
+            <a:bevelT w="63500" h="25400"/>
+          </a:sp3d>
+        </a:effectStyle>
+      </a:effectStyleLst>
+      <a:bgFillStyleLst>
+        <a:solidFill>
+          <a:schemeClr val="phClr"/>
+        </a:solidFill>
+        <a:gradFill rotWithShape="1">
+          <a:gsLst>
+            <a:gs pos="0">
+              <a:schemeClr val="phClr">
+                <a:tint val="40000"/>
+                <a:satMod val="350000"/>
+              </a:schemeClr>
+            </a:gs>
+            <a:gs pos="40000">
+              <a:schemeClr val="phClr">
+                <a:tint val="45000"/>
+                <a:shade val="99000"/>
+                <a:satMod val="350000"/>
+              </a:schemeClr>
+            </a:gs>
+            <a:gs pos="100000">
+              <a:schemeClr val="phClr">
+                <a:shade val="20000"/>
+                <a:satMod val="255000"/>
+              </a:schemeClr>
+            </a:gs>
+          </a:gsLst>
+          <a:path path="circle">
+            <a:fillToRect l="50000" t="-80000" r="50000" b="180000"/>
+          </a:path>
+        </a:gradFill>
+        <a:gradFill rotWithShape="1">
+          <a:gsLst>
+            <a:gs pos="0">
+              <a:schemeClr val="phClr">
+                <a:tint val="80000"/>
+                <a:satMod val="300000"/>
+              </a:schemeClr>
+            </a:gs>
+            <a:gs pos="100000">
+              <a:schemeClr val="phClr">
+                <a:shade val="30000"/>
+                <a:satMod val="200000"/>
+              </a:schemeClr>
+            </a:gs>
+          </a:gsLst>
+          <a:path path="circle">
+            <a:fillToRect l="50000" t="50000" r="50000" b="50000"/>
+          </a:path>
+        </a:gradFill>
+      </a:bgFillStyleLst>
+    </a:fmtScheme>
+  </a:themeElements>
+  <a:objectDefaults>
+    <a:spDef>
+      <a:spPr/>
+      <a:bodyPr/>
+      <a:lstStyle/>
+      <a:style>
+        <a:lnRef idx="1">
+          <a:schemeClr val="accent1"/>
+        </a:lnRef>
+        <a:fillRef idx="3">
+          <a:schemeClr val="accent1"/>
+        </a:fillRef>
+        <a:effectRef idx="2">
+          <a:schemeClr val="accent1"/>
+        </a:effectRef>
+        <a:fontRef idx="minor">
+          <a:schemeClr val="lt1"/>
+        </a:fontRef>
+      </a:style>
+    </a:spDef>
+    <a:lnDef>
+      <a:spPr/>
+      <a:bodyPr/>
+      <a:lstStyle/>
+      <a:style>
+        <a:lnRef idx="2">
+          <a:schemeClr val="accent1"/>
+        </a:lnRef>
+        <a:fillRef idx="0">
+          <a:schemeClr val="accent1"/>
+        </a:fillRef>
+        <a:effectRef idx="1">
+          <a:schemeClr val="accent1"/>
+        </a:effectRef>
+        <a:fontRef idx="minor">
+          <a:schemeClr val="tx1"/>
+        </a:fontRef>
+      </a:style>
+    </a:lnDef>
+  </a:objectDefaults>
+  <a:extraClrSchemeLst/>
+</a:theme>
+</file>
+
+<file path=ppt/theme/theme2.xml><?xml version="1.0" encoding="utf-8"?>
+<a:theme xmlns:a="http://schemas.openxmlformats.org/drawingml/2006/main" name="Office Theme">
+  <a:themeElements>
+    <a:clrScheme name="Office">
+      <a:dk1>
+        <a:sysClr val="windowText" lastClr="000000"/>
+      </a:dk1>
+      <a:lt1>
+        <a:sysClr val="window" lastClr="FFFFFF"/>
+      </a:lt1>
+      <a:dk2>
         <a:srgbClr val="44546A"/>
       </a:dk2>
       <a:lt2>
         <a:srgbClr val="E7E6E6"/>
       </a:lt2>
       <a:accent1>
-        <a:srgbClr val="5B9BD5"/>
+        <a:srgbClr val="4472C4"/>
       </a:accent1>
       <a:accent2>
         <a:srgbClr val="ED7D31"/>
@@ -18465,7 +18988,7 @@
         <a:srgbClr val="FFC000"/>
       </a:accent4>
       <a:accent5>
-        <a:srgbClr val="4472C4"/>
+        <a:srgbClr val="5B9BD5"/>
       </a:accent5>
       <a:accent6>
         <a:srgbClr val="70AD47"/>
@@ -18512,6 +19035,23 @@
         <a:font script="Viet" typeface="Times New Roman"/>
         <a:font script="Uigh" typeface="Microsoft Uighur"/>
         <a:font script="Geor" typeface="Sylfaen"/>
+        <a:font script="Armn" typeface="Arial"/>
+        <a:font script="Bugi" typeface="Leelawadee UI"/>
+        <a:font script="Bopo" typeface="Microsoft JhengHei"/>
+        <a:font script="Java" typeface="Javanese Text"/>
+        <a:font script="Lisu" typeface="Segoe UI"/>
+        <a:font script="Mymr" typeface="Myanmar Text"/>
+        <a:font script="Nkoo" typeface="Ebrima"/>
+        <a:font script="Olck" typeface="Nirmala UI"/>
+        <a:font script="Osma" typeface="Ebrima"/>
+        <a:font script="Phag" typeface="Phagspa"/>
+        <a:font script="Syrn" typeface="Estrangelo Edessa"/>
+        <a:font script="Syrj" typeface="Estrangelo Edessa"/>
+        <a:font script="Syre" typeface="Estrangelo Edessa"/>
+        <a:font script="Sora" typeface="Nirmala UI"/>
+        <a:font script="Tale" typeface="Microsoft Tai Le"/>
+        <a:font script="Talu" typeface="Microsoft New Tai Lue"/>
+        <a:font script="Tfng" typeface="Ebrima"/>
       </a:majorFont>
       <a:minorFont>
         <a:latin typeface="Calibri" panose="020F0502020204030204"/>
@@ -18547,267 +19087,23 @@
         <a:font script="Viet" typeface="Arial"/>
         <a:font script="Uigh" typeface="Microsoft Uighur"/>
         <a:font script="Geor" typeface="Sylfaen"/>
-      </a:minorFont>
-    </a:fontScheme>
-    <a:fmtScheme name="Office">
-      <a:fillStyleLst>
-        <a:solidFill>
-          <a:schemeClr val="phClr"/>
-        </a:solidFill>
-        <a:gradFill rotWithShape="1">
-          <a:gsLst>
-            <a:gs pos="0">
-              <a:schemeClr val="phClr">
-                <a:lumMod val="110000"/>
-                <a:satMod val="105000"/>
-                <a:tint val="67000"/>
-              </a:schemeClr>
-            </a:gs>
-            <a:gs pos="50000">
-              <a:schemeClr val="phClr">
-                <a:lumMod val="105000"/>
-                <a:satMod val="103000"/>
-                <a:tint val="73000"/>
-              </a:schemeClr>
-            </a:gs>
-            <a:gs pos="100000">
-              <a:schemeClr val="phClr">
-                <a:lumMod val="105000"/>
-                <a:satMod val="109000"/>
-                <a:tint val="81000"/>
-              </a:schemeClr>
-            </a:gs>
-          </a:gsLst>
-          <a:lin ang="5400000" scaled="0"/>
-        </a:gradFill>
-        <a:gradFill rotWithShape="1">
-          <a:gsLst>
-            <a:gs pos="0">
-              <a:schemeClr val="phClr">
-                <a:satMod val="103000"/>
-                <a:lumMod val="102000"/>
-                <a:tint val="94000"/>
-              </a:schemeClr>
-            </a:gs>
-            <a:gs pos="50000">
-              <a:schemeClr val="phClr">
-                <a:satMod val="110000"/>
-                <a:lumMod val="100000"/>
-                <a:shade val="100000"/>
-              </a:schemeClr>
-            </a:gs>
-            <a:gs pos="100000">
-              <a:schemeClr val="phClr">
-                <a:lumMod val="99000"/>
-                <a:satMod val="120000"/>
-                <a:shade val="78000"/>
-              </a:schemeClr>
-            </a:gs>
-          </a:gsLst>
-          <a:lin ang="5400000" scaled="0"/>
-        </a:gradFill>
-      </a:fillStyleLst>
-      <a:lnStyleLst>
-        <a:ln w="6350" cap="flat" cmpd="sng" algn="ctr">
-          <a:solidFill>
-            <a:schemeClr val="phClr"/>
-          </a:solidFill>
-          <a:prstDash val="solid"/>
-          <a:miter lim="800000"/>
-        </a:ln>
-        <a:ln w="12700" cap="flat" cmpd="sng" algn="ctr">
-          <a:solidFill>
-            <a:schemeClr val="phClr"/>
-          </a:solidFill>
-          <a:prstDash val="solid"/>
-          <a:miter lim="800000"/>
-        </a:ln>
-        <a:ln w="19050" cap="flat" cmpd="sng" algn="ctr">
-          <a:solidFill>
-            <a:schemeClr val="phClr"/>
-          </a:solidFill>
-          <a:prstDash val="solid"/>
-          <a:miter lim="800000"/>
-        </a:ln>
-      </a:lnStyleLst>
-      <a:effectStyleLst>
-        <a:effectStyle>
-          <a:effectLst/>
-        </a:effectStyle>
-        <a:effectStyle>
-          <a:effectLst/>
-        </a:effectStyle>
-        <a:effectStyle>
-          <a:effectLst>
-            <a:outerShdw blurRad="57150" dist="19050" dir="5400000" algn="ctr" rotWithShape="0">
-              <a:srgbClr val="000000">
-                <a:alpha val="63000"/>
-              </a:srgbClr>
-            </a:outerShdw>
-          </a:effectLst>
-        </a:effectStyle>
-      </a:effectStyleLst>
-      <a:bgFillStyleLst>
-        <a:solidFill>
-          <a:schemeClr val="phClr"/>
-        </a:solidFill>
-        <a:solidFill>
-          <a:schemeClr val="phClr">
-            <a:tint val="95000"/>
-            <a:satMod val="170000"/>
-          </a:schemeClr>
-        </a:solidFill>
-        <a:gradFill rotWithShape="1">
-          <a:gsLst>
-            <a:gs pos="0">
-              <a:schemeClr val="phClr">
-                <a:tint val="93000"/>
-                <a:satMod val="150000"/>
-                <a:shade val="98000"/>
-                <a:lumMod val="102000"/>
-              </a:schemeClr>
-            </a:gs>
-            <a:gs pos="50000">
-              <a:schemeClr val="phClr">
-                <a:tint val="98000"/>
-                <a:satMod val="130000"/>
-                <a:shade val="90000"/>
-                <a:lumMod val="103000"/>
-              </a:schemeClr>
-            </a:gs>
-            <a:gs pos="100000">
-              <a:schemeClr val="phClr">
-                <a:shade val="63000"/>
-                <a:satMod val="120000"/>
-              </a:schemeClr>
-            </a:gs>
-          </a:gsLst>
-          <a:lin ang="5400000" scaled="0"/>
-        </a:gradFill>
-      </a:bgFillStyleLst>
-    </a:fmtScheme>
-  </a:themeElements>
-  <a:objectDefaults/>
-  <a:extraClrSchemeLst/>
-  <a:extLst>
-    <a:ext uri="{05A4C25C-085E-4340-85A3-A5531E510DB2}">
-      <thm15:themeFamily xmlns:thm15="http://schemas.microsoft.com/office/thememl/2012/main" name="Office Theme" id="{62F939B6-93AF-4DB8-9C6B-D6C7DFDC589F}" vid="{4A3C46E8-61CC-4603-A589-7422A47A8E4A}"/>
-    </a:ext>
-  </a:extLst>
-</a:theme>
-</file>
-
-<file path=ppt/theme/theme2.xml><?xml version="1.0" encoding="utf-8"?>
-<a:theme xmlns:a="http://schemas.openxmlformats.org/drawingml/2006/main" name="Office Theme">
-  <a:themeElements>
-    <a:clrScheme name="Office">
-      <a:dk1>
-        <a:sysClr val="windowText" lastClr="000000"/>
-      </a:dk1>
-      <a:lt1>
-        <a:sysClr val="window" lastClr="FFFFFF"/>
-      </a:lt1>
-      <a:dk2>
-        <a:srgbClr val="44546A"/>
-      </a:dk2>
-      <a:lt2>
-        <a:srgbClr val="E7E6E6"/>
-      </a:lt2>
-      <a:accent1>
-        <a:srgbClr val="5B9BD5"/>
-      </a:accent1>
-      <a:accent2>
-        <a:srgbClr val="ED7D31"/>
-      </a:accent2>
-      <a:accent3>
-        <a:srgbClr val="A5A5A5"/>
-      </a:accent3>
-      <a:accent4>
-        <a:srgbClr val="FFC000"/>
-      </a:accent4>
-      <a:accent5>
-        <a:srgbClr val="4472C4"/>
-      </a:accent5>
-      <a:accent6>
-        <a:srgbClr val="70AD47"/>
-      </a:accent6>
-      <a:hlink>
-        <a:srgbClr val="0563C1"/>
-      </a:hlink>
-      <a:folHlink>
-        <a:srgbClr val="954F72"/>
-      </a:folHlink>
-    </a:clrScheme>
-    <a:fontScheme name="Office">
-      <a:majorFont>
-        <a:latin typeface="Calibri Light" panose="020F0302020204030204"/>
-        <a:ea typeface=""/>
-        <a:cs typeface=""/>
-        <a:font script="Jpan" typeface="游ゴシック Light"/>
-        <a:font script="Hang" typeface="맑은 고딕"/>
-        <a:font script="Hans" typeface="等线 Light"/>
-        <a:font script="Hant" typeface="新細明體"/>
-        <a:font script="Arab" typeface="Times New Roman"/>
-        <a:font script="Hebr" typeface="Times New Roman"/>
-        <a:font script="Thai" typeface="Angsana New"/>
-        <a:font script="Ethi" typeface="Nyala"/>
-        <a:font script="Beng" typeface="Vrinda"/>
-        <a:font script="Gujr" typeface="Shruti"/>
-        <a:font script="Khmr" typeface="MoolBoran"/>
-        <a:font script="Knda" typeface="Tunga"/>
-        <a:font script="Guru" typeface="Raavi"/>
-        <a:font script="Cans" typeface="Euphemia"/>
-        <a:font script="Cher" typeface="Plantagenet Cherokee"/>
-        <a:font script="Yiii" typeface="Microsoft Yi Baiti"/>
-        <a:font script="Tibt" typeface="Microsoft Himalaya"/>
-        <a:font script="Thaa" typeface="MV Boli"/>
-        <a:font script="Deva" typeface="Mangal"/>
-        <a:font script="Telu" typeface="Gautami"/>
-        <a:font script="Taml" typeface="Latha"/>
-        <a:font script="Syrc" typeface="Estrangelo Edessa"/>
-        <a:font script="Orya" typeface="Kalinga"/>
-        <a:font script="Mlym" typeface="Kartika"/>
-        <a:font script="Laoo" typeface="DokChampa"/>
-        <a:font script="Sinh" typeface="Iskoola Pota"/>
-        <a:font script="Mong" typeface="Mongolian Baiti"/>
-        <a:font script="Viet" typeface="Times New Roman"/>
-        <a:font script="Uigh" typeface="Microsoft Uighur"/>
-        <a:font script="Geor" typeface="Sylfaen"/>
-      </a:majorFont>
-      <a:minorFont>
-        <a:latin typeface="Calibri" panose="020F0502020204030204"/>
-        <a:ea typeface=""/>
-        <a:cs typeface=""/>
-        <a:font script="Jpan" typeface="游ゴシック"/>
-        <a:font script="Hang" typeface="맑은 고딕"/>
-        <a:font script="Hans" typeface="等线"/>
-        <a:font script="Hant" typeface="新細明體"/>
-        <a:font script="Arab" typeface="Arial"/>
-        <a:font script="Hebr" typeface="Arial"/>
-        <a:font script="Thai" typeface="Cordia New"/>
-        <a:font script="Ethi" typeface="Nyala"/>
-        <a:font script="Beng" typeface="Vrinda"/>
-        <a:font script="Gujr" typeface="Shruti"/>
-        <a:font script="Khmr" typeface="DaunPenh"/>
-        <a:font script="Knda" typeface="Tunga"/>
-        <a:font script="Guru" typeface="Raavi"/>
-        <a:font script="Cans" typeface="Euphemia"/>
-        <a:font script="Cher" typeface="Plantagenet Cherokee"/>
-        <a:font script="Yiii" typeface="Microsoft Yi Baiti"/>
-        <a:font script="Tibt" typeface="Microsoft Himalaya"/>
-        <a:font script="Thaa" typeface="MV Boli"/>
-        <a:font script="Deva" typeface="Mangal"/>
-        <a:font script="Telu" typeface="Gautami"/>
-        <a:font script="Taml" typeface="Latha"/>
-        <a:font script="Syrc" typeface="Estrangelo Edessa"/>
-        <a:font script="Orya" typeface="Kalinga"/>
-        <a:font script="Mlym" typeface="Kartika"/>
-        <a:font script="Laoo" typeface="DokChampa"/>
-        <a:font script="Sinh" typeface="Iskoola Pota"/>
-        <a:font script="Mong" typeface="Mongolian Baiti"/>
-        <a:font script="Viet" typeface="Arial"/>
-        <a:font script="Uigh" typeface="Microsoft Uighur"/>
-        <a:font script="Geor" typeface="Sylfaen"/>
+        <a:font script="Armn" typeface="Arial"/>
+        <a:font script="Bugi" typeface="Leelawadee UI"/>
+        <a:font script="Bopo" typeface="Microsoft JhengHei"/>
+        <a:font script="Java" typeface="Javanese Text"/>
+        <a:font script="Lisu" typeface="Segoe UI"/>
+        <a:font script="Mymr" typeface="Myanmar Text"/>
+        <a:font script="Nkoo" typeface="Ebrima"/>
+        <a:font script="Olck" typeface="Nirmala UI"/>
+        <a:font script="Osma" typeface="Ebrima"/>
+        <a:font script="Phag" typeface="Phagspa"/>
+        <a:font script="Syrn" typeface="Estrangelo Edessa"/>
+        <a:font script="Syrj" typeface="Estrangelo Edessa"/>
+        <a:font script="Syre" typeface="Estrangelo Edessa"/>
+        <a:font script="Sora" typeface="Nirmala UI"/>
+        <a:font script="Tale" typeface="Microsoft Tai Le"/>
+        <a:font script="Talu" typeface="Microsoft New Tai Lue"/>
+        <a:font script="Tfng" typeface="Ebrima"/>
       </a:minorFont>
     </a:fontScheme>
     <a:fmtScheme name="Office">
